--- a/version2/slides/intro-sci.pptx
+++ b/version2/slides/intro-sci.pptx
@@ -316,7 +316,7 @@
           <a:p>
             <a:fld id="{5091855A-294E-431A-9859-2765F2241587}" type="datetimeFigureOut">
               <a:rPr lang="en-US" smtClean="0"/>
-              <a:t>4/8/2025</a:t>
+              <a:t>4/9/2025</a:t>
             </a:fld>
             <a:endParaRPr lang="en-US"/>
           </a:p>
@@ -713,6 +713,429 @@
 </p:notes>
 </file>
 
+<file path=ppt/notesSlides/notesSlide10.xml><?xml version="1.0" encoding="utf-8"?>
+<p:notes xmlns:a="http://schemas.openxmlformats.org/drawingml/2006/main" xmlns:r="http://schemas.openxmlformats.org/officeDocument/2006/relationships" xmlns:p="http://schemas.openxmlformats.org/presentationml/2006/main">
+  <p:cSld>
+    <p:spTree>
+      <p:nvGrpSpPr>
+        <p:cNvPr id="1" name=""/>
+        <p:cNvGrpSpPr/>
+        <p:nvPr/>
+      </p:nvGrpSpPr>
+      <p:grpSpPr>
+        <a:xfrm>
+          <a:off x="0" y="0"/>
+          <a:ext cx="0" cy="0"/>
+          <a:chOff x="0" y="0"/>
+          <a:chExt cx="0" cy="0"/>
+        </a:xfrm>
+      </p:grpSpPr>
+      <p:sp>
+        <p:nvSpPr>
+          <p:cNvPr id="2" name="Slide Image Placeholder 1"/>
+          <p:cNvSpPr>
+            <a:spLocks noGrp="1" noRot="1" noChangeAspect="1"/>
+          </p:cNvSpPr>
+          <p:nvPr>
+            <p:ph type="sldImg"/>
+          </p:nvPr>
+        </p:nvSpPr>
+        <p:spPr/>
+      </p:sp>
+      <p:sp>
+        <p:nvSpPr>
+          <p:cNvPr id="3" name="Notes Placeholder 2"/>
+          <p:cNvSpPr>
+            <a:spLocks noGrp="1"/>
+          </p:cNvSpPr>
+          <p:nvPr>
+            <p:ph type="body" idx="1"/>
+          </p:nvPr>
+        </p:nvSpPr>
+        <p:spPr/>
+        <p:txBody>
+          <a:bodyPr/>
+          <a:lstStyle/>
+          <a:p>
+            <a:pPr marL="0" indent="0">
+              <a:buNone/>
+            </a:pPr>
+            <a:r>
+              <a:rPr lang="sv-SE" dirty="0"/>
+              <a:t>For </a:t>
+            </a:r>
+            <a:r>
+              <a:rPr lang="sv-SE" dirty="0" err="1"/>
+              <a:t>our</a:t>
+            </a:r>
+            <a:r>
+              <a:rPr lang="sv-SE" dirty="0"/>
+              <a:t> data </a:t>
+            </a:r>
+            <a:r>
+              <a:rPr lang="sv-SE" dirty="0" err="1"/>
+              <a:t>analysis</a:t>
+            </a:r>
+            <a:r>
+              <a:rPr lang="sv-SE" dirty="0"/>
+              <a:t> </a:t>
+            </a:r>
+            <a:r>
+              <a:rPr lang="sv-SE" dirty="0" err="1"/>
+              <a:t>tool</a:t>
+            </a:r>
+            <a:r>
+              <a:rPr lang="sv-SE" dirty="0"/>
+              <a:t>, </a:t>
+            </a:r>
+            <a:r>
+              <a:rPr lang="sv-SE" dirty="0" err="1"/>
+              <a:t>we</a:t>
+            </a:r>
+            <a:r>
+              <a:rPr lang="sv-SE" dirty="0"/>
+              <a:t> </a:t>
+            </a:r>
+            <a:r>
+              <a:rPr lang="sv-SE" dirty="0" err="1"/>
+              <a:t>will</a:t>
+            </a:r>
+            <a:r>
+              <a:rPr lang="sv-SE" dirty="0"/>
+              <a:t> </a:t>
+            </a:r>
+            <a:r>
+              <a:rPr lang="sv-SE" dirty="0" err="1"/>
+              <a:t>use</a:t>
+            </a:r>
+            <a:r>
+              <a:rPr lang="sv-SE" dirty="0"/>
+              <a:t> </a:t>
+            </a:r>
+            <a:r>
+              <a:rPr lang="sv-SE" dirty="0" err="1"/>
+              <a:t>linear</a:t>
+            </a:r>
+            <a:r>
+              <a:rPr lang="sv-SE" dirty="0"/>
+              <a:t> regressions (</a:t>
+            </a:r>
+            <a:r>
+              <a:rPr lang="sv-SE" dirty="0" err="1"/>
+              <a:t>which</a:t>
+            </a:r>
+            <a:r>
+              <a:rPr lang="sv-SE" dirty="0"/>
+              <a:t> </a:t>
+            </a:r>
+            <a:r>
+              <a:rPr lang="sv-SE" dirty="0" err="1"/>
+              <a:t>are</a:t>
+            </a:r>
+            <a:r>
+              <a:rPr lang="sv-SE" dirty="0"/>
+              <a:t> </a:t>
+            </a:r>
+            <a:r>
+              <a:rPr lang="sv-SE" dirty="0" err="1"/>
+              <a:t>more</a:t>
+            </a:r>
+            <a:r>
+              <a:rPr lang="sv-SE" dirty="0"/>
+              <a:t> </a:t>
+            </a:r>
+            <a:r>
+              <a:rPr lang="sv-SE" dirty="0" err="1"/>
+              <a:t>powerful</a:t>
+            </a:r>
+            <a:r>
+              <a:rPr lang="sv-SE" dirty="0"/>
+              <a:t> </a:t>
+            </a:r>
+            <a:r>
+              <a:rPr lang="sv-SE" dirty="0" err="1"/>
+              <a:t>than</a:t>
+            </a:r>
+            <a:r>
+              <a:rPr lang="sv-SE" dirty="0"/>
+              <a:t> </a:t>
+            </a:r>
+            <a:r>
+              <a:rPr lang="sv-SE" dirty="0" err="1"/>
+              <a:t>NHSTs</a:t>
+            </a:r>
+            <a:r>
+              <a:rPr lang="sv-SE" dirty="0"/>
+              <a:t> </a:t>
+            </a:r>
+            <a:r>
+              <a:rPr lang="sv-SE" dirty="0" err="1"/>
+              <a:t>but</a:t>
+            </a:r>
+            <a:r>
+              <a:rPr lang="sv-SE" dirty="0"/>
+              <a:t> </a:t>
+            </a:r>
+            <a:r>
+              <a:rPr lang="sv-SE" dirty="0" err="1"/>
+              <a:t>more</a:t>
+            </a:r>
+            <a:r>
+              <a:rPr lang="sv-SE" dirty="0"/>
+              <a:t> </a:t>
+            </a:r>
+            <a:r>
+              <a:rPr lang="sv-SE" dirty="0" err="1"/>
+              <a:t>approachable</a:t>
+            </a:r>
+            <a:r>
+              <a:rPr lang="sv-SE" dirty="0"/>
+              <a:t> </a:t>
+            </a:r>
+            <a:r>
+              <a:rPr lang="sv-SE" dirty="0" err="1"/>
+              <a:t>than</a:t>
+            </a:r>
+            <a:r>
+              <a:rPr lang="sv-SE" dirty="0"/>
+              <a:t> </a:t>
+            </a:r>
+            <a:r>
+              <a:rPr lang="sv-SE" dirty="0" err="1"/>
+              <a:t>Bayesian</a:t>
+            </a:r>
+            <a:r>
+              <a:rPr lang="sv-SE" dirty="0"/>
+              <a:t> data </a:t>
+            </a:r>
+            <a:r>
+              <a:rPr lang="sv-SE" dirty="0" err="1"/>
+              <a:t>analysis</a:t>
+            </a:r>
+            <a:r>
+              <a:rPr lang="sv-SE" dirty="0"/>
+              <a:t>).</a:t>
+            </a:r>
+          </a:p>
+          <a:p>
+            <a:pPr marL="0" indent="0">
+              <a:buNone/>
+            </a:pPr>
+            <a:r>
+              <a:rPr lang="sv-SE" dirty="0"/>
+              <a:t>Limitations: </a:t>
+            </a:r>
+            <a:r>
+              <a:rPr lang="sv-SE" dirty="0" err="1"/>
+              <a:t>assumption</a:t>
+            </a:r>
+            <a:r>
+              <a:rPr lang="sv-SE" dirty="0"/>
+              <a:t> </a:t>
+            </a:r>
+            <a:r>
+              <a:rPr lang="sv-SE" dirty="0" err="1"/>
+              <a:t>of</a:t>
+            </a:r>
+            <a:r>
+              <a:rPr lang="sv-SE" dirty="0"/>
+              <a:t> monotonicity, etc.</a:t>
+            </a:r>
+          </a:p>
+          <a:p>
+            <a:pPr marL="0" indent="0">
+              <a:buNone/>
+            </a:pPr>
+            <a:r>
+              <a:rPr lang="sv-SE" dirty="0"/>
+              <a:t>(</a:t>
+            </a:r>
+            <a:r>
+              <a:rPr lang="sv-SE" dirty="0" err="1"/>
+              <a:t>example</a:t>
+            </a:r>
+            <a:r>
+              <a:rPr lang="sv-SE" dirty="0"/>
+              <a:t> </a:t>
+            </a:r>
+            <a:r>
+              <a:rPr lang="sv-SE" dirty="0" err="1"/>
+              <a:t>of</a:t>
+            </a:r>
+            <a:r>
+              <a:rPr lang="sv-SE" dirty="0"/>
+              <a:t> a regression </a:t>
+            </a:r>
+            <a:r>
+              <a:rPr lang="sv-SE" dirty="0" err="1"/>
+              <a:t>formula</a:t>
+            </a:r>
+            <a:r>
+              <a:rPr lang="sv-SE" dirty="0"/>
+              <a:t> </a:t>
+            </a:r>
+            <a:r>
+              <a:rPr lang="sv-SE" dirty="0" err="1"/>
+              <a:t>with</a:t>
+            </a:r>
+            <a:r>
+              <a:rPr lang="sv-SE" dirty="0"/>
+              <a:t> </a:t>
+            </a:r>
+            <a:r>
+              <a:rPr lang="sv-SE" dirty="0" err="1"/>
+              <a:t>explanations</a:t>
+            </a:r>
+            <a:r>
+              <a:rPr lang="sv-SE" dirty="0"/>
+              <a:t>, </a:t>
+            </a:r>
+            <a:r>
+              <a:rPr lang="sv-SE" dirty="0" err="1"/>
+              <a:t>regression+data</a:t>
+            </a:r>
+            <a:r>
+              <a:rPr lang="sv-SE" dirty="0"/>
+              <a:t>, and </a:t>
+            </a:r>
+            <a:r>
+              <a:rPr lang="sv-SE" dirty="0" err="1"/>
+              <a:t>results</a:t>
+            </a:r>
+            <a:r>
+              <a:rPr lang="sv-SE" dirty="0"/>
+              <a:t>)</a:t>
+            </a:r>
+            <a:endParaRPr lang="en-US" dirty="0"/>
+          </a:p>
+          <a:p>
+            <a:endParaRPr lang="en-US" dirty="0"/>
+          </a:p>
+        </p:txBody>
+      </p:sp>
+      <p:sp>
+        <p:nvSpPr>
+          <p:cNvPr id="4" name="Slide Number Placeholder 3"/>
+          <p:cNvSpPr>
+            <a:spLocks noGrp="1"/>
+          </p:cNvSpPr>
+          <p:nvPr>
+            <p:ph type="sldNum" sz="quarter" idx="5"/>
+          </p:nvPr>
+        </p:nvSpPr>
+        <p:spPr/>
+        <p:txBody>
+          <a:bodyPr/>
+          <a:lstStyle/>
+          <a:p>
+            <a:fld id="{ACC9BBD8-1C1E-4CFA-8C12-0AE7F3A91C3D}" type="slidenum">
+              <a:rPr lang="en-US" smtClean="0"/>
+              <a:t>14</a:t>
+            </a:fld>
+            <a:endParaRPr lang="en-US"/>
+          </a:p>
+        </p:txBody>
+      </p:sp>
+    </p:spTree>
+    <p:extLst>
+      <p:ext uri="{BB962C8B-B14F-4D97-AF65-F5344CB8AC3E}">
+        <p14:creationId xmlns:p14="http://schemas.microsoft.com/office/powerpoint/2010/main" val="3449041918"/>
+      </p:ext>
+    </p:extLst>
+  </p:cSld>
+  <p:clrMapOvr>
+    <a:masterClrMapping/>
+  </p:clrMapOvr>
+</p:notes>
+</file>
+
+<file path=ppt/notesSlides/notesSlide11.xml><?xml version="1.0" encoding="utf-8"?>
+<p:notes xmlns:a="http://schemas.openxmlformats.org/drawingml/2006/main" xmlns:r="http://schemas.openxmlformats.org/officeDocument/2006/relationships" xmlns:p="http://schemas.openxmlformats.org/presentationml/2006/main">
+  <p:cSld>
+    <p:spTree>
+      <p:nvGrpSpPr>
+        <p:cNvPr id="1" name=""/>
+        <p:cNvGrpSpPr/>
+        <p:nvPr/>
+      </p:nvGrpSpPr>
+      <p:grpSpPr>
+        <a:xfrm>
+          <a:off x="0" y="0"/>
+          <a:ext cx="0" cy="0"/>
+          <a:chOff x="0" y="0"/>
+          <a:chExt cx="0" cy="0"/>
+        </a:xfrm>
+      </p:grpSpPr>
+      <p:sp>
+        <p:nvSpPr>
+          <p:cNvPr id="2" name="Slide Image Placeholder 1"/>
+          <p:cNvSpPr>
+            <a:spLocks noGrp="1" noRot="1" noChangeAspect="1"/>
+          </p:cNvSpPr>
+          <p:nvPr>
+            <p:ph type="sldImg"/>
+          </p:nvPr>
+        </p:nvSpPr>
+        <p:spPr/>
+      </p:sp>
+      <p:sp>
+        <p:nvSpPr>
+          <p:cNvPr id="3" name="Notes Placeholder 2"/>
+          <p:cNvSpPr>
+            <a:spLocks noGrp="1"/>
+          </p:cNvSpPr>
+          <p:nvPr>
+            <p:ph type="body" idx="1"/>
+          </p:nvPr>
+        </p:nvSpPr>
+        <p:spPr/>
+        <p:txBody>
+          <a:bodyPr/>
+          <a:lstStyle/>
+          <a:p>
+            <a:r>
+              <a:rPr lang="en-US" noProof="0" dirty="0"/>
+              <a:t>This whole tutorial was designed to teach applying causal inference to RE *research*, but it can also be used for RE itself</a:t>
+            </a:r>
+          </a:p>
+        </p:txBody>
+      </p:sp>
+      <p:sp>
+        <p:nvSpPr>
+          <p:cNvPr id="4" name="Slide Number Placeholder 3"/>
+          <p:cNvSpPr>
+            <a:spLocks noGrp="1"/>
+          </p:cNvSpPr>
+          <p:nvPr>
+            <p:ph type="sldNum" sz="quarter" idx="5"/>
+          </p:nvPr>
+        </p:nvSpPr>
+        <p:spPr/>
+        <p:txBody>
+          <a:bodyPr/>
+          <a:lstStyle/>
+          <a:p>
+            <a:fld id="{ACC9BBD8-1C1E-4CFA-8C12-0AE7F3A91C3D}" type="slidenum">
+              <a:rPr lang="en-US" smtClean="0"/>
+              <a:t>39</a:t>
+            </a:fld>
+            <a:endParaRPr lang="en-US"/>
+          </a:p>
+        </p:txBody>
+      </p:sp>
+    </p:spTree>
+    <p:extLst>
+      <p:ext uri="{BB962C8B-B14F-4D97-AF65-F5344CB8AC3E}">
+        <p14:creationId xmlns:p14="http://schemas.microsoft.com/office/powerpoint/2010/main" val="4151304991"/>
+      </p:ext>
+    </p:extLst>
+  </p:cSld>
+  <p:clrMapOvr>
+    <a:masterClrMapping/>
+  </p:clrMapOvr>
+</p:notes>
+</file>
+
 <file path=ppt/notesSlides/notesSlide2.xml><?xml version="1.0" encoding="utf-8"?>
 <p:notes xmlns:a="http://schemas.openxmlformats.org/drawingml/2006/main" xmlns:r="http://schemas.openxmlformats.org/officeDocument/2006/relationships" xmlns:p="http://schemas.openxmlformats.org/presentationml/2006/main">
   <p:cSld>
@@ -1940,9 +2363,110 @@
           <a:lstStyle/>
           <a:p>
             <a:r>
-              <a:rPr lang="en-US" noProof="0" dirty="0"/>
-              <a:t>This whole tutorial was designed to teach applying causal inference to RE *research*, but it can also be used for RE itself</a:t>
-            </a:r>
+              <a:rPr lang="sv-SE" dirty="0" err="1"/>
+              <a:t>More</a:t>
+            </a:r>
+            <a:r>
+              <a:rPr lang="sv-SE" dirty="0"/>
+              <a:t> </a:t>
+            </a:r>
+            <a:r>
+              <a:rPr lang="sv-SE" dirty="0" err="1"/>
+              <a:t>importantly</a:t>
+            </a:r>
+            <a:r>
+              <a:rPr lang="sv-SE" dirty="0"/>
+              <a:t>, the </a:t>
+            </a:r>
+            <a:r>
+              <a:rPr lang="sv-SE" dirty="0" err="1"/>
+              <a:t>absence</a:t>
+            </a:r>
+            <a:r>
+              <a:rPr lang="sv-SE" dirty="0"/>
+              <a:t> </a:t>
+            </a:r>
+            <a:r>
+              <a:rPr lang="sv-SE" dirty="0" err="1"/>
+              <a:t>of</a:t>
+            </a:r>
+            <a:r>
+              <a:rPr lang="sv-SE" dirty="0"/>
+              <a:t> an </a:t>
+            </a:r>
+            <a:r>
+              <a:rPr lang="sv-SE" dirty="0" err="1"/>
+              <a:t>edge</a:t>
+            </a:r>
+            <a:r>
+              <a:rPr lang="sv-SE" dirty="0"/>
+              <a:t> </a:t>
+            </a:r>
+            <a:r>
+              <a:rPr lang="sv-SE" dirty="0" err="1"/>
+              <a:t>encodes</a:t>
+            </a:r>
+            <a:r>
+              <a:rPr lang="sv-SE" dirty="0"/>
+              <a:t> the </a:t>
+            </a:r>
+            <a:r>
+              <a:rPr lang="sv-SE" i="1" dirty="0" err="1"/>
+              <a:t>certainty</a:t>
+            </a:r>
+            <a:r>
+              <a:rPr lang="sv-SE" dirty="0"/>
+              <a:t> </a:t>
+            </a:r>
+            <a:r>
+              <a:rPr lang="sv-SE" dirty="0" err="1"/>
+              <a:t>that</a:t>
+            </a:r>
+            <a:r>
+              <a:rPr lang="sv-SE" dirty="0"/>
+              <a:t> </a:t>
+            </a:r>
+            <a:r>
+              <a:rPr lang="sv-SE" dirty="0" err="1"/>
+              <a:t>two</a:t>
+            </a:r>
+            <a:r>
+              <a:rPr lang="sv-SE" dirty="0"/>
+              <a:t> </a:t>
+            </a:r>
+            <a:r>
+              <a:rPr lang="sv-SE" dirty="0" err="1"/>
+              <a:t>variables</a:t>
+            </a:r>
+            <a:r>
+              <a:rPr lang="sv-SE" dirty="0"/>
+              <a:t> </a:t>
+            </a:r>
+            <a:r>
+              <a:rPr lang="sv-SE" dirty="0" err="1"/>
+              <a:t>are</a:t>
+            </a:r>
+            <a:r>
+              <a:rPr lang="sv-SE" dirty="0"/>
+              <a:t> not </a:t>
+            </a:r>
+            <a:r>
+              <a:rPr lang="sv-SE" dirty="0" err="1"/>
+              <a:t>directly</a:t>
+            </a:r>
+            <a:r>
+              <a:rPr lang="sv-SE" dirty="0"/>
+              <a:t> </a:t>
+            </a:r>
+            <a:r>
+              <a:rPr lang="sv-SE" dirty="0" err="1"/>
+              <a:t>related</a:t>
+            </a:r>
+            <a:r>
+              <a:rPr lang="sv-SE" dirty="0"/>
+              <a:t>.</a:t>
+            </a:r>
+            <a:endParaRPr lang="en-US" dirty="0"/>
           </a:p>
         </p:txBody>
       </p:sp>
@@ -1963,7 +2487,7 @@
           <a:p>
             <a:fld id="{ACC9BBD8-1C1E-4CFA-8C12-0AE7F3A91C3D}" type="slidenum">
               <a:rPr lang="en-US" smtClean="0"/>
-              <a:t>39</a:t>
+              <a:t>12</a:t>
             </a:fld>
             <a:endParaRPr lang="en-US"/>
           </a:p>
@@ -1972,7 +2496,177 @@
     </p:spTree>
     <p:extLst>
       <p:ext uri="{BB962C8B-B14F-4D97-AF65-F5344CB8AC3E}">
-        <p14:creationId xmlns:p14="http://schemas.microsoft.com/office/powerpoint/2010/main" val="4151304991"/>
+        <p14:creationId xmlns:p14="http://schemas.microsoft.com/office/powerpoint/2010/main" val="4233207662"/>
+      </p:ext>
+    </p:extLst>
+  </p:cSld>
+  <p:clrMapOvr>
+    <a:masterClrMapping/>
+  </p:clrMapOvr>
+</p:notes>
+</file>
+
+<file path=ppt/notesSlides/notesSlide9.xml><?xml version="1.0" encoding="utf-8"?>
+<p:notes xmlns:a="http://schemas.openxmlformats.org/drawingml/2006/main" xmlns:r="http://schemas.openxmlformats.org/officeDocument/2006/relationships" xmlns:p="http://schemas.openxmlformats.org/presentationml/2006/main">
+  <p:cSld>
+    <p:spTree>
+      <p:nvGrpSpPr>
+        <p:cNvPr id="1" name=""/>
+        <p:cNvGrpSpPr/>
+        <p:nvPr/>
+      </p:nvGrpSpPr>
+      <p:grpSpPr>
+        <a:xfrm>
+          <a:off x="0" y="0"/>
+          <a:ext cx="0" cy="0"/>
+          <a:chOff x="0" y="0"/>
+          <a:chExt cx="0" cy="0"/>
+        </a:xfrm>
+      </p:grpSpPr>
+      <p:sp>
+        <p:nvSpPr>
+          <p:cNvPr id="2" name="Slide Image Placeholder 1"/>
+          <p:cNvSpPr>
+            <a:spLocks noGrp="1" noRot="1" noChangeAspect="1"/>
+          </p:cNvSpPr>
+          <p:nvPr>
+            <p:ph type="sldImg"/>
+          </p:nvPr>
+        </p:nvSpPr>
+        <p:spPr/>
+      </p:sp>
+      <p:sp>
+        <p:nvSpPr>
+          <p:cNvPr id="3" name="Notes Placeholder 2"/>
+          <p:cNvSpPr>
+            <a:spLocks noGrp="1"/>
+          </p:cNvSpPr>
+          <p:nvPr>
+            <p:ph type="body" idx="1"/>
+          </p:nvPr>
+        </p:nvSpPr>
+        <p:spPr/>
+        <p:txBody>
+          <a:bodyPr/>
+          <a:lstStyle/>
+          <a:p>
+            <a:pPr marL="0" indent="0">
+              <a:buNone/>
+            </a:pPr>
+            <a:r>
+              <a:rPr lang="sv-SE" dirty="0" err="1"/>
+              <a:t>This</a:t>
+            </a:r>
+            <a:r>
+              <a:rPr lang="sv-SE" dirty="0"/>
+              <a:t> </a:t>
+            </a:r>
+            <a:r>
+              <a:rPr lang="sv-SE" dirty="0" err="1"/>
+              <a:t>represents</a:t>
+            </a:r>
+            <a:r>
+              <a:rPr lang="sv-SE" dirty="0"/>
+              <a:t> </a:t>
+            </a:r>
+            <a:r>
+              <a:rPr lang="sv-SE" dirty="0" err="1"/>
+              <a:t>our</a:t>
+            </a:r>
+            <a:r>
+              <a:rPr lang="sv-SE" dirty="0"/>
+              <a:t> </a:t>
+            </a:r>
+            <a:r>
+              <a:rPr lang="sv-SE" dirty="0" err="1"/>
+              <a:t>ground</a:t>
+            </a:r>
+            <a:r>
+              <a:rPr lang="sv-SE" dirty="0"/>
+              <a:t> </a:t>
+            </a:r>
+            <a:r>
+              <a:rPr lang="sv-SE" dirty="0" err="1"/>
+              <a:t>truth</a:t>
+            </a:r>
+            <a:r>
+              <a:rPr lang="sv-SE" dirty="0"/>
+              <a:t> (</a:t>
+            </a:r>
+            <a:r>
+              <a:rPr lang="sv-SE" dirty="0" err="1"/>
+              <a:t>both</a:t>
+            </a:r>
+            <a:r>
+              <a:rPr lang="sv-SE" dirty="0"/>
+              <a:t> in terms </a:t>
+            </a:r>
+            <a:r>
+              <a:rPr lang="sv-SE" dirty="0" err="1"/>
+              <a:t>of</a:t>
+            </a:r>
+            <a:r>
+              <a:rPr lang="sv-SE" dirty="0"/>
+              <a:t> </a:t>
+            </a:r>
+            <a:r>
+              <a:rPr lang="sv-SE" dirty="0" err="1"/>
+              <a:t>effects</a:t>
+            </a:r>
+            <a:r>
+              <a:rPr lang="sv-SE" dirty="0"/>
+              <a:t> and </a:t>
+            </a:r>
+            <a:r>
+              <a:rPr lang="sv-SE" dirty="0" err="1"/>
+              <a:t>their</a:t>
+            </a:r>
+            <a:r>
+              <a:rPr lang="sv-SE" dirty="0"/>
+              <a:t> </a:t>
+            </a:r>
+            <a:r>
+              <a:rPr lang="sv-SE" dirty="0" err="1"/>
+              <a:t>strength</a:t>
+            </a:r>
+            <a:r>
+              <a:rPr lang="sv-SE" dirty="0"/>
+              <a:t>.</a:t>
+            </a:r>
+            <a:endParaRPr lang="en-US" dirty="0"/>
+          </a:p>
+          <a:p>
+            <a:endParaRPr lang="en-US" dirty="0"/>
+          </a:p>
+        </p:txBody>
+      </p:sp>
+      <p:sp>
+        <p:nvSpPr>
+          <p:cNvPr id="4" name="Slide Number Placeholder 3"/>
+          <p:cNvSpPr>
+            <a:spLocks noGrp="1"/>
+          </p:cNvSpPr>
+          <p:nvPr>
+            <p:ph type="sldNum" sz="quarter" idx="5"/>
+          </p:nvPr>
+        </p:nvSpPr>
+        <p:spPr/>
+        <p:txBody>
+          <a:bodyPr/>
+          <a:lstStyle/>
+          <a:p>
+            <a:fld id="{ACC9BBD8-1C1E-4CFA-8C12-0AE7F3A91C3D}" type="slidenum">
+              <a:rPr lang="en-US" smtClean="0"/>
+              <a:t>13</a:t>
+            </a:fld>
+            <a:endParaRPr lang="en-US"/>
+          </a:p>
+        </p:txBody>
+      </p:sp>
+    </p:spTree>
+    <p:extLst>
+      <p:ext uri="{BB962C8B-B14F-4D97-AF65-F5344CB8AC3E}">
+        <p14:creationId xmlns:p14="http://schemas.microsoft.com/office/powerpoint/2010/main" val="1915203257"/>
       </p:ext>
     </p:extLst>
   </p:cSld>
@@ -2129,7 +2823,7 @@
           <a:p>
             <a:fld id="{5198BA7A-2DC7-4E80-BC43-C2127F15823C}" type="datetime1">
               <a:rPr lang="de-DE" smtClean="0"/>
-              <a:t>08.04.2025</a:t>
+              <a:t>09.04.2025</a:t>
             </a:fld>
             <a:endParaRPr lang="en-US"/>
           </a:p>
@@ -2330,7 +3024,7 @@
           <a:p>
             <a:fld id="{EF4F5A0B-ACD0-49D0-A6FA-765A96ED9790}" type="datetime1">
               <a:rPr lang="de-DE" smtClean="0"/>
-              <a:t>08.04.2025</a:t>
+              <a:t>09.04.2025</a:t>
             </a:fld>
             <a:endParaRPr lang="en-US"/>
           </a:p>
@@ -2541,7 +3235,7 @@
           <a:p>
             <a:fld id="{13BE6F7B-86A9-4494-A63D-9BD62DED037F}" type="datetime1">
               <a:rPr lang="de-DE" smtClean="0"/>
-              <a:t>08.04.2025</a:t>
+              <a:t>09.04.2025</a:t>
             </a:fld>
             <a:endParaRPr lang="en-US"/>
           </a:p>
@@ -2742,7 +3436,7 @@
           <a:p>
             <a:fld id="{403A2FDA-9B6F-4F19-BB52-15CB2FEB03DD}" type="datetime1">
               <a:rPr lang="de-DE" smtClean="0"/>
-              <a:t>08.04.2025</a:t>
+              <a:t>09.04.2025</a:t>
             </a:fld>
             <a:endParaRPr lang="en-US"/>
           </a:p>
@@ -3020,7 +3714,7 @@
           <a:p>
             <a:fld id="{B1F82A23-AB26-4EA9-9EE4-DB6F9A4796C6}" type="datetime1">
               <a:rPr lang="de-DE" smtClean="0"/>
-              <a:t>08.04.2025</a:t>
+              <a:t>09.04.2025</a:t>
             </a:fld>
             <a:endParaRPr lang="en-US"/>
           </a:p>
@@ -3288,7 +3982,7 @@
           <a:p>
             <a:fld id="{B816018A-B6F3-4669-A60E-275EFC10913D}" type="datetime1">
               <a:rPr lang="de-DE" smtClean="0"/>
-              <a:t>08.04.2025</a:t>
+              <a:t>09.04.2025</a:t>
             </a:fld>
             <a:endParaRPr lang="en-US"/>
           </a:p>
@@ -3703,7 +4397,7 @@
           <a:p>
             <a:fld id="{75E1AE47-15F0-44ED-9082-02430EE1862C}" type="datetime1">
               <a:rPr lang="de-DE" smtClean="0"/>
-              <a:t>08.04.2025</a:t>
+              <a:t>09.04.2025</a:t>
             </a:fld>
             <a:endParaRPr lang="en-US"/>
           </a:p>
@@ -3847,7 +4541,7 @@
           <a:p>
             <a:fld id="{457028B1-AFAA-4D64-87CF-80928E3C88A7}" type="datetime1">
               <a:rPr lang="de-DE" smtClean="0"/>
-              <a:t>08.04.2025</a:t>
+              <a:t>09.04.2025</a:t>
             </a:fld>
             <a:endParaRPr lang="en-US"/>
           </a:p>
@@ -3963,7 +4657,7 @@
           <a:p>
             <a:fld id="{D1DE4F98-DA4D-46C7-974A-FF93C09B0FD4}" type="datetime1">
               <a:rPr lang="de-DE" smtClean="0"/>
-              <a:t>08.04.2025</a:t>
+              <a:t>09.04.2025</a:t>
             </a:fld>
             <a:endParaRPr lang="en-US"/>
           </a:p>
@@ -4277,7 +4971,7 @@
           <a:p>
             <a:fld id="{67FB4E4C-5EC5-4821-A2DA-37F62D6F819F}" type="datetime1">
               <a:rPr lang="de-DE" smtClean="0"/>
-              <a:t>08.04.2025</a:t>
+              <a:t>09.04.2025</a:t>
             </a:fld>
             <a:endParaRPr lang="en-US"/>
           </a:p>
@@ -4568,7 +5262,7 @@
           <a:p>
             <a:fld id="{72DA2E5A-7DC6-4BD8-9258-B12FA935CEBC}" type="datetime1">
               <a:rPr lang="de-DE" smtClean="0"/>
-              <a:t>08.04.2025</a:t>
+              <a:t>09.04.2025</a:t>
             </a:fld>
             <a:endParaRPr lang="en-US"/>
           </a:p>
@@ -4812,7 +5506,7 @@
           <a:p>
             <a:fld id="{FD3ED238-00C2-4FF9-B84E-244465BBE055}" type="datetime1">
               <a:rPr lang="de-DE" smtClean="0"/>
-              <a:t>08.04.2025</a:t>
+              <a:t>09.04.2025</a:t>
             </a:fld>
             <a:endParaRPr lang="en-US"/>
           </a:p>
@@ -5774,10 +6468,9 @@
           <a:lstStyle/>
           <a:p>
             <a:r>
-              <a:rPr lang="sv-SE" dirty="0" err="1"/>
+              <a:rPr lang="en-US" dirty="0"/>
               <a:t>Terminology</a:t>
             </a:r>
-            <a:endParaRPr lang="en-US" dirty="0"/>
           </a:p>
         </p:txBody>
       </p:sp>
@@ -5803,119 +6496,53 @@
           <a:lstStyle/>
           <a:p>
             <a:r>
-              <a:rPr lang="sv-SE" dirty="0" err="1"/>
-              <a:t>Variable</a:t>
-            </a:r>
-            <a:r>
-              <a:rPr lang="sv-SE" dirty="0"/>
-              <a:t>:</a:t>
+              <a:rPr lang="en-US" b="1" dirty="0"/>
+              <a:t>Factor</a:t>
+            </a:r>
+            <a:r>
+              <a:rPr lang="en-US" dirty="0"/>
+              <a:t>: a variable projecting a construct onto a value (e.g., document reading technique, identified defects)</a:t>
             </a:r>
           </a:p>
           <a:p>
             <a:pPr lvl="1"/>
             <a:r>
-              <a:rPr lang="sv-SE" dirty="0" err="1"/>
-              <a:t>Variable</a:t>
-            </a:r>
-            <a:r>
-              <a:rPr lang="sv-SE" dirty="0"/>
-              <a:t> </a:t>
-            </a:r>
-            <a:r>
-              <a:rPr lang="sv-SE" dirty="0" err="1"/>
-              <a:t>types</a:t>
-            </a:r>
-            <a:r>
-              <a:rPr lang="sv-SE" dirty="0"/>
-              <a:t>: </a:t>
-            </a:r>
-            <a:r>
-              <a:rPr lang="sv-SE" dirty="0" err="1"/>
-              <a:t>categorical</a:t>
-            </a:r>
-            <a:r>
-              <a:rPr lang="sv-SE" dirty="0"/>
-              <a:t>, </a:t>
-            </a:r>
-            <a:r>
-              <a:rPr lang="sv-SE" dirty="0" err="1"/>
-              <a:t>ordinal</a:t>
-            </a:r>
-            <a:r>
-              <a:rPr lang="sv-SE" dirty="0"/>
-              <a:t>, </a:t>
-            </a:r>
-            <a:r>
-              <a:rPr lang="sv-SE" dirty="0" err="1"/>
-              <a:t>ratio</a:t>
-            </a:r>
-            <a:r>
-              <a:rPr lang="sv-SE" dirty="0"/>
-              <a:t>, …</a:t>
+              <a:rPr lang="en-US" b="1" dirty="0"/>
+              <a:t>Type</a:t>
+            </a:r>
+            <a:r>
+              <a:rPr lang="en-US" dirty="0"/>
+              <a:t>: level of measurement of the data type (i.e., nominal, ordinal, interval, ratio)</a:t>
             </a:r>
           </a:p>
           <a:p>
             <a:pPr lvl="1"/>
             <a:r>
-              <a:rPr lang="sv-SE" dirty="0"/>
-              <a:t>Exposure &amp; </a:t>
-            </a:r>
-            <a:r>
-              <a:rPr lang="sv-SE" dirty="0" err="1"/>
+              <a:rPr lang="en-US" b="1" dirty="0"/>
+              <a:t>Exposure/Treatment</a:t>
+            </a:r>
+            <a:r>
+              <a:rPr lang="en-US" dirty="0"/>
+              <a:t> &amp; </a:t>
+            </a:r>
+            <a:r>
+              <a:rPr lang="en-US" b="1" dirty="0"/>
               <a:t>Outcome</a:t>
             </a:r>
             <a:r>
-              <a:rPr lang="sv-SE" dirty="0"/>
-              <a:t>: </a:t>
-            </a:r>
-            <a:r>
-              <a:rPr lang="sv-SE" dirty="0" err="1"/>
-              <a:t>treatment</a:t>
-            </a:r>
-            <a:r>
-              <a:rPr lang="sv-SE" dirty="0"/>
-              <a:t>/</a:t>
-            </a:r>
-            <a:r>
-              <a:rPr lang="sv-SE" dirty="0" err="1"/>
-              <a:t>main</a:t>
-            </a:r>
-            <a:r>
-              <a:rPr lang="sv-SE" dirty="0"/>
-              <a:t> </a:t>
-            </a:r>
-            <a:r>
-              <a:rPr lang="sv-SE" dirty="0" err="1"/>
-              <a:t>factor</a:t>
-            </a:r>
-            <a:r>
-              <a:rPr lang="sv-SE" dirty="0"/>
-              <a:t> and </a:t>
-            </a:r>
-            <a:r>
-              <a:rPr lang="sv-SE" dirty="0" err="1"/>
-              <a:t>dependent</a:t>
-            </a:r>
-            <a:r>
-              <a:rPr lang="sv-SE" dirty="0"/>
-              <a:t> </a:t>
-            </a:r>
-            <a:r>
-              <a:rPr lang="sv-SE" dirty="0" err="1"/>
-              <a:t>variable</a:t>
-            </a:r>
-            <a:endParaRPr lang="sv-SE" dirty="0"/>
-          </a:p>
-          <a:p>
-            <a:r>
-              <a:rPr lang="sv-SE" dirty="0" err="1"/>
+              <a:rPr lang="en-US" dirty="0"/>
+              <a:t>: main independent variable and main dependent variable</a:t>
+            </a:r>
+          </a:p>
+          <a:p>
+            <a:r>
+              <a:rPr lang="en-US" b="1" dirty="0"/>
               <a:t>Phenomenon</a:t>
             </a:r>
             <a:r>
-              <a:rPr lang="sv-SE" dirty="0"/>
-              <a:t>:</a:t>
-            </a:r>
-            <a:endParaRPr lang="en-US" dirty="0"/>
+              <a:rPr lang="en-US" dirty="0"/>
+              <a:t>: treatment-outcome-pair of interest (e.g., document reading technique → identified defects)</a:t>
+            </a:r>
           </a:p>
         </p:txBody>
       </p:sp>
@@ -5942,7 +6569,7 @@
           <a:p>
             <a:fld id="{B1F82A23-AB26-4EA9-9EE4-DB6F9A4796C6}" type="datetime1">
               <a:rPr lang="de-DE" smtClean="0"/>
-              <a:t>08.04.2025</a:t>
+              <a:t>09.04.2025</a:t>
             </a:fld>
             <a:endParaRPr lang="en-US"/>
           </a:p>
@@ -6035,6 +6662,35 @@
           <a:chExt cx="0" cy="0"/>
         </a:xfrm>
       </p:grpSpPr>
+      <p:pic>
+        <p:nvPicPr>
+          <p:cNvPr id="88" name="Picture 87">
+            <a:extLst>
+              <a:ext uri="{FF2B5EF4-FFF2-40B4-BE49-F238E27FC236}">
+                <a16:creationId xmlns:a16="http://schemas.microsoft.com/office/drawing/2014/main" id="{9927687E-CC6B-B023-FC1E-06E15EB520CA}"/>
+              </a:ext>
+            </a:extLst>
+          </p:cNvPr>
+          <p:cNvPicPr>
+            <a:picLocks noChangeAspect="1"/>
+          </p:cNvPicPr>
+          <p:nvPr/>
+        </p:nvPicPr>
+        <p:blipFill>
+          <a:blip r:embed="rId3"/>
+          <a:srcRect b="18365"/>
+          <a:stretch/>
+        </p:blipFill>
+        <p:spPr>
+          <a:xfrm>
+            <a:off x="6391626" y="4376468"/>
+            <a:ext cx="1990725" cy="1897278"/>
+          </a:xfrm>
+          <a:prstGeom prst="rect">
+            <a:avLst/>
+          </a:prstGeom>
+        </p:spPr>
+      </p:pic>
       <p:sp>
         <p:nvSpPr>
           <p:cNvPr id="2" name="Title 1">
@@ -6080,7 +6736,12 @@
             <p:ph idx="1"/>
           </p:nvPr>
         </p:nvSpPr>
-        <p:spPr/>
+        <p:spPr>
+          <a:xfrm>
+            <a:off x="838200" y="1825625"/>
+            <a:ext cx="10515600" cy="1033400"/>
+          </a:xfrm>
+        </p:spPr>
         <p:txBody>
           <a:bodyPr/>
           <a:lstStyle/>
@@ -6126,7 +6787,7 @@
           <a:p>
             <a:fld id="{403A2FDA-9B6F-4F19-BB52-15CB2FEB03DD}" type="datetime1">
               <a:rPr lang="de-DE" smtClean="0"/>
-              <a:t>08.04.2025</a:t>
+              <a:t>09.04.2025</a:t>
             </a:fld>
             <a:endParaRPr lang="en-US"/>
           </a:p>
@@ -6189,6 +6850,1839 @@
           </a:p>
         </p:txBody>
       </p:sp>
+      <p:grpSp>
+        <p:nvGrpSpPr>
+          <p:cNvPr id="13" name="Group 12">
+            <a:extLst>
+              <a:ext uri="{FF2B5EF4-FFF2-40B4-BE49-F238E27FC236}">
+                <a16:creationId xmlns:a16="http://schemas.microsoft.com/office/drawing/2014/main" id="{FDFA3284-C681-2783-40DF-448EE2EB2B8B}"/>
+              </a:ext>
+            </a:extLst>
+          </p:cNvPr>
+          <p:cNvGrpSpPr/>
+          <p:nvPr/>
+        </p:nvGrpSpPr>
+        <p:grpSpPr>
+          <a:xfrm>
+            <a:off x="2200664" y="3430908"/>
+            <a:ext cx="4114801" cy="1356221"/>
+            <a:chOff x="3646626" y="2993962"/>
+            <a:chExt cx="4114801" cy="1356221"/>
+          </a:xfrm>
+        </p:grpSpPr>
+        <p:sp>
+          <p:nvSpPr>
+            <p:cNvPr id="9" name="Rectangle: Rounded Corners 8">
+              <a:extLst>
+                <a:ext uri="{FF2B5EF4-FFF2-40B4-BE49-F238E27FC236}">
+                  <a16:creationId xmlns:a16="http://schemas.microsoft.com/office/drawing/2014/main" id="{43CCE8A0-0D56-91B9-1802-6D02E3D1FA9C}"/>
+                </a:ext>
+              </a:extLst>
+            </p:cNvPr>
+            <p:cNvSpPr/>
+            <p:nvPr/>
+          </p:nvSpPr>
+          <p:spPr>
+            <a:xfrm>
+              <a:off x="3646626" y="2993962"/>
+              <a:ext cx="4114801" cy="1356221"/>
+            </a:xfrm>
+            <a:prstGeom prst="roundRect">
+              <a:avLst/>
+            </a:prstGeom>
+            <a:solidFill>
+              <a:schemeClr val="bg1">
+                <a:lumMod val="95000"/>
+              </a:schemeClr>
+            </a:solidFill>
+            <a:ln>
+              <a:solidFill>
+                <a:schemeClr val="tx1">
+                  <a:lumMod val="75000"/>
+                  <a:lumOff val="25000"/>
+                </a:schemeClr>
+              </a:solidFill>
+            </a:ln>
+          </p:spPr>
+          <p:style>
+            <a:lnRef idx="2">
+              <a:schemeClr val="accent1">
+                <a:shade val="15000"/>
+              </a:schemeClr>
+            </a:lnRef>
+            <a:fillRef idx="1">
+              <a:schemeClr val="accent1"/>
+            </a:fillRef>
+            <a:effectRef idx="0">
+              <a:schemeClr val="accent1"/>
+            </a:effectRef>
+            <a:fontRef idx="minor">
+              <a:schemeClr val="lt1"/>
+            </a:fontRef>
+          </p:style>
+          <p:txBody>
+            <a:bodyPr lIns="396000" rtlCol="0" anchor="t"/>
+            <a:lstStyle/>
+            <a:p>
+              <a:r>
+                <a:rPr lang="sv-SE" b="1" dirty="0">
+                  <a:solidFill>
+                    <a:schemeClr val="tx1">
+                      <a:lumMod val="75000"/>
+                      <a:lumOff val="25000"/>
+                    </a:schemeClr>
+                  </a:solidFill>
+                </a:rPr>
+                <a:t>Simulation</a:t>
+              </a:r>
+              <a:endParaRPr lang="en-US" b="1" dirty="0">
+                <a:solidFill>
+                  <a:schemeClr val="tx1">
+                    <a:lumMod val="75000"/>
+                    <a:lumOff val="25000"/>
+                  </a:schemeClr>
+                </a:solidFill>
+              </a:endParaRPr>
+            </a:p>
+          </p:txBody>
+        </p:sp>
+        <p:pic>
+          <p:nvPicPr>
+            <p:cNvPr id="12" name="Graphic 11" descr="Normal Distribution with solid fill">
+              <a:extLst>
+                <a:ext uri="{FF2B5EF4-FFF2-40B4-BE49-F238E27FC236}">
+                  <a16:creationId xmlns:a16="http://schemas.microsoft.com/office/drawing/2014/main" id="{31A83CFC-727B-3477-7A0D-3BB6ECBA3587}"/>
+                </a:ext>
+              </a:extLst>
+            </p:cNvPr>
+            <p:cNvPicPr>
+              <a:picLocks noChangeAspect="1"/>
+            </p:cNvPicPr>
+            <p:nvPr/>
+          </p:nvPicPr>
+          <p:blipFill>
+            <a:blip r:embed="rId4">
+              <a:extLst>
+                <a:ext uri="{96DAC541-7B7A-43D3-8B79-37D633B846F1}">
+                  <asvg:svgBlip xmlns:asvg="http://schemas.microsoft.com/office/drawing/2016/SVG/main" r:embed="rId5"/>
+                </a:ext>
+              </a:extLst>
+            </a:blip>
+            <a:stretch>
+              <a:fillRect/>
+            </a:stretch>
+          </p:blipFill>
+          <p:spPr>
+            <a:xfrm>
+              <a:off x="3751141" y="3059856"/>
+              <a:ext cx="360000" cy="360000"/>
+            </a:xfrm>
+            <a:prstGeom prst="rect">
+              <a:avLst/>
+            </a:prstGeom>
+          </p:spPr>
+        </p:pic>
+        <mc:AlternateContent xmlns:mc="http://schemas.openxmlformats.org/markup-compatibility/2006">
+          <mc:Choice xmlns:a14="http://schemas.microsoft.com/office/drawing/2010/main" Requires="a14">
+            <p:sp>
+              <p:nvSpPr>
+                <p:cNvPr id="7" name="TextBox 6">
+                  <a:extLst>
+                    <a:ext uri="{FF2B5EF4-FFF2-40B4-BE49-F238E27FC236}">
+                      <a16:creationId xmlns:a16="http://schemas.microsoft.com/office/drawing/2014/main" id="{9F128A87-63E4-5A92-161C-5D6FC6C8F51D}"/>
+                    </a:ext>
+                  </a:extLst>
+                </p:cNvPr>
+                <p:cNvSpPr txBox="1"/>
+                <p:nvPr/>
+              </p:nvSpPr>
+              <p:spPr>
+                <a:xfrm>
+                  <a:off x="3895423" y="3608020"/>
+                  <a:ext cx="2366610" cy="276999"/>
+                </a:xfrm>
+                <a:prstGeom prst="rect">
+                  <a:avLst/>
+                </a:prstGeom>
+                <a:noFill/>
+                <a:ln>
+                  <a:noFill/>
+                </a:ln>
+              </p:spPr>
+              <p:txBody>
+                <a:bodyPr wrap="none" lIns="0" tIns="0" rIns="0" bIns="0" rtlCol="0">
+                  <a:spAutoFit/>
+                </a:bodyPr>
+                <a:lstStyle/>
+                <a:p>
+                  <a14:m>
+                    <m:oMathPara xmlns:m="http://schemas.openxmlformats.org/officeDocument/2006/math">
+                      <m:oMathParaPr>
+                        <m:jc m:val="centerGroup"/>
+                      </m:oMathParaPr>
+                      <m:oMath xmlns:m="http://schemas.openxmlformats.org/officeDocument/2006/math">
+                        <m:r>
+                          <a:rPr lang="sv-SE" b="0" i="1" smtClean="0">
+                            <a:latin typeface="Cambria Math" panose="02040503050406030204" pitchFamily="18" charset="0"/>
+                          </a:rPr>
+                          <m:t>𝑡𝑒𝑐h𝑛𝑖𝑞𝑢𝑒</m:t>
+                        </m:r>
+                        <m:r>
+                          <a:rPr lang="sv-SE" b="0" i="1" smtClean="0">
+                            <a:latin typeface="Cambria Math" panose="02040503050406030204" pitchFamily="18" charset="0"/>
+                          </a:rPr>
+                          <m:t>=</m:t>
+                        </m:r>
+                        <m:r>
+                          <a:rPr lang="sv-SE" b="0" i="1" smtClean="0">
+                            <a:latin typeface="Cambria Math" panose="02040503050406030204" pitchFamily="18" charset="0"/>
+                          </a:rPr>
+                          <m:t>𝑢𝑛𝑖𝑓</m:t>
+                        </m:r>
+                        <m:r>
+                          <a:rPr lang="sv-SE" b="0" i="1" smtClean="0">
+                            <a:latin typeface="Cambria Math" panose="02040503050406030204" pitchFamily="18" charset="0"/>
+                          </a:rPr>
+                          <m:t>{0, 1}</m:t>
+                        </m:r>
+                      </m:oMath>
+                    </m:oMathPara>
+                  </a14:m>
+                  <a:endParaRPr lang="en-US" dirty="0"/>
+                </a:p>
+              </p:txBody>
+            </p:sp>
+          </mc:Choice>
+          <mc:Fallback>
+            <p:sp>
+              <p:nvSpPr>
+                <p:cNvPr id="7" name="TextBox 6">
+                  <a:extLst>
+                    <a:ext uri="{FF2B5EF4-FFF2-40B4-BE49-F238E27FC236}">
+                      <a16:creationId xmlns:a16="http://schemas.microsoft.com/office/drawing/2014/main" id="{9F128A87-63E4-5A92-161C-5D6FC6C8F51D}"/>
+                    </a:ext>
+                  </a:extLst>
+                </p:cNvPr>
+                <p:cNvSpPr txBox="1">
+                  <a:spLocks noRot="1" noChangeAspect="1" noMove="1" noResize="1" noEditPoints="1" noAdjustHandles="1" noChangeArrowheads="1" noChangeShapeType="1" noTextEdit="1"/>
+                </p:cNvSpPr>
+                <p:nvPr/>
+              </p:nvSpPr>
+              <p:spPr>
+                <a:xfrm>
+                  <a:off x="3895423" y="3608020"/>
+                  <a:ext cx="2366610" cy="276999"/>
+                </a:xfrm>
+                <a:prstGeom prst="rect">
+                  <a:avLst/>
+                </a:prstGeom>
+                <a:blipFill>
+                  <a:blip r:embed="rId6"/>
+                  <a:stretch>
+                    <a:fillRect l="-3093" t="-4444" r="-3351" b="-37778"/>
+                  </a:stretch>
+                </a:blipFill>
+                <a:ln>
+                  <a:noFill/>
+                </a:ln>
+              </p:spPr>
+              <p:txBody>
+                <a:bodyPr/>
+                <a:lstStyle/>
+                <a:p>
+                  <a:r>
+                    <a:rPr lang="en-US">
+                      <a:noFill/>
+                    </a:rPr>
+                    <a:t> </a:t>
+                  </a:r>
+                </a:p>
+              </p:txBody>
+            </p:sp>
+          </mc:Fallback>
+        </mc:AlternateContent>
+        <mc:AlternateContent xmlns:mc="http://schemas.openxmlformats.org/markup-compatibility/2006">
+          <mc:Choice xmlns:a14="http://schemas.microsoft.com/office/drawing/2010/main" Requires="a14">
+            <p:sp>
+              <p:nvSpPr>
+                <p:cNvPr id="8" name="TextBox 7">
+                  <a:extLst>
+                    <a:ext uri="{FF2B5EF4-FFF2-40B4-BE49-F238E27FC236}">
+                      <a16:creationId xmlns:a16="http://schemas.microsoft.com/office/drawing/2014/main" id="{190E1A1C-ABAB-C2EC-9A8A-CB0E6D4406ED}"/>
+                    </a:ext>
+                  </a:extLst>
+                </p:cNvPr>
+                <p:cNvSpPr txBox="1"/>
+                <p:nvPr/>
+              </p:nvSpPr>
+              <p:spPr>
+                <a:xfrm>
+                  <a:off x="4111141" y="3925631"/>
+                  <a:ext cx="3546868" cy="276999"/>
+                </a:xfrm>
+                <a:prstGeom prst="rect">
+                  <a:avLst/>
+                </a:prstGeom>
+                <a:noFill/>
+                <a:ln>
+                  <a:noFill/>
+                </a:ln>
+              </p:spPr>
+              <p:txBody>
+                <a:bodyPr wrap="none" lIns="0" tIns="0" rIns="0" bIns="0" rtlCol="0">
+                  <a:spAutoFit/>
+                </a:bodyPr>
+                <a:lstStyle/>
+                <a:p>
+                  <a14:m>
+                    <m:oMathPara xmlns:m="http://schemas.openxmlformats.org/officeDocument/2006/math">
+                      <m:oMathParaPr>
+                        <m:jc m:val="centerGroup"/>
+                      </m:oMathParaPr>
+                      <m:oMath xmlns:m="http://schemas.openxmlformats.org/officeDocument/2006/math">
+                        <m:r>
+                          <a:rPr lang="sv-SE" b="0" i="1" smtClean="0">
+                            <a:latin typeface="Cambria Math" panose="02040503050406030204" pitchFamily="18" charset="0"/>
+                          </a:rPr>
+                          <m:t>𝑑𝑒𝑓𝑒𝑐𝑡𝑠</m:t>
+                        </m:r>
+                        <m:r>
+                          <a:rPr lang="sv-SE" b="0" i="1" smtClean="0">
+                            <a:latin typeface="Cambria Math" panose="02040503050406030204" pitchFamily="18" charset="0"/>
+                          </a:rPr>
+                          <m:t>=</m:t>
+                        </m:r>
+                        <m:r>
+                          <a:rPr lang="sv-SE" b="0" i="1" smtClean="0">
+                            <a:latin typeface="Cambria Math" panose="02040503050406030204" pitchFamily="18" charset="0"/>
+                          </a:rPr>
+                          <m:t>𝑁</m:t>
+                        </m:r>
+                        <m:r>
+                          <a:rPr lang="sv-SE" b="0" i="1" smtClean="0">
+                            <a:latin typeface="Cambria Math" panose="02040503050406030204" pitchFamily="18" charset="0"/>
+                          </a:rPr>
+                          <m:t>(5+</m:t>
+                        </m:r>
+                        <m:r>
+                          <a:rPr lang="sv-SE" b="0" i="1" smtClean="0">
+                            <a:latin typeface="Cambria Math" panose="02040503050406030204" pitchFamily="18" charset="0"/>
+                          </a:rPr>
+                          <m:t>𝑡𝑒𝑐h𝑛𝑖𝑞𝑢𝑒</m:t>
+                        </m:r>
+                        <m:r>
+                          <a:rPr lang="sv-SE" b="0" i="1" smtClean="0">
+                            <a:latin typeface="Cambria Math" panose="02040503050406030204" pitchFamily="18" charset="0"/>
+                          </a:rPr>
+                          <m:t>∗5, 2)</m:t>
+                        </m:r>
+                      </m:oMath>
+                    </m:oMathPara>
+                  </a14:m>
+                  <a:endParaRPr lang="en-US" dirty="0"/>
+                </a:p>
+              </p:txBody>
+            </p:sp>
+          </mc:Choice>
+          <mc:Fallback>
+            <p:sp>
+              <p:nvSpPr>
+                <p:cNvPr id="8" name="TextBox 7">
+                  <a:extLst>
+                    <a:ext uri="{FF2B5EF4-FFF2-40B4-BE49-F238E27FC236}">
+                      <a16:creationId xmlns:a16="http://schemas.microsoft.com/office/drawing/2014/main" id="{190E1A1C-ABAB-C2EC-9A8A-CB0E6D4406ED}"/>
+                    </a:ext>
+                  </a:extLst>
+                </p:cNvPr>
+                <p:cNvSpPr txBox="1">
+                  <a:spLocks noRot="1" noChangeAspect="1" noMove="1" noResize="1" noEditPoints="1" noAdjustHandles="1" noChangeArrowheads="1" noChangeShapeType="1" noTextEdit="1"/>
+                </p:cNvSpPr>
+                <p:nvPr/>
+              </p:nvSpPr>
+              <p:spPr>
+                <a:xfrm>
+                  <a:off x="4111141" y="3925631"/>
+                  <a:ext cx="3546868" cy="276999"/>
+                </a:xfrm>
+                <a:prstGeom prst="rect">
+                  <a:avLst/>
+                </a:prstGeom>
+                <a:blipFill>
+                  <a:blip r:embed="rId7"/>
+                  <a:stretch>
+                    <a:fillRect l="-1203" t="-4444" r="-1375" b="-35556"/>
+                  </a:stretch>
+                </a:blipFill>
+                <a:ln>
+                  <a:noFill/>
+                </a:ln>
+              </p:spPr>
+              <p:txBody>
+                <a:bodyPr/>
+                <a:lstStyle/>
+                <a:p>
+                  <a:r>
+                    <a:rPr lang="en-US">
+                      <a:noFill/>
+                    </a:rPr>
+                    <a:t> </a:t>
+                  </a:r>
+                </a:p>
+              </p:txBody>
+            </p:sp>
+          </mc:Fallback>
+        </mc:AlternateContent>
+      </p:grpSp>
+      <p:sp>
+        <p:nvSpPr>
+          <p:cNvPr id="14" name="TextBox 13">
+            <a:extLst>
+              <a:ext uri="{FF2B5EF4-FFF2-40B4-BE49-F238E27FC236}">
+                <a16:creationId xmlns:a16="http://schemas.microsoft.com/office/drawing/2014/main" id="{7D4A468C-71CF-CD90-C929-360A8589CF7D}"/>
+              </a:ext>
+            </a:extLst>
+          </p:cNvPr>
+          <p:cNvSpPr txBox="1"/>
+          <p:nvPr/>
+        </p:nvSpPr>
+        <p:spPr>
+          <a:xfrm>
+            <a:off x="249926" y="3439247"/>
+            <a:ext cx="1790701" cy="923330"/>
+          </a:xfrm>
+          <a:prstGeom prst="rect">
+            <a:avLst/>
+          </a:prstGeom>
+          <a:noFill/>
+        </p:spPr>
+        <p:txBody>
+          <a:bodyPr wrap="square" rtlCol="0">
+            <a:spAutoFit/>
+          </a:bodyPr>
+          <a:lstStyle/>
+          <a:p>
+            <a:pPr algn="r"/>
+            <a:r>
+              <a:rPr lang="en-US" dirty="0">
+                <a:solidFill>
+                  <a:schemeClr val="tx2">
+                    <a:lumMod val="75000"/>
+                    <a:lumOff val="25000"/>
+                  </a:schemeClr>
+                </a:solidFill>
+              </a:rPr>
+              <a:t>Simulation of an independent variable</a:t>
+            </a:r>
+          </a:p>
+        </p:txBody>
+      </p:sp>
+      <p:cxnSp>
+        <p:nvCxnSpPr>
+          <p:cNvPr id="16" name="Connector: Curved 15">
+            <a:extLst>
+              <a:ext uri="{FF2B5EF4-FFF2-40B4-BE49-F238E27FC236}">
+                <a16:creationId xmlns:a16="http://schemas.microsoft.com/office/drawing/2014/main" id="{A8BAE702-F408-8484-AA6F-FEBDD553EF5A}"/>
+              </a:ext>
+            </a:extLst>
+          </p:cNvPr>
+          <p:cNvCxnSpPr>
+            <a:cxnSpLocks/>
+            <a:stCxn id="14" idx="3"/>
+            <a:endCxn id="18" idx="0"/>
+          </p:cNvCxnSpPr>
+          <p:nvPr/>
+        </p:nvCxnSpPr>
+        <p:spPr>
+          <a:xfrm>
+            <a:off x="2040627" y="3900912"/>
+            <a:ext cx="944262" cy="144053"/>
+          </a:xfrm>
+          <a:prstGeom prst="curvedConnector2">
+            <a:avLst/>
+          </a:prstGeom>
+          <a:ln>
+            <a:tailEnd type="triangle"/>
+          </a:ln>
+        </p:spPr>
+        <p:style>
+          <a:lnRef idx="2">
+            <a:schemeClr val="accent1"/>
+          </a:lnRef>
+          <a:fillRef idx="0">
+            <a:schemeClr val="accent1"/>
+          </a:fillRef>
+          <a:effectRef idx="1">
+            <a:schemeClr val="accent1"/>
+          </a:effectRef>
+          <a:fontRef idx="minor">
+            <a:schemeClr val="tx1"/>
+          </a:fontRef>
+        </p:style>
+      </p:cxnSp>
+      <p:sp>
+        <p:nvSpPr>
+          <p:cNvPr id="18" name="Rectangle 17">
+            <a:extLst>
+              <a:ext uri="{FF2B5EF4-FFF2-40B4-BE49-F238E27FC236}">
+                <a16:creationId xmlns:a16="http://schemas.microsoft.com/office/drawing/2014/main" id="{BC66F4FE-074E-12E9-3416-CCD3FEBCA93A}"/>
+              </a:ext>
+            </a:extLst>
+          </p:cNvPr>
+          <p:cNvSpPr/>
+          <p:nvPr/>
+        </p:nvSpPr>
+        <p:spPr>
+          <a:xfrm>
+            <a:off x="2775339" y="4044965"/>
+            <a:ext cx="419100" cy="276999"/>
+          </a:xfrm>
+          <a:prstGeom prst="rect">
+            <a:avLst/>
+          </a:prstGeom>
+          <a:noFill/>
+          <a:ln>
+            <a:noFill/>
+          </a:ln>
+        </p:spPr>
+        <p:style>
+          <a:lnRef idx="2">
+            <a:schemeClr val="accent1">
+              <a:shade val="15000"/>
+            </a:schemeClr>
+          </a:lnRef>
+          <a:fillRef idx="1">
+            <a:schemeClr val="accent1"/>
+          </a:fillRef>
+          <a:effectRef idx="0">
+            <a:schemeClr val="accent1"/>
+          </a:effectRef>
+          <a:fontRef idx="minor">
+            <a:schemeClr val="lt1"/>
+          </a:fontRef>
+        </p:style>
+        <p:txBody>
+          <a:bodyPr rtlCol="0" anchor="ctr"/>
+          <a:lstStyle/>
+          <a:p>
+            <a:pPr algn="ctr"/>
+            <a:endParaRPr lang="en-US"/>
+          </a:p>
+        </p:txBody>
+      </p:sp>
+      <p:sp>
+        <p:nvSpPr>
+          <p:cNvPr id="22" name="Rectangle 21">
+            <a:extLst>
+              <a:ext uri="{FF2B5EF4-FFF2-40B4-BE49-F238E27FC236}">
+                <a16:creationId xmlns:a16="http://schemas.microsoft.com/office/drawing/2014/main" id="{2077536D-406D-6C3A-C79A-8C49EFFF43EC}"/>
+              </a:ext>
+            </a:extLst>
+          </p:cNvPr>
+          <p:cNvSpPr/>
+          <p:nvPr/>
+        </p:nvSpPr>
+        <p:spPr>
+          <a:xfrm>
+            <a:off x="3769114" y="4044965"/>
+            <a:ext cx="749760" cy="276999"/>
+          </a:xfrm>
+          <a:prstGeom prst="rect">
+            <a:avLst/>
+          </a:prstGeom>
+          <a:noFill/>
+          <a:ln>
+            <a:noFill/>
+          </a:ln>
+        </p:spPr>
+        <p:style>
+          <a:lnRef idx="2">
+            <a:schemeClr val="accent1">
+              <a:shade val="15000"/>
+            </a:schemeClr>
+          </a:lnRef>
+          <a:fillRef idx="1">
+            <a:schemeClr val="accent1"/>
+          </a:fillRef>
+          <a:effectRef idx="0">
+            <a:schemeClr val="accent1"/>
+          </a:effectRef>
+          <a:fontRef idx="minor">
+            <a:schemeClr val="lt1"/>
+          </a:fontRef>
+        </p:style>
+        <p:txBody>
+          <a:bodyPr rtlCol="0" anchor="ctr"/>
+          <a:lstStyle/>
+          <a:p>
+            <a:pPr algn="ctr"/>
+            <a:endParaRPr lang="en-US"/>
+          </a:p>
+        </p:txBody>
+      </p:sp>
+      <p:sp>
+        <p:nvSpPr>
+          <p:cNvPr id="23" name="TextBox 22">
+            <a:extLst>
+              <a:ext uri="{FF2B5EF4-FFF2-40B4-BE49-F238E27FC236}">
+                <a16:creationId xmlns:a16="http://schemas.microsoft.com/office/drawing/2014/main" id="{5685CBC6-A165-A4EA-09E5-C7B2D7367EB2}"/>
+              </a:ext>
+            </a:extLst>
+          </p:cNvPr>
+          <p:cNvSpPr txBox="1"/>
+          <p:nvPr/>
+        </p:nvSpPr>
+        <p:spPr>
+          <a:xfrm>
+            <a:off x="4806656" y="2769006"/>
+            <a:ext cx="2170985" cy="646331"/>
+          </a:xfrm>
+          <a:prstGeom prst="rect">
+            <a:avLst/>
+          </a:prstGeom>
+          <a:noFill/>
+        </p:spPr>
+        <p:txBody>
+          <a:bodyPr wrap="square" rtlCol="0">
+            <a:spAutoFit/>
+          </a:bodyPr>
+          <a:lstStyle/>
+          <a:p>
+            <a:r>
+              <a:rPr lang="en-US" dirty="0">
+                <a:solidFill>
+                  <a:schemeClr val="tx2">
+                    <a:lumMod val="75000"/>
+                    <a:lumOff val="25000"/>
+                  </a:schemeClr>
+                </a:solidFill>
+              </a:rPr>
+              <a:t>Discrete uniform distribution</a:t>
+            </a:r>
+          </a:p>
+        </p:txBody>
+      </p:sp>
+      <p:cxnSp>
+        <p:nvCxnSpPr>
+          <p:cNvPr id="24" name="Connector: Curved 23">
+            <a:extLst>
+              <a:ext uri="{FF2B5EF4-FFF2-40B4-BE49-F238E27FC236}">
+                <a16:creationId xmlns:a16="http://schemas.microsoft.com/office/drawing/2014/main" id="{4E858447-04EE-69DC-F17F-296460E80D74}"/>
+              </a:ext>
+            </a:extLst>
+          </p:cNvPr>
+          <p:cNvCxnSpPr>
+            <a:cxnSpLocks/>
+            <a:stCxn id="23" idx="1"/>
+            <a:endCxn id="22" idx="0"/>
+          </p:cNvCxnSpPr>
+          <p:nvPr/>
+        </p:nvCxnSpPr>
+        <p:spPr>
+          <a:xfrm rot="10800000" flipV="1">
+            <a:off x="4143994" y="3092171"/>
+            <a:ext cx="662662" cy="952793"/>
+          </a:xfrm>
+          <a:prstGeom prst="curvedConnector2">
+            <a:avLst/>
+          </a:prstGeom>
+          <a:ln>
+            <a:tailEnd type="triangle"/>
+          </a:ln>
+        </p:spPr>
+        <p:style>
+          <a:lnRef idx="2">
+            <a:schemeClr val="accent1"/>
+          </a:lnRef>
+          <a:fillRef idx="0">
+            <a:schemeClr val="accent1"/>
+          </a:fillRef>
+          <a:effectRef idx="1">
+            <a:schemeClr val="accent1"/>
+          </a:effectRef>
+          <a:fontRef idx="minor">
+            <a:schemeClr val="tx1"/>
+          </a:fontRef>
+        </p:style>
+      </p:cxnSp>
+      <p:sp>
+        <p:nvSpPr>
+          <p:cNvPr id="27" name="Rectangle 26">
+            <a:extLst>
+              <a:ext uri="{FF2B5EF4-FFF2-40B4-BE49-F238E27FC236}">
+                <a16:creationId xmlns:a16="http://schemas.microsoft.com/office/drawing/2014/main" id="{1A868C18-4036-664F-1C68-A9E0754B083F}"/>
+              </a:ext>
+            </a:extLst>
+          </p:cNvPr>
+          <p:cNvSpPr/>
+          <p:nvPr/>
+        </p:nvSpPr>
+        <p:spPr>
+          <a:xfrm>
+            <a:off x="2924564" y="4376469"/>
+            <a:ext cx="419100" cy="276999"/>
+          </a:xfrm>
+          <a:prstGeom prst="rect">
+            <a:avLst/>
+          </a:prstGeom>
+          <a:noFill/>
+          <a:ln>
+            <a:noFill/>
+          </a:ln>
+        </p:spPr>
+        <p:style>
+          <a:lnRef idx="2">
+            <a:schemeClr val="accent1">
+              <a:shade val="15000"/>
+            </a:schemeClr>
+          </a:lnRef>
+          <a:fillRef idx="1">
+            <a:schemeClr val="accent1"/>
+          </a:fillRef>
+          <a:effectRef idx="0">
+            <a:schemeClr val="accent1"/>
+          </a:effectRef>
+          <a:fontRef idx="minor">
+            <a:schemeClr val="lt1"/>
+          </a:fontRef>
+        </p:style>
+        <p:txBody>
+          <a:bodyPr rtlCol="0" anchor="ctr"/>
+          <a:lstStyle/>
+          <a:p>
+            <a:pPr algn="ctr"/>
+            <a:endParaRPr lang="en-US"/>
+          </a:p>
+        </p:txBody>
+      </p:sp>
+      <p:sp>
+        <p:nvSpPr>
+          <p:cNvPr id="28" name="TextBox 27">
+            <a:extLst>
+              <a:ext uri="{FF2B5EF4-FFF2-40B4-BE49-F238E27FC236}">
+                <a16:creationId xmlns:a16="http://schemas.microsoft.com/office/drawing/2014/main" id="{CD06335A-294D-366D-5A7F-9F54A9AE556A}"/>
+              </a:ext>
+            </a:extLst>
+          </p:cNvPr>
+          <p:cNvSpPr txBox="1"/>
+          <p:nvPr/>
+        </p:nvSpPr>
+        <p:spPr>
+          <a:xfrm>
+            <a:off x="227779" y="4855393"/>
+            <a:ext cx="2135027" cy="646331"/>
+          </a:xfrm>
+          <a:prstGeom prst="rect">
+            <a:avLst/>
+          </a:prstGeom>
+          <a:noFill/>
+        </p:spPr>
+        <p:txBody>
+          <a:bodyPr wrap="square" rtlCol="0">
+            <a:spAutoFit/>
+          </a:bodyPr>
+          <a:lstStyle/>
+          <a:p>
+            <a:pPr algn="r"/>
+            <a:r>
+              <a:rPr lang="en-US" dirty="0">
+                <a:solidFill>
+                  <a:schemeClr val="tx2">
+                    <a:lumMod val="75000"/>
+                    <a:lumOff val="25000"/>
+                  </a:schemeClr>
+                </a:solidFill>
+              </a:rPr>
+              <a:t>Simulation of a dependent variable</a:t>
+            </a:r>
+          </a:p>
+        </p:txBody>
+      </p:sp>
+      <p:cxnSp>
+        <p:nvCxnSpPr>
+          <p:cNvPr id="29" name="Connector: Curved 28">
+            <a:extLst>
+              <a:ext uri="{FF2B5EF4-FFF2-40B4-BE49-F238E27FC236}">
+                <a16:creationId xmlns:a16="http://schemas.microsoft.com/office/drawing/2014/main" id="{76A291A8-8C63-CC7D-BE13-84FD2A9A3EED}"/>
+              </a:ext>
+            </a:extLst>
+          </p:cNvPr>
+          <p:cNvCxnSpPr>
+            <a:cxnSpLocks/>
+            <a:stCxn id="28" idx="3"/>
+            <a:endCxn id="27" idx="2"/>
+          </p:cNvCxnSpPr>
+          <p:nvPr/>
+        </p:nvCxnSpPr>
+        <p:spPr>
+          <a:xfrm flipV="1">
+            <a:off x="2362806" y="4653468"/>
+            <a:ext cx="771308" cy="525091"/>
+          </a:xfrm>
+          <a:prstGeom prst="curvedConnector2">
+            <a:avLst/>
+          </a:prstGeom>
+          <a:ln>
+            <a:tailEnd type="triangle"/>
+          </a:ln>
+        </p:spPr>
+        <p:style>
+          <a:lnRef idx="2">
+            <a:schemeClr val="accent1"/>
+          </a:lnRef>
+          <a:fillRef idx="0">
+            <a:schemeClr val="accent1"/>
+          </a:fillRef>
+          <a:effectRef idx="1">
+            <a:schemeClr val="accent1"/>
+          </a:effectRef>
+          <a:fontRef idx="minor">
+            <a:schemeClr val="tx1"/>
+          </a:fontRef>
+        </p:style>
+      </p:cxnSp>
+      <p:sp>
+        <p:nvSpPr>
+          <p:cNvPr id="32" name="Rectangle 31">
+            <a:extLst>
+              <a:ext uri="{FF2B5EF4-FFF2-40B4-BE49-F238E27FC236}">
+                <a16:creationId xmlns:a16="http://schemas.microsoft.com/office/drawing/2014/main" id="{27D51152-2FF8-8904-2061-3C22235FCEE1}"/>
+              </a:ext>
+            </a:extLst>
+          </p:cNvPr>
+          <p:cNvSpPr/>
+          <p:nvPr/>
+        </p:nvSpPr>
+        <p:spPr>
+          <a:xfrm>
+            <a:off x="3759132" y="4377146"/>
+            <a:ext cx="241224" cy="276999"/>
+          </a:xfrm>
+          <a:prstGeom prst="rect">
+            <a:avLst/>
+          </a:prstGeom>
+          <a:noFill/>
+          <a:ln>
+            <a:noFill/>
+          </a:ln>
+        </p:spPr>
+        <p:style>
+          <a:lnRef idx="2">
+            <a:schemeClr val="accent1">
+              <a:shade val="15000"/>
+            </a:schemeClr>
+          </a:lnRef>
+          <a:fillRef idx="1">
+            <a:schemeClr val="accent1"/>
+          </a:fillRef>
+          <a:effectRef idx="0">
+            <a:schemeClr val="accent1"/>
+          </a:effectRef>
+          <a:fontRef idx="minor">
+            <a:schemeClr val="lt1"/>
+          </a:fontRef>
+        </p:style>
+        <p:txBody>
+          <a:bodyPr rtlCol="0" anchor="ctr"/>
+          <a:lstStyle/>
+          <a:p>
+            <a:pPr algn="ctr"/>
+            <a:endParaRPr lang="en-US"/>
+          </a:p>
+        </p:txBody>
+      </p:sp>
+      <mc:AlternateContent xmlns:mc="http://schemas.openxmlformats.org/markup-compatibility/2006">
+        <mc:Choice xmlns:a14="http://schemas.microsoft.com/office/drawing/2010/main" Requires="a14">
+          <p:sp>
+            <p:nvSpPr>
+              <p:cNvPr id="33" name="TextBox 32">
+                <a:extLst>
+                  <a:ext uri="{FF2B5EF4-FFF2-40B4-BE49-F238E27FC236}">
+                    <a16:creationId xmlns:a16="http://schemas.microsoft.com/office/drawing/2014/main" id="{BD017F9C-FC15-9D83-D3ED-C2C61A2968CE}"/>
+                  </a:ext>
+                </a:extLst>
+              </p:cNvPr>
+              <p:cNvSpPr txBox="1"/>
+              <p:nvPr/>
+            </p:nvSpPr>
+            <p:spPr>
+              <a:xfrm>
+                <a:off x="1287836" y="5540368"/>
+                <a:ext cx="2135028" cy="646331"/>
+              </a:xfrm>
+              <a:prstGeom prst="rect">
+                <a:avLst/>
+              </a:prstGeom>
+              <a:noFill/>
+            </p:spPr>
+            <p:txBody>
+              <a:bodyPr wrap="square" rtlCol="0">
+                <a:spAutoFit/>
+              </a:bodyPr>
+              <a:lstStyle/>
+              <a:p>
+                <a:pPr algn="r"/>
+                <a:r>
+                  <a:rPr lang="en-US" dirty="0">
+                    <a:solidFill>
+                      <a:schemeClr val="tx2">
+                        <a:lumMod val="75000"/>
+                        <a:lumOff val="25000"/>
+                      </a:schemeClr>
+                    </a:solidFill>
+                  </a:rPr>
+                  <a:t>Normal distribution </a:t>
+                </a:r>
+                <a14:m>
+                  <m:oMath xmlns:m="http://schemas.openxmlformats.org/officeDocument/2006/math">
+                    <m:r>
+                      <a:rPr lang="sv-SE" b="0" i="1" smtClean="0">
+                        <a:solidFill>
+                          <a:schemeClr val="tx2">
+                            <a:lumMod val="75000"/>
+                            <a:lumOff val="25000"/>
+                          </a:schemeClr>
+                        </a:solidFill>
+                        <a:latin typeface="Cambria Math" panose="02040503050406030204" pitchFamily="18" charset="0"/>
+                      </a:rPr>
+                      <m:t>𝑁</m:t>
+                    </m:r>
+                    <m:r>
+                      <a:rPr lang="sv-SE" b="0" i="1" smtClean="0">
+                        <a:solidFill>
+                          <a:schemeClr val="tx2">
+                            <a:lumMod val="75000"/>
+                            <a:lumOff val="25000"/>
+                          </a:schemeClr>
+                        </a:solidFill>
+                        <a:latin typeface="Cambria Math" panose="02040503050406030204" pitchFamily="18" charset="0"/>
+                      </a:rPr>
+                      <m:t>(</m:t>
+                    </m:r>
+                    <m:r>
+                      <a:rPr lang="sv-SE" b="0" i="1" smtClean="0">
+                        <a:solidFill>
+                          <a:schemeClr val="tx2">
+                            <a:lumMod val="75000"/>
+                            <a:lumOff val="25000"/>
+                          </a:schemeClr>
+                        </a:solidFill>
+                        <a:latin typeface="Cambria Math" panose="02040503050406030204" pitchFamily="18" charset="0"/>
+                      </a:rPr>
+                      <m:t>𝜇</m:t>
+                    </m:r>
+                    <m:r>
+                      <a:rPr lang="sv-SE" b="0" i="1" smtClean="0">
+                        <a:solidFill>
+                          <a:schemeClr val="tx2">
+                            <a:lumMod val="75000"/>
+                            <a:lumOff val="25000"/>
+                          </a:schemeClr>
+                        </a:solidFill>
+                        <a:latin typeface="Cambria Math" panose="02040503050406030204" pitchFamily="18" charset="0"/>
+                      </a:rPr>
+                      <m:t>, </m:t>
+                    </m:r>
+                    <m:sSup>
+                      <m:sSupPr>
+                        <m:ctrlPr>
+                          <a:rPr lang="sv-SE" b="0" i="1" smtClean="0">
+                            <a:solidFill>
+                              <a:schemeClr val="tx2">
+                                <a:lumMod val="75000"/>
+                                <a:lumOff val="25000"/>
+                              </a:schemeClr>
+                            </a:solidFill>
+                            <a:latin typeface="Cambria Math" panose="02040503050406030204" pitchFamily="18" charset="0"/>
+                          </a:rPr>
+                        </m:ctrlPr>
+                      </m:sSupPr>
+                      <m:e>
+                        <m:r>
+                          <a:rPr lang="sv-SE" b="0" i="1" smtClean="0">
+                            <a:solidFill>
+                              <a:schemeClr val="tx2">
+                                <a:lumMod val="75000"/>
+                                <a:lumOff val="25000"/>
+                              </a:schemeClr>
+                            </a:solidFill>
+                            <a:latin typeface="Cambria Math" panose="02040503050406030204" pitchFamily="18" charset="0"/>
+                          </a:rPr>
+                          <m:t>𝜎</m:t>
+                        </m:r>
+                      </m:e>
+                      <m:sup>
+                        <m:r>
+                          <a:rPr lang="sv-SE" b="0" i="1" smtClean="0">
+                            <a:solidFill>
+                              <a:schemeClr val="tx2">
+                                <a:lumMod val="75000"/>
+                                <a:lumOff val="25000"/>
+                              </a:schemeClr>
+                            </a:solidFill>
+                            <a:latin typeface="Cambria Math" panose="02040503050406030204" pitchFamily="18" charset="0"/>
+                          </a:rPr>
+                          <m:t>2</m:t>
+                        </m:r>
+                      </m:sup>
+                    </m:sSup>
+                    <m:r>
+                      <a:rPr lang="sv-SE" b="0" i="1" smtClean="0">
+                        <a:solidFill>
+                          <a:schemeClr val="tx2">
+                            <a:lumMod val="75000"/>
+                            <a:lumOff val="25000"/>
+                          </a:schemeClr>
+                        </a:solidFill>
+                        <a:latin typeface="Cambria Math" panose="02040503050406030204" pitchFamily="18" charset="0"/>
+                      </a:rPr>
+                      <m:t>)</m:t>
+                    </m:r>
+                  </m:oMath>
+                </a14:m>
+                <a:endParaRPr lang="en-US" dirty="0">
+                  <a:solidFill>
+                    <a:schemeClr val="tx2">
+                      <a:lumMod val="75000"/>
+                      <a:lumOff val="25000"/>
+                    </a:schemeClr>
+                  </a:solidFill>
+                </a:endParaRPr>
+              </a:p>
+            </p:txBody>
+          </p:sp>
+        </mc:Choice>
+        <mc:Fallback>
+          <p:sp>
+            <p:nvSpPr>
+              <p:cNvPr id="33" name="TextBox 32">
+                <a:extLst>
+                  <a:ext uri="{FF2B5EF4-FFF2-40B4-BE49-F238E27FC236}">
+                    <a16:creationId xmlns:a16="http://schemas.microsoft.com/office/drawing/2014/main" id="{BD017F9C-FC15-9D83-D3ED-C2C61A2968CE}"/>
+                  </a:ext>
+                </a:extLst>
+              </p:cNvPr>
+              <p:cNvSpPr txBox="1">
+                <a:spLocks noRot="1" noChangeAspect="1" noMove="1" noResize="1" noEditPoints="1" noAdjustHandles="1" noChangeArrowheads="1" noChangeShapeType="1" noTextEdit="1"/>
+              </p:cNvSpPr>
+              <p:nvPr/>
+            </p:nvSpPr>
+            <p:spPr>
+              <a:xfrm>
+                <a:off x="1287836" y="5540368"/>
+                <a:ext cx="2135028" cy="646331"/>
+              </a:xfrm>
+              <a:prstGeom prst="rect">
+                <a:avLst/>
+              </a:prstGeom>
+              <a:blipFill>
+                <a:blip r:embed="rId8"/>
+                <a:stretch>
+                  <a:fillRect l="-1143" t="-4717" r="-4286" b="-6604"/>
+                </a:stretch>
+              </a:blipFill>
+            </p:spPr>
+            <p:txBody>
+              <a:bodyPr/>
+              <a:lstStyle/>
+              <a:p>
+                <a:r>
+                  <a:rPr lang="en-US">
+                    <a:noFill/>
+                  </a:rPr>
+                  <a:t> </a:t>
+                </a:r>
+              </a:p>
+            </p:txBody>
+          </p:sp>
+        </mc:Fallback>
+      </mc:AlternateContent>
+      <p:cxnSp>
+        <p:nvCxnSpPr>
+          <p:cNvPr id="34" name="Connector: Curved 33">
+            <a:extLst>
+              <a:ext uri="{FF2B5EF4-FFF2-40B4-BE49-F238E27FC236}">
+                <a16:creationId xmlns:a16="http://schemas.microsoft.com/office/drawing/2014/main" id="{CB75DB75-635E-7664-B5E9-9E531F1DFC74}"/>
+              </a:ext>
+            </a:extLst>
+          </p:cNvPr>
+          <p:cNvCxnSpPr>
+            <a:cxnSpLocks/>
+            <a:stCxn id="33" idx="3"/>
+            <a:endCxn id="32" idx="2"/>
+          </p:cNvCxnSpPr>
+          <p:nvPr/>
+        </p:nvCxnSpPr>
+        <p:spPr>
+          <a:xfrm flipV="1">
+            <a:off x="3422864" y="4654145"/>
+            <a:ext cx="456880" cy="1209389"/>
+          </a:xfrm>
+          <a:prstGeom prst="curvedConnector2">
+            <a:avLst/>
+          </a:prstGeom>
+          <a:ln>
+            <a:tailEnd type="triangle"/>
+          </a:ln>
+        </p:spPr>
+        <p:style>
+          <a:lnRef idx="2">
+            <a:schemeClr val="accent1"/>
+          </a:lnRef>
+          <a:fillRef idx="0">
+            <a:schemeClr val="accent1"/>
+          </a:fillRef>
+          <a:effectRef idx="1">
+            <a:schemeClr val="accent1"/>
+          </a:effectRef>
+          <a:fontRef idx="minor">
+            <a:schemeClr val="tx1"/>
+          </a:fontRef>
+        </p:style>
+      </p:cxnSp>
+      <p:sp>
+        <p:nvSpPr>
+          <p:cNvPr id="38" name="Rectangle 37">
+            <a:extLst>
+              <a:ext uri="{FF2B5EF4-FFF2-40B4-BE49-F238E27FC236}">
+                <a16:creationId xmlns:a16="http://schemas.microsoft.com/office/drawing/2014/main" id="{69D9E3DB-4402-053D-4FEA-340CDEF49712}"/>
+              </a:ext>
+            </a:extLst>
+          </p:cNvPr>
+          <p:cNvSpPr/>
+          <p:nvPr/>
+        </p:nvSpPr>
+        <p:spPr>
+          <a:xfrm>
+            <a:off x="4050444" y="4376468"/>
+            <a:ext cx="1771396" cy="276999"/>
+          </a:xfrm>
+          <a:prstGeom prst="rect">
+            <a:avLst/>
+          </a:prstGeom>
+          <a:noFill/>
+          <a:ln>
+            <a:noFill/>
+          </a:ln>
+        </p:spPr>
+        <p:style>
+          <a:lnRef idx="2">
+            <a:schemeClr val="accent1">
+              <a:shade val="15000"/>
+            </a:schemeClr>
+          </a:lnRef>
+          <a:fillRef idx="1">
+            <a:schemeClr val="accent1"/>
+          </a:fillRef>
+          <a:effectRef idx="0">
+            <a:schemeClr val="accent1"/>
+          </a:effectRef>
+          <a:fontRef idx="minor">
+            <a:schemeClr val="lt1"/>
+          </a:fontRef>
+        </p:style>
+        <p:txBody>
+          <a:bodyPr rtlCol="0" anchor="ctr"/>
+          <a:lstStyle/>
+          <a:p>
+            <a:pPr algn="ctr"/>
+            <a:endParaRPr lang="en-US"/>
+          </a:p>
+        </p:txBody>
+      </p:sp>
+      <p:sp>
+        <p:nvSpPr>
+          <p:cNvPr id="39" name="TextBox 38">
+            <a:extLst>
+              <a:ext uri="{FF2B5EF4-FFF2-40B4-BE49-F238E27FC236}">
+                <a16:creationId xmlns:a16="http://schemas.microsoft.com/office/drawing/2014/main" id="{1490ABCB-EB30-1195-9C92-AEB2770A8820}"/>
+              </a:ext>
+            </a:extLst>
+          </p:cNvPr>
+          <p:cNvSpPr txBox="1"/>
+          <p:nvPr/>
+        </p:nvSpPr>
+        <p:spPr>
+          <a:xfrm>
+            <a:off x="3837721" y="5494326"/>
+            <a:ext cx="2298395" cy="646331"/>
+          </a:xfrm>
+          <a:prstGeom prst="rect">
+            <a:avLst/>
+          </a:prstGeom>
+          <a:noFill/>
+        </p:spPr>
+        <p:txBody>
+          <a:bodyPr wrap="square" rtlCol="0">
+            <a:spAutoFit/>
+          </a:bodyPr>
+          <a:lstStyle/>
+          <a:p>
+            <a:pPr algn="ctr"/>
+            <a:r>
+              <a:rPr lang="en-US" dirty="0">
+                <a:solidFill>
+                  <a:schemeClr val="tx2">
+                    <a:lumMod val="75000"/>
+                    <a:lumOff val="25000"/>
+                  </a:schemeClr>
+                </a:solidFill>
+              </a:rPr>
+              <a:t>Dependency of defects on technique</a:t>
+            </a:r>
+          </a:p>
+        </p:txBody>
+      </p:sp>
+      <p:cxnSp>
+        <p:nvCxnSpPr>
+          <p:cNvPr id="41" name="Connector: Curved 40">
+            <a:extLst>
+              <a:ext uri="{FF2B5EF4-FFF2-40B4-BE49-F238E27FC236}">
+                <a16:creationId xmlns:a16="http://schemas.microsoft.com/office/drawing/2014/main" id="{17C4F4E2-43C1-47B9-2DBE-D67D77E80627}"/>
+              </a:ext>
+            </a:extLst>
+          </p:cNvPr>
+          <p:cNvCxnSpPr>
+            <a:cxnSpLocks/>
+            <a:stCxn id="39" idx="0"/>
+            <a:endCxn id="38" idx="2"/>
+          </p:cNvCxnSpPr>
+          <p:nvPr/>
+        </p:nvCxnSpPr>
+        <p:spPr>
+          <a:xfrm flipH="1" flipV="1">
+            <a:off x="4936142" y="4653467"/>
+            <a:ext cx="50777" cy="840859"/>
+          </a:xfrm>
+          <a:prstGeom prst="straightConnector1">
+            <a:avLst/>
+          </a:prstGeom>
+          <a:ln>
+            <a:tailEnd type="triangle"/>
+          </a:ln>
+        </p:spPr>
+        <p:style>
+          <a:lnRef idx="2">
+            <a:schemeClr val="accent1"/>
+          </a:lnRef>
+          <a:fillRef idx="0">
+            <a:schemeClr val="accent1"/>
+          </a:fillRef>
+          <a:effectRef idx="1">
+            <a:schemeClr val="accent1"/>
+          </a:effectRef>
+          <a:fontRef idx="minor">
+            <a:schemeClr val="tx1"/>
+          </a:fontRef>
+        </p:style>
+      </p:cxnSp>
+      <p:pic>
+        <p:nvPicPr>
+          <p:cNvPr id="49" name="Picture 48" descr="A graph with numbers and text&#10;&#10;AI-generated content may be incorrect.">
+            <a:extLst>
+              <a:ext uri="{FF2B5EF4-FFF2-40B4-BE49-F238E27FC236}">
+                <a16:creationId xmlns:a16="http://schemas.microsoft.com/office/drawing/2014/main" id="{B0A2AB85-B86B-5271-02E9-E2F79959A0D0}"/>
+              </a:ext>
+            </a:extLst>
+          </p:cNvPr>
+          <p:cNvPicPr>
+            <a:picLocks noChangeAspect="1"/>
+          </p:cNvPicPr>
+          <p:nvPr/>
+        </p:nvPicPr>
+        <p:blipFill>
+          <a:blip r:embed="rId9">
+            <a:extLst>
+              <a:ext uri="{28A0092B-C50C-407E-A947-70E740481C1C}">
+                <a14:useLocalDpi xmlns:a14="http://schemas.microsoft.com/office/drawing/2010/main" val="0"/>
+              </a:ext>
+            </a:extLst>
+          </a:blip>
+          <a:stretch>
+            <a:fillRect/>
+          </a:stretch>
+        </p:blipFill>
+        <p:spPr>
+          <a:xfrm>
+            <a:off x="8451679" y="2854463"/>
+            <a:ext cx="3599695" cy="1078994"/>
+          </a:xfrm>
+          <a:prstGeom prst="rect">
+            <a:avLst/>
+          </a:prstGeom>
+        </p:spPr>
+      </p:pic>
+      <p:pic>
+        <p:nvPicPr>
+          <p:cNvPr id="73" name="Picture 72" descr="A graph of a graph&#10;&#10;AI-generated content may be incorrect.">
+            <a:extLst>
+              <a:ext uri="{FF2B5EF4-FFF2-40B4-BE49-F238E27FC236}">
+                <a16:creationId xmlns:a16="http://schemas.microsoft.com/office/drawing/2014/main" id="{92A21FFF-7671-844D-FA2D-05A2DC33ABB1}"/>
+              </a:ext>
+            </a:extLst>
+          </p:cNvPr>
+          <p:cNvPicPr>
+            <a:picLocks noChangeAspect="1"/>
+          </p:cNvPicPr>
+          <p:nvPr/>
+        </p:nvPicPr>
+        <p:blipFill>
+          <a:blip r:embed="rId10">
+            <a:extLst>
+              <a:ext uri="{28A0092B-C50C-407E-A947-70E740481C1C}">
+                <a14:useLocalDpi xmlns:a14="http://schemas.microsoft.com/office/drawing/2010/main" val="0"/>
+              </a:ext>
+            </a:extLst>
+          </a:blip>
+          <a:stretch>
+            <a:fillRect/>
+          </a:stretch>
+        </p:blipFill>
+        <p:spPr>
+          <a:xfrm>
+            <a:off x="8451679" y="4189356"/>
+            <a:ext cx="3599695" cy="1978156"/>
+          </a:xfrm>
+          <a:prstGeom prst="rect">
+            <a:avLst/>
+          </a:prstGeom>
+        </p:spPr>
+      </p:pic>
+      <p:pic>
+        <p:nvPicPr>
+          <p:cNvPr id="69" name="Picture 68" descr="A graph of a graph&#10;&#10;AI-generated content may be incorrect.">
+            <a:extLst>
+              <a:ext uri="{FF2B5EF4-FFF2-40B4-BE49-F238E27FC236}">
+                <a16:creationId xmlns:a16="http://schemas.microsoft.com/office/drawing/2014/main" id="{66C514EA-A4B1-2EE7-C3D4-31AB578102FF}"/>
+              </a:ext>
+            </a:extLst>
+          </p:cNvPr>
+          <p:cNvPicPr>
+            <a:picLocks noChangeAspect="1"/>
+          </p:cNvPicPr>
+          <p:nvPr/>
+        </p:nvPicPr>
+        <p:blipFill>
+          <a:blip r:embed="rId11">
+            <a:extLst>
+              <a:ext uri="{28A0092B-C50C-407E-A947-70E740481C1C}">
+                <a14:useLocalDpi xmlns:a14="http://schemas.microsoft.com/office/drawing/2010/main" val="0"/>
+              </a:ext>
+            </a:extLst>
+          </a:blip>
+          <a:stretch>
+            <a:fillRect/>
+          </a:stretch>
+        </p:blipFill>
+        <p:spPr>
+          <a:xfrm>
+            <a:off x="8452070" y="4183222"/>
+            <a:ext cx="3599695" cy="2517653"/>
+          </a:xfrm>
+          <a:prstGeom prst="rect">
+            <a:avLst/>
+          </a:prstGeom>
+        </p:spPr>
+      </p:pic>
+      <p:sp>
+        <p:nvSpPr>
+          <p:cNvPr id="78" name="Right Brace 77">
+            <a:extLst>
+              <a:ext uri="{FF2B5EF4-FFF2-40B4-BE49-F238E27FC236}">
+                <a16:creationId xmlns:a16="http://schemas.microsoft.com/office/drawing/2014/main" id="{A6A60A26-87BE-5633-0F88-5392711DAC0C}"/>
+              </a:ext>
+            </a:extLst>
+          </p:cNvPr>
+          <p:cNvSpPr/>
+          <p:nvPr/>
+        </p:nvSpPr>
+        <p:spPr>
+          <a:xfrm rot="16200000">
+            <a:off x="9956516" y="3675819"/>
+            <a:ext cx="88982" cy="1262026"/>
+          </a:xfrm>
+          <a:prstGeom prst="rightBrace">
+            <a:avLst/>
+          </a:prstGeom>
+          <a:ln>
+            <a:solidFill>
+              <a:srgbClr val="D0180A"/>
+            </a:solidFill>
+            <a:prstDash val="sysDot"/>
+          </a:ln>
+        </p:spPr>
+        <p:style>
+          <a:lnRef idx="2">
+            <a:schemeClr val="accent1"/>
+          </a:lnRef>
+          <a:fillRef idx="0">
+            <a:schemeClr val="accent1"/>
+          </a:fillRef>
+          <a:effectRef idx="1">
+            <a:schemeClr val="accent1"/>
+          </a:effectRef>
+          <a:fontRef idx="minor">
+            <a:schemeClr val="tx1"/>
+          </a:fontRef>
+        </p:style>
+        <p:txBody>
+          <a:bodyPr rtlCol="0" anchor="ctr"/>
+          <a:lstStyle/>
+          <a:p>
+            <a:pPr algn="ctr"/>
+            <a:endParaRPr lang="en-US">
+              <a:solidFill>
+                <a:srgbClr val="D0180A"/>
+              </a:solidFill>
+            </a:endParaRPr>
+          </a:p>
+        </p:txBody>
+      </p:sp>
+      <p:cxnSp>
+        <p:nvCxnSpPr>
+          <p:cNvPr id="81" name="Straight Connector 80">
+            <a:extLst>
+              <a:ext uri="{FF2B5EF4-FFF2-40B4-BE49-F238E27FC236}">
+                <a16:creationId xmlns:a16="http://schemas.microsoft.com/office/drawing/2014/main" id="{847E6059-7A1C-7D64-E082-546A6DF413D4}"/>
+              </a:ext>
+            </a:extLst>
+          </p:cNvPr>
+          <p:cNvCxnSpPr/>
+          <p:nvPr/>
+        </p:nvCxnSpPr>
+        <p:spPr>
+          <a:xfrm flipV="1">
+            <a:off x="10001009" y="4268921"/>
+            <a:ext cx="0" cy="1451042"/>
+          </a:xfrm>
+          <a:prstGeom prst="line">
+            <a:avLst/>
+          </a:prstGeom>
+          <a:ln>
+            <a:solidFill>
+              <a:srgbClr val="D0180A"/>
+            </a:solidFill>
+            <a:prstDash val="dash"/>
+          </a:ln>
+        </p:spPr>
+        <p:style>
+          <a:lnRef idx="2">
+            <a:schemeClr val="accent1"/>
+          </a:lnRef>
+          <a:fillRef idx="0">
+            <a:schemeClr val="accent1"/>
+          </a:fillRef>
+          <a:effectRef idx="1">
+            <a:schemeClr val="accent1"/>
+          </a:effectRef>
+          <a:fontRef idx="minor">
+            <a:schemeClr val="tx1"/>
+          </a:fontRef>
+        </p:style>
+      </p:cxnSp>
+      <p:cxnSp>
+        <p:nvCxnSpPr>
+          <p:cNvPr id="82" name="Straight Connector 81">
+            <a:extLst>
+              <a:ext uri="{FF2B5EF4-FFF2-40B4-BE49-F238E27FC236}">
+                <a16:creationId xmlns:a16="http://schemas.microsoft.com/office/drawing/2014/main" id="{76A6DE77-13C4-EEAF-A6F1-D4600954FF5C}"/>
+              </a:ext>
+            </a:extLst>
+          </p:cNvPr>
+          <p:cNvCxnSpPr/>
+          <p:nvPr/>
+        </p:nvCxnSpPr>
+        <p:spPr>
+          <a:xfrm flipV="1">
+            <a:off x="10791584" y="4285590"/>
+            <a:ext cx="0" cy="1451042"/>
+          </a:xfrm>
+          <a:prstGeom prst="line">
+            <a:avLst/>
+          </a:prstGeom>
+          <a:ln>
+            <a:solidFill>
+              <a:srgbClr val="006D70"/>
+            </a:solidFill>
+            <a:prstDash val="dash"/>
+          </a:ln>
+        </p:spPr>
+        <p:style>
+          <a:lnRef idx="2">
+            <a:schemeClr val="accent1"/>
+          </a:lnRef>
+          <a:fillRef idx="0">
+            <a:schemeClr val="accent1"/>
+          </a:fillRef>
+          <a:effectRef idx="1">
+            <a:schemeClr val="accent1"/>
+          </a:effectRef>
+          <a:fontRef idx="minor">
+            <a:schemeClr val="tx1"/>
+          </a:fontRef>
+        </p:style>
+      </p:cxnSp>
+      <mc:AlternateContent xmlns:mc="http://schemas.openxmlformats.org/markup-compatibility/2006">
+        <mc:Choice xmlns:a14="http://schemas.microsoft.com/office/drawing/2010/main" Requires="a14">
+          <p:sp>
+            <p:nvSpPr>
+              <p:cNvPr id="84" name="TextBox 83">
+                <a:extLst>
+                  <a:ext uri="{FF2B5EF4-FFF2-40B4-BE49-F238E27FC236}">
+                    <a16:creationId xmlns:a16="http://schemas.microsoft.com/office/drawing/2014/main" id="{E86B7886-5299-0D8E-A5B2-D53E06E8FCBF}"/>
+                  </a:ext>
+                </a:extLst>
+              </p:cNvPr>
+              <p:cNvSpPr txBox="1"/>
+              <p:nvPr/>
+            </p:nvSpPr>
+            <p:spPr>
+              <a:xfrm>
+                <a:off x="9727163" y="3966256"/>
+                <a:ext cx="547689" cy="307777"/>
+              </a:xfrm>
+              <a:prstGeom prst="rect">
+                <a:avLst/>
+              </a:prstGeom>
+              <a:noFill/>
+            </p:spPr>
+            <p:txBody>
+              <a:bodyPr wrap="square">
+                <a:spAutoFit/>
+              </a:bodyPr>
+              <a:lstStyle/>
+              <a:p>
+                <a:pPr/>
+                <a14:m>
+                  <m:oMathPara xmlns:m="http://schemas.openxmlformats.org/officeDocument/2006/math">
+                    <m:oMathParaPr>
+                      <m:jc m:val="centerGroup"/>
+                    </m:oMathParaPr>
+                    <m:oMath xmlns:m="http://schemas.openxmlformats.org/officeDocument/2006/math">
+                      <m:r>
+                        <a:rPr lang="sv-SE" sz="1400" b="0" i="1" smtClean="0">
+                          <a:latin typeface="Cambria Math" panose="02040503050406030204" pitchFamily="18" charset="0"/>
+                        </a:rPr>
+                        <m:t>5+</m:t>
+                      </m:r>
+                    </m:oMath>
+                  </m:oMathPara>
+                </a14:m>
+                <a:endParaRPr lang="en-US" sz="1400" dirty="0"/>
+              </a:p>
+            </p:txBody>
+          </p:sp>
+        </mc:Choice>
+        <mc:Fallback>
+          <p:sp>
+            <p:nvSpPr>
+              <p:cNvPr id="84" name="TextBox 83">
+                <a:extLst>
+                  <a:ext uri="{FF2B5EF4-FFF2-40B4-BE49-F238E27FC236}">
+                    <a16:creationId xmlns:a16="http://schemas.microsoft.com/office/drawing/2014/main" id="{E86B7886-5299-0D8E-A5B2-D53E06E8FCBF}"/>
+                  </a:ext>
+                </a:extLst>
+              </p:cNvPr>
+              <p:cNvSpPr txBox="1">
+                <a:spLocks noRot="1" noChangeAspect="1" noMove="1" noResize="1" noEditPoints="1" noAdjustHandles="1" noChangeArrowheads="1" noChangeShapeType="1" noTextEdit="1"/>
+              </p:cNvSpPr>
+              <p:nvPr/>
+            </p:nvSpPr>
+            <p:spPr>
+              <a:xfrm>
+                <a:off x="9727163" y="3966256"/>
+                <a:ext cx="547689" cy="307777"/>
+              </a:xfrm>
+              <a:prstGeom prst="rect">
+                <a:avLst/>
+              </a:prstGeom>
+              <a:blipFill>
+                <a:blip r:embed="rId12"/>
+                <a:stretch>
+                  <a:fillRect/>
+                </a:stretch>
+              </a:blipFill>
+            </p:spPr>
+            <p:txBody>
+              <a:bodyPr/>
+              <a:lstStyle/>
+              <a:p>
+                <a:r>
+                  <a:rPr lang="en-US">
+                    <a:noFill/>
+                  </a:rPr>
+                  <a:t> </a:t>
+                </a:r>
+              </a:p>
+            </p:txBody>
+          </p:sp>
+        </mc:Fallback>
+      </mc:AlternateContent>
+      <mc:AlternateContent xmlns:mc="http://schemas.openxmlformats.org/markup-compatibility/2006">
+        <mc:Choice xmlns:a14="http://schemas.microsoft.com/office/drawing/2010/main" Requires="a14">
+          <p:sp>
+            <p:nvSpPr>
+              <p:cNvPr id="85" name="TextBox 84">
+                <a:extLst>
+                  <a:ext uri="{FF2B5EF4-FFF2-40B4-BE49-F238E27FC236}">
+                    <a16:creationId xmlns:a16="http://schemas.microsoft.com/office/drawing/2014/main" id="{871D0394-32E8-3C1F-D5B2-FD061300360F}"/>
+                  </a:ext>
+                </a:extLst>
+              </p:cNvPr>
+              <p:cNvSpPr txBox="1"/>
+              <p:nvPr/>
+            </p:nvSpPr>
+            <p:spPr>
+              <a:xfrm>
+                <a:off x="10178163" y="3941037"/>
+                <a:ext cx="1481680" cy="307777"/>
+              </a:xfrm>
+              <a:prstGeom prst="rect">
+                <a:avLst/>
+              </a:prstGeom>
+              <a:noFill/>
+            </p:spPr>
+            <p:txBody>
+              <a:bodyPr wrap="square">
+                <a:spAutoFit/>
+              </a:bodyPr>
+              <a:lstStyle/>
+              <a:p>
+                <a:pPr/>
+                <a14:m>
+                  <m:oMathPara xmlns:m="http://schemas.openxmlformats.org/officeDocument/2006/math">
+                    <m:oMathParaPr>
+                      <m:jc m:val="centerGroup"/>
+                    </m:oMathParaPr>
+                    <m:oMath xmlns:m="http://schemas.openxmlformats.org/officeDocument/2006/math">
+                      <m:r>
+                        <a:rPr lang="sv-SE" sz="1400" b="0" i="1" smtClean="0">
+                          <a:latin typeface="Cambria Math" panose="02040503050406030204" pitchFamily="18" charset="0"/>
+                        </a:rPr>
+                        <m:t>𝑡𝑒𝑐h𝑛𝑖𝑞𝑢𝑒</m:t>
+                      </m:r>
+                      <m:r>
+                        <a:rPr lang="sv-SE" sz="1400" b="0" i="1" smtClean="0">
+                          <a:latin typeface="Cambria Math" panose="02040503050406030204" pitchFamily="18" charset="0"/>
+                        </a:rPr>
+                        <m:t>∗5</m:t>
+                      </m:r>
+                    </m:oMath>
+                  </m:oMathPara>
+                </a14:m>
+                <a:endParaRPr lang="en-US" sz="1400" dirty="0"/>
+              </a:p>
+            </p:txBody>
+          </p:sp>
+        </mc:Choice>
+        <mc:Fallback>
+          <p:sp>
+            <p:nvSpPr>
+              <p:cNvPr id="85" name="TextBox 84">
+                <a:extLst>
+                  <a:ext uri="{FF2B5EF4-FFF2-40B4-BE49-F238E27FC236}">
+                    <a16:creationId xmlns:a16="http://schemas.microsoft.com/office/drawing/2014/main" id="{871D0394-32E8-3C1F-D5B2-FD061300360F}"/>
+                  </a:ext>
+                </a:extLst>
+              </p:cNvPr>
+              <p:cNvSpPr txBox="1">
+                <a:spLocks noRot="1" noChangeAspect="1" noMove="1" noResize="1" noEditPoints="1" noAdjustHandles="1" noChangeArrowheads="1" noChangeShapeType="1" noTextEdit="1"/>
+              </p:cNvSpPr>
+              <p:nvPr/>
+            </p:nvSpPr>
+            <p:spPr>
+              <a:xfrm>
+                <a:off x="10178163" y="3941037"/>
+                <a:ext cx="1481680" cy="307777"/>
+              </a:xfrm>
+              <a:prstGeom prst="rect">
+                <a:avLst/>
+              </a:prstGeom>
+              <a:blipFill>
+                <a:blip r:embed="rId13"/>
+                <a:stretch>
+                  <a:fillRect b="-5882"/>
+                </a:stretch>
+              </a:blipFill>
+            </p:spPr>
+            <p:txBody>
+              <a:bodyPr/>
+              <a:lstStyle/>
+              <a:p>
+                <a:r>
+                  <a:rPr lang="en-US">
+                    <a:noFill/>
+                  </a:rPr>
+                  <a:t> </a:t>
+                </a:r>
+              </a:p>
+            </p:txBody>
+          </p:sp>
+        </mc:Fallback>
+      </mc:AlternateContent>
+      <p:sp>
+        <p:nvSpPr>
+          <p:cNvPr id="86" name="Right Brace 85">
+            <a:extLst>
+              <a:ext uri="{FF2B5EF4-FFF2-40B4-BE49-F238E27FC236}">
+                <a16:creationId xmlns:a16="http://schemas.microsoft.com/office/drawing/2014/main" id="{1D879129-FDEA-4BC0-F963-95138A47A1A9}"/>
+              </a:ext>
+            </a:extLst>
+          </p:cNvPr>
+          <p:cNvSpPr/>
+          <p:nvPr/>
+        </p:nvSpPr>
+        <p:spPr>
+          <a:xfrm rot="16200000">
+            <a:off x="10747093" y="3732325"/>
+            <a:ext cx="88982" cy="1262026"/>
+          </a:xfrm>
+          <a:prstGeom prst="rightBrace">
+            <a:avLst/>
+          </a:prstGeom>
+          <a:ln>
+            <a:solidFill>
+              <a:srgbClr val="006D70"/>
+            </a:solidFill>
+            <a:prstDash val="sysDot"/>
+          </a:ln>
+        </p:spPr>
+        <p:style>
+          <a:lnRef idx="2">
+            <a:schemeClr val="accent1"/>
+          </a:lnRef>
+          <a:fillRef idx="0">
+            <a:schemeClr val="accent1"/>
+          </a:fillRef>
+          <a:effectRef idx="1">
+            <a:schemeClr val="accent1"/>
+          </a:effectRef>
+          <a:fontRef idx="minor">
+            <a:schemeClr val="tx1"/>
+          </a:fontRef>
+        </p:style>
+        <p:txBody>
+          <a:bodyPr rtlCol="0" anchor="ctr"/>
+          <a:lstStyle/>
+          <a:p>
+            <a:pPr algn="ctr"/>
+            <a:endParaRPr lang="en-US">
+              <a:solidFill>
+                <a:srgbClr val="D0180A"/>
+              </a:solidFill>
+            </a:endParaRPr>
+          </a:p>
+        </p:txBody>
+      </p:sp>
+      <p:sp>
+        <p:nvSpPr>
+          <p:cNvPr id="101" name="Rectangle 100">
+            <a:extLst>
+              <a:ext uri="{FF2B5EF4-FFF2-40B4-BE49-F238E27FC236}">
+                <a16:creationId xmlns:a16="http://schemas.microsoft.com/office/drawing/2014/main" id="{10FE6653-B71F-3B56-7387-E64D3EFCC1F4}"/>
+              </a:ext>
+            </a:extLst>
+          </p:cNvPr>
+          <p:cNvSpPr/>
+          <p:nvPr/>
+        </p:nvSpPr>
+        <p:spPr>
+          <a:xfrm>
+            <a:off x="6391626" y="5794743"/>
+            <a:ext cx="1990725" cy="479002"/>
+          </a:xfrm>
+          <a:prstGeom prst="rect">
+            <a:avLst/>
+          </a:prstGeom>
+          <a:gradFill>
+            <a:gsLst>
+              <a:gs pos="0">
+                <a:schemeClr val="accent1">
+                  <a:lumMod val="5000"/>
+                  <a:lumOff val="95000"/>
+                  <a:alpha val="0"/>
+                </a:schemeClr>
+              </a:gs>
+              <a:gs pos="100000">
+                <a:schemeClr val="bg1"/>
+              </a:gs>
+            </a:gsLst>
+            <a:lin ang="5400000" scaled="1"/>
+          </a:gradFill>
+          <a:ln>
+            <a:noFill/>
+          </a:ln>
+        </p:spPr>
+        <p:style>
+          <a:lnRef idx="2">
+            <a:schemeClr val="accent1">
+              <a:shade val="15000"/>
+            </a:schemeClr>
+          </a:lnRef>
+          <a:fillRef idx="1">
+            <a:schemeClr val="accent1"/>
+          </a:fillRef>
+          <a:effectRef idx="0">
+            <a:schemeClr val="accent1"/>
+          </a:effectRef>
+          <a:fontRef idx="minor">
+            <a:schemeClr val="lt1"/>
+          </a:fontRef>
+        </p:style>
+        <p:txBody>
+          <a:bodyPr rtlCol="0" anchor="ctr"/>
+          <a:lstStyle/>
+          <a:p>
+            <a:pPr algn="ctr"/>
+            <a:endParaRPr lang="en-US"/>
+          </a:p>
+        </p:txBody>
+      </p:sp>
+      <p:cxnSp>
+        <p:nvCxnSpPr>
+          <p:cNvPr id="102" name="Connector: Curved 101">
+            <a:extLst>
+              <a:ext uri="{FF2B5EF4-FFF2-40B4-BE49-F238E27FC236}">
+                <a16:creationId xmlns:a16="http://schemas.microsoft.com/office/drawing/2014/main" id="{D7D0B251-B9FA-9EA3-5E67-A03F57BAA164}"/>
+              </a:ext>
+            </a:extLst>
+          </p:cNvPr>
+          <p:cNvCxnSpPr>
+            <a:cxnSpLocks/>
+            <a:stCxn id="9" idx="3"/>
+            <a:endCxn id="88" idx="0"/>
+          </p:cNvCxnSpPr>
+          <p:nvPr/>
+        </p:nvCxnSpPr>
+        <p:spPr>
+          <a:xfrm>
+            <a:off x="6315465" y="4109019"/>
+            <a:ext cx="1071524" cy="267449"/>
+          </a:xfrm>
+          <a:prstGeom prst="curvedConnector2">
+            <a:avLst/>
+          </a:prstGeom>
+          <a:ln>
+            <a:solidFill>
+              <a:srgbClr val="C00000"/>
+            </a:solidFill>
+            <a:tailEnd type="triangle"/>
+          </a:ln>
+        </p:spPr>
+        <p:style>
+          <a:lnRef idx="2">
+            <a:schemeClr val="accent1"/>
+          </a:lnRef>
+          <a:fillRef idx="0">
+            <a:schemeClr val="accent1"/>
+          </a:fillRef>
+          <a:effectRef idx="1">
+            <a:schemeClr val="accent1"/>
+          </a:effectRef>
+          <a:fontRef idx="minor">
+            <a:schemeClr val="tx1"/>
+          </a:fontRef>
+        </p:style>
+      </p:cxnSp>
     </p:spTree>
     <p:extLst>
       <p:ext uri="{BB962C8B-B14F-4D97-AF65-F5344CB8AC3E}">
@@ -6241,18 +8735,9 @@
           <a:lstStyle/>
           <a:p>
             <a:r>
-              <a:rPr lang="sv-SE" dirty="0" err="1"/>
-              <a:t>Causal</a:t>
-            </a:r>
-            <a:r>
-              <a:rPr lang="sv-SE" dirty="0"/>
-              <a:t> </a:t>
-            </a:r>
-            <a:r>
-              <a:rPr lang="sv-SE" dirty="0" err="1"/>
-              <a:t>Modeling</a:t>
-            </a:r>
-            <a:endParaRPr lang="en-US" dirty="0"/>
+              <a:rPr lang="en-US" dirty="0"/>
+              <a:t>Causal Modeling</a:t>
+            </a:r>
           </a:p>
         </p:txBody>
       </p:sp>
@@ -6272,7 +8757,12 @@
             <p:ph idx="1"/>
           </p:nvPr>
         </p:nvSpPr>
-        <p:spPr/>
+        <p:spPr>
+          <a:xfrm>
+            <a:off x="956794" y="1885065"/>
+            <a:ext cx="10515600" cy="1692986"/>
+          </a:xfrm>
+        </p:spPr>
         <p:txBody>
           <a:bodyPr/>
           <a:lstStyle/>
@@ -6281,252 +8771,28 @@
               <a:buNone/>
             </a:pPr>
             <a:r>
-              <a:rPr lang="sv-SE" dirty="0" err="1"/>
-              <a:t>Directed</a:t>
-            </a:r>
-            <a:r>
-              <a:rPr lang="sv-SE" dirty="0"/>
-              <a:t>, </a:t>
-            </a:r>
-            <a:r>
-              <a:rPr lang="sv-SE" dirty="0" err="1"/>
-              <a:t>acyclic</a:t>
-            </a:r>
-            <a:r>
-              <a:rPr lang="sv-SE" dirty="0"/>
-              <a:t> </a:t>
-            </a:r>
-            <a:r>
-              <a:rPr lang="sv-SE" dirty="0" err="1"/>
-              <a:t>graphs</a:t>
-            </a:r>
-            <a:r>
-              <a:rPr lang="sv-SE" dirty="0"/>
-              <a:t> (DAGs) </a:t>
-            </a:r>
-            <a:r>
-              <a:rPr lang="sv-SE" dirty="0" err="1"/>
-              <a:t>can</a:t>
-            </a:r>
-            <a:r>
-              <a:rPr lang="sv-SE" dirty="0"/>
-              <a:t> </a:t>
-            </a:r>
-            <a:r>
-              <a:rPr lang="sv-SE" dirty="0" err="1"/>
-              <a:t>represent</a:t>
-            </a:r>
-            <a:r>
-              <a:rPr lang="sv-SE" dirty="0"/>
-              <a:t> </a:t>
-            </a:r>
-            <a:r>
-              <a:rPr lang="sv-SE" dirty="0" err="1"/>
-              <a:t>causal</a:t>
-            </a:r>
-            <a:r>
-              <a:rPr lang="sv-SE" dirty="0"/>
-              <a:t> </a:t>
-            </a:r>
-            <a:r>
-              <a:rPr lang="sv-SE" dirty="0" err="1"/>
-              <a:t>assumptions</a:t>
-            </a:r>
-            <a:r>
-              <a:rPr lang="sv-SE" dirty="0"/>
-              <a:t>, </a:t>
-            </a:r>
-            <a:r>
-              <a:rPr lang="sv-SE" dirty="0" err="1"/>
-              <a:t>where</a:t>
-            </a:r>
-            <a:r>
-              <a:rPr lang="sv-SE" dirty="0"/>
-              <a:t> </a:t>
-            </a:r>
-            <a:r>
-              <a:rPr lang="sv-SE" dirty="0" err="1"/>
-              <a:t>nodes</a:t>
-            </a:r>
-            <a:r>
-              <a:rPr lang="sv-SE" dirty="0"/>
-              <a:t> </a:t>
-            </a:r>
-            <a:r>
-              <a:rPr lang="sv-SE" dirty="0" err="1"/>
-              <a:t>represent</a:t>
-            </a:r>
-            <a:r>
-              <a:rPr lang="sv-SE" dirty="0"/>
-              <a:t> </a:t>
-            </a:r>
-            <a:r>
-              <a:rPr lang="sv-SE" dirty="0" err="1"/>
-              <a:t>variables</a:t>
-            </a:r>
-            <a:r>
-              <a:rPr lang="sv-SE" dirty="0"/>
-              <a:t> and </a:t>
-            </a:r>
-            <a:r>
-              <a:rPr lang="sv-SE" dirty="0" err="1"/>
-              <a:t>edges</a:t>
-            </a:r>
-            <a:r>
-              <a:rPr lang="sv-SE" dirty="0"/>
-              <a:t> </a:t>
-            </a:r>
-            <a:r>
-              <a:rPr lang="sv-SE" dirty="0" err="1"/>
-              <a:t>represent</a:t>
-            </a:r>
-            <a:r>
-              <a:rPr lang="sv-SE" dirty="0"/>
-              <a:t> </a:t>
-            </a:r>
-            <a:r>
-              <a:rPr lang="sv-SE" dirty="0" err="1"/>
-              <a:t>assume</a:t>
-            </a:r>
-            <a:r>
-              <a:rPr lang="sv-SE" dirty="0"/>
-              <a:t>/potential </a:t>
-            </a:r>
-            <a:r>
-              <a:rPr lang="sv-SE" dirty="0" err="1"/>
-              <a:t>causal</a:t>
-            </a:r>
-            <a:r>
-              <a:rPr lang="sv-SE" dirty="0"/>
-              <a:t> relationships </a:t>
-            </a:r>
-            <a:r>
-              <a:rPr lang="sv-SE" dirty="0" err="1"/>
-              <a:t>between</a:t>
-            </a:r>
-            <a:r>
-              <a:rPr lang="sv-SE" dirty="0"/>
-              <a:t> </a:t>
-            </a:r>
-            <a:r>
-              <a:rPr lang="sv-SE" dirty="0" err="1"/>
-              <a:t>those</a:t>
-            </a:r>
-            <a:r>
-              <a:rPr lang="sv-SE" dirty="0"/>
-              <a:t> </a:t>
-            </a:r>
-            <a:r>
-              <a:rPr lang="sv-SE" dirty="0" err="1"/>
-              <a:t>variables</a:t>
-            </a:r>
-            <a:r>
-              <a:rPr lang="sv-SE" dirty="0"/>
-              <a:t>. </a:t>
-            </a:r>
-            <a:r>
-              <a:rPr lang="sv-SE" dirty="0" err="1"/>
-              <a:t>More</a:t>
-            </a:r>
-            <a:r>
-              <a:rPr lang="sv-SE" dirty="0"/>
-              <a:t> </a:t>
-            </a:r>
-            <a:r>
-              <a:rPr lang="sv-SE" dirty="0" err="1"/>
-              <a:t>importantly</a:t>
-            </a:r>
-            <a:r>
-              <a:rPr lang="sv-SE" dirty="0"/>
-              <a:t>, the </a:t>
-            </a:r>
-            <a:r>
-              <a:rPr lang="sv-SE" dirty="0" err="1"/>
-              <a:t>absence</a:t>
-            </a:r>
-            <a:r>
-              <a:rPr lang="sv-SE" dirty="0"/>
-              <a:t> </a:t>
-            </a:r>
-            <a:r>
-              <a:rPr lang="sv-SE" dirty="0" err="1"/>
-              <a:t>of</a:t>
-            </a:r>
-            <a:r>
-              <a:rPr lang="sv-SE" dirty="0"/>
-              <a:t> an </a:t>
-            </a:r>
-            <a:r>
-              <a:rPr lang="sv-SE" dirty="0" err="1"/>
-              <a:t>edge</a:t>
-            </a:r>
-            <a:r>
-              <a:rPr lang="sv-SE" dirty="0"/>
-              <a:t> </a:t>
-            </a:r>
-            <a:r>
-              <a:rPr lang="sv-SE" dirty="0" err="1"/>
-              <a:t>encodes</a:t>
-            </a:r>
-            <a:r>
-              <a:rPr lang="sv-SE" dirty="0"/>
-              <a:t> the </a:t>
-            </a:r>
-            <a:r>
-              <a:rPr lang="sv-SE" i="1" dirty="0" err="1"/>
-              <a:t>certainty</a:t>
-            </a:r>
-            <a:r>
-              <a:rPr lang="sv-SE" dirty="0"/>
-              <a:t> </a:t>
-            </a:r>
-            <a:r>
-              <a:rPr lang="sv-SE" dirty="0" err="1"/>
-              <a:t>that</a:t>
-            </a:r>
-            <a:r>
-              <a:rPr lang="sv-SE" dirty="0"/>
-              <a:t> </a:t>
-            </a:r>
-            <a:r>
-              <a:rPr lang="sv-SE" dirty="0" err="1"/>
-              <a:t>two</a:t>
-            </a:r>
-            <a:r>
-              <a:rPr lang="sv-SE" dirty="0"/>
-              <a:t> </a:t>
-            </a:r>
-            <a:r>
-              <a:rPr lang="sv-SE" dirty="0" err="1"/>
-              <a:t>variables</a:t>
-            </a:r>
-            <a:r>
-              <a:rPr lang="sv-SE" dirty="0"/>
-              <a:t> </a:t>
-            </a:r>
-            <a:r>
-              <a:rPr lang="sv-SE" dirty="0" err="1"/>
-              <a:t>are</a:t>
-            </a:r>
-            <a:r>
-              <a:rPr lang="sv-SE" dirty="0"/>
-              <a:t> not </a:t>
-            </a:r>
-            <a:r>
-              <a:rPr lang="sv-SE" dirty="0" err="1"/>
-              <a:t>directly</a:t>
-            </a:r>
-            <a:r>
-              <a:rPr lang="sv-SE" dirty="0"/>
-              <a:t> </a:t>
-            </a:r>
-            <a:r>
-              <a:rPr lang="sv-SE" dirty="0" err="1"/>
-              <a:t>related</a:t>
-            </a:r>
-            <a:r>
-              <a:rPr lang="sv-SE" dirty="0"/>
-              <a:t>.</a:t>
+              <a:rPr lang="en-US" b="1" dirty="0"/>
+              <a:t>Directed, acyclic graphs </a:t>
+            </a:r>
+            <a:r>
+              <a:rPr lang="en-US" dirty="0"/>
+              <a:t>(DAGs) can represent causal assumptions, where </a:t>
+            </a:r>
+            <a:r>
+              <a:rPr lang="en-US" i="1" dirty="0"/>
+              <a:t>nodes represent variables </a:t>
+            </a:r>
+            <a:r>
+              <a:rPr lang="en-US" dirty="0"/>
+              <a:t>and </a:t>
+            </a:r>
+            <a:r>
+              <a:rPr lang="en-US" i="1" dirty="0"/>
+              <a:t>edges represent assumed/potential causal relationships </a:t>
+            </a:r>
+            <a:r>
+              <a:rPr lang="en-US" dirty="0"/>
+              <a:t>between those variables. </a:t>
             </a:r>
           </a:p>
         </p:txBody>
@@ -6554,7 +8820,7 @@
           <a:p>
             <a:fld id="{403A2FDA-9B6F-4F19-BB52-15CB2FEB03DD}" type="datetime1">
               <a:rPr lang="de-DE" smtClean="0"/>
-              <a:t>08.04.2025</a:t>
+              <a:t>09.04.2025</a:t>
             </a:fld>
             <a:endParaRPr lang="en-US"/>
           </a:p>
@@ -6614,6 +8880,1291 @@
               <a:t>12</a:t>
             </a:fld>
             <a:endParaRPr lang="en-US"/>
+          </a:p>
+        </p:txBody>
+      </p:sp>
+      <p:sp>
+        <p:nvSpPr>
+          <p:cNvPr id="7" name="Oval 6">
+            <a:extLst>
+              <a:ext uri="{FF2B5EF4-FFF2-40B4-BE49-F238E27FC236}">
+                <a16:creationId xmlns:a16="http://schemas.microsoft.com/office/drawing/2014/main" id="{E29DF2B2-1294-E509-291E-087811B57916}"/>
+              </a:ext>
+            </a:extLst>
+          </p:cNvPr>
+          <p:cNvSpPr/>
+          <p:nvPr/>
+        </p:nvSpPr>
+        <p:spPr>
+          <a:xfrm>
+            <a:off x="1618046" y="4450905"/>
+            <a:ext cx="360000" cy="360000"/>
+          </a:xfrm>
+          <a:prstGeom prst="ellipse">
+            <a:avLst/>
+          </a:prstGeom>
+          <a:solidFill>
+            <a:srgbClr val="F8766D"/>
+          </a:solidFill>
+          <a:ln>
+            <a:solidFill>
+              <a:srgbClr val="D0180A"/>
+            </a:solidFill>
+          </a:ln>
+        </p:spPr>
+        <p:style>
+          <a:lnRef idx="2">
+            <a:schemeClr val="accent1">
+              <a:shade val="15000"/>
+            </a:schemeClr>
+          </a:lnRef>
+          <a:fillRef idx="1">
+            <a:schemeClr val="accent1"/>
+          </a:fillRef>
+          <a:effectRef idx="0">
+            <a:schemeClr val="accent1"/>
+          </a:effectRef>
+          <a:fontRef idx="minor">
+            <a:schemeClr val="lt1"/>
+          </a:fontRef>
+        </p:style>
+        <p:txBody>
+          <a:bodyPr rtlCol="0" anchor="ctr"/>
+          <a:lstStyle/>
+          <a:p>
+            <a:pPr algn="ctr"/>
+            <a:endParaRPr lang="en-US"/>
+          </a:p>
+        </p:txBody>
+      </p:sp>
+      <p:sp>
+        <p:nvSpPr>
+          <p:cNvPr id="8" name="Oval 7">
+            <a:extLst>
+              <a:ext uri="{FF2B5EF4-FFF2-40B4-BE49-F238E27FC236}">
+                <a16:creationId xmlns:a16="http://schemas.microsoft.com/office/drawing/2014/main" id="{939CE83A-5A3D-768C-F51B-5236EB03EB28}"/>
+              </a:ext>
+            </a:extLst>
+          </p:cNvPr>
+          <p:cNvSpPr/>
+          <p:nvPr/>
+        </p:nvSpPr>
+        <p:spPr>
+          <a:xfrm>
+            <a:off x="4109426" y="4450905"/>
+            <a:ext cx="360000" cy="360000"/>
+          </a:xfrm>
+          <a:prstGeom prst="ellipse">
+            <a:avLst/>
+          </a:prstGeom>
+          <a:solidFill>
+            <a:srgbClr val="00BFC4"/>
+          </a:solidFill>
+          <a:ln>
+            <a:solidFill>
+              <a:srgbClr val="006D70"/>
+            </a:solidFill>
+          </a:ln>
+        </p:spPr>
+        <p:style>
+          <a:lnRef idx="2">
+            <a:schemeClr val="accent1">
+              <a:shade val="15000"/>
+            </a:schemeClr>
+          </a:lnRef>
+          <a:fillRef idx="1">
+            <a:schemeClr val="accent1"/>
+          </a:fillRef>
+          <a:effectRef idx="0">
+            <a:schemeClr val="accent1"/>
+          </a:effectRef>
+          <a:fontRef idx="minor">
+            <a:schemeClr val="lt1"/>
+          </a:fontRef>
+        </p:style>
+        <p:txBody>
+          <a:bodyPr rtlCol="0" anchor="ctr"/>
+          <a:lstStyle/>
+          <a:p>
+            <a:pPr algn="ctr"/>
+            <a:endParaRPr lang="en-US"/>
+          </a:p>
+        </p:txBody>
+      </p:sp>
+      <p:cxnSp>
+        <p:nvCxnSpPr>
+          <p:cNvPr id="10" name="Straight Arrow Connector 9">
+            <a:extLst>
+              <a:ext uri="{FF2B5EF4-FFF2-40B4-BE49-F238E27FC236}">
+                <a16:creationId xmlns:a16="http://schemas.microsoft.com/office/drawing/2014/main" id="{E1E7991C-5FE2-6232-D234-92F4BCB3C857}"/>
+              </a:ext>
+            </a:extLst>
+          </p:cNvPr>
+          <p:cNvCxnSpPr>
+            <a:stCxn id="7" idx="6"/>
+            <a:endCxn id="8" idx="2"/>
+          </p:cNvCxnSpPr>
+          <p:nvPr/>
+        </p:nvCxnSpPr>
+        <p:spPr>
+          <a:xfrm>
+            <a:off x="1978046" y="4630905"/>
+            <a:ext cx="2131380" cy="0"/>
+          </a:xfrm>
+          <a:prstGeom prst="straightConnector1">
+            <a:avLst/>
+          </a:prstGeom>
+          <a:ln>
+            <a:tailEnd type="triangle"/>
+          </a:ln>
+        </p:spPr>
+        <p:style>
+          <a:lnRef idx="2">
+            <a:schemeClr val="dk1"/>
+          </a:lnRef>
+          <a:fillRef idx="0">
+            <a:schemeClr val="dk1"/>
+          </a:fillRef>
+          <a:effectRef idx="1">
+            <a:schemeClr val="dk1"/>
+          </a:effectRef>
+          <a:fontRef idx="minor">
+            <a:schemeClr val="tx1"/>
+          </a:fontRef>
+        </p:style>
+      </p:cxnSp>
+      <p:sp>
+        <p:nvSpPr>
+          <p:cNvPr id="11" name="TextBox 10">
+            <a:extLst>
+              <a:ext uri="{FF2B5EF4-FFF2-40B4-BE49-F238E27FC236}">
+                <a16:creationId xmlns:a16="http://schemas.microsoft.com/office/drawing/2014/main" id="{C2BD42AF-E48E-7B51-DE49-8941430EC6D2}"/>
+              </a:ext>
+            </a:extLst>
+          </p:cNvPr>
+          <p:cNvSpPr txBox="1"/>
+          <p:nvPr/>
+        </p:nvSpPr>
+        <p:spPr>
+          <a:xfrm>
+            <a:off x="956794" y="3991573"/>
+            <a:ext cx="3081806" cy="369332"/>
+          </a:xfrm>
+          <a:prstGeom prst="rect">
+            <a:avLst/>
+          </a:prstGeom>
+          <a:noFill/>
+        </p:spPr>
+        <p:txBody>
+          <a:bodyPr wrap="none" rtlCol="0">
+            <a:spAutoFit/>
+          </a:bodyPr>
+          <a:lstStyle/>
+          <a:p>
+            <a:r>
+              <a:rPr lang="en-US" dirty="0">
+                <a:solidFill>
+                  <a:srgbClr val="D0180A"/>
+                </a:solidFill>
+              </a:rPr>
+              <a:t>document reading technique</a:t>
+            </a:r>
+          </a:p>
+        </p:txBody>
+      </p:sp>
+      <p:sp>
+        <p:nvSpPr>
+          <p:cNvPr id="12" name="TextBox 11">
+            <a:extLst>
+              <a:ext uri="{FF2B5EF4-FFF2-40B4-BE49-F238E27FC236}">
+                <a16:creationId xmlns:a16="http://schemas.microsoft.com/office/drawing/2014/main" id="{5D552F5E-017B-6C53-D8E0-E7F2B4B2A9C7}"/>
+              </a:ext>
+            </a:extLst>
+          </p:cNvPr>
+          <p:cNvSpPr txBox="1"/>
+          <p:nvPr/>
+        </p:nvSpPr>
+        <p:spPr>
+          <a:xfrm>
+            <a:off x="2882359" y="4879390"/>
+            <a:ext cx="1921680" cy="369332"/>
+          </a:xfrm>
+          <a:prstGeom prst="rect">
+            <a:avLst/>
+          </a:prstGeom>
+          <a:noFill/>
+        </p:spPr>
+        <p:txBody>
+          <a:bodyPr wrap="none" rtlCol="0">
+            <a:spAutoFit/>
+          </a:bodyPr>
+          <a:lstStyle/>
+          <a:p>
+            <a:r>
+              <a:rPr lang="en-US" dirty="0">
+                <a:solidFill>
+                  <a:srgbClr val="006D70"/>
+                </a:solidFill>
+              </a:rPr>
+              <a:t>identified defects</a:t>
+            </a:r>
+          </a:p>
+        </p:txBody>
+      </p:sp>
+      <p:sp>
+        <p:nvSpPr>
+          <p:cNvPr id="14" name="Oval 13">
+            <a:extLst>
+              <a:ext uri="{FF2B5EF4-FFF2-40B4-BE49-F238E27FC236}">
+                <a16:creationId xmlns:a16="http://schemas.microsoft.com/office/drawing/2014/main" id="{735E4827-12C0-027C-234F-9DD84F6191EB}"/>
+              </a:ext>
+            </a:extLst>
+          </p:cNvPr>
+          <p:cNvSpPr/>
+          <p:nvPr/>
+        </p:nvSpPr>
+        <p:spPr>
+          <a:xfrm>
+            <a:off x="7666780" y="4450905"/>
+            <a:ext cx="360000" cy="360000"/>
+          </a:xfrm>
+          <a:prstGeom prst="ellipse">
+            <a:avLst/>
+          </a:prstGeom>
+          <a:solidFill>
+            <a:srgbClr val="F8766D"/>
+          </a:solidFill>
+          <a:ln>
+            <a:solidFill>
+              <a:srgbClr val="D0180A"/>
+            </a:solidFill>
+          </a:ln>
+        </p:spPr>
+        <p:style>
+          <a:lnRef idx="2">
+            <a:schemeClr val="accent1">
+              <a:shade val="15000"/>
+            </a:schemeClr>
+          </a:lnRef>
+          <a:fillRef idx="1">
+            <a:schemeClr val="accent1"/>
+          </a:fillRef>
+          <a:effectRef idx="0">
+            <a:schemeClr val="accent1"/>
+          </a:effectRef>
+          <a:fontRef idx="minor">
+            <a:schemeClr val="lt1"/>
+          </a:fontRef>
+        </p:style>
+        <p:txBody>
+          <a:bodyPr rtlCol="0" anchor="ctr"/>
+          <a:lstStyle/>
+          <a:p>
+            <a:pPr algn="ctr"/>
+            <a:endParaRPr lang="en-US"/>
+          </a:p>
+        </p:txBody>
+      </p:sp>
+      <p:sp>
+        <p:nvSpPr>
+          <p:cNvPr id="15" name="Oval 14">
+            <a:extLst>
+              <a:ext uri="{FF2B5EF4-FFF2-40B4-BE49-F238E27FC236}">
+                <a16:creationId xmlns:a16="http://schemas.microsoft.com/office/drawing/2014/main" id="{D2DC2964-CB7F-2751-FF50-A4EE8CA7B5B1}"/>
+              </a:ext>
+            </a:extLst>
+          </p:cNvPr>
+          <p:cNvSpPr/>
+          <p:nvPr/>
+        </p:nvSpPr>
+        <p:spPr>
+          <a:xfrm>
+            <a:off x="10158160" y="4450905"/>
+            <a:ext cx="360000" cy="360000"/>
+          </a:xfrm>
+          <a:prstGeom prst="ellipse">
+            <a:avLst/>
+          </a:prstGeom>
+          <a:solidFill>
+            <a:srgbClr val="00BFC4"/>
+          </a:solidFill>
+          <a:ln>
+            <a:solidFill>
+              <a:srgbClr val="006D70"/>
+            </a:solidFill>
+          </a:ln>
+        </p:spPr>
+        <p:style>
+          <a:lnRef idx="2">
+            <a:schemeClr val="accent1">
+              <a:shade val="15000"/>
+            </a:schemeClr>
+          </a:lnRef>
+          <a:fillRef idx="1">
+            <a:schemeClr val="accent1"/>
+          </a:fillRef>
+          <a:effectRef idx="0">
+            <a:schemeClr val="accent1"/>
+          </a:effectRef>
+          <a:fontRef idx="minor">
+            <a:schemeClr val="lt1"/>
+          </a:fontRef>
+        </p:style>
+        <p:txBody>
+          <a:bodyPr rtlCol="0" anchor="ctr"/>
+          <a:lstStyle/>
+          <a:p>
+            <a:pPr algn="ctr"/>
+            <a:endParaRPr lang="en-US"/>
+          </a:p>
+        </p:txBody>
+      </p:sp>
+      <p:cxnSp>
+        <p:nvCxnSpPr>
+          <p:cNvPr id="16" name="Straight Arrow Connector 15">
+            <a:extLst>
+              <a:ext uri="{FF2B5EF4-FFF2-40B4-BE49-F238E27FC236}">
+                <a16:creationId xmlns:a16="http://schemas.microsoft.com/office/drawing/2014/main" id="{E7B0F98D-67A4-5225-43AF-40A40C93155B}"/>
+              </a:ext>
+            </a:extLst>
+          </p:cNvPr>
+          <p:cNvCxnSpPr>
+            <a:stCxn id="14" idx="6"/>
+            <a:endCxn id="15" idx="2"/>
+          </p:cNvCxnSpPr>
+          <p:nvPr/>
+        </p:nvCxnSpPr>
+        <p:spPr>
+          <a:xfrm>
+            <a:off x="8026780" y="4630905"/>
+            <a:ext cx="2131380" cy="0"/>
+          </a:xfrm>
+          <a:prstGeom prst="straightConnector1">
+            <a:avLst/>
+          </a:prstGeom>
+          <a:ln>
+            <a:tailEnd type="triangle"/>
+          </a:ln>
+        </p:spPr>
+        <p:style>
+          <a:lnRef idx="2">
+            <a:schemeClr val="dk1"/>
+          </a:lnRef>
+          <a:fillRef idx="0">
+            <a:schemeClr val="dk1"/>
+          </a:fillRef>
+          <a:effectRef idx="1">
+            <a:schemeClr val="dk1"/>
+          </a:effectRef>
+          <a:fontRef idx="minor">
+            <a:schemeClr val="tx1"/>
+          </a:fontRef>
+        </p:style>
+      </p:cxnSp>
+      <p:sp>
+        <p:nvSpPr>
+          <p:cNvPr id="17" name="TextBox 16">
+            <a:extLst>
+              <a:ext uri="{FF2B5EF4-FFF2-40B4-BE49-F238E27FC236}">
+                <a16:creationId xmlns:a16="http://schemas.microsoft.com/office/drawing/2014/main" id="{4EFBCF18-C3E1-44FD-78AE-22C9C3A88B12}"/>
+              </a:ext>
+            </a:extLst>
+          </p:cNvPr>
+          <p:cNvSpPr txBox="1"/>
+          <p:nvPr/>
+        </p:nvSpPr>
+        <p:spPr>
+          <a:xfrm>
+            <a:off x="6485877" y="3991573"/>
+            <a:ext cx="3081806" cy="369332"/>
+          </a:xfrm>
+          <a:prstGeom prst="rect">
+            <a:avLst/>
+          </a:prstGeom>
+          <a:noFill/>
+        </p:spPr>
+        <p:txBody>
+          <a:bodyPr wrap="none" rtlCol="0">
+            <a:spAutoFit/>
+          </a:bodyPr>
+          <a:lstStyle/>
+          <a:p>
+            <a:r>
+              <a:rPr lang="en-US" dirty="0">
+                <a:solidFill>
+                  <a:srgbClr val="D0180A"/>
+                </a:solidFill>
+              </a:rPr>
+              <a:t>document reading technique</a:t>
+            </a:r>
+          </a:p>
+        </p:txBody>
+      </p:sp>
+      <p:sp>
+        <p:nvSpPr>
+          <p:cNvPr id="18" name="TextBox 17">
+            <a:extLst>
+              <a:ext uri="{FF2B5EF4-FFF2-40B4-BE49-F238E27FC236}">
+                <a16:creationId xmlns:a16="http://schemas.microsoft.com/office/drawing/2014/main" id="{E78C183F-0AF0-6378-D245-B9084C4B288A}"/>
+              </a:ext>
+            </a:extLst>
+          </p:cNvPr>
+          <p:cNvSpPr txBox="1"/>
+          <p:nvPr/>
+        </p:nvSpPr>
+        <p:spPr>
+          <a:xfrm>
+            <a:off x="9940591" y="4886427"/>
+            <a:ext cx="1921680" cy="369332"/>
+          </a:xfrm>
+          <a:prstGeom prst="rect">
+            <a:avLst/>
+          </a:prstGeom>
+          <a:noFill/>
+        </p:spPr>
+        <p:txBody>
+          <a:bodyPr wrap="none" rtlCol="0">
+            <a:spAutoFit/>
+          </a:bodyPr>
+          <a:lstStyle/>
+          <a:p>
+            <a:r>
+              <a:rPr lang="en-US" dirty="0">
+                <a:solidFill>
+                  <a:srgbClr val="006D70"/>
+                </a:solidFill>
+              </a:rPr>
+              <a:t>identified defects</a:t>
+            </a:r>
+          </a:p>
+        </p:txBody>
+      </p:sp>
+      <p:sp>
+        <p:nvSpPr>
+          <p:cNvPr id="19" name="Oval 18">
+            <a:extLst>
+              <a:ext uri="{FF2B5EF4-FFF2-40B4-BE49-F238E27FC236}">
+                <a16:creationId xmlns:a16="http://schemas.microsoft.com/office/drawing/2014/main" id="{525FBA5D-B19E-AE26-5D16-E0A6359250B7}"/>
+              </a:ext>
+            </a:extLst>
+          </p:cNvPr>
+          <p:cNvSpPr/>
+          <p:nvPr/>
+        </p:nvSpPr>
+        <p:spPr>
+          <a:xfrm>
+            <a:off x="7666780" y="5622536"/>
+            <a:ext cx="360000" cy="360000"/>
+          </a:xfrm>
+          <a:prstGeom prst="ellipse">
+            <a:avLst/>
+          </a:prstGeom>
+          <a:solidFill>
+            <a:schemeClr val="bg1">
+              <a:lumMod val="75000"/>
+            </a:schemeClr>
+          </a:solidFill>
+          <a:ln>
+            <a:solidFill>
+              <a:schemeClr val="bg1">
+                <a:lumMod val="50000"/>
+              </a:schemeClr>
+            </a:solidFill>
+          </a:ln>
+        </p:spPr>
+        <p:style>
+          <a:lnRef idx="2">
+            <a:schemeClr val="accent1">
+              <a:shade val="15000"/>
+            </a:schemeClr>
+          </a:lnRef>
+          <a:fillRef idx="1">
+            <a:schemeClr val="accent1"/>
+          </a:fillRef>
+          <a:effectRef idx="0">
+            <a:schemeClr val="accent1"/>
+          </a:effectRef>
+          <a:fontRef idx="minor">
+            <a:schemeClr val="lt1"/>
+          </a:fontRef>
+        </p:style>
+        <p:txBody>
+          <a:bodyPr rtlCol="0" anchor="ctr"/>
+          <a:lstStyle/>
+          <a:p>
+            <a:pPr algn="ctr"/>
+            <a:endParaRPr lang="en-US"/>
+          </a:p>
+        </p:txBody>
+      </p:sp>
+      <p:sp>
+        <p:nvSpPr>
+          <p:cNvPr id="20" name="Oval 19">
+            <a:extLst>
+              <a:ext uri="{FF2B5EF4-FFF2-40B4-BE49-F238E27FC236}">
+                <a16:creationId xmlns:a16="http://schemas.microsoft.com/office/drawing/2014/main" id="{56AA87ED-42BF-3907-AA2E-ECD69776208C}"/>
+              </a:ext>
+            </a:extLst>
+          </p:cNvPr>
+          <p:cNvSpPr/>
+          <p:nvPr/>
+        </p:nvSpPr>
+        <p:spPr>
+          <a:xfrm>
+            <a:off x="9039374" y="5622536"/>
+            <a:ext cx="360000" cy="360000"/>
+          </a:xfrm>
+          <a:prstGeom prst="ellipse">
+            <a:avLst/>
+          </a:prstGeom>
+          <a:solidFill>
+            <a:schemeClr val="bg1">
+              <a:lumMod val="75000"/>
+            </a:schemeClr>
+          </a:solidFill>
+          <a:ln>
+            <a:solidFill>
+              <a:schemeClr val="bg1">
+                <a:lumMod val="50000"/>
+              </a:schemeClr>
+            </a:solidFill>
+          </a:ln>
+        </p:spPr>
+        <p:style>
+          <a:lnRef idx="2">
+            <a:schemeClr val="accent1">
+              <a:shade val="15000"/>
+            </a:schemeClr>
+          </a:lnRef>
+          <a:fillRef idx="1">
+            <a:schemeClr val="accent1"/>
+          </a:fillRef>
+          <a:effectRef idx="0">
+            <a:schemeClr val="accent1"/>
+          </a:effectRef>
+          <a:fontRef idx="minor">
+            <a:schemeClr val="lt1"/>
+          </a:fontRef>
+        </p:style>
+        <p:txBody>
+          <a:bodyPr rtlCol="0" anchor="ctr"/>
+          <a:lstStyle/>
+          <a:p>
+            <a:pPr algn="ctr"/>
+            <a:endParaRPr lang="en-US"/>
+          </a:p>
+        </p:txBody>
+      </p:sp>
+      <p:sp>
+        <p:nvSpPr>
+          <p:cNvPr id="21" name="TextBox 20">
+            <a:extLst>
+              <a:ext uri="{FF2B5EF4-FFF2-40B4-BE49-F238E27FC236}">
+                <a16:creationId xmlns:a16="http://schemas.microsoft.com/office/drawing/2014/main" id="{34208AB7-6ABE-E78A-BB4D-D6EEAF512645}"/>
+              </a:ext>
+            </a:extLst>
+          </p:cNvPr>
+          <p:cNvSpPr txBox="1"/>
+          <p:nvPr/>
+        </p:nvSpPr>
+        <p:spPr>
+          <a:xfrm>
+            <a:off x="9399374" y="5613204"/>
+            <a:ext cx="1246239" cy="369332"/>
+          </a:xfrm>
+          <a:prstGeom prst="rect">
+            <a:avLst/>
+          </a:prstGeom>
+          <a:noFill/>
+        </p:spPr>
+        <p:txBody>
+          <a:bodyPr wrap="none" rtlCol="0">
+            <a:spAutoFit/>
+          </a:bodyPr>
+          <a:lstStyle/>
+          <a:p>
+            <a:r>
+              <a:rPr lang="en-US" dirty="0">
+                <a:solidFill>
+                  <a:schemeClr val="tx1">
+                    <a:lumMod val="65000"/>
+                    <a:lumOff val="35000"/>
+                  </a:schemeClr>
+                </a:solidFill>
+              </a:rPr>
+              <a:t>motivation</a:t>
+            </a:r>
+          </a:p>
+        </p:txBody>
+      </p:sp>
+      <p:sp>
+        <p:nvSpPr>
+          <p:cNvPr id="22" name="TextBox 21">
+            <a:extLst>
+              <a:ext uri="{FF2B5EF4-FFF2-40B4-BE49-F238E27FC236}">
+                <a16:creationId xmlns:a16="http://schemas.microsoft.com/office/drawing/2014/main" id="{9BD8E16A-7AC8-E5FF-0282-43AA2045018D}"/>
+              </a:ext>
+            </a:extLst>
+          </p:cNvPr>
+          <p:cNvSpPr txBox="1"/>
+          <p:nvPr/>
+        </p:nvSpPr>
+        <p:spPr>
+          <a:xfrm>
+            <a:off x="6169980" y="5622536"/>
+            <a:ext cx="1455398" cy="369332"/>
+          </a:xfrm>
+          <a:prstGeom prst="rect">
+            <a:avLst/>
+          </a:prstGeom>
+          <a:noFill/>
+        </p:spPr>
+        <p:txBody>
+          <a:bodyPr wrap="none" rtlCol="0">
+            <a:spAutoFit/>
+          </a:bodyPr>
+          <a:lstStyle/>
+          <a:p>
+            <a:pPr algn="r"/>
+            <a:r>
+              <a:rPr lang="en-US" dirty="0">
+                <a:solidFill>
+                  <a:schemeClr val="tx1">
+                    <a:lumMod val="65000"/>
+                    <a:lumOff val="35000"/>
+                  </a:schemeClr>
+                </a:solidFill>
+              </a:rPr>
+              <a:t>participation</a:t>
+            </a:r>
+          </a:p>
+        </p:txBody>
+      </p:sp>
+      <p:cxnSp>
+        <p:nvCxnSpPr>
+          <p:cNvPr id="23" name="Straight Arrow Connector 22">
+            <a:extLst>
+              <a:ext uri="{FF2B5EF4-FFF2-40B4-BE49-F238E27FC236}">
+                <a16:creationId xmlns:a16="http://schemas.microsoft.com/office/drawing/2014/main" id="{BC03D372-C488-4028-534A-E7FB39B29F94}"/>
+              </a:ext>
+            </a:extLst>
+          </p:cNvPr>
+          <p:cNvCxnSpPr>
+            <a:cxnSpLocks/>
+            <a:stCxn id="20" idx="7"/>
+            <a:endCxn id="15" idx="3"/>
+          </p:cNvCxnSpPr>
+          <p:nvPr/>
+        </p:nvCxnSpPr>
+        <p:spPr>
+          <a:xfrm flipV="1">
+            <a:off x="9346653" y="4758184"/>
+            <a:ext cx="864228" cy="917073"/>
+          </a:xfrm>
+          <a:prstGeom prst="straightConnector1">
+            <a:avLst/>
+          </a:prstGeom>
+          <a:ln>
+            <a:tailEnd type="triangle"/>
+          </a:ln>
+        </p:spPr>
+        <p:style>
+          <a:lnRef idx="2">
+            <a:schemeClr val="dk1"/>
+          </a:lnRef>
+          <a:fillRef idx="0">
+            <a:schemeClr val="dk1"/>
+          </a:fillRef>
+          <a:effectRef idx="1">
+            <a:schemeClr val="dk1"/>
+          </a:effectRef>
+          <a:fontRef idx="minor">
+            <a:schemeClr val="tx1"/>
+          </a:fontRef>
+        </p:style>
+      </p:cxnSp>
+      <p:cxnSp>
+        <p:nvCxnSpPr>
+          <p:cNvPr id="26" name="Straight Arrow Connector 25">
+            <a:extLst>
+              <a:ext uri="{FF2B5EF4-FFF2-40B4-BE49-F238E27FC236}">
+                <a16:creationId xmlns:a16="http://schemas.microsoft.com/office/drawing/2014/main" id="{3EB0E2A5-0C7E-E710-6AA2-B2CC3BDD87B5}"/>
+              </a:ext>
+            </a:extLst>
+          </p:cNvPr>
+          <p:cNvCxnSpPr>
+            <a:cxnSpLocks/>
+            <a:stCxn id="20" idx="2"/>
+            <a:endCxn id="19" idx="6"/>
+          </p:cNvCxnSpPr>
+          <p:nvPr/>
+        </p:nvCxnSpPr>
+        <p:spPr>
+          <a:xfrm flipH="1">
+            <a:off x="8026780" y="5802536"/>
+            <a:ext cx="1012594" cy="0"/>
+          </a:xfrm>
+          <a:prstGeom prst="straightConnector1">
+            <a:avLst/>
+          </a:prstGeom>
+          <a:ln>
+            <a:tailEnd type="triangle"/>
+          </a:ln>
+        </p:spPr>
+        <p:style>
+          <a:lnRef idx="2">
+            <a:schemeClr val="dk1"/>
+          </a:lnRef>
+          <a:fillRef idx="0">
+            <a:schemeClr val="dk1"/>
+          </a:fillRef>
+          <a:effectRef idx="1">
+            <a:schemeClr val="dk1"/>
+          </a:effectRef>
+          <a:fontRef idx="minor">
+            <a:schemeClr val="tx1"/>
+          </a:fontRef>
+        </p:style>
+      </p:cxnSp>
+      <p:cxnSp>
+        <p:nvCxnSpPr>
+          <p:cNvPr id="29" name="Straight Arrow Connector 28">
+            <a:extLst>
+              <a:ext uri="{FF2B5EF4-FFF2-40B4-BE49-F238E27FC236}">
+                <a16:creationId xmlns:a16="http://schemas.microsoft.com/office/drawing/2014/main" id="{1B39319A-01E2-9541-B069-3F3F4BF0E758}"/>
+              </a:ext>
+            </a:extLst>
+          </p:cNvPr>
+          <p:cNvCxnSpPr>
+            <a:cxnSpLocks/>
+            <a:stCxn id="19" idx="0"/>
+            <a:endCxn id="14" idx="4"/>
+          </p:cNvCxnSpPr>
+          <p:nvPr/>
+        </p:nvCxnSpPr>
+        <p:spPr>
+          <a:xfrm flipV="1">
+            <a:off x="7846780" y="4810905"/>
+            <a:ext cx="0" cy="811631"/>
+          </a:xfrm>
+          <a:prstGeom prst="straightConnector1">
+            <a:avLst/>
+          </a:prstGeom>
+          <a:ln>
+            <a:tailEnd type="triangle"/>
+          </a:ln>
+        </p:spPr>
+        <p:style>
+          <a:lnRef idx="2">
+            <a:schemeClr val="dk1"/>
+          </a:lnRef>
+          <a:fillRef idx="0">
+            <a:schemeClr val="dk1"/>
+          </a:fillRef>
+          <a:effectRef idx="1">
+            <a:schemeClr val="dk1"/>
+          </a:effectRef>
+          <a:fontRef idx="minor">
+            <a:schemeClr val="tx1"/>
+          </a:fontRef>
+        </p:style>
+      </p:cxnSp>
+      <p:cxnSp>
+        <p:nvCxnSpPr>
+          <p:cNvPr id="33" name="Straight Arrow Connector 32">
+            <a:extLst>
+              <a:ext uri="{FF2B5EF4-FFF2-40B4-BE49-F238E27FC236}">
+                <a16:creationId xmlns:a16="http://schemas.microsoft.com/office/drawing/2014/main" id="{CCED2772-E71C-F3B2-5272-CCC723B63BFA}"/>
+              </a:ext>
+            </a:extLst>
+          </p:cNvPr>
+          <p:cNvCxnSpPr>
+            <a:cxnSpLocks/>
+            <a:stCxn id="20" idx="1"/>
+            <a:endCxn id="14" idx="5"/>
+          </p:cNvCxnSpPr>
+          <p:nvPr/>
+        </p:nvCxnSpPr>
+        <p:spPr>
+          <a:xfrm flipH="1" flipV="1">
+            <a:off x="7974059" y="4758184"/>
+            <a:ext cx="1118036" cy="917073"/>
+          </a:xfrm>
+          <a:prstGeom prst="straightConnector1">
+            <a:avLst/>
+          </a:prstGeom>
+          <a:ln>
+            <a:tailEnd type="triangle"/>
+          </a:ln>
+        </p:spPr>
+        <p:style>
+          <a:lnRef idx="2">
+            <a:schemeClr val="dk1"/>
+          </a:lnRef>
+          <a:fillRef idx="0">
+            <a:schemeClr val="dk1"/>
+          </a:fillRef>
+          <a:effectRef idx="1">
+            <a:schemeClr val="dk1"/>
+          </a:effectRef>
+          <a:fontRef idx="minor">
+            <a:schemeClr val="tx1"/>
+          </a:fontRef>
+        </p:style>
+      </p:cxnSp>
+      <p:sp>
+        <p:nvSpPr>
+          <p:cNvPr id="36" name="Oval 35">
+            <a:extLst>
+              <a:ext uri="{FF2B5EF4-FFF2-40B4-BE49-F238E27FC236}">
+                <a16:creationId xmlns:a16="http://schemas.microsoft.com/office/drawing/2014/main" id="{E382FD1B-5874-1E26-2E7E-9CAF206FAEE4}"/>
+              </a:ext>
+            </a:extLst>
+          </p:cNvPr>
+          <p:cNvSpPr/>
+          <p:nvPr/>
+        </p:nvSpPr>
+        <p:spPr>
+          <a:xfrm>
+            <a:off x="1076545" y="5493382"/>
+            <a:ext cx="360000" cy="360000"/>
+          </a:xfrm>
+          <a:prstGeom prst="ellipse">
+            <a:avLst/>
+          </a:prstGeom>
+          <a:solidFill>
+            <a:srgbClr val="F8766D"/>
+          </a:solidFill>
+          <a:ln>
+            <a:solidFill>
+              <a:srgbClr val="D0180A"/>
+            </a:solidFill>
+          </a:ln>
+        </p:spPr>
+        <p:style>
+          <a:lnRef idx="2">
+            <a:schemeClr val="accent1">
+              <a:shade val="15000"/>
+            </a:schemeClr>
+          </a:lnRef>
+          <a:fillRef idx="1">
+            <a:schemeClr val="accent1"/>
+          </a:fillRef>
+          <a:effectRef idx="0">
+            <a:schemeClr val="accent1"/>
+          </a:effectRef>
+          <a:fontRef idx="minor">
+            <a:schemeClr val="lt1"/>
+          </a:fontRef>
+        </p:style>
+        <p:txBody>
+          <a:bodyPr rtlCol="0" anchor="ctr"/>
+          <a:lstStyle/>
+          <a:p>
+            <a:pPr algn="ctr"/>
+            <a:endParaRPr lang="en-US"/>
+          </a:p>
+        </p:txBody>
+      </p:sp>
+      <p:sp>
+        <p:nvSpPr>
+          <p:cNvPr id="37" name="Oval 36">
+            <a:extLst>
+              <a:ext uri="{FF2B5EF4-FFF2-40B4-BE49-F238E27FC236}">
+                <a16:creationId xmlns:a16="http://schemas.microsoft.com/office/drawing/2014/main" id="{8E347C23-1F0C-FBBC-53EF-0DCAF58BB11E}"/>
+              </a:ext>
+            </a:extLst>
+          </p:cNvPr>
+          <p:cNvSpPr/>
+          <p:nvPr/>
+        </p:nvSpPr>
+        <p:spPr>
+          <a:xfrm>
+            <a:off x="1074854" y="5945984"/>
+            <a:ext cx="360000" cy="360000"/>
+          </a:xfrm>
+          <a:prstGeom prst="ellipse">
+            <a:avLst/>
+          </a:prstGeom>
+          <a:solidFill>
+            <a:srgbClr val="00BFC4"/>
+          </a:solidFill>
+          <a:ln>
+            <a:solidFill>
+              <a:srgbClr val="006D70"/>
+            </a:solidFill>
+          </a:ln>
+        </p:spPr>
+        <p:style>
+          <a:lnRef idx="2">
+            <a:schemeClr val="accent1">
+              <a:shade val="15000"/>
+            </a:schemeClr>
+          </a:lnRef>
+          <a:fillRef idx="1">
+            <a:schemeClr val="accent1"/>
+          </a:fillRef>
+          <a:effectRef idx="0">
+            <a:schemeClr val="accent1"/>
+          </a:effectRef>
+          <a:fontRef idx="minor">
+            <a:schemeClr val="lt1"/>
+          </a:fontRef>
+        </p:style>
+        <p:txBody>
+          <a:bodyPr rtlCol="0" anchor="ctr"/>
+          <a:lstStyle/>
+          <a:p>
+            <a:pPr algn="ctr"/>
+            <a:endParaRPr lang="en-US"/>
+          </a:p>
+        </p:txBody>
+      </p:sp>
+      <p:sp>
+        <p:nvSpPr>
+          <p:cNvPr id="38" name="Oval 37">
+            <a:extLst>
+              <a:ext uri="{FF2B5EF4-FFF2-40B4-BE49-F238E27FC236}">
+                <a16:creationId xmlns:a16="http://schemas.microsoft.com/office/drawing/2014/main" id="{680AA450-D5EF-C2AD-396E-9C80E7AF6F7B}"/>
+              </a:ext>
+            </a:extLst>
+          </p:cNvPr>
+          <p:cNvSpPr/>
+          <p:nvPr/>
+        </p:nvSpPr>
+        <p:spPr>
+          <a:xfrm>
+            <a:off x="3036566" y="5509404"/>
+            <a:ext cx="360000" cy="360000"/>
+          </a:xfrm>
+          <a:prstGeom prst="ellipse">
+            <a:avLst/>
+          </a:prstGeom>
+          <a:solidFill>
+            <a:srgbClr val="F8766D"/>
+          </a:solidFill>
+          <a:ln>
+            <a:solidFill>
+              <a:srgbClr val="D0180A"/>
+            </a:solidFill>
+          </a:ln>
+        </p:spPr>
+        <p:style>
+          <a:lnRef idx="2">
+            <a:schemeClr val="accent1">
+              <a:shade val="15000"/>
+            </a:schemeClr>
+          </a:lnRef>
+          <a:fillRef idx="1">
+            <a:schemeClr val="accent1"/>
+          </a:fillRef>
+          <a:effectRef idx="0">
+            <a:schemeClr val="accent1"/>
+          </a:effectRef>
+          <a:fontRef idx="minor">
+            <a:schemeClr val="lt1"/>
+          </a:fontRef>
+        </p:style>
+        <p:txBody>
+          <a:bodyPr rtlCol="0" anchor="ctr"/>
+          <a:lstStyle/>
+          <a:p>
+            <a:pPr algn="ctr"/>
+            <a:endParaRPr lang="en-US"/>
+          </a:p>
+        </p:txBody>
+      </p:sp>
+      <p:sp>
+        <p:nvSpPr>
+          <p:cNvPr id="39" name="Oval 38">
+            <a:extLst>
+              <a:ext uri="{FF2B5EF4-FFF2-40B4-BE49-F238E27FC236}">
+                <a16:creationId xmlns:a16="http://schemas.microsoft.com/office/drawing/2014/main" id="{6A3EE336-0A94-8F5D-71A2-D000B829D6A0}"/>
+              </a:ext>
+            </a:extLst>
+          </p:cNvPr>
+          <p:cNvSpPr/>
+          <p:nvPr/>
+        </p:nvSpPr>
+        <p:spPr>
+          <a:xfrm>
+            <a:off x="3673766" y="5509404"/>
+            <a:ext cx="360000" cy="360000"/>
+          </a:xfrm>
+          <a:prstGeom prst="ellipse">
+            <a:avLst/>
+          </a:prstGeom>
+          <a:solidFill>
+            <a:srgbClr val="00BFC4"/>
+          </a:solidFill>
+          <a:ln>
+            <a:solidFill>
+              <a:srgbClr val="006D70"/>
+            </a:solidFill>
+          </a:ln>
+        </p:spPr>
+        <p:style>
+          <a:lnRef idx="2">
+            <a:schemeClr val="accent1">
+              <a:shade val="15000"/>
+            </a:schemeClr>
+          </a:lnRef>
+          <a:fillRef idx="1">
+            <a:schemeClr val="accent1"/>
+          </a:fillRef>
+          <a:effectRef idx="0">
+            <a:schemeClr val="accent1"/>
+          </a:effectRef>
+          <a:fontRef idx="minor">
+            <a:schemeClr val="lt1"/>
+          </a:fontRef>
+        </p:style>
+        <p:txBody>
+          <a:bodyPr rtlCol="0" anchor="ctr"/>
+          <a:lstStyle/>
+          <a:p>
+            <a:pPr algn="ctr"/>
+            <a:endParaRPr lang="en-US"/>
+          </a:p>
+        </p:txBody>
+      </p:sp>
+      <p:cxnSp>
+        <p:nvCxnSpPr>
+          <p:cNvPr id="40" name="Straight Arrow Connector 39">
+            <a:extLst>
+              <a:ext uri="{FF2B5EF4-FFF2-40B4-BE49-F238E27FC236}">
+                <a16:creationId xmlns:a16="http://schemas.microsoft.com/office/drawing/2014/main" id="{F431263E-2CAD-D36B-30A3-3DBBF068E95E}"/>
+              </a:ext>
+            </a:extLst>
+          </p:cNvPr>
+          <p:cNvCxnSpPr>
+            <a:stCxn id="38" idx="6"/>
+            <a:endCxn id="39" idx="2"/>
+          </p:cNvCxnSpPr>
+          <p:nvPr/>
+        </p:nvCxnSpPr>
+        <p:spPr>
+          <a:xfrm>
+            <a:off x="3396566" y="5689404"/>
+            <a:ext cx="277200" cy="0"/>
+          </a:xfrm>
+          <a:prstGeom prst="straightConnector1">
+            <a:avLst/>
+          </a:prstGeom>
+          <a:ln>
+            <a:tailEnd type="triangle"/>
+          </a:ln>
+        </p:spPr>
+        <p:style>
+          <a:lnRef idx="2">
+            <a:schemeClr val="dk1"/>
+          </a:lnRef>
+          <a:fillRef idx="0">
+            <a:schemeClr val="dk1"/>
+          </a:fillRef>
+          <a:effectRef idx="1">
+            <a:schemeClr val="dk1"/>
+          </a:effectRef>
+          <a:fontRef idx="minor">
+            <a:schemeClr val="tx1"/>
+          </a:fontRef>
+        </p:style>
+      </p:cxnSp>
+      <p:sp>
+        <p:nvSpPr>
+          <p:cNvPr id="44" name="Oval 43">
+            <a:extLst>
+              <a:ext uri="{FF2B5EF4-FFF2-40B4-BE49-F238E27FC236}">
+                <a16:creationId xmlns:a16="http://schemas.microsoft.com/office/drawing/2014/main" id="{AE55B341-6B8C-9909-ED3B-F8C1F59E518F}"/>
+              </a:ext>
+            </a:extLst>
+          </p:cNvPr>
+          <p:cNvSpPr/>
+          <p:nvPr/>
+        </p:nvSpPr>
+        <p:spPr>
+          <a:xfrm>
+            <a:off x="3673819" y="5969326"/>
+            <a:ext cx="360000" cy="360000"/>
+          </a:xfrm>
+          <a:prstGeom prst="ellipse">
+            <a:avLst/>
+          </a:prstGeom>
+          <a:solidFill>
+            <a:schemeClr val="bg1">
+              <a:lumMod val="75000"/>
+            </a:schemeClr>
+          </a:solidFill>
+          <a:ln>
+            <a:solidFill>
+              <a:schemeClr val="bg1">
+                <a:lumMod val="50000"/>
+              </a:schemeClr>
+            </a:solidFill>
+          </a:ln>
+        </p:spPr>
+        <p:style>
+          <a:lnRef idx="2">
+            <a:schemeClr val="accent1">
+              <a:shade val="15000"/>
+            </a:schemeClr>
+          </a:lnRef>
+          <a:fillRef idx="1">
+            <a:schemeClr val="accent1"/>
+          </a:fillRef>
+          <a:effectRef idx="0">
+            <a:schemeClr val="accent1"/>
+          </a:effectRef>
+          <a:fontRef idx="minor">
+            <a:schemeClr val="lt1"/>
+          </a:fontRef>
+        </p:style>
+        <p:txBody>
+          <a:bodyPr rtlCol="0" anchor="ctr"/>
+          <a:lstStyle/>
+          <a:p>
+            <a:pPr algn="ctr"/>
+            <a:endParaRPr lang="en-US"/>
+          </a:p>
+        </p:txBody>
+      </p:sp>
+      <p:sp>
+        <p:nvSpPr>
+          <p:cNvPr id="45" name="TextBox 44">
+            <a:extLst>
+              <a:ext uri="{FF2B5EF4-FFF2-40B4-BE49-F238E27FC236}">
+                <a16:creationId xmlns:a16="http://schemas.microsoft.com/office/drawing/2014/main" id="{81B26CC4-ED14-560D-E74B-753EE216E14E}"/>
+              </a:ext>
+            </a:extLst>
+          </p:cNvPr>
+          <p:cNvSpPr txBox="1"/>
+          <p:nvPr/>
+        </p:nvSpPr>
+        <p:spPr>
+          <a:xfrm>
+            <a:off x="1495794" y="5504350"/>
+            <a:ext cx="1058495" cy="338554"/>
+          </a:xfrm>
+          <a:prstGeom prst="rect">
+            <a:avLst/>
+          </a:prstGeom>
+          <a:noFill/>
+        </p:spPr>
+        <p:txBody>
+          <a:bodyPr wrap="none" rtlCol="0">
+            <a:spAutoFit/>
+          </a:bodyPr>
+          <a:lstStyle/>
+          <a:p>
+            <a:r>
+              <a:rPr lang="en-US" sz="1600" dirty="0"/>
+              <a:t>treatment</a:t>
+            </a:r>
+          </a:p>
+        </p:txBody>
+      </p:sp>
+      <p:sp>
+        <p:nvSpPr>
+          <p:cNvPr id="46" name="TextBox 45">
+            <a:extLst>
+              <a:ext uri="{FF2B5EF4-FFF2-40B4-BE49-F238E27FC236}">
+                <a16:creationId xmlns:a16="http://schemas.microsoft.com/office/drawing/2014/main" id="{52844D70-CDCB-C029-3674-F9895018B753}"/>
+              </a:ext>
+            </a:extLst>
+          </p:cNvPr>
+          <p:cNvSpPr txBox="1"/>
+          <p:nvPr/>
+        </p:nvSpPr>
+        <p:spPr>
+          <a:xfrm>
+            <a:off x="1495677" y="5956707"/>
+            <a:ext cx="981935" cy="338554"/>
+          </a:xfrm>
+          <a:prstGeom prst="rect">
+            <a:avLst/>
+          </a:prstGeom>
+          <a:noFill/>
+        </p:spPr>
+        <p:txBody>
+          <a:bodyPr wrap="none" rtlCol="0">
+            <a:spAutoFit/>
+          </a:bodyPr>
+          <a:lstStyle/>
+          <a:p>
+            <a:r>
+              <a:rPr lang="en-US" sz="1600" dirty="0"/>
+              <a:t>outcome</a:t>
+            </a:r>
+          </a:p>
+        </p:txBody>
+      </p:sp>
+      <p:sp>
+        <p:nvSpPr>
+          <p:cNvPr id="47" name="TextBox 46">
+            <a:extLst>
+              <a:ext uri="{FF2B5EF4-FFF2-40B4-BE49-F238E27FC236}">
+                <a16:creationId xmlns:a16="http://schemas.microsoft.com/office/drawing/2014/main" id="{F6057B23-59EB-AB5C-B913-DEB1A96D8FFB}"/>
+              </a:ext>
+            </a:extLst>
+          </p:cNvPr>
+          <p:cNvSpPr txBox="1"/>
+          <p:nvPr/>
+        </p:nvSpPr>
+        <p:spPr>
+          <a:xfrm>
+            <a:off x="4099365" y="5514482"/>
+            <a:ext cx="1372492" cy="338554"/>
+          </a:xfrm>
+          <a:prstGeom prst="rect">
+            <a:avLst/>
+          </a:prstGeom>
+          <a:noFill/>
+        </p:spPr>
+        <p:txBody>
+          <a:bodyPr wrap="none" rtlCol="0">
+            <a:spAutoFit/>
+          </a:bodyPr>
+          <a:lstStyle/>
+          <a:p>
+            <a:r>
+              <a:rPr lang="en-US" sz="1600" dirty="0"/>
+              <a:t>phenomenon</a:t>
+            </a:r>
+          </a:p>
+        </p:txBody>
+      </p:sp>
+      <p:sp>
+        <p:nvSpPr>
+          <p:cNvPr id="48" name="TextBox 47">
+            <a:extLst>
+              <a:ext uri="{FF2B5EF4-FFF2-40B4-BE49-F238E27FC236}">
+                <a16:creationId xmlns:a16="http://schemas.microsoft.com/office/drawing/2014/main" id="{2A1DDE53-3F44-9579-8335-1890A84707A4}"/>
+              </a:ext>
+            </a:extLst>
+          </p:cNvPr>
+          <p:cNvSpPr txBox="1"/>
+          <p:nvPr/>
+        </p:nvSpPr>
+        <p:spPr>
+          <a:xfrm>
+            <a:off x="4098047" y="5956830"/>
+            <a:ext cx="1315873" cy="338554"/>
+          </a:xfrm>
+          <a:prstGeom prst="rect">
+            <a:avLst/>
+          </a:prstGeom>
+          <a:noFill/>
+        </p:spPr>
+        <p:txBody>
+          <a:bodyPr wrap="none" rtlCol="0">
+            <a:spAutoFit/>
+          </a:bodyPr>
+          <a:lstStyle/>
+          <a:p>
+            <a:r>
+              <a:rPr lang="en-US" sz="1600" dirty="0"/>
+              <a:t>other factors</a:t>
+            </a:r>
           </a:p>
         </p:txBody>
       </p:sp>
@@ -6669,187 +10220,9 @@
           <a:lstStyle/>
           <a:p>
             <a:r>
-              <a:rPr lang="sv-SE" dirty="0" err="1"/>
-              <a:t>Causal</a:t>
-            </a:r>
-            <a:r>
-              <a:rPr lang="sv-SE" dirty="0"/>
-              <a:t> </a:t>
-            </a:r>
-            <a:r>
-              <a:rPr lang="sv-SE" dirty="0" err="1"/>
-              <a:t>Modeling</a:t>
-            </a:r>
-            <a:r>
-              <a:rPr lang="sv-SE" dirty="0"/>
-              <a:t> and Simulations</a:t>
-            </a:r>
-            <a:endParaRPr lang="en-US" dirty="0"/>
-          </a:p>
-        </p:txBody>
-      </p:sp>
-      <p:sp>
-        <p:nvSpPr>
-          <p:cNvPr id="3" name="Content Placeholder 2">
-            <a:extLst>
-              <a:ext uri="{FF2B5EF4-FFF2-40B4-BE49-F238E27FC236}">
-                <a16:creationId xmlns:a16="http://schemas.microsoft.com/office/drawing/2014/main" id="{A1E00562-090E-65DB-54CB-75337E07E1FA}"/>
-              </a:ext>
-            </a:extLst>
-          </p:cNvPr>
-          <p:cNvSpPr>
-            <a:spLocks noGrp="1"/>
-          </p:cNvSpPr>
-          <p:nvPr>
-            <p:ph idx="1"/>
-          </p:nvPr>
-        </p:nvSpPr>
-        <p:spPr/>
-        <p:txBody>
-          <a:bodyPr/>
-          <a:lstStyle/>
-          <a:p>
-            <a:pPr marL="0" indent="0">
-              <a:buNone/>
-            </a:pPr>
-            <a:r>
-              <a:rPr lang="sv-SE" dirty="0"/>
-              <a:t>(</a:t>
-            </a:r>
-            <a:r>
-              <a:rPr lang="sv-SE" dirty="0" err="1"/>
-              <a:t>Visualizations</a:t>
-            </a:r>
-            <a:r>
-              <a:rPr lang="sv-SE" dirty="0"/>
-              <a:t> </a:t>
-            </a:r>
-            <a:r>
-              <a:rPr lang="sv-SE" dirty="0" err="1"/>
-              <a:t>of</a:t>
-            </a:r>
-            <a:r>
-              <a:rPr lang="sv-SE" dirty="0"/>
-              <a:t> a </a:t>
-            </a:r>
-            <a:r>
-              <a:rPr lang="sv-SE" dirty="0" err="1"/>
-              <a:t>causal</a:t>
-            </a:r>
-            <a:r>
-              <a:rPr lang="sv-SE" dirty="0"/>
-              <a:t> </a:t>
-            </a:r>
-            <a:r>
-              <a:rPr lang="sv-SE" dirty="0" err="1"/>
-              <a:t>model</a:t>
-            </a:r>
-            <a:r>
-              <a:rPr lang="sv-SE" dirty="0"/>
-              <a:t> </a:t>
-            </a:r>
-            <a:r>
-              <a:rPr lang="sv-SE" dirty="0" err="1"/>
-              <a:t>with</a:t>
-            </a:r>
-            <a:r>
-              <a:rPr lang="sv-SE" dirty="0"/>
-              <a:t> </a:t>
-            </a:r>
-            <a:r>
-              <a:rPr lang="sv-SE" dirty="0" err="1"/>
-              <a:t>values</a:t>
-            </a:r>
-            <a:r>
-              <a:rPr lang="sv-SE" dirty="0"/>
-              <a:t> from the data simulation)</a:t>
-            </a:r>
-          </a:p>
-          <a:p>
-            <a:pPr marL="0" indent="0">
-              <a:buNone/>
-            </a:pPr>
-            <a:r>
-              <a:rPr lang="sv-SE" dirty="0" err="1"/>
-              <a:t>This</a:t>
-            </a:r>
-            <a:r>
-              <a:rPr lang="sv-SE" dirty="0"/>
-              <a:t> </a:t>
-            </a:r>
-            <a:r>
-              <a:rPr lang="sv-SE" dirty="0" err="1"/>
-              <a:t>represents</a:t>
-            </a:r>
-            <a:r>
-              <a:rPr lang="sv-SE" dirty="0"/>
-              <a:t> </a:t>
-            </a:r>
-            <a:r>
-              <a:rPr lang="sv-SE" dirty="0" err="1"/>
-              <a:t>our</a:t>
-            </a:r>
-            <a:r>
-              <a:rPr lang="sv-SE" dirty="0"/>
-              <a:t> </a:t>
-            </a:r>
-            <a:r>
-              <a:rPr lang="sv-SE" dirty="0" err="1"/>
-              <a:t>ground</a:t>
-            </a:r>
-            <a:r>
-              <a:rPr lang="sv-SE" dirty="0"/>
-              <a:t> </a:t>
-            </a:r>
-            <a:r>
-              <a:rPr lang="sv-SE" dirty="0" err="1"/>
-              <a:t>truth</a:t>
-            </a:r>
-            <a:r>
-              <a:rPr lang="sv-SE" dirty="0"/>
-              <a:t> (</a:t>
-            </a:r>
-            <a:r>
-              <a:rPr lang="sv-SE" dirty="0" err="1"/>
-              <a:t>both</a:t>
-            </a:r>
-            <a:r>
-              <a:rPr lang="sv-SE" dirty="0"/>
-              <a:t> in terms </a:t>
-            </a:r>
-            <a:r>
-              <a:rPr lang="sv-SE" dirty="0" err="1"/>
-              <a:t>of</a:t>
-            </a:r>
-            <a:r>
-              <a:rPr lang="sv-SE" dirty="0"/>
-              <a:t> </a:t>
-            </a:r>
-            <a:r>
-              <a:rPr lang="sv-SE" dirty="0" err="1"/>
-              <a:t>effects</a:t>
-            </a:r>
-            <a:r>
-              <a:rPr lang="sv-SE" dirty="0"/>
-              <a:t> and </a:t>
-            </a:r>
-            <a:r>
-              <a:rPr lang="sv-SE" dirty="0" err="1"/>
-              <a:t>their</a:t>
-            </a:r>
-            <a:r>
-              <a:rPr lang="sv-SE" dirty="0"/>
-              <a:t> </a:t>
-            </a:r>
-            <a:r>
-              <a:rPr lang="sv-SE" dirty="0" err="1"/>
-              <a:t>strength</a:t>
-            </a:r>
-            <a:r>
-              <a:rPr lang="sv-SE" dirty="0"/>
-              <a:t>.</a:t>
-            </a:r>
-            <a:endParaRPr lang="en-US" dirty="0"/>
+              <a:rPr lang="en-US" dirty="0"/>
+              <a:t>Causal Modeling and Simulations</a:t>
+            </a:r>
           </a:p>
         </p:txBody>
       </p:sp>
@@ -6876,7 +10249,7 @@
           <a:p>
             <a:fld id="{403A2FDA-9B6F-4F19-BB52-15CB2FEB03DD}" type="datetime1">
               <a:rPr lang="de-DE" smtClean="0"/>
-              <a:t>08.04.2025</a:t>
+              <a:t>09.04.2025</a:t>
             </a:fld>
             <a:endParaRPr lang="en-US"/>
           </a:p>
@@ -6939,6 +10312,800 @@
           </a:p>
         </p:txBody>
       </p:sp>
+      <p:cxnSp>
+        <p:nvCxnSpPr>
+          <p:cNvPr id="9" name="Straight Arrow Connector 8">
+            <a:extLst>
+              <a:ext uri="{FF2B5EF4-FFF2-40B4-BE49-F238E27FC236}">
+                <a16:creationId xmlns:a16="http://schemas.microsoft.com/office/drawing/2014/main" id="{7191B9B1-3F42-39B9-CC57-96266CB91986}"/>
+              </a:ext>
+            </a:extLst>
+          </p:cNvPr>
+          <p:cNvCxnSpPr>
+            <a:cxnSpLocks/>
+            <a:stCxn id="20" idx="3"/>
+            <a:endCxn id="23" idx="1"/>
+          </p:cNvCxnSpPr>
+          <p:nvPr/>
+        </p:nvCxnSpPr>
+        <p:spPr>
+          <a:xfrm>
+            <a:off x="7156718" y="3609000"/>
+            <a:ext cx="3286599" cy="0"/>
+          </a:xfrm>
+          <a:prstGeom prst="straightConnector1">
+            <a:avLst/>
+          </a:prstGeom>
+          <a:ln>
+            <a:tailEnd type="triangle"/>
+          </a:ln>
+        </p:spPr>
+        <p:style>
+          <a:lnRef idx="2">
+            <a:schemeClr val="dk1"/>
+          </a:lnRef>
+          <a:fillRef idx="0">
+            <a:schemeClr val="dk1"/>
+          </a:fillRef>
+          <a:effectRef idx="1">
+            <a:schemeClr val="dk1"/>
+          </a:effectRef>
+          <a:fontRef idx="minor">
+            <a:schemeClr val="tx1"/>
+          </a:fontRef>
+        </p:style>
+      </p:cxnSp>
+      <p:sp>
+        <p:nvSpPr>
+          <p:cNvPr id="10" name="TextBox 9">
+            <a:extLst>
+              <a:ext uri="{FF2B5EF4-FFF2-40B4-BE49-F238E27FC236}">
+                <a16:creationId xmlns:a16="http://schemas.microsoft.com/office/drawing/2014/main" id="{AB606607-2C7B-4C20-B5AF-1A65892C1ACD}"/>
+              </a:ext>
+            </a:extLst>
+          </p:cNvPr>
+          <p:cNvSpPr txBox="1"/>
+          <p:nvPr/>
+        </p:nvSpPr>
+        <p:spPr>
+          <a:xfrm>
+            <a:off x="6134955" y="2972483"/>
+            <a:ext cx="3081806" cy="369332"/>
+          </a:xfrm>
+          <a:prstGeom prst="rect">
+            <a:avLst/>
+          </a:prstGeom>
+          <a:noFill/>
+        </p:spPr>
+        <p:txBody>
+          <a:bodyPr wrap="none" rtlCol="0">
+            <a:spAutoFit/>
+          </a:bodyPr>
+          <a:lstStyle/>
+          <a:p>
+            <a:r>
+              <a:rPr lang="en-US" dirty="0">
+                <a:solidFill>
+                  <a:srgbClr val="D0180A"/>
+                </a:solidFill>
+              </a:rPr>
+              <a:t>document reading technique</a:t>
+            </a:r>
+          </a:p>
+        </p:txBody>
+      </p:sp>
+      <p:sp>
+        <p:nvSpPr>
+          <p:cNvPr id="11" name="TextBox 10">
+            <a:extLst>
+              <a:ext uri="{FF2B5EF4-FFF2-40B4-BE49-F238E27FC236}">
+                <a16:creationId xmlns:a16="http://schemas.microsoft.com/office/drawing/2014/main" id="{A79BAD0F-E092-B401-2710-D671F964B970}"/>
+              </a:ext>
+            </a:extLst>
+          </p:cNvPr>
+          <p:cNvSpPr txBox="1"/>
+          <p:nvPr/>
+        </p:nvSpPr>
+        <p:spPr>
+          <a:xfrm>
+            <a:off x="9216761" y="3860300"/>
+            <a:ext cx="1921680" cy="369332"/>
+          </a:xfrm>
+          <a:prstGeom prst="rect">
+            <a:avLst/>
+          </a:prstGeom>
+          <a:noFill/>
+        </p:spPr>
+        <p:txBody>
+          <a:bodyPr wrap="none" rtlCol="0">
+            <a:spAutoFit/>
+          </a:bodyPr>
+          <a:lstStyle/>
+          <a:p>
+            <a:r>
+              <a:rPr lang="en-US" dirty="0">
+                <a:solidFill>
+                  <a:srgbClr val="006D70"/>
+                </a:solidFill>
+              </a:rPr>
+              <a:t>identified defects</a:t>
+            </a:r>
+          </a:p>
+        </p:txBody>
+      </p:sp>
+      <p:grpSp>
+        <p:nvGrpSpPr>
+          <p:cNvPr id="13" name="Group 12">
+            <a:extLst>
+              <a:ext uri="{FF2B5EF4-FFF2-40B4-BE49-F238E27FC236}">
+                <a16:creationId xmlns:a16="http://schemas.microsoft.com/office/drawing/2014/main" id="{C5D5110A-1D29-C307-40B8-2073A5883FD7}"/>
+              </a:ext>
+            </a:extLst>
+          </p:cNvPr>
+          <p:cNvGrpSpPr/>
+          <p:nvPr/>
+        </p:nvGrpSpPr>
+        <p:grpSpPr>
+          <a:xfrm>
+            <a:off x="1100483" y="2972483"/>
+            <a:ext cx="4114801" cy="1356221"/>
+            <a:chOff x="3646626" y="2993962"/>
+            <a:chExt cx="4114801" cy="1356221"/>
+          </a:xfrm>
+        </p:grpSpPr>
+        <p:sp>
+          <p:nvSpPr>
+            <p:cNvPr id="14" name="Rectangle: Rounded Corners 13">
+              <a:extLst>
+                <a:ext uri="{FF2B5EF4-FFF2-40B4-BE49-F238E27FC236}">
+                  <a16:creationId xmlns:a16="http://schemas.microsoft.com/office/drawing/2014/main" id="{F2C18ED3-1874-EDB8-A2CE-488E3A7F2047}"/>
+                </a:ext>
+              </a:extLst>
+            </p:cNvPr>
+            <p:cNvSpPr/>
+            <p:nvPr/>
+          </p:nvSpPr>
+          <p:spPr>
+            <a:xfrm>
+              <a:off x="3646626" y="2993962"/>
+              <a:ext cx="4114801" cy="1356221"/>
+            </a:xfrm>
+            <a:prstGeom prst="roundRect">
+              <a:avLst/>
+            </a:prstGeom>
+            <a:solidFill>
+              <a:schemeClr val="bg1">
+                <a:lumMod val="95000"/>
+              </a:schemeClr>
+            </a:solidFill>
+            <a:ln>
+              <a:solidFill>
+                <a:schemeClr val="tx1">
+                  <a:lumMod val="75000"/>
+                  <a:lumOff val="25000"/>
+                </a:schemeClr>
+              </a:solidFill>
+            </a:ln>
+          </p:spPr>
+          <p:style>
+            <a:lnRef idx="2">
+              <a:schemeClr val="accent1">
+                <a:shade val="15000"/>
+              </a:schemeClr>
+            </a:lnRef>
+            <a:fillRef idx="1">
+              <a:schemeClr val="accent1"/>
+            </a:fillRef>
+            <a:effectRef idx="0">
+              <a:schemeClr val="accent1"/>
+            </a:effectRef>
+            <a:fontRef idx="minor">
+              <a:schemeClr val="lt1"/>
+            </a:fontRef>
+          </p:style>
+          <p:txBody>
+            <a:bodyPr lIns="396000" rtlCol="0" anchor="t"/>
+            <a:lstStyle/>
+            <a:p>
+              <a:r>
+                <a:rPr lang="sv-SE" b="1" dirty="0">
+                  <a:solidFill>
+                    <a:schemeClr val="tx1">
+                      <a:lumMod val="75000"/>
+                      <a:lumOff val="25000"/>
+                    </a:schemeClr>
+                  </a:solidFill>
+                </a:rPr>
+                <a:t>Simulation</a:t>
+              </a:r>
+              <a:endParaRPr lang="en-US" b="1" dirty="0">
+                <a:solidFill>
+                  <a:schemeClr val="tx1">
+                    <a:lumMod val="75000"/>
+                    <a:lumOff val="25000"/>
+                  </a:schemeClr>
+                </a:solidFill>
+              </a:endParaRPr>
+            </a:p>
+          </p:txBody>
+        </p:sp>
+        <p:pic>
+          <p:nvPicPr>
+            <p:cNvPr id="15" name="Graphic 14" descr="Normal Distribution with solid fill">
+              <a:extLst>
+                <a:ext uri="{FF2B5EF4-FFF2-40B4-BE49-F238E27FC236}">
+                  <a16:creationId xmlns:a16="http://schemas.microsoft.com/office/drawing/2014/main" id="{1E341443-F578-07BE-7DF6-58B0B06C017A}"/>
+                </a:ext>
+              </a:extLst>
+            </p:cNvPr>
+            <p:cNvPicPr>
+              <a:picLocks noChangeAspect="1"/>
+            </p:cNvPicPr>
+            <p:nvPr/>
+          </p:nvPicPr>
+          <p:blipFill>
+            <a:blip r:embed="rId3">
+              <a:extLst>
+                <a:ext uri="{96DAC541-7B7A-43D3-8B79-37D633B846F1}">
+                  <asvg:svgBlip xmlns:asvg="http://schemas.microsoft.com/office/drawing/2016/SVG/main" r:embed="rId4"/>
+                </a:ext>
+              </a:extLst>
+            </a:blip>
+            <a:stretch>
+              <a:fillRect/>
+            </a:stretch>
+          </p:blipFill>
+          <p:spPr>
+            <a:xfrm>
+              <a:off x="3751141" y="3059856"/>
+              <a:ext cx="360000" cy="360000"/>
+            </a:xfrm>
+            <a:prstGeom prst="rect">
+              <a:avLst/>
+            </a:prstGeom>
+          </p:spPr>
+        </p:pic>
+        <mc:AlternateContent xmlns:mc="http://schemas.openxmlformats.org/markup-compatibility/2006">
+          <mc:Choice xmlns:a14="http://schemas.microsoft.com/office/drawing/2010/main" Requires="a14">
+            <p:sp>
+              <p:nvSpPr>
+                <p:cNvPr id="16" name="TextBox 15">
+                  <a:extLst>
+                    <a:ext uri="{FF2B5EF4-FFF2-40B4-BE49-F238E27FC236}">
+                      <a16:creationId xmlns:a16="http://schemas.microsoft.com/office/drawing/2014/main" id="{D5434D1C-D29F-FE02-4AE0-52325D5F6C8D}"/>
+                    </a:ext>
+                  </a:extLst>
+                </p:cNvPr>
+                <p:cNvSpPr txBox="1"/>
+                <p:nvPr/>
+              </p:nvSpPr>
+              <p:spPr>
+                <a:xfrm>
+                  <a:off x="3895423" y="3608020"/>
+                  <a:ext cx="2366610" cy="276999"/>
+                </a:xfrm>
+                <a:prstGeom prst="rect">
+                  <a:avLst/>
+                </a:prstGeom>
+                <a:noFill/>
+                <a:ln>
+                  <a:noFill/>
+                </a:ln>
+              </p:spPr>
+              <p:txBody>
+                <a:bodyPr wrap="none" lIns="0" tIns="0" rIns="0" bIns="0" rtlCol="0">
+                  <a:spAutoFit/>
+                </a:bodyPr>
+                <a:lstStyle/>
+                <a:p>
+                  <a14:m>
+                    <m:oMathPara xmlns:m="http://schemas.openxmlformats.org/officeDocument/2006/math">
+                      <m:oMathParaPr>
+                        <m:jc m:val="centerGroup"/>
+                      </m:oMathParaPr>
+                      <m:oMath xmlns:m="http://schemas.openxmlformats.org/officeDocument/2006/math">
+                        <m:r>
+                          <a:rPr lang="sv-SE" b="0" i="1" smtClean="0">
+                            <a:latin typeface="Cambria Math" panose="02040503050406030204" pitchFamily="18" charset="0"/>
+                          </a:rPr>
+                          <m:t>𝑡𝑒𝑐h𝑛𝑖𝑞𝑢𝑒</m:t>
+                        </m:r>
+                        <m:r>
+                          <a:rPr lang="sv-SE" b="0" i="1" smtClean="0">
+                            <a:latin typeface="Cambria Math" panose="02040503050406030204" pitchFamily="18" charset="0"/>
+                          </a:rPr>
+                          <m:t>=</m:t>
+                        </m:r>
+                        <m:r>
+                          <a:rPr lang="sv-SE" b="0" i="1" smtClean="0">
+                            <a:latin typeface="Cambria Math" panose="02040503050406030204" pitchFamily="18" charset="0"/>
+                          </a:rPr>
+                          <m:t>𝑢𝑛𝑖𝑓</m:t>
+                        </m:r>
+                        <m:r>
+                          <a:rPr lang="sv-SE" b="0" i="1" smtClean="0">
+                            <a:latin typeface="Cambria Math" panose="02040503050406030204" pitchFamily="18" charset="0"/>
+                          </a:rPr>
+                          <m:t>{0, 1}</m:t>
+                        </m:r>
+                      </m:oMath>
+                    </m:oMathPara>
+                  </a14:m>
+                  <a:endParaRPr lang="en-US" dirty="0"/>
+                </a:p>
+              </p:txBody>
+            </p:sp>
+          </mc:Choice>
+          <mc:Fallback>
+            <p:sp>
+              <p:nvSpPr>
+                <p:cNvPr id="16" name="TextBox 15">
+                  <a:extLst>
+                    <a:ext uri="{FF2B5EF4-FFF2-40B4-BE49-F238E27FC236}">
+                      <a16:creationId xmlns:a16="http://schemas.microsoft.com/office/drawing/2014/main" id="{D5434D1C-D29F-FE02-4AE0-52325D5F6C8D}"/>
+                    </a:ext>
+                  </a:extLst>
+                </p:cNvPr>
+                <p:cNvSpPr txBox="1">
+                  <a:spLocks noRot="1" noChangeAspect="1" noMove="1" noResize="1" noEditPoints="1" noAdjustHandles="1" noChangeArrowheads="1" noChangeShapeType="1" noTextEdit="1"/>
+                </p:cNvSpPr>
+                <p:nvPr/>
+              </p:nvSpPr>
+              <p:spPr>
+                <a:xfrm>
+                  <a:off x="3895423" y="3608020"/>
+                  <a:ext cx="2366610" cy="276999"/>
+                </a:xfrm>
+                <a:prstGeom prst="rect">
+                  <a:avLst/>
+                </a:prstGeom>
+                <a:blipFill>
+                  <a:blip r:embed="rId5"/>
+                  <a:stretch>
+                    <a:fillRect l="-3085" t="-2174" r="-3342" b="-36957"/>
+                  </a:stretch>
+                </a:blipFill>
+                <a:ln>
+                  <a:noFill/>
+                </a:ln>
+              </p:spPr>
+              <p:txBody>
+                <a:bodyPr/>
+                <a:lstStyle/>
+                <a:p>
+                  <a:r>
+                    <a:rPr lang="en-US">
+                      <a:noFill/>
+                    </a:rPr>
+                    <a:t> </a:t>
+                  </a:r>
+                </a:p>
+              </p:txBody>
+            </p:sp>
+          </mc:Fallback>
+        </mc:AlternateContent>
+        <mc:AlternateContent xmlns:mc="http://schemas.openxmlformats.org/markup-compatibility/2006">
+          <mc:Choice xmlns:a14="http://schemas.microsoft.com/office/drawing/2010/main" Requires="a14">
+            <p:sp>
+              <p:nvSpPr>
+                <p:cNvPr id="17" name="TextBox 16">
+                  <a:extLst>
+                    <a:ext uri="{FF2B5EF4-FFF2-40B4-BE49-F238E27FC236}">
+                      <a16:creationId xmlns:a16="http://schemas.microsoft.com/office/drawing/2014/main" id="{958F9A81-5FD1-0F50-AE2E-42B5CD02BFA7}"/>
+                    </a:ext>
+                  </a:extLst>
+                </p:cNvPr>
+                <p:cNvSpPr txBox="1"/>
+                <p:nvPr/>
+              </p:nvSpPr>
+              <p:spPr>
+                <a:xfrm>
+                  <a:off x="4111141" y="3925631"/>
+                  <a:ext cx="3546868" cy="276999"/>
+                </a:xfrm>
+                <a:prstGeom prst="rect">
+                  <a:avLst/>
+                </a:prstGeom>
+                <a:noFill/>
+                <a:ln>
+                  <a:noFill/>
+                </a:ln>
+              </p:spPr>
+              <p:txBody>
+                <a:bodyPr wrap="none" lIns="0" tIns="0" rIns="0" bIns="0" rtlCol="0">
+                  <a:spAutoFit/>
+                </a:bodyPr>
+                <a:lstStyle/>
+                <a:p>
+                  <a14:m>
+                    <m:oMathPara xmlns:m="http://schemas.openxmlformats.org/officeDocument/2006/math">
+                      <m:oMathParaPr>
+                        <m:jc m:val="centerGroup"/>
+                      </m:oMathParaPr>
+                      <m:oMath xmlns:m="http://schemas.openxmlformats.org/officeDocument/2006/math">
+                        <m:r>
+                          <a:rPr lang="sv-SE" b="0" i="1" smtClean="0">
+                            <a:latin typeface="Cambria Math" panose="02040503050406030204" pitchFamily="18" charset="0"/>
+                          </a:rPr>
+                          <m:t>𝑑𝑒𝑓𝑒𝑐𝑡𝑠</m:t>
+                        </m:r>
+                        <m:r>
+                          <a:rPr lang="sv-SE" b="0" i="1" smtClean="0">
+                            <a:latin typeface="Cambria Math" panose="02040503050406030204" pitchFamily="18" charset="0"/>
+                          </a:rPr>
+                          <m:t>=</m:t>
+                        </m:r>
+                        <m:r>
+                          <a:rPr lang="sv-SE" b="0" i="1" smtClean="0">
+                            <a:latin typeface="Cambria Math" panose="02040503050406030204" pitchFamily="18" charset="0"/>
+                          </a:rPr>
+                          <m:t>𝑁</m:t>
+                        </m:r>
+                        <m:r>
+                          <a:rPr lang="sv-SE" b="0" i="1" smtClean="0">
+                            <a:latin typeface="Cambria Math" panose="02040503050406030204" pitchFamily="18" charset="0"/>
+                          </a:rPr>
+                          <m:t>(5+</m:t>
+                        </m:r>
+                        <m:r>
+                          <a:rPr lang="sv-SE" b="0" i="1" smtClean="0">
+                            <a:latin typeface="Cambria Math" panose="02040503050406030204" pitchFamily="18" charset="0"/>
+                          </a:rPr>
+                          <m:t>𝑡𝑒𝑐h𝑛𝑖𝑞𝑢𝑒</m:t>
+                        </m:r>
+                        <m:r>
+                          <a:rPr lang="sv-SE" b="0" i="1" smtClean="0">
+                            <a:latin typeface="Cambria Math" panose="02040503050406030204" pitchFamily="18" charset="0"/>
+                          </a:rPr>
+                          <m:t>∗5, 2)</m:t>
+                        </m:r>
+                      </m:oMath>
+                    </m:oMathPara>
+                  </a14:m>
+                  <a:endParaRPr lang="en-US" dirty="0"/>
+                </a:p>
+              </p:txBody>
+            </p:sp>
+          </mc:Choice>
+          <mc:Fallback>
+            <p:sp>
+              <p:nvSpPr>
+                <p:cNvPr id="17" name="TextBox 16">
+                  <a:extLst>
+                    <a:ext uri="{FF2B5EF4-FFF2-40B4-BE49-F238E27FC236}">
+                      <a16:creationId xmlns:a16="http://schemas.microsoft.com/office/drawing/2014/main" id="{958F9A81-5FD1-0F50-AE2E-42B5CD02BFA7}"/>
+                    </a:ext>
+                  </a:extLst>
+                </p:cNvPr>
+                <p:cNvSpPr txBox="1">
+                  <a:spLocks noRot="1" noChangeAspect="1" noMove="1" noResize="1" noEditPoints="1" noAdjustHandles="1" noChangeArrowheads="1" noChangeShapeType="1" noTextEdit="1"/>
+                </p:cNvSpPr>
+                <p:nvPr/>
+              </p:nvSpPr>
+              <p:spPr>
+                <a:xfrm>
+                  <a:off x="4111141" y="3925631"/>
+                  <a:ext cx="3546868" cy="276999"/>
+                </a:xfrm>
+                <a:prstGeom prst="rect">
+                  <a:avLst/>
+                </a:prstGeom>
+                <a:blipFill>
+                  <a:blip r:embed="rId6"/>
+                  <a:stretch>
+                    <a:fillRect l="-1203" t="-2174" r="-1375" b="-32609"/>
+                  </a:stretch>
+                </a:blipFill>
+                <a:ln>
+                  <a:noFill/>
+                </a:ln>
+              </p:spPr>
+              <p:txBody>
+                <a:bodyPr/>
+                <a:lstStyle/>
+                <a:p>
+                  <a:r>
+                    <a:rPr lang="en-US">
+                      <a:noFill/>
+                    </a:rPr>
+                    <a:t> </a:t>
+                  </a:r>
+                </a:p>
+              </p:txBody>
+            </p:sp>
+          </mc:Fallback>
+        </mc:AlternateContent>
+      </p:grpSp>
+      <mc:AlternateContent xmlns:mc="http://schemas.openxmlformats.org/markup-compatibility/2006">
+        <mc:Choice xmlns:a14="http://schemas.microsoft.com/office/drawing/2010/main" Requires="a14">
+          <p:sp>
+            <p:nvSpPr>
+              <p:cNvPr id="19" name="TextBox 18">
+                <a:extLst>
+                  <a:ext uri="{FF2B5EF4-FFF2-40B4-BE49-F238E27FC236}">
+                    <a16:creationId xmlns:a16="http://schemas.microsoft.com/office/drawing/2014/main" id="{77119173-3B78-ED8D-7ED9-3C20E864E184}"/>
+                  </a:ext>
+                </a:extLst>
+              </p:cNvPr>
+              <p:cNvSpPr txBox="1"/>
+              <p:nvPr/>
+            </p:nvSpPr>
+            <p:spPr>
+              <a:xfrm>
+                <a:off x="8526173" y="3650593"/>
+                <a:ext cx="547689" cy="307777"/>
+              </a:xfrm>
+              <a:prstGeom prst="rect">
+                <a:avLst/>
+              </a:prstGeom>
+              <a:noFill/>
+            </p:spPr>
+            <p:txBody>
+              <a:bodyPr wrap="square">
+                <a:spAutoFit/>
+              </a:bodyPr>
+              <a:lstStyle/>
+              <a:p>
+                <a:pPr/>
+                <a14:m>
+                  <m:oMathPara xmlns:m="http://schemas.openxmlformats.org/officeDocument/2006/math">
+                    <m:oMathParaPr>
+                      <m:jc m:val="centerGroup"/>
+                    </m:oMathParaPr>
+                    <m:oMath xmlns:m="http://schemas.openxmlformats.org/officeDocument/2006/math">
+                      <m:r>
+                        <a:rPr lang="sv-SE" sz="1400" b="0" i="1" smtClean="0">
+                          <a:latin typeface="Cambria Math" panose="02040503050406030204" pitchFamily="18" charset="0"/>
+                        </a:rPr>
+                        <m:t>5</m:t>
+                      </m:r>
+                    </m:oMath>
+                  </m:oMathPara>
+                </a14:m>
+                <a:endParaRPr lang="en-US" sz="1400" dirty="0"/>
+              </a:p>
+            </p:txBody>
+          </p:sp>
+        </mc:Choice>
+        <mc:Fallback>
+          <p:sp>
+            <p:nvSpPr>
+              <p:cNvPr id="19" name="TextBox 18">
+                <a:extLst>
+                  <a:ext uri="{FF2B5EF4-FFF2-40B4-BE49-F238E27FC236}">
+                    <a16:creationId xmlns:a16="http://schemas.microsoft.com/office/drawing/2014/main" id="{77119173-3B78-ED8D-7ED9-3C20E864E184}"/>
+                  </a:ext>
+                </a:extLst>
+              </p:cNvPr>
+              <p:cNvSpPr txBox="1">
+                <a:spLocks noRot="1" noChangeAspect="1" noMove="1" noResize="1" noEditPoints="1" noAdjustHandles="1" noChangeArrowheads="1" noChangeShapeType="1" noTextEdit="1"/>
+              </p:cNvSpPr>
+              <p:nvPr/>
+            </p:nvSpPr>
+            <p:spPr>
+              <a:xfrm>
+                <a:off x="8526173" y="3650593"/>
+                <a:ext cx="547689" cy="307777"/>
+              </a:xfrm>
+              <a:prstGeom prst="rect">
+                <a:avLst/>
+              </a:prstGeom>
+              <a:blipFill>
+                <a:blip r:embed="rId7"/>
+                <a:stretch>
+                  <a:fillRect/>
+                </a:stretch>
+              </a:blipFill>
+            </p:spPr>
+            <p:txBody>
+              <a:bodyPr/>
+              <a:lstStyle/>
+              <a:p>
+                <a:r>
+                  <a:rPr lang="en-US">
+                    <a:noFill/>
+                  </a:rPr>
+                  <a:t> </a:t>
+                </a:r>
+              </a:p>
+            </p:txBody>
+          </p:sp>
+        </mc:Fallback>
+      </mc:AlternateContent>
+      <p:sp>
+        <p:nvSpPr>
+          <p:cNvPr id="20" name="Rectangle: Rounded Corners 19">
+            <a:extLst>
+              <a:ext uri="{FF2B5EF4-FFF2-40B4-BE49-F238E27FC236}">
+                <a16:creationId xmlns:a16="http://schemas.microsoft.com/office/drawing/2014/main" id="{D2FE72C5-5E31-E91C-D5DF-9AA063DFFAC0}"/>
+              </a:ext>
+            </a:extLst>
+          </p:cNvPr>
+          <p:cNvSpPr/>
+          <p:nvPr/>
+        </p:nvSpPr>
+        <p:spPr>
+          <a:xfrm>
+            <a:off x="6796718" y="3429000"/>
+            <a:ext cx="360000" cy="360000"/>
+          </a:xfrm>
+          <a:prstGeom prst="roundRect">
+            <a:avLst/>
+          </a:prstGeom>
+          <a:solidFill>
+            <a:srgbClr val="F8766D"/>
+          </a:solidFill>
+          <a:ln>
+            <a:solidFill>
+              <a:srgbClr val="D0180A"/>
+            </a:solidFill>
+          </a:ln>
+        </p:spPr>
+        <p:style>
+          <a:lnRef idx="2">
+            <a:schemeClr val="accent1">
+              <a:shade val="15000"/>
+            </a:schemeClr>
+          </a:lnRef>
+          <a:fillRef idx="1">
+            <a:schemeClr val="accent1"/>
+          </a:fillRef>
+          <a:effectRef idx="0">
+            <a:schemeClr val="accent1"/>
+          </a:effectRef>
+          <a:fontRef idx="minor">
+            <a:schemeClr val="lt1"/>
+          </a:fontRef>
+        </p:style>
+        <p:txBody>
+          <a:bodyPr rtlCol="0" anchor="ctr"/>
+          <a:lstStyle/>
+          <a:p>
+            <a:pPr algn="ctr"/>
+            <a:endParaRPr lang="en-US" dirty="0"/>
+          </a:p>
+        </p:txBody>
+      </p:sp>
+      <p:sp>
+        <p:nvSpPr>
+          <p:cNvPr id="23" name="Rectangle: Rounded Corners 22">
+            <a:extLst>
+              <a:ext uri="{FF2B5EF4-FFF2-40B4-BE49-F238E27FC236}">
+                <a16:creationId xmlns:a16="http://schemas.microsoft.com/office/drawing/2014/main" id="{CF8D3FC2-62AF-E862-AB47-001EDCECF969}"/>
+              </a:ext>
+            </a:extLst>
+          </p:cNvPr>
+          <p:cNvSpPr/>
+          <p:nvPr/>
+        </p:nvSpPr>
+        <p:spPr>
+          <a:xfrm>
+            <a:off x="10443317" y="3429000"/>
+            <a:ext cx="360000" cy="360000"/>
+          </a:xfrm>
+          <a:prstGeom prst="roundRect">
+            <a:avLst/>
+          </a:prstGeom>
+          <a:solidFill>
+            <a:srgbClr val="00BFC4"/>
+          </a:solidFill>
+          <a:ln>
+            <a:solidFill>
+              <a:srgbClr val="006D70"/>
+            </a:solidFill>
+          </a:ln>
+        </p:spPr>
+        <p:style>
+          <a:lnRef idx="2">
+            <a:schemeClr val="accent1">
+              <a:shade val="15000"/>
+            </a:schemeClr>
+          </a:lnRef>
+          <a:fillRef idx="1">
+            <a:schemeClr val="accent1"/>
+          </a:fillRef>
+          <a:effectRef idx="0">
+            <a:schemeClr val="accent1"/>
+          </a:effectRef>
+          <a:fontRef idx="minor">
+            <a:schemeClr val="lt1"/>
+          </a:fontRef>
+        </p:style>
+        <p:txBody>
+          <a:bodyPr rtlCol="0" anchor="ctr"/>
+          <a:lstStyle/>
+          <a:p>
+            <a:pPr algn="ctr"/>
+            <a:endParaRPr lang="en-US" dirty="0"/>
+          </a:p>
+        </p:txBody>
+      </p:sp>
+      <p:sp>
+        <p:nvSpPr>
+          <p:cNvPr id="25" name="TextBox 24">
+            <a:extLst>
+              <a:ext uri="{FF2B5EF4-FFF2-40B4-BE49-F238E27FC236}">
+                <a16:creationId xmlns:a16="http://schemas.microsoft.com/office/drawing/2014/main" id="{29C47FC7-AC13-741D-F668-1A3032B822AF}"/>
+              </a:ext>
+            </a:extLst>
+          </p:cNvPr>
+          <p:cNvSpPr txBox="1"/>
+          <p:nvPr/>
+        </p:nvSpPr>
+        <p:spPr>
+          <a:xfrm>
+            <a:off x="6287727" y="4284600"/>
+            <a:ext cx="2135028" cy="369332"/>
+          </a:xfrm>
+          <a:prstGeom prst="rect">
+            <a:avLst/>
+          </a:prstGeom>
+          <a:noFill/>
+        </p:spPr>
+        <p:txBody>
+          <a:bodyPr wrap="square" rtlCol="0">
+            <a:spAutoFit/>
+          </a:bodyPr>
+          <a:lstStyle/>
+          <a:p>
+            <a:pPr algn="r"/>
+            <a:r>
+              <a:rPr lang="en-US" dirty="0">
+                <a:solidFill>
+                  <a:schemeClr val="tx2">
+                    <a:lumMod val="75000"/>
+                    <a:lumOff val="25000"/>
+                  </a:schemeClr>
+                </a:solidFill>
+              </a:rPr>
+              <a:t>Path coefficient</a:t>
+            </a:r>
+          </a:p>
+        </p:txBody>
+      </p:sp>
+      <p:cxnSp>
+        <p:nvCxnSpPr>
+          <p:cNvPr id="26" name="Connector: Curved 25">
+            <a:extLst>
+              <a:ext uri="{FF2B5EF4-FFF2-40B4-BE49-F238E27FC236}">
+                <a16:creationId xmlns:a16="http://schemas.microsoft.com/office/drawing/2014/main" id="{80AEA964-CDA5-E80D-65F4-22D4D6252492}"/>
+              </a:ext>
+            </a:extLst>
+          </p:cNvPr>
+          <p:cNvCxnSpPr>
+            <a:cxnSpLocks/>
+            <a:stCxn id="25" idx="3"/>
+            <a:endCxn id="19" idx="2"/>
+          </p:cNvCxnSpPr>
+          <p:nvPr/>
+        </p:nvCxnSpPr>
+        <p:spPr>
+          <a:xfrm flipV="1">
+            <a:off x="8422755" y="3958370"/>
+            <a:ext cx="377263" cy="510896"/>
+          </a:xfrm>
+          <a:prstGeom prst="curvedConnector2">
+            <a:avLst/>
+          </a:prstGeom>
+          <a:ln>
+            <a:tailEnd type="triangle"/>
+          </a:ln>
+        </p:spPr>
+        <p:style>
+          <a:lnRef idx="2">
+            <a:schemeClr val="accent1"/>
+          </a:lnRef>
+          <a:fillRef idx="0">
+            <a:schemeClr val="accent1"/>
+          </a:fillRef>
+          <a:effectRef idx="1">
+            <a:schemeClr val="accent1"/>
+          </a:effectRef>
+          <a:fontRef idx="minor">
+            <a:schemeClr val="tx1"/>
+          </a:fontRef>
+        </p:style>
+      </p:cxnSp>
     </p:spTree>
     <p:extLst>
       <p:ext uri="{BB962C8B-B14F-4D97-AF65-F5344CB8AC3E}">
@@ -6991,288 +11158,9 @@
           <a:lstStyle/>
           <a:p>
             <a:r>
-              <a:rPr lang="sv-SE" dirty="0"/>
-              <a:t>Regression </a:t>
-            </a:r>
-            <a:r>
-              <a:rPr lang="sv-SE" dirty="0" err="1"/>
-              <a:t>analyses</a:t>
-            </a:r>
-            <a:endParaRPr lang="en-US" dirty="0"/>
-          </a:p>
-        </p:txBody>
-      </p:sp>
-      <p:sp>
-        <p:nvSpPr>
-          <p:cNvPr id="3" name="Content Placeholder 2">
-            <a:extLst>
-              <a:ext uri="{FF2B5EF4-FFF2-40B4-BE49-F238E27FC236}">
-                <a16:creationId xmlns:a16="http://schemas.microsoft.com/office/drawing/2014/main" id="{A08A1FCE-8EF9-2974-65F7-D35A40A80502}"/>
-              </a:ext>
-            </a:extLst>
-          </p:cNvPr>
-          <p:cNvSpPr>
-            <a:spLocks noGrp="1"/>
-          </p:cNvSpPr>
-          <p:nvPr>
-            <p:ph idx="1"/>
-          </p:nvPr>
-        </p:nvSpPr>
-        <p:spPr/>
-        <p:txBody>
-          <a:bodyPr/>
-          <a:lstStyle/>
-          <a:p>
-            <a:pPr marL="0" indent="0">
-              <a:buNone/>
-            </a:pPr>
-            <a:r>
-              <a:rPr lang="sv-SE" dirty="0"/>
-              <a:t>For </a:t>
-            </a:r>
-            <a:r>
-              <a:rPr lang="sv-SE" dirty="0" err="1"/>
-              <a:t>our</a:t>
-            </a:r>
-            <a:r>
-              <a:rPr lang="sv-SE" dirty="0"/>
-              <a:t> data </a:t>
-            </a:r>
-            <a:r>
-              <a:rPr lang="sv-SE" dirty="0" err="1"/>
-              <a:t>analysis</a:t>
-            </a:r>
-            <a:r>
-              <a:rPr lang="sv-SE" dirty="0"/>
-              <a:t> </a:t>
-            </a:r>
-            <a:r>
-              <a:rPr lang="sv-SE" dirty="0" err="1"/>
-              <a:t>tool</a:t>
-            </a:r>
-            <a:r>
-              <a:rPr lang="sv-SE" dirty="0"/>
-              <a:t>, </a:t>
-            </a:r>
-            <a:r>
-              <a:rPr lang="sv-SE" dirty="0" err="1"/>
-              <a:t>we</a:t>
-            </a:r>
-            <a:r>
-              <a:rPr lang="sv-SE" dirty="0"/>
-              <a:t> </a:t>
-            </a:r>
-            <a:r>
-              <a:rPr lang="sv-SE" dirty="0" err="1"/>
-              <a:t>will</a:t>
-            </a:r>
-            <a:r>
-              <a:rPr lang="sv-SE" dirty="0"/>
-              <a:t> </a:t>
-            </a:r>
-            <a:r>
-              <a:rPr lang="sv-SE" dirty="0" err="1"/>
-              <a:t>use</a:t>
-            </a:r>
-            <a:r>
-              <a:rPr lang="sv-SE" dirty="0"/>
-              <a:t> </a:t>
-            </a:r>
-            <a:r>
-              <a:rPr lang="sv-SE" dirty="0" err="1"/>
-              <a:t>linear</a:t>
-            </a:r>
-            <a:r>
-              <a:rPr lang="sv-SE" dirty="0"/>
-              <a:t> regressions (</a:t>
-            </a:r>
-            <a:r>
-              <a:rPr lang="sv-SE" dirty="0" err="1"/>
-              <a:t>which</a:t>
-            </a:r>
-            <a:r>
-              <a:rPr lang="sv-SE" dirty="0"/>
-              <a:t> </a:t>
-            </a:r>
-            <a:r>
-              <a:rPr lang="sv-SE" dirty="0" err="1"/>
-              <a:t>are</a:t>
-            </a:r>
-            <a:r>
-              <a:rPr lang="sv-SE" dirty="0"/>
-              <a:t> </a:t>
-            </a:r>
-            <a:r>
-              <a:rPr lang="sv-SE" dirty="0" err="1"/>
-              <a:t>more</a:t>
-            </a:r>
-            <a:r>
-              <a:rPr lang="sv-SE" dirty="0"/>
-              <a:t> </a:t>
-            </a:r>
-            <a:r>
-              <a:rPr lang="sv-SE" dirty="0" err="1"/>
-              <a:t>powerful</a:t>
-            </a:r>
-            <a:r>
-              <a:rPr lang="sv-SE" dirty="0"/>
-              <a:t> </a:t>
-            </a:r>
-            <a:r>
-              <a:rPr lang="sv-SE" dirty="0" err="1"/>
-              <a:t>than</a:t>
-            </a:r>
-            <a:r>
-              <a:rPr lang="sv-SE" dirty="0"/>
-              <a:t> </a:t>
-            </a:r>
-            <a:r>
-              <a:rPr lang="sv-SE" dirty="0" err="1"/>
-              <a:t>NHSTs</a:t>
-            </a:r>
-            <a:r>
-              <a:rPr lang="sv-SE" dirty="0"/>
-              <a:t> </a:t>
-            </a:r>
-            <a:r>
-              <a:rPr lang="sv-SE" dirty="0" err="1"/>
-              <a:t>but</a:t>
-            </a:r>
-            <a:r>
-              <a:rPr lang="sv-SE" dirty="0"/>
-              <a:t> </a:t>
-            </a:r>
-            <a:r>
-              <a:rPr lang="sv-SE" dirty="0" err="1"/>
-              <a:t>more</a:t>
-            </a:r>
-            <a:r>
-              <a:rPr lang="sv-SE" dirty="0"/>
-              <a:t> </a:t>
-            </a:r>
-            <a:r>
-              <a:rPr lang="sv-SE" dirty="0" err="1"/>
-              <a:t>approachable</a:t>
-            </a:r>
-            <a:r>
-              <a:rPr lang="sv-SE" dirty="0"/>
-              <a:t> </a:t>
-            </a:r>
-            <a:r>
-              <a:rPr lang="sv-SE" dirty="0" err="1"/>
-              <a:t>than</a:t>
-            </a:r>
-            <a:r>
-              <a:rPr lang="sv-SE" dirty="0"/>
-              <a:t> </a:t>
-            </a:r>
-            <a:r>
-              <a:rPr lang="sv-SE" dirty="0" err="1"/>
-              <a:t>Bayesian</a:t>
-            </a:r>
-            <a:r>
-              <a:rPr lang="sv-SE" dirty="0"/>
-              <a:t> data </a:t>
-            </a:r>
-            <a:r>
-              <a:rPr lang="sv-SE" dirty="0" err="1"/>
-              <a:t>analysis</a:t>
-            </a:r>
-            <a:r>
-              <a:rPr lang="sv-SE" dirty="0"/>
-              <a:t>).</a:t>
-            </a:r>
-          </a:p>
-          <a:p>
-            <a:pPr marL="0" indent="0">
-              <a:buNone/>
-            </a:pPr>
-            <a:r>
-              <a:rPr lang="sv-SE" dirty="0"/>
-              <a:t>Limitations: </a:t>
-            </a:r>
-            <a:r>
-              <a:rPr lang="sv-SE" dirty="0" err="1"/>
-              <a:t>assumption</a:t>
-            </a:r>
-            <a:r>
-              <a:rPr lang="sv-SE" dirty="0"/>
-              <a:t> </a:t>
-            </a:r>
-            <a:r>
-              <a:rPr lang="sv-SE" dirty="0" err="1"/>
-              <a:t>of</a:t>
-            </a:r>
-            <a:r>
-              <a:rPr lang="sv-SE" dirty="0"/>
-              <a:t> monotonicity, etc.</a:t>
-            </a:r>
-          </a:p>
-          <a:p>
-            <a:pPr marL="0" indent="0">
-              <a:buNone/>
-            </a:pPr>
-            <a:r>
-              <a:rPr lang="sv-SE" dirty="0"/>
-              <a:t>(</a:t>
-            </a:r>
-            <a:r>
-              <a:rPr lang="sv-SE" dirty="0" err="1"/>
-              <a:t>example</a:t>
-            </a:r>
-            <a:r>
-              <a:rPr lang="sv-SE" dirty="0"/>
-              <a:t> </a:t>
-            </a:r>
-            <a:r>
-              <a:rPr lang="sv-SE" dirty="0" err="1"/>
-              <a:t>of</a:t>
-            </a:r>
-            <a:r>
-              <a:rPr lang="sv-SE" dirty="0"/>
-              <a:t> a regression </a:t>
-            </a:r>
-            <a:r>
-              <a:rPr lang="sv-SE" dirty="0" err="1"/>
-              <a:t>formula</a:t>
-            </a:r>
-            <a:r>
-              <a:rPr lang="sv-SE" dirty="0"/>
-              <a:t> </a:t>
-            </a:r>
-            <a:r>
-              <a:rPr lang="sv-SE" dirty="0" err="1"/>
-              <a:t>with</a:t>
-            </a:r>
-            <a:r>
-              <a:rPr lang="sv-SE" dirty="0"/>
-              <a:t> </a:t>
-            </a:r>
-            <a:r>
-              <a:rPr lang="sv-SE" dirty="0" err="1"/>
-              <a:t>explanations</a:t>
-            </a:r>
-            <a:r>
-              <a:rPr lang="sv-SE" dirty="0"/>
-              <a:t>, </a:t>
-            </a:r>
-            <a:r>
-              <a:rPr lang="sv-SE" dirty="0" err="1"/>
-              <a:t>regression+data</a:t>
-            </a:r>
-            <a:r>
-              <a:rPr lang="sv-SE" dirty="0"/>
-              <a:t>, and </a:t>
-            </a:r>
-            <a:r>
-              <a:rPr lang="sv-SE" dirty="0" err="1"/>
-              <a:t>results</a:t>
-            </a:r>
-            <a:r>
-              <a:rPr lang="sv-SE" dirty="0"/>
-              <a:t>)</a:t>
-            </a:r>
-            <a:endParaRPr lang="en-US" dirty="0"/>
+              <a:rPr lang="en-US" dirty="0"/>
+              <a:t>Data Analysis Tool: (Linear) Modeling</a:t>
+            </a:r>
           </a:p>
         </p:txBody>
       </p:sp>
@@ -7299,7 +11187,7 @@
           <a:p>
             <a:fld id="{403A2FDA-9B6F-4F19-BB52-15CB2FEB03DD}" type="datetime1">
               <a:rPr lang="de-DE" smtClean="0"/>
-              <a:t>08.04.2025</a:t>
+              <a:t>09.04.2025</a:t>
             </a:fld>
             <a:endParaRPr lang="en-US"/>
           </a:p>
@@ -7362,6 +11250,1157 @@
           </a:p>
         </p:txBody>
       </p:sp>
+      <p:sp>
+        <p:nvSpPr>
+          <p:cNvPr id="7" name="TextBox 6">
+            <a:extLst>
+              <a:ext uri="{FF2B5EF4-FFF2-40B4-BE49-F238E27FC236}">
+                <a16:creationId xmlns:a16="http://schemas.microsoft.com/office/drawing/2014/main" id="{3F3DF573-67C8-D659-949E-EA79DEA7A51D}"/>
+              </a:ext>
+            </a:extLst>
+          </p:cNvPr>
+          <p:cNvSpPr txBox="1"/>
+          <p:nvPr/>
+        </p:nvSpPr>
+        <p:spPr>
+          <a:xfrm>
+            <a:off x="4811193" y="2193581"/>
+            <a:ext cx="2569613" cy="707886"/>
+          </a:xfrm>
+          <a:prstGeom prst="rect">
+            <a:avLst/>
+          </a:prstGeom>
+          <a:noFill/>
+        </p:spPr>
+        <p:txBody>
+          <a:bodyPr wrap="none" rtlCol="0">
+            <a:spAutoFit/>
+          </a:bodyPr>
+          <a:lstStyle/>
+          <a:p>
+            <a:pPr algn="ctr"/>
+            <a:r>
+              <a:rPr lang="en-US" sz="2000" b="1" dirty="0"/>
+              <a:t>(Generalized) Linear </a:t>
+            </a:r>
+          </a:p>
+          <a:p>
+            <a:pPr algn="ctr"/>
+            <a:r>
+              <a:rPr lang="en-US" sz="2000" b="1" dirty="0"/>
+              <a:t>(Mixed) Model</a:t>
+            </a:r>
+          </a:p>
+        </p:txBody>
+      </p:sp>
+      <p:sp>
+        <p:nvSpPr>
+          <p:cNvPr id="8" name="TextBox 7">
+            <a:extLst>
+              <a:ext uri="{FF2B5EF4-FFF2-40B4-BE49-F238E27FC236}">
+                <a16:creationId xmlns:a16="http://schemas.microsoft.com/office/drawing/2014/main" id="{B440D856-E78D-E0A2-D306-A377607F843E}"/>
+              </a:ext>
+            </a:extLst>
+          </p:cNvPr>
+          <p:cNvSpPr txBox="1"/>
+          <p:nvPr/>
+        </p:nvSpPr>
+        <p:spPr>
+          <a:xfrm>
+            <a:off x="838200" y="2193581"/>
+            <a:ext cx="2152449" cy="707886"/>
+          </a:xfrm>
+          <a:prstGeom prst="rect">
+            <a:avLst/>
+          </a:prstGeom>
+          <a:noFill/>
+        </p:spPr>
+        <p:txBody>
+          <a:bodyPr wrap="none" rtlCol="0">
+            <a:spAutoFit/>
+          </a:bodyPr>
+          <a:lstStyle/>
+          <a:p>
+            <a:pPr algn="ctr"/>
+            <a:r>
+              <a:rPr lang="en-US" sz="2000" b="1" dirty="0"/>
+              <a:t>Null-Hypothesis</a:t>
+            </a:r>
+          </a:p>
+          <a:p>
+            <a:pPr algn="ctr"/>
+            <a:r>
+              <a:rPr lang="en-US" sz="2000" b="1" dirty="0"/>
+              <a:t>Significance Test</a:t>
+            </a:r>
+          </a:p>
+        </p:txBody>
+      </p:sp>
+      <p:sp>
+        <p:nvSpPr>
+          <p:cNvPr id="9" name="TextBox 8">
+            <a:extLst>
+              <a:ext uri="{FF2B5EF4-FFF2-40B4-BE49-F238E27FC236}">
+                <a16:creationId xmlns:a16="http://schemas.microsoft.com/office/drawing/2014/main" id="{449E2B08-33F0-9CA3-10DE-CE2DD226605E}"/>
+              </a:ext>
+            </a:extLst>
+          </p:cNvPr>
+          <p:cNvSpPr txBox="1"/>
+          <p:nvPr/>
+        </p:nvSpPr>
+        <p:spPr>
+          <a:xfrm>
+            <a:off x="9201350" y="2193581"/>
+            <a:ext cx="1847109" cy="707886"/>
+          </a:xfrm>
+          <a:prstGeom prst="rect">
+            <a:avLst/>
+          </a:prstGeom>
+          <a:noFill/>
+        </p:spPr>
+        <p:txBody>
+          <a:bodyPr wrap="none" rtlCol="0">
+            <a:spAutoFit/>
+          </a:bodyPr>
+          <a:lstStyle/>
+          <a:p>
+            <a:pPr algn="ctr"/>
+            <a:r>
+              <a:rPr lang="en-US" sz="2000" b="1" dirty="0"/>
+              <a:t>Bayesian Data</a:t>
+            </a:r>
+          </a:p>
+          <a:p>
+            <a:pPr algn="ctr"/>
+            <a:r>
+              <a:rPr lang="en-US" sz="2000" b="1" dirty="0"/>
+              <a:t>Analysis</a:t>
+            </a:r>
+          </a:p>
+        </p:txBody>
+      </p:sp>
+      <p:cxnSp>
+        <p:nvCxnSpPr>
+          <p:cNvPr id="11" name="Straight Arrow Connector 10">
+            <a:extLst>
+              <a:ext uri="{FF2B5EF4-FFF2-40B4-BE49-F238E27FC236}">
+                <a16:creationId xmlns:a16="http://schemas.microsoft.com/office/drawing/2014/main" id="{6104ABD0-DD2D-9865-2005-90D0846FC0AC}"/>
+              </a:ext>
+            </a:extLst>
+          </p:cNvPr>
+          <p:cNvCxnSpPr/>
+          <p:nvPr/>
+        </p:nvCxnSpPr>
+        <p:spPr>
+          <a:xfrm>
+            <a:off x="838200" y="1967687"/>
+            <a:ext cx="10515600" cy="0"/>
+          </a:xfrm>
+          <a:prstGeom prst="straightConnector1">
+            <a:avLst/>
+          </a:prstGeom>
+          <a:ln>
+            <a:solidFill>
+              <a:schemeClr val="bg1">
+                <a:lumMod val="65000"/>
+              </a:schemeClr>
+            </a:solidFill>
+            <a:headEnd type="triangle"/>
+            <a:tailEnd type="triangle"/>
+          </a:ln>
+        </p:spPr>
+        <p:style>
+          <a:lnRef idx="2">
+            <a:schemeClr val="accent1"/>
+          </a:lnRef>
+          <a:fillRef idx="0">
+            <a:schemeClr val="accent1"/>
+          </a:fillRef>
+          <a:effectRef idx="1">
+            <a:schemeClr val="accent1"/>
+          </a:effectRef>
+          <a:fontRef idx="minor">
+            <a:schemeClr val="tx1"/>
+          </a:fontRef>
+        </p:style>
+      </p:cxnSp>
+      <p:sp>
+        <p:nvSpPr>
+          <p:cNvPr id="12" name="TextBox 11">
+            <a:extLst>
+              <a:ext uri="{FF2B5EF4-FFF2-40B4-BE49-F238E27FC236}">
+                <a16:creationId xmlns:a16="http://schemas.microsoft.com/office/drawing/2014/main" id="{C5C95322-415C-4CA4-AE0F-70A0C6FFD0AA}"/>
+              </a:ext>
+            </a:extLst>
+          </p:cNvPr>
+          <p:cNvSpPr txBox="1"/>
+          <p:nvPr/>
+        </p:nvSpPr>
+        <p:spPr>
+          <a:xfrm>
+            <a:off x="1056240" y="1690688"/>
+            <a:ext cx="1716367" cy="276999"/>
+          </a:xfrm>
+          <a:prstGeom prst="rect">
+            <a:avLst/>
+          </a:prstGeom>
+          <a:noFill/>
+        </p:spPr>
+        <p:txBody>
+          <a:bodyPr wrap="none" rtlCol="0">
+            <a:spAutoFit/>
+          </a:bodyPr>
+          <a:lstStyle/>
+          <a:p>
+            <a:r>
+              <a:rPr lang="en-US" sz="1200" dirty="0"/>
+              <a:t>easier to use and apply</a:t>
+            </a:r>
+          </a:p>
+        </p:txBody>
+      </p:sp>
+      <p:sp>
+        <p:nvSpPr>
+          <p:cNvPr id="13" name="TextBox 12">
+            <a:extLst>
+              <a:ext uri="{FF2B5EF4-FFF2-40B4-BE49-F238E27FC236}">
+                <a16:creationId xmlns:a16="http://schemas.microsoft.com/office/drawing/2014/main" id="{6BBC7AA3-82C8-6D5A-6D93-92FCDFE713EE}"/>
+              </a:ext>
+            </a:extLst>
+          </p:cNvPr>
+          <p:cNvSpPr txBox="1"/>
+          <p:nvPr/>
+        </p:nvSpPr>
+        <p:spPr>
+          <a:xfrm>
+            <a:off x="1056239" y="1967687"/>
+            <a:ext cx="1395831" cy="276999"/>
+          </a:xfrm>
+          <a:prstGeom prst="rect">
+            <a:avLst/>
+          </a:prstGeom>
+          <a:noFill/>
+        </p:spPr>
+        <p:txBody>
+          <a:bodyPr wrap="none" rtlCol="0">
+            <a:spAutoFit/>
+          </a:bodyPr>
+          <a:lstStyle/>
+          <a:p>
+            <a:r>
+              <a:rPr lang="en-US" sz="1200" dirty="0"/>
+              <a:t>less sophisticated</a:t>
+            </a:r>
+          </a:p>
+        </p:txBody>
+      </p:sp>
+      <p:sp>
+        <p:nvSpPr>
+          <p:cNvPr id="14" name="TextBox 13">
+            <a:extLst>
+              <a:ext uri="{FF2B5EF4-FFF2-40B4-BE49-F238E27FC236}">
+                <a16:creationId xmlns:a16="http://schemas.microsoft.com/office/drawing/2014/main" id="{7606FD7D-3221-92CC-7B26-52A65E8F938F}"/>
+              </a:ext>
+            </a:extLst>
+          </p:cNvPr>
+          <p:cNvSpPr txBox="1"/>
+          <p:nvPr/>
+        </p:nvSpPr>
+        <p:spPr>
+          <a:xfrm>
+            <a:off x="8948679" y="1690688"/>
+            <a:ext cx="2196756" cy="276999"/>
+          </a:xfrm>
+          <a:prstGeom prst="rect">
+            <a:avLst/>
+          </a:prstGeom>
+          <a:noFill/>
+        </p:spPr>
+        <p:txBody>
+          <a:bodyPr wrap="none" rtlCol="0">
+            <a:spAutoFit/>
+          </a:bodyPr>
+          <a:lstStyle/>
+          <a:p>
+            <a:pPr algn="r"/>
+            <a:r>
+              <a:rPr lang="en-US" sz="1200" dirty="0"/>
+              <a:t>more difficult to use and apply</a:t>
+            </a:r>
+          </a:p>
+        </p:txBody>
+      </p:sp>
+      <p:sp>
+        <p:nvSpPr>
+          <p:cNvPr id="15" name="TextBox 14">
+            <a:extLst>
+              <a:ext uri="{FF2B5EF4-FFF2-40B4-BE49-F238E27FC236}">
+                <a16:creationId xmlns:a16="http://schemas.microsoft.com/office/drawing/2014/main" id="{B4635B55-6438-CF0B-FDB9-D28EE8D7B4E2}"/>
+              </a:ext>
+            </a:extLst>
+          </p:cNvPr>
+          <p:cNvSpPr txBox="1"/>
+          <p:nvPr/>
+        </p:nvSpPr>
+        <p:spPr>
+          <a:xfrm>
+            <a:off x="9665100" y="1967686"/>
+            <a:ext cx="1470660" cy="276999"/>
+          </a:xfrm>
+          <a:prstGeom prst="rect">
+            <a:avLst/>
+          </a:prstGeom>
+          <a:noFill/>
+        </p:spPr>
+        <p:txBody>
+          <a:bodyPr wrap="none" rtlCol="0">
+            <a:spAutoFit/>
+          </a:bodyPr>
+          <a:lstStyle/>
+          <a:p>
+            <a:pPr algn="r"/>
+            <a:r>
+              <a:rPr lang="en-US" sz="1200" dirty="0"/>
+              <a:t>more sophisticated</a:t>
+            </a:r>
+          </a:p>
+        </p:txBody>
+      </p:sp>
+      <p:sp>
+        <p:nvSpPr>
+          <p:cNvPr id="17" name="TextBox 16">
+            <a:extLst>
+              <a:ext uri="{FF2B5EF4-FFF2-40B4-BE49-F238E27FC236}">
+                <a16:creationId xmlns:a16="http://schemas.microsoft.com/office/drawing/2014/main" id="{67BC18E3-36B3-DBBE-AFCF-F9E718715546}"/>
+              </a:ext>
+            </a:extLst>
+          </p:cNvPr>
+          <p:cNvSpPr txBox="1"/>
+          <p:nvPr/>
+        </p:nvSpPr>
+        <p:spPr>
+          <a:xfrm>
+            <a:off x="7218606" y="2926193"/>
+            <a:ext cx="1466536" cy="369332"/>
+          </a:xfrm>
+          <a:prstGeom prst="rect">
+            <a:avLst/>
+          </a:prstGeom>
+          <a:noFill/>
+        </p:spPr>
+        <p:txBody>
+          <a:bodyPr wrap="square" rtlCol="0">
+            <a:spAutoFit/>
+          </a:bodyPr>
+          <a:lstStyle/>
+          <a:p>
+            <a:r>
+              <a:rPr lang="en-US" dirty="0">
+                <a:solidFill>
+                  <a:schemeClr val="tx2">
+                    <a:lumMod val="75000"/>
+                    <a:lumOff val="25000"/>
+                  </a:schemeClr>
+                </a:solidFill>
+              </a:rPr>
+              <a:t>regressors</a:t>
+            </a:r>
+          </a:p>
+        </p:txBody>
+      </p:sp>
+      <p:cxnSp>
+        <p:nvCxnSpPr>
+          <p:cNvPr id="18" name="Connector: Curved 17">
+            <a:extLst>
+              <a:ext uri="{FF2B5EF4-FFF2-40B4-BE49-F238E27FC236}">
+                <a16:creationId xmlns:a16="http://schemas.microsoft.com/office/drawing/2014/main" id="{6C4BD66A-9A9D-EC39-C5BF-9E48D5A46FFB}"/>
+              </a:ext>
+            </a:extLst>
+          </p:cNvPr>
+          <p:cNvCxnSpPr>
+            <a:cxnSpLocks/>
+            <a:stCxn id="17" idx="1"/>
+            <a:endCxn id="21" idx="0"/>
+          </p:cNvCxnSpPr>
+          <p:nvPr/>
+        </p:nvCxnSpPr>
+        <p:spPr>
+          <a:xfrm rot="10800000" flipV="1">
+            <a:off x="6685160" y="3110858"/>
+            <a:ext cx="533447" cy="179641"/>
+          </a:xfrm>
+          <a:prstGeom prst="curvedConnector2">
+            <a:avLst/>
+          </a:prstGeom>
+          <a:ln>
+            <a:tailEnd type="triangle"/>
+          </a:ln>
+        </p:spPr>
+        <p:style>
+          <a:lnRef idx="2">
+            <a:schemeClr val="accent1"/>
+          </a:lnRef>
+          <a:fillRef idx="0">
+            <a:schemeClr val="accent1"/>
+          </a:fillRef>
+          <a:effectRef idx="1">
+            <a:schemeClr val="accent1"/>
+          </a:effectRef>
+          <a:fontRef idx="minor">
+            <a:schemeClr val="tx1"/>
+          </a:fontRef>
+        </p:style>
+      </p:cxnSp>
+      <mc:AlternateContent xmlns:mc="http://schemas.openxmlformats.org/markup-compatibility/2006">
+        <mc:Choice xmlns:a14="http://schemas.microsoft.com/office/drawing/2010/main" Requires="a14">
+          <p:sp>
+            <p:nvSpPr>
+              <p:cNvPr id="19" name="TextBox 18">
+                <a:extLst>
+                  <a:ext uri="{FF2B5EF4-FFF2-40B4-BE49-F238E27FC236}">
+                    <a16:creationId xmlns:a16="http://schemas.microsoft.com/office/drawing/2014/main" id="{936DEA69-B4FB-B7FA-3C94-9D35CE080B7C}"/>
+                  </a:ext>
+                </a:extLst>
+              </p:cNvPr>
+              <p:cNvSpPr txBox="1"/>
+              <p:nvPr/>
+            </p:nvSpPr>
+            <p:spPr>
+              <a:xfrm>
+                <a:off x="5084818" y="3290501"/>
+                <a:ext cx="2133789" cy="276999"/>
+              </a:xfrm>
+              <a:prstGeom prst="rect">
+                <a:avLst/>
+              </a:prstGeom>
+              <a:noFill/>
+            </p:spPr>
+            <p:txBody>
+              <a:bodyPr wrap="none" lIns="0" tIns="0" rIns="0" bIns="0" rtlCol="0">
+                <a:spAutoFit/>
+              </a:bodyPr>
+              <a:lstStyle/>
+              <a:p>
+                <a14:m>
+                  <m:oMathPara xmlns:m="http://schemas.openxmlformats.org/officeDocument/2006/math">
+                    <m:oMathParaPr>
+                      <m:jc m:val="centerGroup"/>
+                    </m:oMathParaPr>
+                    <m:oMath xmlns:m="http://schemas.openxmlformats.org/officeDocument/2006/math">
+                      <m:r>
+                        <a:rPr lang="sv-SE" b="0" i="1" smtClean="0">
+                          <a:latin typeface="Cambria Math" panose="02040503050406030204" pitchFamily="18" charset="0"/>
+                        </a:rPr>
+                        <m:t>𝑑𝑒𝑓𝑒𝑐𝑡𝑠</m:t>
+                      </m:r>
+                      <m:r>
+                        <a:rPr lang="sv-SE" b="0" i="1" smtClean="0">
+                          <a:latin typeface="Cambria Math" panose="02040503050406030204" pitchFamily="18" charset="0"/>
+                        </a:rPr>
+                        <m:t> ~ </m:t>
+                      </m:r>
+                      <m:r>
+                        <a:rPr lang="sv-SE" b="0" i="1" smtClean="0">
+                          <a:latin typeface="Cambria Math" panose="02040503050406030204" pitchFamily="18" charset="0"/>
+                        </a:rPr>
+                        <m:t>𝑡𝑒𝑐h𝑛𝑖𝑞𝑢𝑒</m:t>
+                      </m:r>
+                    </m:oMath>
+                  </m:oMathPara>
+                </a14:m>
+                <a:endParaRPr lang="en-US" dirty="0"/>
+              </a:p>
+            </p:txBody>
+          </p:sp>
+        </mc:Choice>
+        <mc:Fallback>
+          <p:sp>
+            <p:nvSpPr>
+              <p:cNvPr id="19" name="TextBox 18">
+                <a:extLst>
+                  <a:ext uri="{FF2B5EF4-FFF2-40B4-BE49-F238E27FC236}">
+                    <a16:creationId xmlns:a16="http://schemas.microsoft.com/office/drawing/2014/main" id="{936DEA69-B4FB-B7FA-3C94-9D35CE080B7C}"/>
+                  </a:ext>
+                </a:extLst>
+              </p:cNvPr>
+              <p:cNvSpPr txBox="1">
+                <a:spLocks noRot="1" noChangeAspect="1" noMove="1" noResize="1" noEditPoints="1" noAdjustHandles="1" noChangeArrowheads="1" noChangeShapeType="1" noTextEdit="1"/>
+              </p:cNvSpPr>
+              <p:nvPr/>
+            </p:nvSpPr>
+            <p:spPr>
+              <a:xfrm>
+                <a:off x="5084818" y="3290501"/>
+                <a:ext cx="2133789" cy="276999"/>
+              </a:xfrm>
+              <a:prstGeom prst="rect">
+                <a:avLst/>
+              </a:prstGeom>
+              <a:blipFill>
+                <a:blip r:embed="rId3"/>
+                <a:stretch>
+                  <a:fillRect l="-3714" t="-2222" r="-3714" b="-35556"/>
+                </a:stretch>
+              </a:blipFill>
+            </p:spPr>
+            <p:txBody>
+              <a:bodyPr/>
+              <a:lstStyle/>
+              <a:p>
+                <a:r>
+                  <a:rPr lang="en-US">
+                    <a:noFill/>
+                  </a:rPr>
+                  <a:t> </a:t>
+                </a:r>
+              </a:p>
+            </p:txBody>
+          </p:sp>
+        </mc:Fallback>
+      </mc:AlternateContent>
+      <p:sp>
+        <p:nvSpPr>
+          <p:cNvPr id="20" name="Rectangle 19">
+            <a:extLst>
+              <a:ext uri="{FF2B5EF4-FFF2-40B4-BE49-F238E27FC236}">
+                <a16:creationId xmlns:a16="http://schemas.microsoft.com/office/drawing/2014/main" id="{E75ABAF3-040E-AB56-6AD1-7905CE480053}"/>
+              </a:ext>
+            </a:extLst>
+          </p:cNvPr>
+          <p:cNvSpPr/>
+          <p:nvPr/>
+        </p:nvSpPr>
+        <p:spPr>
+          <a:xfrm>
+            <a:off x="5022734" y="3290501"/>
+            <a:ext cx="931839" cy="276999"/>
+          </a:xfrm>
+          <a:prstGeom prst="rect">
+            <a:avLst/>
+          </a:prstGeom>
+          <a:noFill/>
+        </p:spPr>
+        <p:style>
+          <a:lnRef idx="2">
+            <a:schemeClr val="accent1">
+              <a:shade val="15000"/>
+            </a:schemeClr>
+          </a:lnRef>
+          <a:fillRef idx="1">
+            <a:schemeClr val="accent1"/>
+          </a:fillRef>
+          <a:effectRef idx="0">
+            <a:schemeClr val="accent1"/>
+          </a:effectRef>
+          <a:fontRef idx="minor">
+            <a:schemeClr val="lt1"/>
+          </a:fontRef>
+        </p:style>
+        <p:txBody>
+          <a:bodyPr rtlCol="0" anchor="ctr"/>
+          <a:lstStyle/>
+          <a:p>
+            <a:pPr algn="ctr"/>
+            <a:endParaRPr lang="en-US"/>
+          </a:p>
+        </p:txBody>
+      </p:sp>
+      <p:sp>
+        <p:nvSpPr>
+          <p:cNvPr id="21" name="Rectangle 20">
+            <a:extLst>
+              <a:ext uri="{FF2B5EF4-FFF2-40B4-BE49-F238E27FC236}">
+                <a16:creationId xmlns:a16="http://schemas.microsoft.com/office/drawing/2014/main" id="{87559771-6BA6-353A-3137-8D253921E7F9}"/>
+              </a:ext>
+            </a:extLst>
+          </p:cNvPr>
+          <p:cNvSpPr/>
+          <p:nvPr/>
+        </p:nvSpPr>
+        <p:spPr>
+          <a:xfrm>
+            <a:off x="6151711" y="3290500"/>
+            <a:ext cx="1066895" cy="276999"/>
+          </a:xfrm>
+          <a:prstGeom prst="rect">
+            <a:avLst/>
+          </a:prstGeom>
+          <a:noFill/>
+        </p:spPr>
+        <p:style>
+          <a:lnRef idx="2">
+            <a:schemeClr val="accent1">
+              <a:shade val="15000"/>
+            </a:schemeClr>
+          </a:lnRef>
+          <a:fillRef idx="1">
+            <a:schemeClr val="accent1"/>
+          </a:fillRef>
+          <a:effectRef idx="0">
+            <a:schemeClr val="accent1"/>
+          </a:effectRef>
+          <a:fontRef idx="minor">
+            <a:schemeClr val="lt1"/>
+          </a:fontRef>
+        </p:style>
+        <p:txBody>
+          <a:bodyPr rtlCol="0" anchor="ctr"/>
+          <a:lstStyle/>
+          <a:p>
+            <a:pPr algn="ctr"/>
+            <a:endParaRPr lang="en-US"/>
+          </a:p>
+        </p:txBody>
+      </p:sp>
+      <p:sp>
+        <p:nvSpPr>
+          <p:cNvPr id="25" name="TextBox 24">
+            <a:extLst>
+              <a:ext uri="{FF2B5EF4-FFF2-40B4-BE49-F238E27FC236}">
+                <a16:creationId xmlns:a16="http://schemas.microsoft.com/office/drawing/2014/main" id="{B2235129-A9DD-9684-55C7-5DF8948758B8}"/>
+              </a:ext>
+            </a:extLst>
+          </p:cNvPr>
+          <p:cNvSpPr txBox="1"/>
+          <p:nvPr/>
+        </p:nvSpPr>
+        <p:spPr>
+          <a:xfrm>
+            <a:off x="3551379" y="2919452"/>
+            <a:ext cx="1466536" cy="369332"/>
+          </a:xfrm>
+          <a:prstGeom prst="rect">
+            <a:avLst/>
+          </a:prstGeom>
+          <a:noFill/>
+        </p:spPr>
+        <p:txBody>
+          <a:bodyPr wrap="square" rtlCol="0">
+            <a:spAutoFit/>
+          </a:bodyPr>
+          <a:lstStyle/>
+          <a:p>
+            <a:pPr algn="r"/>
+            <a:r>
+              <a:rPr lang="en-US" dirty="0">
+                <a:solidFill>
+                  <a:schemeClr val="tx2">
+                    <a:lumMod val="75000"/>
+                    <a:lumOff val="25000"/>
+                  </a:schemeClr>
+                </a:solidFill>
+              </a:rPr>
+              <a:t>outcome</a:t>
+            </a:r>
+          </a:p>
+        </p:txBody>
+      </p:sp>
+      <p:cxnSp>
+        <p:nvCxnSpPr>
+          <p:cNvPr id="26" name="Connector: Curved 25">
+            <a:extLst>
+              <a:ext uri="{FF2B5EF4-FFF2-40B4-BE49-F238E27FC236}">
+                <a16:creationId xmlns:a16="http://schemas.microsoft.com/office/drawing/2014/main" id="{E89124EB-8766-0076-B2B6-740A20562D6C}"/>
+              </a:ext>
+            </a:extLst>
+          </p:cNvPr>
+          <p:cNvCxnSpPr>
+            <a:cxnSpLocks/>
+            <a:stCxn id="25" idx="3"/>
+            <a:endCxn id="20" idx="0"/>
+          </p:cNvCxnSpPr>
+          <p:nvPr/>
+        </p:nvCxnSpPr>
+        <p:spPr>
+          <a:xfrm>
+            <a:off x="5017915" y="3104118"/>
+            <a:ext cx="470739" cy="186383"/>
+          </a:xfrm>
+          <a:prstGeom prst="curvedConnector2">
+            <a:avLst/>
+          </a:prstGeom>
+          <a:ln>
+            <a:tailEnd type="triangle"/>
+          </a:ln>
+        </p:spPr>
+        <p:style>
+          <a:lnRef idx="2">
+            <a:schemeClr val="accent1"/>
+          </a:lnRef>
+          <a:fillRef idx="0">
+            <a:schemeClr val="accent1"/>
+          </a:fillRef>
+          <a:effectRef idx="1">
+            <a:schemeClr val="accent1"/>
+          </a:effectRef>
+          <a:fontRef idx="minor">
+            <a:schemeClr val="tx1"/>
+          </a:fontRef>
+        </p:style>
+      </p:cxnSp>
+      <mc:AlternateContent xmlns:mc="http://schemas.openxmlformats.org/markup-compatibility/2006">
+        <mc:Choice xmlns:a14="http://schemas.microsoft.com/office/drawing/2010/main" Requires="a14">
+          <p:sp>
+            <p:nvSpPr>
+              <p:cNvPr id="30" name="TextBox 29">
+                <a:extLst>
+                  <a:ext uri="{FF2B5EF4-FFF2-40B4-BE49-F238E27FC236}">
+                    <a16:creationId xmlns:a16="http://schemas.microsoft.com/office/drawing/2014/main" id="{FD45454F-404D-34B3-2916-EE30285FE3BE}"/>
+                  </a:ext>
+                </a:extLst>
+              </p:cNvPr>
+              <p:cNvSpPr txBox="1"/>
+              <p:nvPr/>
+            </p:nvSpPr>
+            <p:spPr>
+              <a:xfrm>
+                <a:off x="5084818" y="3875984"/>
+                <a:ext cx="3033010" cy="276999"/>
+              </a:xfrm>
+              <a:prstGeom prst="rect">
+                <a:avLst/>
+              </a:prstGeom>
+              <a:noFill/>
+            </p:spPr>
+            <p:txBody>
+              <a:bodyPr wrap="none" lIns="0" tIns="0" rIns="0" bIns="0" rtlCol="0">
+                <a:spAutoFit/>
+              </a:bodyPr>
+              <a:lstStyle/>
+              <a:p>
+                <a14:m>
+                  <m:oMathPara xmlns:m="http://schemas.openxmlformats.org/officeDocument/2006/math">
+                    <m:oMathParaPr>
+                      <m:jc m:val="centerGroup"/>
+                    </m:oMathParaPr>
+                    <m:oMath xmlns:m="http://schemas.openxmlformats.org/officeDocument/2006/math">
+                      <m:r>
+                        <a:rPr lang="sv-SE" b="0" i="1" smtClean="0">
+                          <a:latin typeface="Cambria Math" panose="02040503050406030204" pitchFamily="18" charset="0"/>
+                        </a:rPr>
+                        <m:t>𝑑𝑒𝑓𝑒𝑐𝑡𝑠</m:t>
+                      </m:r>
+                      <m:r>
+                        <a:rPr lang="sv-SE" b="0" i="1" smtClean="0">
+                          <a:latin typeface="Cambria Math" panose="02040503050406030204" pitchFamily="18" charset="0"/>
+                        </a:rPr>
+                        <m:t> ~ </m:t>
+                      </m:r>
+                      <m:r>
+                        <a:rPr lang="sv-SE" b="0" i="1" smtClean="0">
+                          <a:latin typeface="Cambria Math" panose="02040503050406030204" pitchFamily="18" charset="0"/>
+                        </a:rPr>
+                        <m:t>𝛼</m:t>
+                      </m:r>
+                      <m:r>
+                        <a:rPr lang="sv-SE" b="0" i="1" smtClean="0">
+                          <a:latin typeface="Cambria Math" panose="02040503050406030204" pitchFamily="18" charset="0"/>
+                        </a:rPr>
+                        <m:t>+</m:t>
+                      </m:r>
+                      <m:sSub>
+                        <m:sSubPr>
+                          <m:ctrlPr>
+                            <a:rPr lang="sv-SE" b="0" i="1" smtClean="0">
+                              <a:latin typeface="Cambria Math" panose="02040503050406030204" pitchFamily="18" charset="0"/>
+                            </a:rPr>
+                          </m:ctrlPr>
+                        </m:sSubPr>
+                        <m:e>
+                          <m:r>
+                            <a:rPr lang="sv-SE" b="0" i="1" smtClean="0">
+                              <a:latin typeface="Cambria Math" panose="02040503050406030204" pitchFamily="18" charset="0"/>
+                            </a:rPr>
+                            <m:t>𝛽</m:t>
+                          </m:r>
+                        </m:e>
+                        <m:sub>
+                          <m:r>
+                            <a:rPr lang="sv-SE" b="0" i="1" smtClean="0">
+                              <a:latin typeface="Cambria Math" panose="02040503050406030204" pitchFamily="18" charset="0"/>
+                            </a:rPr>
+                            <m:t>𝑡</m:t>
+                          </m:r>
+                        </m:sub>
+                      </m:sSub>
+                      <m:r>
+                        <a:rPr lang="sv-SE" b="0" i="1" smtClean="0">
+                          <a:latin typeface="Cambria Math" panose="02040503050406030204" pitchFamily="18" charset="0"/>
+                        </a:rPr>
+                        <m:t>∗ </m:t>
+                      </m:r>
+                      <m:r>
+                        <a:rPr lang="sv-SE" b="0" i="1" smtClean="0">
+                          <a:latin typeface="Cambria Math" panose="02040503050406030204" pitchFamily="18" charset="0"/>
+                        </a:rPr>
+                        <m:t>𝑡𝑒𝑐h𝑛𝑖𝑞𝑢𝑒</m:t>
+                      </m:r>
+                    </m:oMath>
+                  </m:oMathPara>
+                </a14:m>
+                <a:endParaRPr lang="en-US" dirty="0"/>
+              </a:p>
+            </p:txBody>
+          </p:sp>
+        </mc:Choice>
+        <mc:Fallback>
+          <p:sp>
+            <p:nvSpPr>
+              <p:cNvPr id="30" name="TextBox 29">
+                <a:extLst>
+                  <a:ext uri="{FF2B5EF4-FFF2-40B4-BE49-F238E27FC236}">
+                    <a16:creationId xmlns:a16="http://schemas.microsoft.com/office/drawing/2014/main" id="{FD45454F-404D-34B3-2916-EE30285FE3BE}"/>
+                  </a:ext>
+                </a:extLst>
+              </p:cNvPr>
+              <p:cNvSpPr txBox="1">
+                <a:spLocks noRot="1" noChangeAspect="1" noMove="1" noResize="1" noEditPoints="1" noAdjustHandles="1" noChangeArrowheads="1" noChangeShapeType="1" noTextEdit="1"/>
+              </p:cNvSpPr>
+              <p:nvPr/>
+            </p:nvSpPr>
+            <p:spPr>
+              <a:xfrm>
+                <a:off x="5084818" y="3875984"/>
+                <a:ext cx="3033010" cy="276999"/>
+              </a:xfrm>
+              <a:prstGeom prst="rect">
+                <a:avLst/>
+              </a:prstGeom>
+              <a:blipFill>
+                <a:blip r:embed="rId4"/>
+                <a:stretch>
+                  <a:fillRect l="-2410" t="-2222" r="-2209" b="-35556"/>
+                </a:stretch>
+              </a:blipFill>
+            </p:spPr>
+            <p:txBody>
+              <a:bodyPr/>
+              <a:lstStyle/>
+              <a:p>
+                <a:r>
+                  <a:rPr lang="en-US">
+                    <a:noFill/>
+                  </a:rPr>
+                  <a:t> </a:t>
+                </a:r>
+              </a:p>
+            </p:txBody>
+          </p:sp>
+        </mc:Fallback>
+      </mc:AlternateContent>
+      <p:sp>
+        <p:nvSpPr>
+          <p:cNvPr id="32" name="Rectangle 31">
+            <a:extLst>
+              <a:ext uri="{FF2B5EF4-FFF2-40B4-BE49-F238E27FC236}">
+                <a16:creationId xmlns:a16="http://schemas.microsoft.com/office/drawing/2014/main" id="{649E3306-0310-8F9F-643A-B4942C08E574}"/>
+              </a:ext>
+            </a:extLst>
+          </p:cNvPr>
+          <p:cNvSpPr/>
+          <p:nvPr/>
+        </p:nvSpPr>
+        <p:spPr>
+          <a:xfrm>
+            <a:off x="6116139" y="3875984"/>
+            <a:ext cx="307611" cy="276999"/>
+          </a:xfrm>
+          <a:prstGeom prst="rect">
+            <a:avLst/>
+          </a:prstGeom>
+          <a:noFill/>
+        </p:spPr>
+        <p:style>
+          <a:lnRef idx="2">
+            <a:schemeClr val="accent1">
+              <a:shade val="15000"/>
+            </a:schemeClr>
+          </a:lnRef>
+          <a:fillRef idx="1">
+            <a:schemeClr val="accent1"/>
+          </a:fillRef>
+          <a:effectRef idx="0">
+            <a:schemeClr val="accent1"/>
+          </a:effectRef>
+          <a:fontRef idx="minor">
+            <a:schemeClr val="lt1"/>
+          </a:fontRef>
+        </p:style>
+        <p:txBody>
+          <a:bodyPr rtlCol="0" anchor="ctr"/>
+          <a:lstStyle/>
+          <a:p>
+            <a:pPr algn="ctr"/>
+            <a:endParaRPr lang="en-US"/>
+          </a:p>
+        </p:txBody>
+      </p:sp>
+      <p:sp>
+        <p:nvSpPr>
+          <p:cNvPr id="36" name="Rectangle 35">
+            <a:extLst>
+              <a:ext uri="{FF2B5EF4-FFF2-40B4-BE49-F238E27FC236}">
+                <a16:creationId xmlns:a16="http://schemas.microsoft.com/office/drawing/2014/main" id="{477C86C3-4123-AFEA-9301-05E660DA2970}"/>
+              </a:ext>
+            </a:extLst>
+          </p:cNvPr>
+          <p:cNvSpPr/>
+          <p:nvPr/>
+        </p:nvSpPr>
+        <p:spPr>
+          <a:xfrm>
+            <a:off x="6576913" y="3875787"/>
+            <a:ext cx="307611" cy="276999"/>
+          </a:xfrm>
+          <a:prstGeom prst="rect">
+            <a:avLst/>
+          </a:prstGeom>
+          <a:noFill/>
+        </p:spPr>
+        <p:style>
+          <a:lnRef idx="2">
+            <a:schemeClr val="accent1">
+              <a:shade val="15000"/>
+            </a:schemeClr>
+          </a:lnRef>
+          <a:fillRef idx="1">
+            <a:schemeClr val="accent1"/>
+          </a:fillRef>
+          <a:effectRef idx="0">
+            <a:schemeClr val="accent1"/>
+          </a:effectRef>
+          <a:fontRef idx="minor">
+            <a:schemeClr val="lt1"/>
+          </a:fontRef>
+        </p:style>
+        <p:txBody>
+          <a:bodyPr rtlCol="0" anchor="ctr"/>
+          <a:lstStyle/>
+          <a:p>
+            <a:pPr algn="ctr"/>
+            <a:endParaRPr lang="en-US"/>
+          </a:p>
+        </p:txBody>
+      </p:sp>
+      <p:sp>
+        <p:nvSpPr>
+          <p:cNvPr id="37" name="TextBox 36">
+            <a:extLst>
+              <a:ext uri="{FF2B5EF4-FFF2-40B4-BE49-F238E27FC236}">
+                <a16:creationId xmlns:a16="http://schemas.microsoft.com/office/drawing/2014/main" id="{F47A701E-98C0-466C-BCC8-E35A5DCC809D}"/>
+              </a:ext>
+            </a:extLst>
+          </p:cNvPr>
+          <p:cNvSpPr txBox="1"/>
+          <p:nvPr/>
+        </p:nvSpPr>
+        <p:spPr>
+          <a:xfrm>
+            <a:off x="7128393" y="4196011"/>
+            <a:ext cx="1832423" cy="369332"/>
+          </a:xfrm>
+          <a:prstGeom prst="rect">
+            <a:avLst/>
+          </a:prstGeom>
+          <a:noFill/>
+        </p:spPr>
+        <p:txBody>
+          <a:bodyPr wrap="square" rtlCol="0">
+            <a:spAutoFit/>
+          </a:bodyPr>
+          <a:lstStyle/>
+          <a:p>
+            <a:r>
+              <a:rPr lang="en-US" dirty="0">
+                <a:solidFill>
+                  <a:schemeClr val="tx2">
+                    <a:lumMod val="75000"/>
+                    <a:lumOff val="25000"/>
+                  </a:schemeClr>
+                </a:solidFill>
+              </a:rPr>
+              <a:t>path coefficient</a:t>
+            </a:r>
+          </a:p>
+        </p:txBody>
+      </p:sp>
+      <p:cxnSp>
+        <p:nvCxnSpPr>
+          <p:cNvPr id="38" name="Connector: Curved 37">
+            <a:extLst>
+              <a:ext uri="{FF2B5EF4-FFF2-40B4-BE49-F238E27FC236}">
+                <a16:creationId xmlns:a16="http://schemas.microsoft.com/office/drawing/2014/main" id="{6087CAD0-CF79-B131-3BED-9555B044740B}"/>
+              </a:ext>
+            </a:extLst>
+          </p:cNvPr>
+          <p:cNvCxnSpPr>
+            <a:cxnSpLocks/>
+            <a:stCxn id="37" idx="1"/>
+            <a:endCxn id="36" idx="2"/>
+          </p:cNvCxnSpPr>
+          <p:nvPr/>
+        </p:nvCxnSpPr>
+        <p:spPr>
+          <a:xfrm rot="10800000">
+            <a:off x="6730719" y="4152787"/>
+            <a:ext cx="397674" cy="227891"/>
+          </a:xfrm>
+          <a:prstGeom prst="curvedConnector2">
+            <a:avLst/>
+          </a:prstGeom>
+          <a:ln>
+            <a:tailEnd type="triangle"/>
+          </a:ln>
+        </p:spPr>
+        <p:style>
+          <a:lnRef idx="2">
+            <a:schemeClr val="accent1"/>
+          </a:lnRef>
+          <a:fillRef idx="0">
+            <a:schemeClr val="accent1"/>
+          </a:fillRef>
+          <a:effectRef idx="1">
+            <a:schemeClr val="accent1"/>
+          </a:effectRef>
+          <a:fontRef idx="minor">
+            <a:schemeClr val="tx1"/>
+          </a:fontRef>
+        </p:style>
+      </p:cxnSp>
+      <p:sp>
+        <p:nvSpPr>
+          <p:cNvPr id="43" name="TextBox 42">
+            <a:extLst>
+              <a:ext uri="{FF2B5EF4-FFF2-40B4-BE49-F238E27FC236}">
+                <a16:creationId xmlns:a16="http://schemas.microsoft.com/office/drawing/2014/main" id="{5B01A34D-CAC1-4F3F-1F75-4E36D85899D5}"/>
+              </a:ext>
+            </a:extLst>
+          </p:cNvPr>
+          <p:cNvSpPr txBox="1"/>
+          <p:nvPr/>
+        </p:nvSpPr>
+        <p:spPr>
+          <a:xfrm>
+            <a:off x="4315978" y="4196011"/>
+            <a:ext cx="1466536" cy="369332"/>
+          </a:xfrm>
+          <a:prstGeom prst="rect">
+            <a:avLst/>
+          </a:prstGeom>
+          <a:noFill/>
+        </p:spPr>
+        <p:txBody>
+          <a:bodyPr wrap="square" rtlCol="0">
+            <a:spAutoFit/>
+          </a:bodyPr>
+          <a:lstStyle/>
+          <a:p>
+            <a:pPr algn="r"/>
+            <a:r>
+              <a:rPr lang="en-US" dirty="0">
+                <a:solidFill>
+                  <a:schemeClr val="tx2">
+                    <a:lumMod val="75000"/>
+                    <a:lumOff val="25000"/>
+                  </a:schemeClr>
+                </a:solidFill>
+              </a:rPr>
+              <a:t>intercept</a:t>
+            </a:r>
+          </a:p>
+        </p:txBody>
+      </p:sp>
+      <p:cxnSp>
+        <p:nvCxnSpPr>
+          <p:cNvPr id="44" name="Connector: Curved 43">
+            <a:extLst>
+              <a:ext uri="{FF2B5EF4-FFF2-40B4-BE49-F238E27FC236}">
+                <a16:creationId xmlns:a16="http://schemas.microsoft.com/office/drawing/2014/main" id="{48A18954-C956-47B6-D426-5325BE81EE9A}"/>
+              </a:ext>
+            </a:extLst>
+          </p:cNvPr>
+          <p:cNvCxnSpPr>
+            <a:cxnSpLocks/>
+            <a:stCxn id="43" idx="3"/>
+            <a:endCxn id="32" idx="2"/>
+          </p:cNvCxnSpPr>
+          <p:nvPr/>
+        </p:nvCxnSpPr>
+        <p:spPr>
+          <a:xfrm flipV="1">
+            <a:off x="5782514" y="4152983"/>
+            <a:ext cx="487431" cy="227694"/>
+          </a:xfrm>
+          <a:prstGeom prst="curvedConnector2">
+            <a:avLst/>
+          </a:prstGeom>
+          <a:ln>
+            <a:tailEnd type="triangle"/>
+          </a:ln>
+        </p:spPr>
+        <p:style>
+          <a:lnRef idx="2">
+            <a:schemeClr val="accent1"/>
+          </a:lnRef>
+          <a:fillRef idx="0">
+            <a:schemeClr val="accent1"/>
+          </a:fillRef>
+          <a:effectRef idx="1">
+            <a:schemeClr val="accent1"/>
+          </a:effectRef>
+          <a:fontRef idx="minor">
+            <a:schemeClr val="tx1"/>
+          </a:fontRef>
+        </p:style>
+      </p:cxnSp>
+      <p:cxnSp>
+        <p:nvCxnSpPr>
+          <p:cNvPr id="55" name="Straight Arrow Connector 54">
+            <a:extLst>
+              <a:ext uri="{FF2B5EF4-FFF2-40B4-BE49-F238E27FC236}">
+                <a16:creationId xmlns:a16="http://schemas.microsoft.com/office/drawing/2014/main" id="{B6D418F8-AFA9-A3C4-AD10-46D7449D4CA7}"/>
+              </a:ext>
+            </a:extLst>
+          </p:cNvPr>
+          <p:cNvCxnSpPr>
+            <a:cxnSpLocks/>
+          </p:cNvCxnSpPr>
+          <p:nvPr/>
+        </p:nvCxnSpPr>
+        <p:spPr>
+          <a:xfrm>
+            <a:off x="6040572" y="3602831"/>
+            <a:ext cx="0" cy="272956"/>
+          </a:xfrm>
+          <a:prstGeom prst="straightConnector1">
+            <a:avLst/>
+          </a:prstGeom>
+          <a:ln>
+            <a:solidFill>
+              <a:schemeClr val="tx1">
+                <a:lumMod val="75000"/>
+                <a:lumOff val="25000"/>
+              </a:schemeClr>
+            </a:solidFill>
+            <a:prstDash val="sysDot"/>
+            <a:tailEnd type="triangle"/>
+          </a:ln>
+        </p:spPr>
+        <p:style>
+          <a:lnRef idx="2">
+            <a:schemeClr val="dk1"/>
+          </a:lnRef>
+          <a:fillRef idx="0">
+            <a:schemeClr val="dk1"/>
+          </a:fillRef>
+          <a:effectRef idx="1">
+            <a:schemeClr val="dk1"/>
+          </a:effectRef>
+          <a:fontRef idx="minor">
+            <a:schemeClr val="tx1"/>
+          </a:fontRef>
+        </p:style>
+      </p:cxnSp>
     </p:spTree>
     <p:extLst>
       <p:ext uri="{BB962C8B-B14F-4D97-AF65-F5344CB8AC3E}">
@@ -7595,7 +12634,7 @@
           <a:p>
             <a:fld id="{403A2FDA-9B6F-4F19-BB52-15CB2FEB03DD}" type="datetime1">
               <a:rPr lang="de-DE" smtClean="0"/>
-              <a:t>08.04.2025</a:t>
+              <a:t>09.04.2025</a:t>
             </a:fld>
             <a:endParaRPr lang="en-US"/>
           </a:p>
@@ -8098,7 +13137,7 @@
           <a:p>
             <a:fld id="{403A2FDA-9B6F-4F19-BB52-15CB2FEB03DD}" type="datetime1">
               <a:rPr lang="de-DE" smtClean="0"/>
-              <a:t>08.04.2025</a:t>
+              <a:t>09.04.2025</a:t>
             </a:fld>
             <a:endParaRPr lang="en-US"/>
           </a:p>
@@ -8270,7 +13309,7 @@
           <a:p>
             <a:fld id="{B1F82A23-AB26-4EA9-9EE4-DB6F9A4796C6}" type="datetime1">
               <a:rPr lang="de-DE" smtClean="0"/>
-              <a:t>08.04.2025</a:t>
+              <a:t>09.04.2025</a:t>
             </a:fld>
             <a:endParaRPr lang="en-US"/>
           </a:p>
@@ -8414,7 +13453,7 @@
           <a:p>
             <a:fld id="{B1F82A23-AB26-4EA9-9EE4-DB6F9A4796C6}" type="datetime1">
               <a:rPr lang="de-DE" smtClean="0"/>
-              <a:t>08.04.2025</a:t>
+              <a:t>09.04.2025</a:t>
             </a:fld>
             <a:endParaRPr lang="en-US"/>
           </a:p>
@@ -8952,7 +13991,7 @@
           <a:p>
             <a:fld id="{B1F82A23-AB26-4EA9-9EE4-DB6F9A4796C6}" type="datetime1">
               <a:rPr lang="de-DE" smtClean="0"/>
-              <a:t>08.04.2025</a:t>
+              <a:t>09.04.2025</a:t>
             </a:fld>
             <a:endParaRPr lang="en-US"/>
           </a:p>
@@ -9096,7 +14135,7 @@
           <a:p>
             <a:fld id="{3DC0E102-9A36-4A87-9A15-82104AF8337B}" type="datetime1">
               <a:rPr lang="de-DE" smtClean="0"/>
-              <a:t>08.04.2025</a:t>
+              <a:t>09.04.2025</a:t>
             </a:fld>
             <a:endParaRPr lang="en-US"/>
           </a:p>
@@ -9970,7 +15009,7 @@
           <a:p>
             <a:fld id="{403A2FDA-9B6F-4F19-BB52-15CB2FEB03DD}" type="datetime1">
               <a:rPr lang="de-DE" smtClean="0"/>
-              <a:t>08.04.2025</a:t>
+              <a:t>09.04.2025</a:t>
             </a:fld>
             <a:endParaRPr lang="en-US"/>
           </a:p>
@@ -10140,7 +15179,7 @@
           <a:p>
             <a:fld id="{B1F82A23-AB26-4EA9-9EE4-DB6F9A4796C6}" type="datetime1">
               <a:rPr lang="de-DE" smtClean="0"/>
-              <a:t>08.04.2025</a:t>
+              <a:t>09.04.2025</a:t>
             </a:fld>
             <a:endParaRPr lang="en-US"/>
           </a:p>
@@ -10342,7 +15381,7 @@
           <a:p>
             <a:fld id="{B1F82A23-AB26-4EA9-9EE4-DB6F9A4796C6}" type="datetime1">
               <a:rPr lang="de-DE" smtClean="0"/>
-              <a:t>08.04.2025</a:t>
+              <a:t>09.04.2025</a:t>
             </a:fld>
             <a:endParaRPr lang="en-US"/>
           </a:p>
@@ -10733,7 +15772,7 @@
           <a:p>
             <a:fld id="{B1F82A23-AB26-4EA9-9EE4-DB6F9A4796C6}" type="datetime1">
               <a:rPr lang="de-DE" smtClean="0"/>
-              <a:t>08.04.2025</a:t>
+              <a:t>09.04.2025</a:t>
             </a:fld>
             <a:endParaRPr lang="en-US"/>
           </a:p>
@@ -10959,7 +15998,7 @@
           <a:p>
             <a:fld id="{403A2FDA-9B6F-4F19-BB52-15CB2FEB03DD}" type="datetime1">
               <a:rPr lang="de-DE" smtClean="0"/>
-              <a:t>08.04.2025</a:t>
+              <a:t>09.04.2025</a:t>
             </a:fld>
             <a:endParaRPr lang="en-US"/>
           </a:p>
@@ -11156,7 +16195,7 @@
           <a:p>
             <a:fld id="{403A2FDA-9B6F-4F19-BB52-15CB2FEB03DD}" type="datetime1">
               <a:rPr lang="de-DE" smtClean="0"/>
-              <a:t>08.04.2025</a:t>
+              <a:t>09.04.2025</a:t>
             </a:fld>
             <a:endParaRPr lang="en-US"/>
           </a:p>
@@ -12747,7 +17786,7 @@
           <a:p>
             <a:fld id="{403A2FDA-9B6F-4F19-BB52-15CB2FEB03DD}" type="datetime1">
               <a:rPr lang="de-DE" smtClean="0"/>
-              <a:t>08.04.2025</a:t>
+              <a:t>09.04.2025</a:t>
             </a:fld>
             <a:endParaRPr lang="en-US"/>
           </a:p>
@@ -13137,7 +18176,7 @@
           <a:p>
             <a:fld id="{403A2FDA-9B6F-4F19-BB52-15CB2FEB03DD}" type="datetime1">
               <a:rPr lang="de-DE" smtClean="0"/>
-              <a:t>08.04.2025</a:t>
+              <a:t>09.04.2025</a:t>
             </a:fld>
             <a:endParaRPr lang="en-US"/>
           </a:p>
@@ -13307,7 +18346,7 @@
           <a:p>
             <a:fld id="{403A2FDA-9B6F-4F19-BB52-15CB2FEB03DD}" type="datetime1">
               <a:rPr lang="de-DE" smtClean="0"/>
-              <a:t>08.04.2025</a:t>
+              <a:t>09.04.2025</a:t>
             </a:fld>
             <a:endParaRPr lang="en-US"/>
           </a:p>
@@ -13662,7 +18701,7 @@
           <a:p>
             <a:fld id="{B1F82A23-AB26-4EA9-9EE4-DB6F9A4796C6}" type="datetime1">
               <a:rPr lang="de-DE" smtClean="0"/>
-              <a:t>08.04.2025</a:t>
+              <a:t>09.04.2025</a:t>
             </a:fld>
             <a:endParaRPr lang="en-US"/>
           </a:p>
@@ -13834,7 +18873,7 @@
           <a:p>
             <a:fld id="{403A2FDA-9B6F-4F19-BB52-15CB2FEB03DD}" type="datetime1">
               <a:rPr lang="de-DE" smtClean="0"/>
-              <a:t>08.04.2025</a:t>
+              <a:t>09.04.2025</a:t>
             </a:fld>
             <a:endParaRPr lang="en-US"/>
           </a:p>
@@ -14235,7 +19274,7 @@
           <a:p>
             <a:fld id="{403A2FDA-9B6F-4F19-BB52-15CB2FEB03DD}" type="datetime1">
               <a:rPr lang="de-DE" smtClean="0"/>
-              <a:t>08.04.2025</a:t>
+              <a:t>09.04.2025</a:t>
             </a:fld>
             <a:endParaRPr lang="en-US"/>
           </a:p>
@@ -14630,7 +19669,7 @@
           <a:p>
             <a:fld id="{403A2FDA-9B6F-4F19-BB52-15CB2FEB03DD}" type="datetime1">
               <a:rPr lang="de-DE" smtClean="0"/>
-              <a:t>08.04.2025</a:t>
+              <a:t>09.04.2025</a:t>
             </a:fld>
             <a:endParaRPr lang="en-US"/>
           </a:p>
@@ -14879,7 +19918,7 @@
           <a:p>
             <a:fld id="{403A2FDA-9B6F-4F19-BB52-15CB2FEB03DD}" type="datetime1">
               <a:rPr lang="de-DE" smtClean="0"/>
-              <a:t>08.04.2025</a:t>
+              <a:t>09.04.2025</a:t>
             </a:fld>
             <a:endParaRPr lang="en-US"/>
           </a:p>
@@ -15081,7 +20120,7 @@
           <a:p>
             <a:fld id="{B1F82A23-AB26-4EA9-9EE4-DB6F9A4796C6}" type="datetime1">
               <a:rPr lang="de-DE" smtClean="0"/>
-              <a:t>08.04.2025</a:t>
+              <a:t>09.04.2025</a:t>
             </a:fld>
             <a:endParaRPr lang="en-US"/>
           </a:p>
@@ -15282,7 +20321,7 @@
           <a:p>
             <a:fld id="{B1F82A23-AB26-4EA9-9EE4-DB6F9A4796C6}" type="datetime1">
               <a:rPr lang="de-DE" smtClean="0"/>
-              <a:t>08.04.2025</a:t>
+              <a:t>09.04.2025</a:t>
             </a:fld>
             <a:endParaRPr lang="en-US"/>
           </a:p>
@@ -15497,7 +20536,7 @@
           <a:p>
             <a:fld id="{403A2FDA-9B6F-4F19-BB52-15CB2FEB03DD}" type="datetime1">
               <a:rPr lang="de-DE" smtClean="0"/>
-              <a:t>08.04.2025</a:t>
+              <a:t>09.04.2025</a:t>
             </a:fld>
             <a:endParaRPr lang="en-US"/>
           </a:p>
@@ -15670,7 +20709,7 @@
           <a:p>
             <a:fld id="{B1F82A23-AB26-4EA9-9EE4-DB6F9A4796C6}" type="datetime1">
               <a:rPr lang="de-DE" smtClean="0"/>
-              <a:t>08.04.2025</a:t>
+              <a:t>09.04.2025</a:t>
             </a:fld>
             <a:endParaRPr lang="en-US"/>
           </a:p>
@@ -15845,7 +20884,7 @@
           <a:p>
             <a:fld id="{B1F82A23-AB26-4EA9-9EE4-DB6F9A4796C6}" type="datetime1">
               <a:rPr lang="de-DE" smtClean="0"/>
-              <a:t>08.04.2025</a:t>
+              <a:t>09.04.2025</a:t>
             </a:fld>
             <a:endParaRPr lang="en-US"/>
           </a:p>
@@ -16079,7 +21118,7 @@
           <a:p>
             <a:fld id="{B1F82A23-AB26-4EA9-9EE4-DB6F9A4796C6}" type="datetime1">
               <a:rPr lang="de-DE" smtClean="0"/>
-              <a:t>08.04.2025</a:t>
+              <a:t>09.04.2025</a:t>
             </a:fld>
             <a:endParaRPr lang="en-US"/>
           </a:p>
@@ -16349,7 +21388,7 @@
           <a:p>
             <a:fld id="{403A2FDA-9B6F-4F19-BB52-15CB2FEB03DD}" type="datetime1">
               <a:rPr lang="de-DE" smtClean="0"/>
-              <a:t>08.04.2025</a:t>
+              <a:t>09.04.2025</a:t>
             </a:fld>
             <a:endParaRPr lang="en-US"/>
           </a:p>
@@ -16493,7 +21532,7 @@
           <a:p>
             <a:fld id="{B1F82A23-AB26-4EA9-9EE4-DB6F9A4796C6}" type="datetime1">
               <a:rPr lang="de-DE" smtClean="0"/>
-              <a:t>08.04.2025</a:t>
+              <a:t>09.04.2025</a:t>
             </a:fld>
             <a:endParaRPr lang="en-US" dirty="0"/>
           </a:p>
@@ -17796,7 +22835,7 @@
           <a:p>
             <a:fld id="{403A2FDA-9B6F-4F19-BB52-15CB2FEB03DD}" type="datetime1">
               <a:rPr lang="de-DE" smtClean="0"/>
-              <a:t>08.04.2025</a:t>
+              <a:t>09.04.2025</a:t>
             </a:fld>
             <a:endParaRPr lang="en-US"/>
           </a:p>
@@ -18111,7 +23150,7 @@
           <a:p>
             <a:fld id="{B1F82A23-AB26-4EA9-9EE4-DB6F9A4796C6}" type="datetime1">
               <a:rPr lang="de-DE" smtClean="0"/>
-              <a:t>08.04.2025</a:t>
+              <a:t>09.04.2025</a:t>
             </a:fld>
             <a:endParaRPr lang="en-US"/>
           </a:p>
@@ -18289,7 +23328,7 @@
           <a:p>
             <a:fld id="{B1F82A23-AB26-4EA9-9EE4-DB6F9A4796C6}" type="datetime1">
               <a:rPr lang="de-DE" smtClean="0"/>
-              <a:t>08.04.2025</a:t>
+              <a:t>09.04.2025</a:t>
             </a:fld>
             <a:endParaRPr lang="en-US"/>
           </a:p>
@@ -18459,7 +23498,7 @@
           <a:p>
             <a:fld id="{B1F82A23-AB26-4EA9-9EE4-DB6F9A4796C6}" type="datetime1">
               <a:rPr lang="de-DE" smtClean="0"/>
-              <a:t>08.04.2025</a:t>
+              <a:t>09.04.2025</a:t>
             </a:fld>
             <a:endParaRPr lang="en-US"/>
           </a:p>
@@ -18629,7 +23668,7 @@
           <a:p>
             <a:fld id="{403A2FDA-9B6F-4F19-BB52-15CB2FEB03DD}" type="datetime1">
               <a:rPr lang="de-DE" smtClean="0"/>
-              <a:t>08.04.2025</a:t>
+              <a:t>09.04.2025</a:t>
             </a:fld>
             <a:endParaRPr lang="en-US"/>
           </a:p>
@@ -18839,7 +23878,7 @@
           <a:p>
             <a:fld id="{403A2FDA-9B6F-4F19-BB52-15CB2FEB03DD}" type="datetime1">
               <a:rPr lang="de-DE" smtClean="0"/>
-              <a:t>08.04.2025</a:t>
+              <a:t>09.04.2025</a:t>
             </a:fld>
             <a:endParaRPr lang="en-US"/>
           </a:p>
@@ -19387,7 +24426,7 @@
           <a:p>
             <a:fld id="{403A2FDA-9B6F-4F19-BB52-15CB2FEB03DD}" type="datetime1">
               <a:rPr lang="de-DE" smtClean="0"/>
-              <a:t>08.04.2025</a:t>
+              <a:t>09.04.2025</a:t>
             </a:fld>
             <a:endParaRPr lang="en-US"/>
           </a:p>
@@ -20248,7 +25287,7 @@
           <a:p>
             <a:fld id="{B1F82A23-AB26-4EA9-9EE4-DB6F9A4796C6}" type="datetime1">
               <a:rPr lang="de-DE" smtClean="0"/>
-              <a:t>08.04.2025</a:t>
+              <a:t>09.04.2025</a:t>
             </a:fld>
             <a:endParaRPr lang="en-US"/>
           </a:p>
@@ -20775,7 +25814,7 @@
           <a:p>
             <a:fld id="{403A2FDA-9B6F-4F19-BB52-15CB2FEB03DD}" type="datetime1">
               <a:rPr lang="de-DE" smtClean="0"/>
-              <a:t>08.04.2025</a:t>
+              <a:t>09.04.2025</a:t>
             </a:fld>
             <a:endParaRPr lang="en-US"/>
           </a:p>
@@ -21208,7 +26247,7 @@
           <a:p>
             <a:fld id="{B1F82A23-AB26-4EA9-9EE4-DB6F9A4796C6}" type="datetime1">
               <a:rPr lang="de-DE" smtClean="0"/>
-              <a:t>08.04.2025</a:t>
+              <a:t>09.04.2025</a:t>
             </a:fld>
             <a:endParaRPr lang="en-US"/>
           </a:p>

--- a/version2/slides/intro-sci.pptx
+++ b/version2/slides/intro-sci.pptx
@@ -318,7 +318,7 @@
           <a:p>
             <a:fld id="{5091855A-294E-431A-9859-2765F2241587}" type="datetimeFigureOut">
               <a:rPr lang="en-US" smtClean="0"/>
-              <a:t>4/28/2025</a:t>
+              <a:t>4/29/2025</a:t>
             </a:fld>
             <a:endParaRPr lang="en-US"/>
           </a:p>
@@ -3467,7 +3467,7 @@
           <a:p>
             <a:fld id="{5198BA7A-2DC7-4E80-BC43-C2127F15823C}" type="datetime1">
               <a:rPr lang="de-DE" smtClean="0"/>
-              <a:t>28.04.2025</a:t>
+              <a:t>29.04.2025</a:t>
             </a:fld>
             <a:endParaRPr lang="en-US"/>
           </a:p>
@@ -3668,7 +3668,7 @@
           <a:p>
             <a:fld id="{EF4F5A0B-ACD0-49D0-A6FA-765A96ED9790}" type="datetime1">
               <a:rPr lang="de-DE" smtClean="0"/>
-              <a:t>28.04.2025</a:t>
+              <a:t>29.04.2025</a:t>
             </a:fld>
             <a:endParaRPr lang="en-US"/>
           </a:p>
@@ -3879,7 +3879,7 @@
           <a:p>
             <a:fld id="{13BE6F7B-86A9-4494-A63D-9BD62DED037F}" type="datetime1">
               <a:rPr lang="de-DE" smtClean="0"/>
-              <a:t>28.04.2025</a:t>
+              <a:t>29.04.2025</a:t>
             </a:fld>
             <a:endParaRPr lang="en-US"/>
           </a:p>
@@ -4080,7 +4080,7 @@
           <a:p>
             <a:fld id="{403A2FDA-9B6F-4F19-BB52-15CB2FEB03DD}" type="datetime1">
               <a:rPr lang="de-DE" smtClean="0"/>
-              <a:t>28.04.2025</a:t>
+              <a:t>29.04.2025</a:t>
             </a:fld>
             <a:endParaRPr lang="en-US"/>
           </a:p>
@@ -4358,7 +4358,7 @@
           <a:p>
             <a:fld id="{B1F82A23-AB26-4EA9-9EE4-DB6F9A4796C6}" type="datetime1">
               <a:rPr lang="de-DE" smtClean="0"/>
-              <a:t>28.04.2025</a:t>
+              <a:t>29.04.2025</a:t>
             </a:fld>
             <a:endParaRPr lang="en-US"/>
           </a:p>
@@ -4626,7 +4626,7 @@
           <a:p>
             <a:fld id="{B816018A-B6F3-4669-A60E-275EFC10913D}" type="datetime1">
               <a:rPr lang="de-DE" smtClean="0"/>
-              <a:t>28.04.2025</a:t>
+              <a:t>29.04.2025</a:t>
             </a:fld>
             <a:endParaRPr lang="en-US"/>
           </a:p>
@@ -5041,7 +5041,7 @@
           <a:p>
             <a:fld id="{75E1AE47-15F0-44ED-9082-02430EE1862C}" type="datetime1">
               <a:rPr lang="de-DE" smtClean="0"/>
-              <a:t>28.04.2025</a:t>
+              <a:t>29.04.2025</a:t>
             </a:fld>
             <a:endParaRPr lang="en-US"/>
           </a:p>
@@ -5185,7 +5185,7 @@
           <a:p>
             <a:fld id="{457028B1-AFAA-4D64-87CF-80928E3C88A7}" type="datetime1">
               <a:rPr lang="de-DE" smtClean="0"/>
-              <a:t>28.04.2025</a:t>
+              <a:t>29.04.2025</a:t>
             </a:fld>
             <a:endParaRPr lang="en-US"/>
           </a:p>
@@ -5301,7 +5301,7 @@
           <a:p>
             <a:fld id="{D1DE4F98-DA4D-46C7-974A-FF93C09B0FD4}" type="datetime1">
               <a:rPr lang="de-DE" smtClean="0"/>
-              <a:t>28.04.2025</a:t>
+              <a:t>29.04.2025</a:t>
             </a:fld>
             <a:endParaRPr lang="en-US"/>
           </a:p>
@@ -5615,7 +5615,7 @@
           <a:p>
             <a:fld id="{67FB4E4C-5EC5-4821-A2DA-37F62D6F819F}" type="datetime1">
               <a:rPr lang="de-DE" smtClean="0"/>
-              <a:t>28.04.2025</a:t>
+              <a:t>29.04.2025</a:t>
             </a:fld>
             <a:endParaRPr lang="en-US"/>
           </a:p>
@@ -5906,7 +5906,7 @@
           <a:p>
             <a:fld id="{72DA2E5A-7DC6-4BD8-9258-B12FA935CEBC}" type="datetime1">
               <a:rPr lang="de-DE" smtClean="0"/>
-              <a:t>28.04.2025</a:t>
+              <a:t>29.04.2025</a:t>
             </a:fld>
             <a:endParaRPr lang="en-US"/>
           </a:p>
@@ -6150,7 +6150,7 @@
           <a:p>
             <a:fld id="{FD3ED238-00C2-4FF9-B84E-244465BBE055}" type="datetime1">
               <a:rPr lang="de-DE" smtClean="0"/>
-              <a:t>28.04.2025</a:t>
+              <a:t>29.04.2025</a:t>
             </a:fld>
             <a:endParaRPr lang="en-US"/>
           </a:p>
@@ -7213,7 +7213,7 @@
           <a:p>
             <a:fld id="{B1F82A23-AB26-4EA9-9EE4-DB6F9A4796C6}" type="datetime1">
               <a:rPr lang="de-DE" smtClean="0"/>
-              <a:t>28.04.2025</a:t>
+              <a:t>29.04.2025</a:t>
             </a:fld>
             <a:endParaRPr lang="en-US"/>
           </a:p>
@@ -7431,7 +7431,7 @@
           <a:p>
             <a:fld id="{403A2FDA-9B6F-4F19-BB52-15CB2FEB03DD}" type="datetime1">
               <a:rPr lang="de-DE" smtClean="0"/>
-              <a:t>28.04.2025</a:t>
+              <a:t>29.04.2025</a:t>
             </a:fld>
             <a:endParaRPr lang="en-US"/>
           </a:p>
@@ -9466,7 +9466,7 @@
           <a:p>
             <a:fld id="{403A2FDA-9B6F-4F19-BB52-15CB2FEB03DD}" type="datetime1">
               <a:rPr lang="de-DE" smtClean="0"/>
-              <a:t>28.04.2025</a:t>
+              <a:t>29.04.2025</a:t>
             </a:fld>
             <a:endParaRPr lang="en-US"/>
           </a:p>
@@ -10895,7 +10895,7 @@
           <a:p>
             <a:fld id="{403A2FDA-9B6F-4F19-BB52-15CB2FEB03DD}" type="datetime1">
               <a:rPr lang="de-DE" smtClean="0"/>
-              <a:t>28.04.2025</a:t>
+              <a:t>29.04.2025</a:t>
             </a:fld>
             <a:endParaRPr lang="en-US"/>
           </a:p>
@@ -11464,8 +11464,8 @@
           </mc:Fallback>
         </mc:AlternateContent>
       </p:grpSp>
-      <mc:AlternateContent xmlns:mc="http://schemas.openxmlformats.org/markup-compatibility/2006" xmlns:a14="http://schemas.microsoft.com/office/drawing/2010/main">
-        <mc:Choice Requires="a14">
+      <mc:AlternateContent xmlns:mc="http://schemas.openxmlformats.org/markup-compatibility/2006">
+        <mc:Choice xmlns:a14="http://schemas.microsoft.com/office/drawing/2010/main" Requires="a14">
           <p:sp>
             <p:nvSpPr>
               <p:cNvPr id="19" name="TextBox 18">
@@ -11480,7 +11480,7 @@
             </p:nvSpPr>
             <p:spPr>
               <a:xfrm>
-                <a:off x="8526173" y="3650593"/>
+                <a:off x="8526173" y="3650592"/>
                 <a:ext cx="547689" cy="307777"/>
               </a:xfrm>
               <a:prstGeom prst="rect">
@@ -11515,7 +11515,7 @@
             </p:txBody>
           </p:sp>
         </mc:Choice>
-        <mc:Fallback xmlns="">
+        <mc:Fallback>
           <p:sp>
             <p:nvSpPr>
               <p:cNvPr id="19" name="TextBox 18">
@@ -11532,7 +11532,7 @@
             </p:nvSpPr>
             <p:spPr>
               <a:xfrm>
-                <a:off x="8526173" y="3650593"/>
+                <a:off x="8526173" y="3650592"/>
                 <a:ext cx="547689" cy="307777"/>
               </a:xfrm>
               <a:prstGeom prst="rect">
@@ -11550,7 +11550,7 @@
               <a:lstStyle/>
               <a:p>
                 <a:r>
-                  <a:rPr lang="en-US">
+                  <a:rPr lang="en-SE">
                     <a:noFill/>
                   </a:rPr>
                   <a:t> </a:t>
@@ -11729,8 +11729,8 @@
         </p:nvCxnSpPr>
         <p:spPr>
           <a:xfrm flipV="1">
-            <a:off x="8422755" y="3958370"/>
-            <a:ext cx="377263" cy="510896"/>
+            <a:off x="8422755" y="3958369"/>
+            <a:ext cx="377263" cy="510897"/>
           </a:xfrm>
           <a:prstGeom prst="curvedConnector2">
             <a:avLst/>
@@ -11754,6 +11754,110 @@
           </a:fontRef>
         </p:style>
       </p:cxnSp>
+      <p:sp>
+        <p:nvSpPr>
+          <p:cNvPr id="3" name="Oval 2">
+            <a:extLst>
+              <a:ext uri="{FF2B5EF4-FFF2-40B4-BE49-F238E27FC236}">
+                <a16:creationId xmlns:a16="http://schemas.microsoft.com/office/drawing/2014/main" id="{B12A6769-8627-F5F5-C361-919684B87A79}"/>
+              </a:ext>
+            </a:extLst>
+          </p:cNvPr>
+          <p:cNvSpPr/>
+          <p:nvPr/>
+        </p:nvSpPr>
+        <p:spPr>
+          <a:xfrm>
+            <a:off x="8610600" y="3609000"/>
+            <a:ext cx="360000" cy="369326"/>
+          </a:xfrm>
+          <a:prstGeom prst="ellipse">
+            <a:avLst/>
+          </a:prstGeom>
+          <a:noFill/>
+          <a:ln>
+            <a:solidFill>
+              <a:srgbClr val="7030A0"/>
+            </a:solidFill>
+          </a:ln>
+        </p:spPr>
+        <p:style>
+          <a:lnRef idx="2">
+            <a:schemeClr val="accent1">
+              <a:shade val="15000"/>
+            </a:schemeClr>
+          </a:lnRef>
+          <a:fillRef idx="1">
+            <a:schemeClr val="accent1"/>
+          </a:fillRef>
+          <a:effectRef idx="0">
+            <a:schemeClr val="accent1"/>
+          </a:effectRef>
+          <a:fontRef idx="minor">
+            <a:schemeClr val="lt1"/>
+          </a:fontRef>
+        </p:style>
+        <p:txBody>
+          <a:bodyPr rtlCol="0" anchor="ctr"/>
+          <a:lstStyle/>
+          <a:p>
+            <a:pPr algn="ctr"/>
+            <a:endParaRPr lang="en-SE"/>
+          </a:p>
+        </p:txBody>
+      </p:sp>
+      <p:sp>
+        <p:nvSpPr>
+          <p:cNvPr id="8" name="Oval 7">
+            <a:extLst>
+              <a:ext uri="{FF2B5EF4-FFF2-40B4-BE49-F238E27FC236}">
+                <a16:creationId xmlns:a16="http://schemas.microsoft.com/office/drawing/2014/main" id="{0EB44B6B-C6C0-9BF3-8737-10441B95DF72}"/>
+              </a:ext>
+            </a:extLst>
+          </p:cNvPr>
+          <p:cNvSpPr/>
+          <p:nvPr/>
+        </p:nvSpPr>
+        <p:spPr>
+          <a:xfrm>
+            <a:off x="4503420" y="3844491"/>
+            <a:ext cx="360000" cy="369326"/>
+          </a:xfrm>
+          <a:prstGeom prst="ellipse">
+            <a:avLst/>
+          </a:prstGeom>
+          <a:noFill/>
+          <a:ln>
+            <a:solidFill>
+              <a:srgbClr val="7030A0"/>
+            </a:solidFill>
+          </a:ln>
+        </p:spPr>
+        <p:style>
+          <a:lnRef idx="2">
+            <a:schemeClr val="accent1">
+              <a:shade val="15000"/>
+            </a:schemeClr>
+          </a:lnRef>
+          <a:fillRef idx="1">
+            <a:schemeClr val="accent1"/>
+          </a:fillRef>
+          <a:effectRef idx="0">
+            <a:schemeClr val="accent1"/>
+          </a:effectRef>
+          <a:fontRef idx="minor">
+            <a:schemeClr val="lt1"/>
+          </a:fontRef>
+        </p:style>
+        <p:txBody>
+          <a:bodyPr rtlCol="0" anchor="ctr"/>
+          <a:lstStyle/>
+          <a:p>
+            <a:pPr algn="ctr"/>
+            <a:endParaRPr lang="en-SE"/>
+          </a:p>
+        </p:txBody>
+      </p:sp>
     </p:spTree>
     <p:extLst>
       <p:ext uri="{BB962C8B-B14F-4D97-AF65-F5344CB8AC3E}">
@@ -11835,7 +11939,7 @@
           <a:p>
             <a:fld id="{403A2FDA-9B6F-4F19-BB52-15CB2FEB03DD}" type="datetime1">
               <a:rPr lang="de-DE" smtClean="0"/>
-              <a:t>28.04.2025</a:t>
+              <a:t>29.04.2025</a:t>
             </a:fld>
             <a:endParaRPr lang="en-US"/>
           </a:p>
@@ -13132,7 +13236,7 @@
           <a:p>
             <a:fld id="{403A2FDA-9B6F-4F19-BB52-15CB2FEB03DD}" type="datetime1">
               <a:rPr lang="de-DE" smtClean="0"/>
-              <a:t>28.04.2025</a:t>
+              <a:t>29.04.2025</a:t>
             </a:fld>
             <a:endParaRPr lang="en-US"/>
           </a:p>
@@ -14196,8 +14300,8 @@
           </a:fontRef>
         </p:style>
       </p:cxnSp>
-      <mc:AlternateContent xmlns:mc="http://schemas.openxmlformats.org/markup-compatibility/2006">
-        <mc:Choice xmlns:a14="http://schemas.microsoft.com/office/drawing/2010/main" Requires="a14">
+      <mc:AlternateContent xmlns:mc="http://schemas.openxmlformats.org/markup-compatibility/2006" xmlns:a14="http://schemas.microsoft.com/office/drawing/2010/main">
+        <mc:Choice Requires="a14">
           <p:sp>
             <p:nvSpPr>
               <p:cNvPr id="34" name="TextBox 33">
@@ -14283,7 +14387,7 @@
             </p:txBody>
           </p:sp>
         </mc:Choice>
-        <mc:Fallback>
+        <mc:Fallback xmlns="">
           <p:sp>
             <p:nvSpPr>
               <p:cNvPr id="34" name="TextBox 33">
@@ -14543,34 +14647,6 @@
       </p:sp>
       <p:sp>
         <p:nvSpPr>
-          <p:cNvPr id="3" name="Content Placeholder 2">
-            <a:extLst>
-              <a:ext uri="{FF2B5EF4-FFF2-40B4-BE49-F238E27FC236}">
-                <a16:creationId xmlns:a16="http://schemas.microsoft.com/office/drawing/2014/main" id="{116E2723-508A-E6BA-43AC-4A01FE368918}"/>
-              </a:ext>
-            </a:extLst>
-          </p:cNvPr>
-          <p:cNvSpPr>
-            <a:spLocks noGrp="1"/>
-          </p:cNvSpPr>
-          <p:nvPr>
-            <p:ph idx="1"/>
-          </p:nvPr>
-        </p:nvSpPr>
-        <p:spPr/>
-        <p:txBody>
-          <a:bodyPr/>
-          <a:lstStyle/>
-          <a:p>
-            <a:pPr marL="0" indent="0">
-              <a:buNone/>
-            </a:pPr>
-            <a:endParaRPr lang="sv-SE" dirty="0"/>
-          </a:p>
-        </p:txBody>
-      </p:sp>
-      <p:sp>
-        <p:nvSpPr>
           <p:cNvPr id="4" name="Date Placeholder 3">
             <a:extLst>
               <a:ext uri="{FF2B5EF4-FFF2-40B4-BE49-F238E27FC236}">
@@ -14592,7 +14668,7 @@
           <a:p>
             <a:fld id="{403A2FDA-9B6F-4F19-BB52-15CB2FEB03DD}" type="datetime1">
               <a:rPr lang="de-DE" smtClean="0"/>
-              <a:t>28.04.2025</a:t>
+              <a:t>29.04.2025</a:t>
             </a:fld>
             <a:endParaRPr lang="en-US"/>
           </a:p>
@@ -14655,6 +14731,1557 @@
           </a:p>
         </p:txBody>
       </p:sp>
+      <p:grpSp>
+        <p:nvGrpSpPr>
+          <p:cNvPr id="7" name="Group 6">
+            <a:extLst>
+              <a:ext uri="{FF2B5EF4-FFF2-40B4-BE49-F238E27FC236}">
+                <a16:creationId xmlns:a16="http://schemas.microsoft.com/office/drawing/2014/main" id="{EFD41D1F-7602-7F07-35E0-1934F853A35E}"/>
+              </a:ext>
+            </a:extLst>
+          </p:cNvPr>
+          <p:cNvGrpSpPr/>
+          <p:nvPr/>
+        </p:nvGrpSpPr>
+        <p:grpSpPr>
+          <a:xfrm>
+            <a:off x="838200" y="1660056"/>
+            <a:ext cx="2403652" cy="1794076"/>
+            <a:chOff x="4894174" y="3429000"/>
+            <a:chExt cx="2403652" cy="1794076"/>
+          </a:xfrm>
+        </p:grpSpPr>
+        <p:grpSp>
+          <p:nvGrpSpPr>
+            <p:cNvPr id="8" name="Group 7">
+              <a:extLst>
+                <a:ext uri="{FF2B5EF4-FFF2-40B4-BE49-F238E27FC236}">
+                  <a16:creationId xmlns:a16="http://schemas.microsoft.com/office/drawing/2014/main" id="{8F2F7E76-127D-D9A7-51FC-5ED2FD74E8BD}"/>
+                </a:ext>
+              </a:extLst>
+            </p:cNvPr>
+            <p:cNvGrpSpPr/>
+            <p:nvPr/>
+          </p:nvGrpSpPr>
+          <p:grpSpPr>
+            <a:xfrm>
+              <a:off x="5556000" y="3429000"/>
+              <a:ext cx="1080000" cy="1080000"/>
+              <a:chOff x="3313786" y="3686861"/>
+              <a:chExt cx="1080000" cy="1080000"/>
+            </a:xfrm>
+          </p:grpSpPr>
+          <p:sp>
+            <p:nvSpPr>
+              <p:cNvPr id="10" name="Oval 9">
+                <a:extLst>
+                  <a:ext uri="{FF2B5EF4-FFF2-40B4-BE49-F238E27FC236}">
+                    <a16:creationId xmlns:a16="http://schemas.microsoft.com/office/drawing/2014/main" id="{BDC5E22F-7AFF-5652-0A6A-3B6679FF954A}"/>
+                  </a:ext>
+                </a:extLst>
+              </p:cNvPr>
+              <p:cNvSpPr/>
+              <p:nvPr/>
+            </p:nvSpPr>
+            <p:spPr>
+              <a:xfrm>
+                <a:off x="3313786" y="3686861"/>
+                <a:ext cx="1080000" cy="1080000"/>
+              </a:xfrm>
+              <a:prstGeom prst="ellipse">
+                <a:avLst/>
+              </a:prstGeom>
+              <a:solidFill>
+                <a:schemeClr val="accent1">
+                  <a:lumMod val="50000"/>
+                </a:schemeClr>
+              </a:solidFill>
+              <a:ln>
+                <a:noFill/>
+              </a:ln>
+              <a:effectLst>
+                <a:outerShdw blurRad="50800" dist="38100" dir="2700000" algn="tl" rotWithShape="0">
+                  <a:prstClr val="black">
+                    <a:alpha val="40000"/>
+                  </a:prstClr>
+                </a:outerShdw>
+              </a:effectLst>
+            </p:spPr>
+            <p:style>
+              <a:lnRef idx="2">
+                <a:schemeClr val="accent1">
+                  <a:shade val="15000"/>
+                </a:schemeClr>
+              </a:lnRef>
+              <a:fillRef idx="1">
+                <a:schemeClr val="accent1"/>
+              </a:fillRef>
+              <a:effectRef idx="0">
+                <a:schemeClr val="accent1"/>
+              </a:effectRef>
+              <a:fontRef idx="minor">
+                <a:schemeClr val="lt1"/>
+              </a:fontRef>
+            </p:style>
+            <p:txBody>
+              <a:bodyPr rtlCol="0" anchor="ctr"/>
+              <a:lstStyle/>
+              <a:p>
+                <a:pPr algn="ctr"/>
+                <a:endParaRPr lang="en-US"/>
+              </a:p>
+            </p:txBody>
+          </p:sp>
+          <p:pic>
+            <p:nvPicPr>
+              <p:cNvPr id="11" name="Graphic 10" descr="Influencer with solid fill">
+                <a:extLst>
+                  <a:ext uri="{FF2B5EF4-FFF2-40B4-BE49-F238E27FC236}">
+                    <a16:creationId xmlns:a16="http://schemas.microsoft.com/office/drawing/2014/main" id="{467B303C-4B79-D573-07FA-AEF23C2D3D34}"/>
+                  </a:ext>
+                </a:extLst>
+              </p:cNvPr>
+              <p:cNvPicPr>
+                <a:picLocks noChangeAspect="1"/>
+              </p:cNvPicPr>
+              <p:nvPr/>
+            </p:nvPicPr>
+            <p:blipFill>
+              <a:blip r:embed="rId3">
+                <a:extLst>
+                  <a:ext uri="{96DAC541-7B7A-43D3-8B79-37D633B846F1}">
+                    <asvg:svgBlip xmlns:asvg="http://schemas.microsoft.com/office/drawing/2016/SVG/main" r:embed="rId4"/>
+                  </a:ext>
+                </a:extLst>
+              </a:blip>
+              <a:srcRect/>
+              <a:stretch/>
+            </p:blipFill>
+            <p:spPr>
+              <a:xfrm>
+                <a:off x="3396586" y="3769661"/>
+                <a:ext cx="914400" cy="914400"/>
+              </a:xfrm>
+              <a:prstGeom prst="rect">
+                <a:avLst/>
+              </a:prstGeom>
+            </p:spPr>
+          </p:pic>
+        </p:grpSp>
+        <p:sp>
+          <p:nvSpPr>
+            <p:cNvPr id="9" name="TextBox 8">
+              <a:extLst>
+                <a:ext uri="{FF2B5EF4-FFF2-40B4-BE49-F238E27FC236}">
+                  <a16:creationId xmlns:a16="http://schemas.microsoft.com/office/drawing/2014/main" id="{B1C019A6-0B2B-E0D6-F978-6D56F7FD7094}"/>
+                </a:ext>
+              </a:extLst>
+            </p:cNvPr>
+            <p:cNvSpPr txBox="1"/>
+            <p:nvPr/>
+          </p:nvSpPr>
+          <p:spPr>
+            <a:xfrm>
+              <a:off x="4894174" y="4669078"/>
+              <a:ext cx="2403652" cy="553998"/>
+            </a:xfrm>
+            <a:prstGeom prst="rect">
+              <a:avLst/>
+            </a:prstGeom>
+            <a:noFill/>
+          </p:spPr>
+          <p:txBody>
+            <a:bodyPr wrap="square" rtlCol="0">
+              <a:spAutoFit/>
+            </a:bodyPr>
+            <a:lstStyle/>
+            <a:p>
+              <a:pPr algn="ctr"/>
+              <a:r>
+                <a:rPr lang="en-US" b="1" dirty="0"/>
+                <a:t>1. Phenomenon</a:t>
+              </a:r>
+            </a:p>
+            <a:p>
+              <a:pPr algn="ctr"/>
+              <a:r>
+                <a:rPr lang="en-US" sz="1200" dirty="0"/>
+                <a:t>Creating an assumed causal DAG</a:t>
+              </a:r>
+            </a:p>
+          </p:txBody>
+        </p:sp>
+      </p:grpSp>
+      <p:grpSp>
+        <p:nvGrpSpPr>
+          <p:cNvPr id="12" name="Group 11">
+            <a:extLst>
+              <a:ext uri="{FF2B5EF4-FFF2-40B4-BE49-F238E27FC236}">
+                <a16:creationId xmlns:a16="http://schemas.microsoft.com/office/drawing/2014/main" id="{CB26F5BA-6967-2256-4E40-EC522262FA82}"/>
+              </a:ext>
+            </a:extLst>
+          </p:cNvPr>
+          <p:cNvGrpSpPr/>
+          <p:nvPr/>
+        </p:nvGrpSpPr>
+        <p:grpSpPr>
+          <a:xfrm>
+            <a:off x="3375858" y="1660056"/>
+            <a:ext cx="2403652" cy="1978742"/>
+            <a:chOff x="4894174" y="3429000"/>
+            <a:chExt cx="2403652" cy="1978742"/>
+          </a:xfrm>
+        </p:grpSpPr>
+        <p:grpSp>
+          <p:nvGrpSpPr>
+            <p:cNvPr id="13" name="Group 12">
+              <a:extLst>
+                <a:ext uri="{FF2B5EF4-FFF2-40B4-BE49-F238E27FC236}">
+                  <a16:creationId xmlns:a16="http://schemas.microsoft.com/office/drawing/2014/main" id="{E43E26FF-AFE0-EE31-189D-5D6CF0B95A25}"/>
+                </a:ext>
+              </a:extLst>
+            </p:cNvPr>
+            <p:cNvGrpSpPr/>
+            <p:nvPr/>
+          </p:nvGrpSpPr>
+          <p:grpSpPr>
+            <a:xfrm>
+              <a:off x="5556000" y="3429000"/>
+              <a:ext cx="1080000" cy="1080000"/>
+              <a:chOff x="3313786" y="3686861"/>
+              <a:chExt cx="1080000" cy="1080000"/>
+            </a:xfrm>
+          </p:grpSpPr>
+          <p:sp>
+            <p:nvSpPr>
+              <p:cNvPr id="15" name="Oval 14">
+                <a:extLst>
+                  <a:ext uri="{FF2B5EF4-FFF2-40B4-BE49-F238E27FC236}">
+                    <a16:creationId xmlns:a16="http://schemas.microsoft.com/office/drawing/2014/main" id="{352F06A2-8407-DBED-CC5B-A0025F0EC54E}"/>
+                  </a:ext>
+                </a:extLst>
+              </p:cNvPr>
+              <p:cNvSpPr/>
+              <p:nvPr/>
+            </p:nvSpPr>
+            <p:spPr>
+              <a:xfrm>
+                <a:off x="3313786" y="3686861"/>
+                <a:ext cx="1080000" cy="1080000"/>
+              </a:xfrm>
+              <a:prstGeom prst="ellipse">
+                <a:avLst/>
+              </a:prstGeom>
+              <a:solidFill>
+                <a:schemeClr val="accent1">
+                  <a:lumMod val="75000"/>
+                </a:schemeClr>
+              </a:solidFill>
+              <a:ln>
+                <a:noFill/>
+              </a:ln>
+              <a:effectLst>
+                <a:outerShdw blurRad="50800" dist="38100" dir="2700000" algn="tl" rotWithShape="0">
+                  <a:prstClr val="black">
+                    <a:alpha val="40000"/>
+                  </a:prstClr>
+                </a:outerShdw>
+              </a:effectLst>
+            </p:spPr>
+            <p:style>
+              <a:lnRef idx="2">
+                <a:schemeClr val="accent1">
+                  <a:shade val="15000"/>
+                </a:schemeClr>
+              </a:lnRef>
+              <a:fillRef idx="1">
+                <a:schemeClr val="accent1"/>
+              </a:fillRef>
+              <a:effectRef idx="0">
+                <a:schemeClr val="accent1"/>
+              </a:effectRef>
+              <a:fontRef idx="minor">
+                <a:schemeClr val="lt1"/>
+              </a:fontRef>
+            </p:style>
+            <p:txBody>
+              <a:bodyPr rtlCol="0" anchor="ctr"/>
+              <a:lstStyle/>
+              <a:p>
+                <a:pPr algn="ctr"/>
+                <a:endParaRPr lang="en-US"/>
+              </a:p>
+            </p:txBody>
+          </p:sp>
+          <p:pic>
+            <p:nvPicPr>
+              <p:cNvPr id="16" name="Graphic 15" descr="Single gear with solid fill">
+                <a:extLst>
+                  <a:ext uri="{FF2B5EF4-FFF2-40B4-BE49-F238E27FC236}">
+                    <a16:creationId xmlns:a16="http://schemas.microsoft.com/office/drawing/2014/main" id="{CBADB9B7-3DB9-38A5-CD8E-5F00DFCCF3EC}"/>
+                  </a:ext>
+                </a:extLst>
+              </p:cNvPr>
+              <p:cNvPicPr>
+                <a:picLocks noChangeAspect="1"/>
+              </p:cNvPicPr>
+              <p:nvPr/>
+            </p:nvPicPr>
+            <p:blipFill>
+              <a:blip r:embed="rId5">
+                <a:extLst>
+                  <a:ext uri="{96DAC541-7B7A-43D3-8B79-37D633B846F1}">
+                    <asvg:svgBlip xmlns:asvg="http://schemas.microsoft.com/office/drawing/2016/SVG/main" r:embed="rId6"/>
+                  </a:ext>
+                </a:extLst>
+              </a:blip>
+              <a:srcRect/>
+              <a:stretch/>
+            </p:blipFill>
+            <p:spPr>
+              <a:xfrm>
+                <a:off x="3396586" y="3769661"/>
+                <a:ext cx="914400" cy="914400"/>
+              </a:xfrm>
+              <a:prstGeom prst="rect">
+                <a:avLst/>
+              </a:prstGeom>
+            </p:spPr>
+          </p:pic>
+        </p:grpSp>
+        <p:sp>
+          <p:nvSpPr>
+            <p:cNvPr id="14" name="TextBox 13">
+              <a:extLst>
+                <a:ext uri="{FF2B5EF4-FFF2-40B4-BE49-F238E27FC236}">
+                  <a16:creationId xmlns:a16="http://schemas.microsoft.com/office/drawing/2014/main" id="{4934965F-ADF6-1CB2-8660-3DBC1C974024}"/>
+                </a:ext>
+              </a:extLst>
+            </p:cNvPr>
+            <p:cNvSpPr txBox="1"/>
+            <p:nvPr/>
+          </p:nvSpPr>
+          <p:spPr>
+            <a:xfrm>
+              <a:off x="4894174" y="4669078"/>
+              <a:ext cx="2403652" cy="738664"/>
+            </a:xfrm>
+            <a:prstGeom prst="rect">
+              <a:avLst/>
+            </a:prstGeom>
+            <a:noFill/>
+          </p:spPr>
+          <p:txBody>
+            <a:bodyPr wrap="square" rtlCol="0">
+              <a:spAutoFit/>
+            </a:bodyPr>
+            <a:lstStyle/>
+            <a:p>
+              <a:pPr algn="ctr"/>
+              <a:r>
+                <a:rPr lang="en-US" b="1" dirty="0"/>
+                <a:t>2. Regression</a:t>
+              </a:r>
+            </a:p>
+            <a:p>
+              <a:pPr algn="ctr"/>
+              <a:r>
+                <a:rPr lang="en-US" sz="1200" dirty="0"/>
+                <a:t>Deriving a statistical model and running a regression analysis</a:t>
+              </a:r>
+            </a:p>
+          </p:txBody>
+        </p:sp>
+      </p:grpSp>
+      <p:grpSp>
+        <p:nvGrpSpPr>
+          <p:cNvPr id="17" name="Group 16">
+            <a:extLst>
+              <a:ext uri="{FF2B5EF4-FFF2-40B4-BE49-F238E27FC236}">
+                <a16:creationId xmlns:a16="http://schemas.microsoft.com/office/drawing/2014/main" id="{70BCE0A1-8296-1C32-813A-108808F68FCC}"/>
+              </a:ext>
+            </a:extLst>
+          </p:cNvPr>
+          <p:cNvGrpSpPr/>
+          <p:nvPr/>
+        </p:nvGrpSpPr>
+        <p:grpSpPr>
+          <a:xfrm>
+            <a:off x="5913516" y="1660056"/>
+            <a:ext cx="2403652" cy="1978742"/>
+            <a:chOff x="4894174" y="3429000"/>
+            <a:chExt cx="2403652" cy="1978742"/>
+          </a:xfrm>
+        </p:grpSpPr>
+        <p:grpSp>
+          <p:nvGrpSpPr>
+            <p:cNvPr id="18" name="Group 17">
+              <a:extLst>
+                <a:ext uri="{FF2B5EF4-FFF2-40B4-BE49-F238E27FC236}">
+                  <a16:creationId xmlns:a16="http://schemas.microsoft.com/office/drawing/2014/main" id="{4B38539E-D26E-43D5-8B2E-F147C546F6B5}"/>
+                </a:ext>
+              </a:extLst>
+            </p:cNvPr>
+            <p:cNvGrpSpPr/>
+            <p:nvPr/>
+          </p:nvGrpSpPr>
+          <p:grpSpPr>
+            <a:xfrm>
+              <a:off x="5556000" y="3429000"/>
+              <a:ext cx="1080000" cy="1080000"/>
+              <a:chOff x="3313786" y="3686861"/>
+              <a:chExt cx="1080000" cy="1080000"/>
+            </a:xfrm>
+          </p:grpSpPr>
+          <p:sp>
+            <p:nvSpPr>
+              <p:cNvPr id="20" name="Oval 19">
+                <a:extLst>
+                  <a:ext uri="{FF2B5EF4-FFF2-40B4-BE49-F238E27FC236}">
+                    <a16:creationId xmlns:a16="http://schemas.microsoft.com/office/drawing/2014/main" id="{DDD5C1A8-09B2-4689-B36B-3235392BE5A7}"/>
+                  </a:ext>
+                </a:extLst>
+              </p:cNvPr>
+              <p:cNvSpPr/>
+              <p:nvPr/>
+            </p:nvSpPr>
+            <p:spPr>
+              <a:xfrm>
+                <a:off x="3313786" y="3686861"/>
+                <a:ext cx="1080000" cy="1080000"/>
+              </a:xfrm>
+              <a:prstGeom prst="ellipse">
+                <a:avLst/>
+              </a:prstGeom>
+              <a:solidFill>
+                <a:schemeClr val="accent1">
+                  <a:lumMod val="60000"/>
+                  <a:lumOff val="40000"/>
+                </a:schemeClr>
+              </a:solidFill>
+              <a:ln>
+                <a:noFill/>
+              </a:ln>
+              <a:effectLst>
+                <a:outerShdw blurRad="50800" dist="38100" dir="2700000" algn="tl" rotWithShape="0">
+                  <a:prstClr val="black">
+                    <a:alpha val="40000"/>
+                  </a:prstClr>
+                </a:outerShdw>
+              </a:effectLst>
+            </p:spPr>
+            <p:style>
+              <a:lnRef idx="2">
+                <a:schemeClr val="accent1">
+                  <a:shade val="15000"/>
+                </a:schemeClr>
+              </a:lnRef>
+              <a:fillRef idx="1">
+                <a:schemeClr val="accent1"/>
+              </a:fillRef>
+              <a:effectRef idx="0">
+                <a:schemeClr val="accent1"/>
+              </a:effectRef>
+              <a:fontRef idx="minor">
+                <a:schemeClr val="lt1"/>
+              </a:fontRef>
+            </p:style>
+            <p:txBody>
+              <a:bodyPr rtlCol="0" anchor="ctr"/>
+              <a:lstStyle/>
+              <a:p>
+                <a:pPr algn="ctr"/>
+                <a:endParaRPr lang="en-US"/>
+              </a:p>
+            </p:txBody>
+          </p:sp>
+          <p:pic>
+            <p:nvPicPr>
+              <p:cNvPr id="21" name="Graphic 20" descr="Normal Distribution with solid fill">
+                <a:extLst>
+                  <a:ext uri="{FF2B5EF4-FFF2-40B4-BE49-F238E27FC236}">
+                    <a16:creationId xmlns:a16="http://schemas.microsoft.com/office/drawing/2014/main" id="{1B18E834-75F1-FE16-944F-9EB618274205}"/>
+                  </a:ext>
+                </a:extLst>
+              </p:cNvPr>
+              <p:cNvPicPr>
+                <a:picLocks noChangeAspect="1"/>
+              </p:cNvPicPr>
+              <p:nvPr/>
+            </p:nvPicPr>
+            <p:blipFill>
+              <a:blip r:embed="rId7">
+                <a:extLst>
+                  <a:ext uri="{96DAC541-7B7A-43D3-8B79-37D633B846F1}">
+                    <asvg:svgBlip xmlns:asvg="http://schemas.microsoft.com/office/drawing/2016/SVG/main" r:embed="rId8"/>
+                  </a:ext>
+                </a:extLst>
+              </a:blip>
+              <a:srcRect/>
+              <a:stretch/>
+            </p:blipFill>
+            <p:spPr>
+              <a:xfrm>
+                <a:off x="3396586" y="3769661"/>
+                <a:ext cx="914400" cy="914400"/>
+              </a:xfrm>
+              <a:prstGeom prst="rect">
+                <a:avLst/>
+              </a:prstGeom>
+            </p:spPr>
+          </p:pic>
+        </p:grpSp>
+        <p:sp>
+          <p:nvSpPr>
+            <p:cNvPr id="19" name="TextBox 18">
+              <a:extLst>
+                <a:ext uri="{FF2B5EF4-FFF2-40B4-BE49-F238E27FC236}">
+                  <a16:creationId xmlns:a16="http://schemas.microsoft.com/office/drawing/2014/main" id="{AC942F53-C749-0A4D-33A4-9901E6980153}"/>
+                </a:ext>
+              </a:extLst>
+            </p:cNvPr>
+            <p:cNvSpPr txBox="1"/>
+            <p:nvPr/>
+          </p:nvSpPr>
+          <p:spPr>
+            <a:xfrm>
+              <a:off x="4894174" y="4669078"/>
+              <a:ext cx="2403652" cy="738664"/>
+            </a:xfrm>
+            <a:prstGeom prst="rect">
+              <a:avLst/>
+            </a:prstGeom>
+            <a:noFill/>
+          </p:spPr>
+          <p:txBody>
+            <a:bodyPr wrap="square" rtlCol="0">
+              <a:spAutoFit/>
+            </a:bodyPr>
+            <a:lstStyle/>
+            <a:p>
+              <a:pPr algn="ctr"/>
+              <a:r>
+                <a:rPr lang="en-US" b="1" dirty="0"/>
+                <a:t>3. Comparison</a:t>
+              </a:r>
+            </a:p>
+            <a:p>
+              <a:pPr algn="ctr"/>
+              <a:r>
+                <a:rPr lang="en-US" sz="1200" dirty="0"/>
+                <a:t>Comparing the results of the analysis with the ground truth</a:t>
+              </a:r>
+            </a:p>
+          </p:txBody>
+        </p:sp>
+      </p:grpSp>
+      <p:grpSp>
+        <p:nvGrpSpPr>
+          <p:cNvPr id="22" name="Group 21">
+            <a:extLst>
+              <a:ext uri="{FF2B5EF4-FFF2-40B4-BE49-F238E27FC236}">
+                <a16:creationId xmlns:a16="http://schemas.microsoft.com/office/drawing/2014/main" id="{1A770D6C-3AF5-AE96-61AA-1E9C1D99ACE7}"/>
+              </a:ext>
+            </a:extLst>
+          </p:cNvPr>
+          <p:cNvGrpSpPr/>
+          <p:nvPr/>
+        </p:nvGrpSpPr>
+        <p:grpSpPr>
+          <a:xfrm>
+            <a:off x="8451174" y="1660056"/>
+            <a:ext cx="2403652" cy="1794076"/>
+            <a:chOff x="4894174" y="3429000"/>
+            <a:chExt cx="2403652" cy="1794076"/>
+          </a:xfrm>
+        </p:grpSpPr>
+        <p:grpSp>
+          <p:nvGrpSpPr>
+            <p:cNvPr id="23" name="Group 22">
+              <a:extLst>
+                <a:ext uri="{FF2B5EF4-FFF2-40B4-BE49-F238E27FC236}">
+                  <a16:creationId xmlns:a16="http://schemas.microsoft.com/office/drawing/2014/main" id="{BC1FE594-5E63-A252-D159-88A91E7E235D}"/>
+                </a:ext>
+              </a:extLst>
+            </p:cNvPr>
+            <p:cNvGrpSpPr/>
+            <p:nvPr/>
+          </p:nvGrpSpPr>
+          <p:grpSpPr>
+            <a:xfrm>
+              <a:off x="5556000" y="3429000"/>
+              <a:ext cx="1080000" cy="1080000"/>
+              <a:chOff x="3313786" y="3686861"/>
+              <a:chExt cx="1080000" cy="1080000"/>
+            </a:xfrm>
+          </p:grpSpPr>
+          <p:sp>
+            <p:nvSpPr>
+              <p:cNvPr id="25" name="Oval 24">
+                <a:extLst>
+                  <a:ext uri="{FF2B5EF4-FFF2-40B4-BE49-F238E27FC236}">
+                    <a16:creationId xmlns:a16="http://schemas.microsoft.com/office/drawing/2014/main" id="{BC9A9EF2-039B-12D3-38EA-5FA34399F4CF}"/>
+                  </a:ext>
+                </a:extLst>
+              </p:cNvPr>
+              <p:cNvSpPr/>
+              <p:nvPr/>
+            </p:nvSpPr>
+            <p:spPr>
+              <a:xfrm>
+                <a:off x="3313786" y="3686861"/>
+                <a:ext cx="1080000" cy="1080000"/>
+              </a:xfrm>
+              <a:prstGeom prst="ellipse">
+                <a:avLst/>
+              </a:prstGeom>
+              <a:solidFill>
+                <a:schemeClr val="accent1">
+                  <a:lumMod val="40000"/>
+                  <a:lumOff val="60000"/>
+                </a:schemeClr>
+              </a:solidFill>
+              <a:ln>
+                <a:noFill/>
+              </a:ln>
+              <a:effectLst>
+                <a:outerShdw blurRad="50800" dist="38100" dir="2700000" algn="tl" rotWithShape="0">
+                  <a:prstClr val="black">
+                    <a:alpha val="40000"/>
+                  </a:prstClr>
+                </a:outerShdw>
+              </a:effectLst>
+            </p:spPr>
+            <p:style>
+              <a:lnRef idx="2">
+                <a:schemeClr val="accent1">
+                  <a:shade val="15000"/>
+                </a:schemeClr>
+              </a:lnRef>
+              <a:fillRef idx="1">
+                <a:schemeClr val="accent1"/>
+              </a:fillRef>
+              <a:effectRef idx="0">
+                <a:schemeClr val="accent1"/>
+              </a:effectRef>
+              <a:fontRef idx="minor">
+                <a:schemeClr val="lt1"/>
+              </a:fontRef>
+            </p:style>
+            <p:txBody>
+              <a:bodyPr rtlCol="0" anchor="ctr"/>
+              <a:lstStyle/>
+              <a:p>
+                <a:pPr algn="ctr"/>
+                <a:endParaRPr lang="en-US"/>
+              </a:p>
+            </p:txBody>
+          </p:sp>
+          <p:pic>
+            <p:nvPicPr>
+              <p:cNvPr id="26" name="Graphic 25" descr="Influencer with solid fill">
+                <a:extLst>
+                  <a:ext uri="{FF2B5EF4-FFF2-40B4-BE49-F238E27FC236}">
+                    <a16:creationId xmlns:a16="http://schemas.microsoft.com/office/drawing/2014/main" id="{4D9EF501-1379-4E65-CBA5-2250127D3B88}"/>
+                  </a:ext>
+                </a:extLst>
+              </p:cNvPr>
+              <p:cNvPicPr>
+                <a:picLocks noChangeAspect="1"/>
+              </p:cNvPicPr>
+              <p:nvPr/>
+            </p:nvPicPr>
+            <p:blipFill>
+              <a:blip r:embed="rId3">
+                <a:extLst>
+                  <a:ext uri="{96DAC541-7B7A-43D3-8B79-37D633B846F1}">
+                    <asvg:svgBlip xmlns:asvg="http://schemas.microsoft.com/office/drawing/2016/SVG/main" r:embed="rId4"/>
+                  </a:ext>
+                </a:extLst>
+              </a:blip>
+              <a:srcRect/>
+              <a:stretch/>
+            </p:blipFill>
+            <p:spPr>
+              <a:xfrm>
+                <a:off x="3396586" y="3769661"/>
+                <a:ext cx="914400" cy="914400"/>
+              </a:xfrm>
+              <a:prstGeom prst="rect">
+                <a:avLst/>
+              </a:prstGeom>
+            </p:spPr>
+          </p:pic>
+        </p:grpSp>
+        <p:sp>
+          <p:nvSpPr>
+            <p:cNvPr id="24" name="TextBox 23">
+              <a:extLst>
+                <a:ext uri="{FF2B5EF4-FFF2-40B4-BE49-F238E27FC236}">
+                  <a16:creationId xmlns:a16="http://schemas.microsoft.com/office/drawing/2014/main" id="{F7B53C60-EB36-425F-20AB-DD049D71F409}"/>
+                </a:ext>
+              </a:extLst>
+            </p:cNvPr>
+            <p:cNvSpPr txBox="1"/>
+            <p:nvPr/>
+          </p:nvSpPr>
+          <p:spPr>
+            <a:xfrm>
+              <a:off x="4894174" y="4669078"/>
+              <a:ext cx="2403652" cy="553998"/>
+            </a:xfrm>
+            <a:prstGeom prst="rect">
+              <a:avLst/>
+            </a:prstGeom>
+            <a:noFill/>
+          </p:spPr>
+          <p:txBody>
+            <a:bodyPr wrap="square" rtlCol="0">
+              <a:spAutoFit/>
+            </a:bodyPr>
+            <a:lstStyle/>
+            <a:p>
+              <a:pPr algn="ctr"/>
+              <a:r>
+                <a:rPr lang="en-US" b="1" dirty="0"/>
+                <a:t>4. Reveal</a:t>
+              </a:r>
+            </a:p>
+            <a:p>
+              <a:pPr algn="ctr"/>
+              <a:r>
+                <a:rPr lang="en-US" sz="1200" dirty="0"/>
+                <a:t>Revealing the actual causal DAG</a:t>
+              </a:r>
+            </a:p>
+          </p:txBody>
+        </p:sp>
+      </p:grpSp>
+      <p:cxnSp>
+        <p:nvCxnSpPr>
+          <p:cNvPr id="28" name="Straight Arrow Connector 27">
+            <a:extLst>
+              <a:ext uri="{FF2B5EF4-FFF2-40B4-BE49-F238E27FC236}">
+                <a16:creationId xmlns:a16="http://schemas.microsoft.com/office/drawing/2014/main" id="{03982014-ACAC-C267-48B0-43B2B6A14649}"/>
+              </a:ext>
+            </a:extLst>
+          </p:cNvPr>
+          <p:cNvCxnSpPr>
+            <a:stCxn id="10" idx="6"/>
+            <a:endCxn id="15" idx="2"/>
+          </p:cNvCxnSpPr>
+          <p:nvPr/>
+        </p:nvCxnSpPr>
+        <p:spPr>
+          <a:xfrm>
+            <a:off x="2580026" y="2200056"/>
+            <a:ext cx="1457658" cy="0"/>
+          </a:xfrm>
+          <a:prstGeom prst="straightConnector1">
+            <a:avLst/>
+          </a:prstGeom>
+          <a:ln>
+            <a:tailEnd type="triangle"/>
+          </a:ln>
+        </p:spPr>
+        <p:style>
+          <a:lnRef idx="2">
+            <a:schemeClr val="dk1"/>
+          </a:lnRef>
+          <a:fillRef idx="0">
+            <a:schemeClr val="dk1"/>
+          </a:fillRef>
+          <a:effectRef idx="1">
+            <a:schemeClr val="dk1"/>
+          </a:effectRef>
+          <a:fontRef idx="minor">
+            <a:schemeClr val="tx1"/>
+          </a:fontRef>
+        </p:style>
+      </p:cxnSp>
+      <p:cxnSp>
+        <p:nvCxnSpPr>
+          <p:cNvPr id="29" name="Straight Arrow Connector 28">
+            <a:extLst>
+              <a:ext uri="{FF2B5EF4-FFF2-40B4-BE49-F238E27FC236}">
+                <a16:creationId xmlns:a16="http://schemas.microsoft.com/office/drawing/2014/main" id="{102B4E55-9C28-5C4D-C554-AF117EA85F0E}"/>
+              </a:ext>
+            </a:extLst>
+          </p:cNvPr>
+          <p:cNvCxnSpPr>
+            <a:cxnSpLocks/>
+            <a:stCxn id="15" idx="6"/>
+            <a:endCxn id="20" idx="2"/>
+          </p:cNvCxnSpPr>
+          <p:nvPr/>
+        </p:nvCxnSpPr>
+        <p:spPr>
+          <a:xfrm>
+            <a:off x="5117684" y="2200056"/>
+            <a:ext cx="1457658" cy="0"/>
+          </a:xfrm>
+          <a:prstGeom prst="straightConnector1">
+            <a:avLst/>
+          </a:prstGeom>
+          <a:ln>
+            <a:tailEnd type="triangle"/>
+          </a:ln>
+        </p:spPr>
+        <p:style>
+          <a:lnRef idx="2">
+            <a:schemeClr val="dk1"/>
+          </a:lnRef>
+          <a:fillRef idx="0">
+            <a:schemeClr val="dk1"/>
+          </a:fillRef>
+          <a:effectRef idx="1">
+            <a:schemeClr val="dk1"/>
+          </a:effectRef>
+          <a:fontRef idx="minor">
+            <a:schemeClr val="tx1"/>
+          </a:fontRef>
+        </p:style>
+      </p:cxnSp>
+      <p:cxnSp>
+        <p:nvCxnSpPr>
+          <p:cNvPr id="32" name="Straight Arrow Connector 31">
+            <a:extLst>
+              <a:ext uri="{FF2B5EF4-FFF2-40B4-BE49-F238E27FC236}">
+                <a16:creationId xmlns:a16="http://schemas.microsoft.com/office/drawing/2014/main" id="{3ECB8D05-863A-7830-6990-9E8496766E4F}"/>
+              </a:ext>
+            </a:extLst>
+          </p:cNvPr>
+          <p:cNvCxnSpPr>
+            <a:cxnSpLocks/>
+            <a:stCxn id="20" idx="6"/>
+            <a:endCxn id="25" idx="2"/>
+          </p:cNvCxnSpPr>
+          <p:nvPr/>
+        </p:nvCxnSpPr>
+        <p:spPr>
+          <a:xfrm>
+            <a:off x="7655342" y="2200056"/>
+            <a:ext cx="1457658" cy="0"/>
+          </a:xfrm>
+          <a:prstGeom prst="straightConnector1">
+            <a:avLst/>
+          </a:prstGeom>
+          <a:ln>
+            <a:tailEnd type="triangle"/>
+          </a:ln>
+        </p:spPr>
+        <p:style>
+          <a:lnRef idx="2">
+            <a:schemeClr val="dk1"/>
+          </a:lnRef>
+          <a:fillRef idx="0">
+            <a:schemeClr val="dk1"/>
+          </a:fillRef>
+          <a:effectRef idx="1">
+            <a:schemeClr val="dk1"/>
+          </a:effectRef>
+          <a:fontRef idx="minor">
+            <a:schemeClr val="tx1"/>
+          </a:fontRef>
+        </p:style>
+      </p:cxnSp>
+      <p:sp>
+        <p:nvSpPr>
+          <p:cNvPr id="35" name="Oval 34">
+            <a:extLst>
+              <a:ext uri="{FF2B5EF4-FFF2-40B4-BE49-F238E27FC236}">
+                <a16:creationId xmlns:a16="http://schemas.microsoft.com/office/drawing/2014/main" id="{89B08108-FC4A-40B4-6C99-C16C11BEA937}"/>
+              </a:ext>
+            </a:extLst>
+          </p:cNvPr>
+          <p:cNvSpPr/>
+          <p:nvPr/>
+        </p:nvSpPr>
+        <p:spPr>
+          <a:xfrm>
+            <a:off x="1312406" y="4446160"/>
+            <a:ext cx="360000" cy="360000"/>
+          </a:xfrm>
+          <a:prstGeom prst="ellipse">
+            <a:avLst/>
+          </a:prstGeom>
+          <a:solidFill>
+            <a:srgbClr val="F8766D"/>
+          </a:solidFill>
+          <a:ln>
+            <a:solidFill>
+              <a:srgbClr val="D0180A"/>
+            </a:solidFill>
+          </a:ln>
+        </p:spPr>
+        <p:style>
+          <a:lnRef idx="2">
+            <a:schemeClr val="accent1">
+              <a:shade val="15000"/>
+            </a:schemeClr>
+          </a:lnRef>
+          <a:fillRef idx="1">
+            <a:schemeClr val="accent1"/>
+          </a:fillRef>
+          <a:effectRef idx="0">
+            <a:schemeClr val="accent1"/>
+          </a:effectRef>
+          <a:fontRef idx="minor">
+            <a:schemeClr val="lt1"/>
+          </a:fontRef>
+        </p:style>
+        <p:txBody>
+          <a:bodyPr rtlCol="0" anchor="ctr"/>
+          <a:lstStyle/>
+          <a:p>
+            <a:pPr algn="ctr"/>
+            <a:endParaRPr lang="en-US"/>
+          </a:p>
+        </p:txBody>
+      </p:sp>
+      <p:sp>
+        <p:nvSpPr>
+          <p:cNvPr id="36" name="Oval 35">
+            <a:extLst>
+              <a:ext uri="{FF2B5EF4-FFF2-40B4-BE49-F238E27FC236}">
+                <a16:creationId xmlns:a16="http://schemas.microsoft.com/office/drawing/2014/main" id="{9F170907-2FD5-C0B1-C07D-FFBDB2F9F350}"/>
+              </a:ext>
+            </a:extLst>
+          </p:cNvPr>
+          <p:cNvSpPr/>
+          <p:nvPr/>
+        </p:nvSpPr>
+        <p:spPr>
+          <a:xfrm>
+            <a:off x="2392406" y="4446160"/>
+            <a:ext cx="360000" cy="360000"/>
+          </a:xfrm>
+          <a:prstGeom prst="ellipse">
+            <a:avLst/>
+          </a:prstGeom>
+          <a:solidFill>
+            <a:srgbClr val="00BFC4"/>
+          </a:solidFill>
+          <a:ln>
+            <a:solidFill>
+              <a:srgbClr val="006D70"/>
+            </a:solidFill>
+          </a:ln>
+        </p:spPr>
+        <p:style>
+          <a:lnRef idx="2">
+            <a:schemeClr val="accent1">
+              <a:shade val="15000"/>
+            </a:schemeClr>
+          </a:lnRef>
+          <a:fillRef idx="1">
+            <a:schemeClr val="accent1"/>
+          </a:fillRef>
+          <a:effectRef idx="0">
+            <a:schemeClr val="accent1"/>
+          </a:effectRef>
+          <a:fontRef idx="minor">
+            <a:schemeClr val="lt1"/>
+          </a:fontRef>
+        </p:style>
+        <p:txBody>
+          <a:bodyPr rtlCol="0" anchor="ctr"/>
+          <a:lstStyle/>
+          <a:p>
+            <a:pPr algn="ctr"/>
+            <a:endParaRPr lang="en-US"/>
+          </a:p>
+        </p:txBody>
+      </p:sp>
+      <p:cxnSp>
+        <p:nvCxnSpPr>
+          <p:cNvPr id="37" name="Straight Arrow Connector 36">
+            <a:extLst>
+              <a:ext uri="{FF2B5EF4-FFF2-40B4-BE49-F238E27FC236}">
+                <a16:creationId xmlns:a16="http://schemas.microsoft.com/office/drawing/2014/main" id="{48EDD740-8813-622F-9D67-595FD9CEF02B}"/>
+              </a:ext>
+            </a:extLst>
+          </p:cNvPr>
+          <p:cNvCxnSpPr>
+            <a:stCxn id="35" idx="6"/>
+            <a:endCxn id="36" idx="2"/>
+          </p:cNvCxnSpPr>
+          <p:nvPr/>
+        </p:nvCxnSpPr>
+        <p:spPr>
+          <a:xfrm>
+            <a:off x="1672406" y="4626160"/>
+            <a:ext cx="720000" cy="0"/>
+          </a:xfrm>
+          <a:prstGeom prst="straightConnector1">
+            <a:avLst/>
+          </a:prstGeom>
+          <a:ln>
+            <a:tailEnd type="triangle"/>
+          </a:ln>
+        </p:spPr>
+        <p:style>
+          <a:lnRef idx="2">
+            <a:schemeClr val="dk1"/>
+          </a:lnRef>
+          <a:fillRef idx="0">
+            <a:schemeClr val="dk1"/>
+          </a:fillRef>
+          <a:effectRef idx="1">
+            <a:schemeClr val="dk1"/>
+          </a:effectRef>
+          <a:fontRef idx="minor">
+            <a:schemeClr val="tx1"/>
+          </a:fontRef>
+        </p:style>
+      </p:cxnSp>
+      <p:sp>
+        <p:nvSpPr>
+          <p:cNvPr id="38" name="TextBox 37">
+            <a:extLst>
+              <a:ext uri="{FF2B5EF4-FFF2-40B4-BE49-F238E27FC236}">
+                <a16:creationId xmlns:a16="http://schemas.microsoft.com/office/drawing/2014/main" id="{5F03EEF7-5073-9CA6-FE5B-A41BD36BE779}"/>
+              </a:ext>
+            </a:extLst>
+          </p:cNvPr>
+          <p:cNvSpPr txBox="1"/>
+          <p:nvPr/>
+        </p:nvSpPr>
+        <p:spPr>
+          <a:xfrm>
+            <a:off x="1076580" y="3866702"/>
+            <a:ext cx="1623232" cy="523220"/>
+          </a:xfrm>
+          <a:prstGeom prst="rect">
+            <a:avLst/>
+          </a:prstGeom>
+          <a:noFill/>
+        </p:spPr>
+        <p:txBody>
+          <a:bodyPr wrap="square" rtlCol="0">
+            <a:spAutoFit/>
+          </a:bodyPr>
+          <a:lstStyle/>
+          <a:p>
+            <a:r>
+              <a:rPr lang="en-US" sz="1400" dirty="0">
+                <a:solidFill>
+                  <a:srgbClr val="D0180A"/>
+                </a:solidFill>
+              </a:rPr>
+              <a:t>document reading technique</a:t>
+            </a:r>
+          </a:p>
+        </p:txBody>
+      </p:sp>
+      <p:sp>
+        <p:nvSpPr>
+          <p:cNvPr id="39" name="TextBox 38">
+            <a:extLst>
+              <a:ext uri="{FF2B5EF4-FFF2-40B4-BE49-F238E27FC236}">
+                <a16:creationId xmlns:a16="http://schemas.microsoft.com/office/drawing/2014/main" id="{E81F6427-E809-AF69-E433-8FE2FF465ADA}"/>
+              </a:ext>
+            </a:extLst>
+          </p:cNvPr>
+          <p:cNvSpPr txBox="1"/>
+          <p:nvPr/>
+        </p:nvSpPr>
+        <p:spPr>
+          <a:xfrm>
+            <a:off x="1434886" y="4890507"/>
+            <a:ext cx="1534587" cy="307777"/>
+          </a:xfrm>
+          <a:prstGeom prst="rect">
+            <a:avLst/>
+          </a:prstGeom>
+          <a:noFill/>
+        </p:spPr>
+        <p:txBody>
+          <a:bodyPr wrap="none" rtlCol="0">
+            <a:spAutoFit/>
+          </a:bodyPr>
+          <a:lstStyle/>
+          <a:p>
+            <a:r>
+              <a:rPr lang="en-US" sz="1400" dirty="0">
+                <a:solidFill>
+                  <a:srgbClr val="006D70"/>
+                </a:solidFill>
+              </a:rPr>
+              <a:t>identified defects</a:t>
+            </a:r>
+          </a:p>
+        </p:txBody>
+      </p:sp>
+      <p:pic>
+        <p:nvPicPr>
+          <p:cNvPr id="43" name="Picture 42">
+            <a:extLst>
+              <a:ext uri="{FF2B5EF4-FFF2-40B4-BE49-F238E27FC236}">
+                <a16:creationId xmlns:a16="http://schemas.microsoft.com/office/drawing/2014/main" id="{0A19FB5A-FE11-8DE1-A226-CD14B2E2FF5A}"/>
+              </a:ext>
+            </a:extLst>
+          </p:cNvPr>
+          <p:cNvPicPr>
+            <a:picLocks noChangeAspect="1"/>
+          </p:cNvPicPr>
+          <p:nvPr/>
+        </p:nvPicPr>
+        <p:blipFill>
+          <a:blip r:embed="rId9">
+            <a:extLst>
+              <a:ext uri="{28A0092B-C50C-407E-A947-70E740481C1C}">
+                <a14:useLocalDpi xmlns:a14="http://schemas.microsoft.com/office/drawing/2010/main" val="0"/>
+              </a:ext>
+            </a:extLst>
+          </a:blip>
+          <a:stretch>
+            <a:fillRect/>
+          </a:stretch>
+        </p:blipFill>
+        <p:spPr>
+          <a:xfrm>
+            <a:off x="6216180" y="4338875"/>
+            <a:ext cx="1798324" cy="719329"/>
+          </a:xfrm>
+          <a:prstGeom prst="rect">
+            <a:avLst/>
+          </a:prstGeom>
+        </p:spPr>
+      </p:pic>
+      <p:cxnSp>
+        <p:nvCxnSpPr>
+          <p:cNvPr id="44" name="Straight Arrow Connector 43">
+            <a:extLst>
+              <a:ext uri="{FF2B5EF4-FFF2-40B4-BE49-F238E27FC236}">
+                <a16:creationId xmlns:a16="http://schemas.microsoft.com/office/drawing/2014/main" id="{8439A8CF-FD54-84E1-B422-1FFCA9CC7EEE}"/>
+              </a:ext>
+            </a:extLst>
+          </p:cNvPr>
+          <p:cNvCxnSpPr>
+            <a:cxnSpLocks/>
+            <a:stCxn id="48" idx="3"/>
+            <a:endCxn id="49" idx="1"/>
+          </p:cNvCxnSpPr>
+          <p:nvPr/>
+        </p:nvCxnSpPr>
+        <p:spPr>
+          <a:xfrm>
+            <a:off x="9473000" y="4626160"/>
+            <a:ext cx="720000" cy="0"/>
+          </a:xfrm>
+          <a:prstGeom prst="straightConnector1">
+            <a:avLst/>
+          </a:prstGeom>
+          <a:ln>
+            <a:tailEnd type="triangle"/>
+          </a:ln>
+        </p:spPr>
+        <p:style>
+          <a:lnRef idx="2">
+            <a:schemeClr val="dk1"/>
+          </a:lnRef>
+          <a:fillRef idx="0">
+            <a:schemeClr val="dk1"/>
+          </a:fillRef>
+          <a:effectRef idx="1">
+            <a:schemeClr val="dk1"/>
+          </a:effectRef>
+          <a:fontRef idx="minor">
+            <a:schemeClr val="tx1"/>
+          </a:fontRef>
+        </p:style>
+      </p:cxnSp>
+      <p:sp>
+        <p:nvSpPr>
+          <p:cNvPr id="45" name="TextBox 44">
+            <a:extLst>
+              <a:ext uri="{FF2B5EF4-FFF2-40B4-BE49-F238E27FC236}">
+                <a16:creationId xmlns:a16="http://schemas.microsoft.com/office/drawing/2014/main" id="{F6C58606-EDB5-B70F-AA99-66D4158915F7}"/>
+              </a:ext>
+            </a:extLst>
+          </p:cNvPr>
+          <p:cNvSpPr txBox="1"/>
+          <p:nvPr/>
+        </p:nvSpPr>
+        <p:spPr>
+          <a:xfrm>
+            <a:off x="8877174" y="3930060"/>
+            <a:ext cx="1685434" cy="523220"/>
+          </a:xfrm>
+          <a:prstGeom prst="rect">
+            <a:avLst/>
+          </a:prstGeom>
+          <a:noFill/>
+        </p:spPr>
+        <p:txBody>
+          <a:bodyPr wrap="square" rtlCol="0">
+            <a:spAutoFit/>
+          </a:bodyPr>
+          <a:lstStyle/>
+          <a:p>
+            <a:r>
+              <a:rPr lang="en-US" sz="1400" dirty="0">
+                <a:solidFill>
+                  <a:srgbClr val="D0180A"/>
+                </a:solidFill>
+              </a:rPr>
+              <a:t>document reading technique</a:t>
+            </a:r>
+          </a:p>
+        </p:txBody>
+      </p:sp>
+      <p:sp>
+        <p:nvSpPr>
+          <p:cNvPr id="46" name="TextBox 45">
+            <a:extLst>
+              <a:ext uri="{FF2B5EF4-FFF2-40B4-BE49-F238E27FC236}">
+                <a16:creationId xmlns:a16="http://schemas.microsoft.com/office/drawing/2014/main" id="{4D9966DD-39CE-BB29-75A0-32544B5A9D69}"/>
+              </a:ext>
+            </a:extLst>
+          </p:cNvPr>
+          <p:cNvSpPr txBox="1"/>
+          <p:nvPr/>
+        </p:nvSpPr>
+        <p:spPr>
+          <a:xfrm>
+            <a:off x="9120766" y="4893345"/>
+            <a:ext cx="1534587" cy="307777"/>
+          </a:xfrm>
+          <a:prstGeom prst="rect">
+            <a:avLst/>
+          </a:prstGeom>
+          <a:noFill/>
+        </p:spPr>
+        <p:txBody>
+          <a:bodyPr wrap="none" rtlCol="0">
+            <a:spAutoFit/>
+          </a:bodyPr>
+          <a:lstStyle/>
+          <a:p>
+            <a:r>
+              <a:rPr lang="en-US" sz="1400" dirty="0">
+                <a:solidFill>
+                  <a:srgbClr val="006D70"/>
+                </a:solidFill>
+              </a:rPr>
+              <a:t>identified defects</a:t>
+            </a:r>
+          </a:p>
+        </p:txBody>
+      </p:sp>
+      <mc:AlternateContent xmlns:mc="http://schemas.openxmlformats.org/markup-compatibility/2006">
+        <mc:Choice xmlns:a14="http://schemas.microsoft.com/office/drawing/2010/main" Requires="a14">
+          <p:sp>
+            <p:nvSpPr>
+              <p:cNvPr id="47" name="TextBox 46">
+                <a:extLst>
+                  <a:ext uri="{FF2B5EF4-FFF2-40B4-BE49-F238E27FC236}">
+                    <a16:creationId xmlns:a16="http://schemas.microsoft.com/office/drawing/2014/main" id="{0CE4AFDA-2A73-13F9-1D57-E58240823910}"/>
+                  </a:ext>
+                </a:extLst>
+              </p:cNvPr>
+              <p:cNvSpPr txBox="1"/>
+              <p:nvPr/>
+            </p:nvSpPr>
+            <p:spPr>
+              <a:xfrm>
+                <a:off x="9533917" y="4630365"/>
+                <a:ext cx="547689" cy="307777"/>
+              </a:xfrm>
+              <a:prstGeom prst="rect">
+                <a:avLst/>
+              </a:prstGeom>
+              <a:noFill/>
+            </p:spPr>
+            <p:txBody>
+              <a:bodyPr wrap="square">
+                <a:spAutoFit/>
+              </a:bodyPr>
+              <a:lstStyle/>
+              <a:p>
+                <a:pPr/>
+                <a14:m>
+                  <m:oMathPara xmlns:m="http://schemas.openxmlformats.org/officeDocument/2006/math">
+                    <m:oMathParaPr>
+                      <m:jc m:val="centerGroup"/>
+                    </m:oMathParaPr>
+                    <m:oMath xmlns:m="http://schemas.openxmlformats.org/officeDocument/2006/math">
+                      <m:r>
+                        <a:rPr lang="sv-SE" sz="1400" b="0" i="1" smtClean="0">
+                          <a:latin typeface="Cambria Math" panose="02040503050406030204" pitchFamily="18" charset="0"/>
+                        </a:rPr>
+                        <m:t>5</m:t>
+                      </m:r>
+                    </m:oMath>
+                  </m:oMathPara>
+                </a14:m>
+                <a:endParaRPr lang="en-US" sz="1400" dirty="0"/>
+              </a:p>
+            </p:txBody>
+          </p:sp>
+        </mc:Choice>
+        <mc:Fallback>
+          <p:sp>
+            <p:nvSpPr>
+              <p:cNvPr id="47" name="TextBox 46">
+                <a:extLst>
+                  <a:ext uri="{FF2B5EF4-FFF2-40B4-BE49-F238E27FC236}">
+                    <a16:creationId xmlns:a16="http://schemas.microsoft.com/office/drawing/2014/main" id="{0CE4AFDA-2A73-13F9-1D57-E58240823910}"/>
+                  </a:ext>
+                </a:extLst>
+              </p:cNvPr>
+              <p:cNvSpPr txBox="1">
+                <a:spLocks noRot="1" noChangeAspect="1" noMove="1" noResize="1" noEditPoints="1" noAdjustHandles="1" noChangeArrowheads="1" noChangeShapeType="1" noTextEdit="1"/>
+              </p:cNvSpPr>
+              <p:nvPr/>
+            </p:nvSpPr>
+            <p:spPr>
+              <a:xfrm>
+                <a:off x="9533917" y="4630365"/>
+                <a:ext cx="547689" cy="307777"/>
+              </a:xfrm>
+              <a:prstGeom prst="rect">
+                <a:avLst/>
+              </a:prstGeom>
+              <a:blipFill>
+                <a:blip r:embed="rId10"/>
+                <a:stretch>
+                  <a:fillRect/>
+                </a:stretch>
+              </a:blipFill>
+            </p:spPr>
+            <p:txBody>
+              <a:bodyPr/>
+              <a:lstStyle/>
+              <a:p>
+                <a:r>
+                  <a:rPr lang="en-SE">
+                    <a:noFill/>
+                  </a:rPr>
+                  <a:t> </a:t>
+                </a:r>
+              </a:p>
+            </p:txBody>
+          </p:sp>
+        </mc:Fallback>
+      </mc:AlternateContent>
+      <p:sp>
+        <p:nvSpPr>
+          <p:cNvPr id="48" name="Rectangle: Rounded Corners 47">
+            <a:extLst>
+              <a:ext uri="{FF2B5EF4-FFF2-40B4-BE49-F238E27FC236}">
+                <a16:creationId xmlns:a16="http://schemas.microsoft.com/office/drawing/2014/main" id="{CE3A1435-32C5-6A7B-2293-7A21A65E79D8}"/>
+              </a:ext>
+            </a:extLst>
+          </p:cNvPr>
+          <p:cNvSpPr/>
+          <p:nvPr/>
+        </p:nvSpPr>
+        <p:spPr>
+          <a:xfrm>
+            <a:off x="9113000" y="4446160"/>
+            <a:ext cx="360000" cy="360000"/>
+          </a:xfrm>
+          <a:prstGeom prst="roundRect">
+            <a:avLst/>
+          </a:prstGeom>
+          <a:solidFill>
+            <a:srgbClr val="F8766D"/>
+          </a:solidFill>
+          <a:ln>
+            <a:solidFill>
+              <a:srgbClr val="D0180A"/>
+            </a:solidFill>
+          </a:ln>
+        </p:spPr>
+        <p:style>
+          <a:lnRef idx="2">
+            <a:schemeClr val="accent1">
+              <a:shade val="15000"/>
+            </a:schemeClr>
+          </a:lnRef>
+          <a:fillRef idx="1">
+            <a:schemeClr val="accent1"/>
+          </a:fillRef>
+          <a:effectRef idx="0">
+            <a:schemeClr val="accent1"/>
+          </a:effectRef>
+          <a:fontRef idx="minor">
+            <a:schemeClr val="lt1"/>
+          </a:fontRef>
+        </p:style>
+        <p:txBody>
+          <a:bodyPr rtlCol="0" anchor="ctr"/>
+          <a:lstStyle/>
+          <a:p>
+            <a:pPr algn="ctr"/>
+            <a:endParaRPr lang="en-US" dirty="0"/>
+          </a:p>
+        </p:txBody>
+      </p:sp>
+      <p:sp>
+        <p:nvSpPr>
+          <p:cNvPr id="49" name="Rectangle: Rounded Corners 48">
+            <a:extLst>
+              <a:ext uri="{FF2B5EF4-FFF2-40B4-BE49-F238E27FC236}">
+                <a16:creationId xmlns:a16="http://schemas.microsoft.com/office/drawing/2014/main" id="{EEA3C15D-1D95-3984-AD10-08F948D2E867}"/>
+              </a:ext>
+            </a:extLst>
+          </p:cNvPr>
+          <p:cNvSpPr/>
+          <p:nvPr/>
+        </p:nvSpPr>
+        <p:spPr>
+          <a:xfrm>
+            <a:off x="10193000" y="4446160"/>
+            <a:ext cx="360000" cy="360000"/>
+          </a:xfrm>
+          <a:prstGeom prst="roundRect">
+            <a:avLst/>
+          </a:prstGeom>
+          <a:solidFill>
+            <a:srgbClr val="00BFC4"/>
+          </a:solidFill>
+          <a:ln>
+            <a:solidFill>
+              <a:srgbClr val="006D70"/>
+            </a:solidFill>
+          </a:ln>
+        </p:spPr>
+        <p:style>
+          <a:lnRef idx="2">
+            <a:schemeClr val="accent1">
+              <a:shade val="15000"/>
+            </a:schemeClr>
+          </a:lnRef>
+          <a:fillRef idx="1">
+            <a:schemeClr val="accent1"/>
+          </a:fillRef>
+          <a:effectRef idx="0">
+            <a:schemeClr val="accent1"/>
+          </a:effectRef>
+          <a:fontRef idx="minor">
+            <a:schemeClr val="lt1"/>
+          </a:fontRef>
+        </p:style>
+        <p:txBody>
+          <a:bodyPr rtlCol="0" anchor="ctr"/>
+          <a:lstStyle/>
+          <a:p>
+            <a:pPr algn="ctr"/>
+            <a:endParaRPr lang="en-US" dirty="0"/>
+          </a:p>
+        </p:txBody>
+      </p:sp>
+      <mc:AlternateContent xmlns:mc="http://schemas.openxmlformats.org/markup-compatibility/2006">
+        <mc:Choice xmlns:a14="http://schemas.microsoft.com/office/drawing/2010/main" Requires="a14">
+          <p:sp>
+            <p:nvSpPr>
+              <p:cNvPr id="54" name="TextBox 53">
+                <a:extLst>
+                  <a:ext uri="{FF2B5EF4-FFF2-40B4-BE49-F238E27FC236}">
+                    <a16:creationId xmlns:a16="http://schemas.microsoft.com/office/drawing/2014/main" id="{7987BA8C-E0D1-1C00-0995-0DE767F06701}"/>
+                  </a:ext>
+                </a:extLst>
+              </p:cNvPr>
+              <p:cNvSpPr txBox="1"/>
+              <p:nvPr/>
+            </p:nvSpPr>
+            <p:spPr>
+              <a:xfrm>
+                <a:off x="3505324" y="4429485"/>
+                <a:ext cx="2133789" cy="276999"/>
+              </a:xfrm>
+              <a:prstGeom prst="rect">
+                <a:avLst/>
+              </a:prstGeom>
+              <a:noFill/>
+            </p:spPr>
+            <p:txBody>
+              <a:bodyPr wrap="none" lIns="0" tIns="0" rIns="0" bIns="0" rtlCol="0">
+                <a:spAutoFit/>
+              </a:bodyPr>
+              <a:lstStyle/>
+              <a:p>
+                <a:pPr/>
+                <a14:m>
+                  <m:oMathPara xmlns:m="http://schemas.openxmlformats.org/officeDocument/2006/math">
+                    <m:oMathParaPr>
+                      <m:jc m:val="centerGroup"/>
+                    </m:oMathParaPr>
+                    <m:oMath xmlns:m="http://schemas.openxmlformats.org/officeDocument/2006/math">
+                      <m:r>
+                        <a:rPr lang="sv-SE" b="0" i="1" smtClean="0">
+                          <a:latin typeface="Cambria Math" panose="02040503050406030204" pitchFamily="18" charset="0"/>
+                        </a:rPr>
+                        <m:t>𝑑𝑒𝑓𝑒𝑐𝑡𝑠</m:t>
+                      </m:r>
+                      <m:r>
+                        <a:rPr lang="sv-SE" b="0" i="1" smtClean="0">
+                          <a:latin typeface="Cambria Math" panose="02040503050406030204" pitchFamily="18" charset="0"/>
+                        </a:rPr>
+                        <m:t> ~ </m:t>
+                      </m:r>
+                      <m:r>
+                        <a:rPr lang="sv-SE" b="0" i="1" smtClean="0">
+                          <a:latin typeface="Cambria Math" panose="02040503050406030204" pitchFamily="18" charset="0"/>
+                        </a:rPr>
+                        <m:t>𝑡𝑒𝑐h𝑛𝑖𝑞𝑢𝑒</m:t>
+                      </m:r>
+                    </m:oMath>
+                  </m:oMathPara>
+                </a14:m>
+                <a:endParaRPr lang="en-US" dirty="0"/>
+              </a:p>
+            </p:txBody>
+          </p:sp>
+        </mc:Choice>
+        <mc:Fallback>
+          <p:sp>
+            <p:nvSpPr>
+              <p:cNvPr id="54" name="TextBox 53">
+                <a:extLst>
+                  <a:ext uri="{FF2B5EF4-FFF2-40B4-BE49-F238E27FC236}">
+                    <a16:creationId xmlns:a16="http://schemas.microsoft.com/office/drawing/2014/main" id="{7987BA8C-E0D1-1C00-0995-0DE767F06701}"/>
+                  </a:ext>
+                </a:extLst>
+              </p:cNvPr>
+              <p:cNvSpPr txBox="1">
+                <a:spLocks noRot="1" noChangeAspect="1" noMove="1" noResize="1" noEditPoints="1" noAdjustHandles="1" noChangeArrowheads="1" noChangeShapeType="1" noTextEdit="1"/>
+              </p:cNvSpPr>
+              <p:nvPr/>
+            </p:nvSpPr>
+            <p:spPr>
+              <a:xfrm>
+                <a:off x="3505324" y="4429485"/>
+                <a:ext cx="2133789" cy="276999"/>
+              </a:xfrm>
+              <a:prstGeom prst="rect">
+                <a:avLst/>
+              </a:prstGeom>
+              <a:blipFill>
+                <a:blip r:embed="rId11"/>
+                <a:stretch>
+                  <a:fillRect l="-3714" t="-4444" r="-3714" b="-35556"/>
+                </a:stretch>
+              </a:blipFill>
+            </p:spPr>
+            <p:txBody>
+              <a:bodyPr/>
+              <a:lstStyle/>
+              <a:p>
+                <a:r>
+                  <a:rPr lang="en-SE">
+                    <a:noFill/>
+                  </a:rPr>
+                  <a:t> </a:t>
+                </a:r>
+              </a:p>
+            </p:txBody>
+          </p:sp>
+        </mc:Fallback>
+      </mc:AlternateContent>
     </p:spTree>
     <p:extLst>
       <p:ext uri="{BB962C8B-B14F-4D97-AF65-F5344CB8AC3E}">
@@ -14764,7 +16391,7 @@
           <a:p>
             <a:fld id="{B1F82A23-AB26-4EA9-9EE4-DB6F9A4796C6}" type="datetime1">
               <a:rPr lang="de-DE" smtClean="0"/>
-              <a:t>28.04.2025</a:t>
+              <a:t>29.04.2025</a:t>
             </a:fld>
             <a:endParaRPr lang="en-US"/>
           </a:p>
@@ -15091,7 +16718,7 @@
           <a:p>
             <a:fld id="{B1F82A23-AB26-4EA9-9EE4-DB6F9A4796C6}" type="datetime1">
               <a:rPr lang="de-DE" smtClean="0"/>
-              <a:t>28.04.2025</a:t>
+              <a:t>29.04.2025</a:t>
             </a:fld>
             <a:endParaRPr lang="en-US"/>
           </a:p>
@@ -15268,7 +16895,7 @@
           <a:p>
             <a:fld id="{403A2FDA-9B6F-4F19-BB52-15CB2FEB03DD}" type="datetime1">
               <a:rPr lang="de-DE" smtClean="0"/>
-              <a:t>28.04.2025</a:t>
+              <a:t>29.04.2025</a:t>
             </a:fld>
             <a:endParaRPr lang="en-US"/>
           </a:p>
@@ -15412,7 +17039,7 @@
           <a:p>
             <a:fld id="{3DC0E102-9A36-4A87-9A15-82104AF8337B}" type="datetime1">
               <a:rPr lang="de-DE" smtClean="0"/>
-              <a:t>28.04.2025</a:t>
+              <a:t>29.04.2025</a:t>
             </a:fld>
             <a:endParaRPr lang="en-US"/>
           </a:p>
@@ -16286,7 +17913,7 @@
           <a:p>
             <a:fld id="{403A2FDA-9B6F-4F19-BB52-15CB2FEB03DD}" type="datetime1">
               <a:rPr lang="de-DE" smtClean="0"/>
-              <a:t>28.04.2025</a:t>
+              <a:t>29.04.2025</a:t>
             </a:fld>
             <a:endParaRPr lang="en-US"/>
           </a:p>
@@ -16456,7 +18083,7 @@
           <a:p>
             <a:fld id="{403A2FDA-9B6F-4F19-BB52-15CB2FEB03DD}" type="datetime1">
               <a:rPr lang="de-DE" smtClean="0"/>
-              <a:t>28.04.2025</a:t>
+              <a:t>29.04.2025</a:t>
             </a:fld>
             <a:endParaRPr lang="en-US"/>
           </a:p>
@@ -16626,7 +18253,7 @@
           <a:p>
             <a:fld id="{B1F82A23-AB26-4EA9-9EE4-DB6F9A4796C6}" type="datetime1">
               <a:rPr lang="de-DE" smtClean="0"/>
-              <a:t>28.04.2025</a:t>
+              <a:t>29.04.2025</a:t>
             </a:fld>
             <a:endParaRPr lang="en-US"/>
           </a:p>
@@ -16828,7 +18455,7 @@
           <a:p>
             <a:fld id="{B1F82A23-AB26-4EA9-9EE4-DB6F9A4796C6}" type="datetime1">
               <a:rPr lang="de-DE" smtClean="0"/>
-              <a:t>28.04.2025</a:t>
+              <a:t>29.04.2025</a:t>
             </a:fld>
             <a:endParaRPr lang="en-US"/>
           </a:p>
@@ -17267,7 +18894,7 @@
           <a:p>
             <a:fld id="{B1F82A23-AB26-4EA9-9EE4-DB6F9A4796C6}" type="datetime1">
               <a:rPr lang="de-DE" smtClean="0"/>
-              <a:t>28.04.2025</a:t>
+              <a:t>29.04.2025</a:t>
             </a:fld>
             <a:endParaRPr lang="en-US"/>
           </a:p>
@@ -17493,7 +19120,7 @@
           <a:p>
             <a:fld id="{403A2FDA-9B6F-4F19-BB52-15CB2FEB03DD}" type="datetime1">
               <a:rPr lang="de-DE" smtClean="0"/>
-              <a:t>28.04.2025</a:t>
+              <a:t>29.04.2025</a:t>
             </a:fld>
             <a:endParaRPr lang="en-US"/>
           </a:p>
@@ -17673,7 +19300,7 @@
           <a:p>
             <a:fld id="{403A2FDA-9B6F-4F19-BB52-15CB2FEB03DD}" type="datetime1">
               <a:rPr lang="de-DE" smtClean="0"/>
-              <a:t>28.04.2025</a:t>
+              <a:t>29.04.2025</a:t>
             </a:fld>
             <a:endParaRPr lang="en-US"/>
           </a:p>
@@ -19158,7 +20785,7 @@
           <a:p>
             <a:fld id="{403A2FDA-9B6F-4F19-BB52-15CB2FEB03DD}" type="datetime1">
               <a:rPr lang="de-DE" smtClean="0"/>
-              <a:t>28.04.2025</a:t>
+              <a:t>29.04.2025</a:t>
             </a:fld>
             <a:endParaRPr lang="en-US"/>
           </a:p>
@@ -21715,7 +23342,7 @@
           <a:p>
             <a:fld id="{403A2FDA-9B6F-4F19-BB52-15CB2FEB03DD}" type="datetime1">
               <a:rPr lang="de-DE" smtClean="0"/>
-              <a:t>28.04.2025</a:t>
+              <a:t>29.04.2025</a:t>
             </a:fld>
             <a:endParaRPr lang="en-US"/>
           </a:p>
@@ -21885,7 +23512,7 @@
           <a:p>
             <a:fld id="{403A2FDA-9B6F-4F19-BB52-15CB2FEB03DD}" type="datetime1">
               <a:rPr lang="de-DE" smtClean="0"/>
-              <a:t>28.04.2025</a:t>
+              <a:t>29.04.2025</a:t>
             </a:fld>
             <a:endParaRPr lang="en-US"/>
           </a:p>
@@ -22057,7 +23684,7 @@
           <a:p>
             <a:fld id="{403A2FDA-9B6F-4F19-BB52-15CB2FEB03DD}" type="datetime1">
               <a:rPr lang="de-DE" smtClean="0"/>
-              <a:t>28.04.2025</a:t>
+              <a:t>29.04.2025</a:t>
             </a:fld>
             <a:endParaRPr lang="en-US"/>
           </a:p>
@@ -22412,7 +24039,7 @@
           <a:p>
             <a:fld id="{B1F82A23-AB26-4EA9-9EE4-DB6F9A4796C6}" type="datetime1">
               <a:rPr lang="de-DE" smtClean="0"/>
-              <a:t>28.04.2025</a:t>
+              <a:t>29.04.2025</a:t>
             </a:fld>
             <a:endParaRPr lang="en-US"/>
           </a:p>
@@ -22813,7 +24440,7 @@
           <a:p>
             <a:fld id="{403A2FDA-9B6F-4F19-BB52-15CB2FEB03DD}" type="datetime1">
               <a:rPr lang="de-DE" smtClean="0"/>
-              <a:t>28.04.2025</a:t>
+              <a:t>29.04.2025</a:t>
             </a:fld>
             <a:endParaRPr lang="en-US"/>
           </a:p>
@@ -23001,7 +24628,7 @@
           <a:p>
             <a:fld id="{403A2FDA-9B6F-4F19-BB52-15CB2FEB03DD}" type="datetime1">
               <a:rPr lang="de-DE" smtClean="0"/>
-              <a:t>28.04.2025</a:t>
+              <a:t>29.04.2025</a:t>
             </a:fld>
             <a:endParaRPr lang="en-US"/>
           </a:p>
@@ -24063,8 +25690,8 @@
             </p:style>
           </p:cxnSp>
         </p:grpSp>
-        <mc:AlternateContent xmlns:mc="http://schemas.openxmlformats.org/markup-compatibility/2006">
-          <mc:Choice xmlns:a14="http://schemas.microsoft.com/office/drawing/2010/main" Requires="a14">
+        <mc:AlternateContent xmlns:mc="http://schemas.openxmlformats.org/markup-compatibility/2006" xmlns:a14="http://schemas.microsoft.com/office/drawing/2010/main">
+          <mc:Choice Requires="a14">
             <p:sp>
               <p:nvSpPr>
                 <p:cNvPr id="54" name="TextBox 53">
@@ -24093,6 +25720,7 @@
                 </a:bodyPr>
                 <a:lstStyle/>
                 <a:p>
+                  <a:pPr/>
                   <a14:m>
                     <m:oMathPara xmlns:m="http://schemas.openxmlformats.org/officeDocument/2006/math">
                       <m:oMathParaPr>
@@ -24137,7 +25765,7 @@
               </p:txBody>
             </p:sp>
           </mc:Choice>
-          <mc:Fallback>
+          <mc:Fallback xmlns="">
             <p:sp>
               <p:nvSpPr>
                 <p:cNvPr id="54" name="TextBox 53">
@@ -24500,8 +26128,8 @@
             </p:style>
           </p:cxnSp>
         </p:grpSp>
-        <mc:AlternateContent xmlns:mc="http://schemas.openxmlformats.org/markup-compatibility/2006">
-          <mc:Choice xmlns:a14="http://schemas.microsoft.com/office/drawing/2010/main" Requires="a14">
+        <mc:AlternateContent xmlns:mc="http://schemas.openxmlformats.org/markup-compatibility/2006" xmlns:a14="http://schemas.microsoft.com/office/drawing/2010/main">
+          <mc:Choice Requires="a14">
             <p:sp>
               <p:nvSpPr>
                 <p:cNvPr id="55" name="TextBox 54">
@@ -24530,6 +26158,7 @@
                 </a:bodyPr>
                 <a:lstStyle/>
                 <a:p>
+                  <a:pPr/>
                   <a14:m>
                     <m:oMathPara xmlns:m="http://schemas.openxmlformats.org/officeDocument/2006/math">
                       <m:oMathParaPr>
@@ -24562,7 +26191,7 @@
               </p:txBody>
             </p:sp>
           </mc:Choice>
-          <mc:Fallback>
+          <mc:Fallback xmlns="">
             <p:sp>
               <p:nvSpPr>
                 <p:cNvPr id="55" name="TextBox 54">
@@ -24629,10 +26258,68 @@
             <a:avLst/>
           </a:prstGeom>
           <a:solidFill>
-            <a:schemeClr val="tx2">
-              <a:lumMod val="10000"/>
-              <a:lumOff val="90000"/>
+            <a:schemeClr val="bg1"/>
+          </a:solidFill>
+          <a:ln>
+            <a:solidFill>
+              <a:srgbClr val="006D70"/>
+            </a:solidFill>
+          </a:ln>
+          <a:effectLst>
+            <a:innerShdw blurRad="63500" dist="50800" dir="13500000">
+              <a:prstClr val="black">
+                <a:alpha val="50000"/>
+              </a:prstClr>
+            </a:innerShdw>
+          </a:effectLst>
+        </p:spPr>
+        <p:style>
+          <a:lnRef idx="2">
+            <a:schemeClr val="accent1">
+              <a:shade val="15000"/>
             </a:schemeClr>
+          </a:lnRef>
+          <a:fillRef idx="1">
+            <a:schemeClr val="accent1"/>
+          </a:fillRef>
+          <a:effectRef idx="0">
+            <a:schemeClr val="accent1"/>
+          </a:effectRef>
+          <a:fontRef idx="minor">
+            <a:schemeClr val="lt1"/>
+          </a:fontRef>
+        </p:style>
+        <p:txBody>
+          <a:bodyPr rtlCol="0" anchor="ctr"/>
+          <a:lstStyle/>
+          <a:p>
+            <a:pPr algn="ctr"/>
+            <a:endParaRPr lang="en-SE"/>
+          </a:p>
+        </p:txBody>
+      </p:sp>
+      <p:sp>
+        <p:nvSpPr>
+          <p:cNvPr id="65" name="Rectangle 64">
+            <a:extLst>
+              <a:ext uri="{FF2B5EF4-FFF2-40B4-BE49-F238E27FC236}">
+                <a16:creationId xmlns:a16="http://schemas.microsoft.com/office/drawing/2014/main" id="{AE443B7F-4C93-1D72-C328-9123B6BA7969}"/>
+              </a:ext>
+            </a:extLst>
+          </p:cNvPr>
+          <p:cNvSpPr/>
+          <p:nvPr/>
+        </p:nvSpPr>
+        <p:spPr>
+          <a:xfrm>
+            <a:off x="6096000" y="4264572"/>
+            <a:ext cx="2017987" cy="915842"/>
+          </a:xfrm>
+          <a:prstGeom prst="rect">
+            <a:avLst/>
+          </a:prstGeom>
+          <a:solidFill>
+            <a:schemeClr val="bg1"/>
           </a:solidFill>
           <a:ln>
             <a:solidFill>
@@ -24677,10 +26364,10 @@
       </p:sp>
       <p:sp>
         <p:nvSpPr>
-          <p:cNvPr id="65" name="Rectangle 64">
-            <a:extLst>
-              <a:ext uri="{FF2B5EF4-FFF2-40B4-BE49-F238E27FC236}">
-                <a16:creationId xmlns:a16="http://schemas.microsoft.com/office/drawing/2014/main" id="{AE443B7F-4C93-1D72-C328-9123B6BA7969}"/>
+          <p:cNvPr id="68" name="Rectangle 67">
+            <a:extLst>
+              <a:ext uri="{FF2B5EF4-FFF2-40B4-BE49-F238E27FC236}">
+                <a16:creationId xmlns:a16="http://schemas.microsoft.com/office/drawing/2014/main" id="{E2026D1F-9960-7308-A9AE-B01BA89A66A7}"/>
               </a:ext>
             </a:extLst>
           </p:cNvPr>
@@ -24689,17 +26376,14 @@
         </p:nvSpPr>
         <p:spPr>
           <a:xfrm>
-            <a:off x="6096000" y="4264572"/>
+            <a:off x="3860301" y="5307905"/>
             <a:ext cx="2017987" cy="915842"/>
           </a:xfrm>
           <a:prstGeom prst="rect">
             <a:avLst/>
           </a:prstGeom>
           <a:solidFill>
-            <a:schemeClr val="accent2">
-              <a:lumMod val="20000"/>
-              <a:lumOff val="80000"/>
-            </a:schemeClr>
+            <a:schemeClr val="bg1"/>
           </a:solidFill>
           <a:ln>
             <a:solidFill>
@@ -24744,10 +26428,10 @@
       </p:sp>
       <p:sp>
         <p:nvSpPr>
-          <p:cNvPr id="68" name="Rectangle 67">
-            <a:extLst>
-              <a:ext uri="{FF2B5EF4-FFF2-40B4-BE49-F238E27FC236}">
-                <a16:creationId xmlns:a16="http://schemas.microsoft.com/office/drawing/2014/main" id="{E2026D1F-9960-7308-A9AE-B01BA89A66A7}"/>
+          <p:cNvPr id="69" name="Rectangle 68">
+            <a:extLst>
+              <a:ext uri="{FF2B5EF4-FFF2-40B4-BE49-F238E27FC236}">
+                <a16:creationId xmlns:a16="http://schemas.microsoft.com/office/drawing/2014/main" id="{F4EEA625-4A18-2999-A24B-CB8E0CC8FC1C}"/>
               </a:ext>
             </a:extLst>
           </p:cNvPr>
@@ -24756,24 +26440,18 @@
         </p:nvSpPr>
         <p:spPr>
           <a:xfrm>
-            <a:off x="3860301" y="5307905"/>
+            <a:off x="6096000" y="5307905"/>
             <a:ext cx="2017987" cy="915842"/>
           </a:xfrm>
           <a:prstGeom prst="rect">
             <a:avLst/>
           </a:prstGeom>
           <a:solidFill>
-            <a:schemeClr val="accent2">
-              <a:lumMod val="20000"/>
-              <a:lumOff val="80000"/>
-            </a:schemeClr>
+            <a:schemeClr val="bg1"/>
           </a:solidFill>
           <a:ln>
             <a:solidFill>
-              <a:schemeClr val="tx1">
-                <a:lumMod val="50000"/>
-                <a:lumOff val="50000"/>
-              </a:schemeClr>
+              <a:srgbClr val="006D70"/>
             </a:solidFill>
           </a:ln>
           <a:effectLst>
@@ -24811,73 +26489,6 @@
       </p:sp>
       <p:sp>
         <p:nvSpPr>
-          <p:cNvPr id="69" name="Rectangle 68">
-            <a:extLst>
-              <a:ext uri="{FF2B5EF4-FFF2-40B4-BE49-F238E27FC236}">
-                <a16:creationId xmlns:a16="http://schemas.microsoft.com/office/drawing/2014/main" id="{F4EEA625-4A18-2999-A24B-CB8E0CC8FC1C}"/>
-              </a:ext>
-            </a:extLst>
-          </p:cNvPr>
-          <p:cNvSpPr/>
-          <p:nvPr/>
-        </p:nvSpPr>
-        <p:spPr>
-          <a:xfrm>
-            <a:off x="6096000" y="5307905"/>
-            <a:ext cx="2017987" cy="915842"/>
-          </a:xfrm>
-          <a:prstGeom prst="rect">
-            <a:avLst/>
-          </a:prstGeom>
-          <a:solidFill>
-            <a:schemeClr val="tx2">
-              <a:lumMod val="10000"/>
-              <a:lumOff val="90000"/>
-            </a:schemeClr>
-          </a:solidFill>
-          <a:ln>
-            <a:solidFill>
-              <a:schemeClr val="tx1">
-                <a:lumMod val="50000"/>
-                <a:lumOff val="50000"/>
-              </a:schemeClr>
-            </a:solidFill>
-          </a:ln>
-          <a:effectLst>
-            <a:innerShdw blurRad="63500" dist="50800" dir="13500000">
-              <a:prstClr val="black">
-                <a:alpha val="50000"/>
-              </a:prstClr>
-            </a:innerShdw>
-          </a:effectLst>
-        </p:spPr>
-        <p:style>
-          <a:lnRef idx="2">
-            <a:schemeClr val="accent1">
-              <a:shade val="15000"/>
-            </a:schemeClr>
-          </a:lnRef>
-          <a:fillRef idx="1">
-            <a:schemeClr val="accent1"/>
-          </a:fillRef>
-          <a:effectRef idx="0">
-            <a:schemeClr val="accent1"/>
-          </a:effectRef>
-          <a:fontRef idx="minor">
-            <a:schemeClr val="lt1"/>
-          </a:fontRef>
-        </p:style>
-        <p:txBody>
-          <a:bodyPr rtlCol="0" anchor="ctr"/>
-          <a:lstStyle/>
-          <a:p>
-            <a:pPr algn="ctr"/>
-            <a:endParaRPr lang="en-SE"/>
-          </a:p>
-        </p:txBody>
-      </p:sp>
-      <p:sp>
-        <p:nvSpPr>
           <p:cNvPr id="72" name="TextBox 71">
             <a:extLst>
               <a:ext uri="{FF2B5EF4-FFF2-40B4-BE49-F238E27FC236}">
@@ -24963,8 +26574,8 @@
         </p:nvSpPr>
         <p:spPr>
           <a:xfrm>
-            <a:off x="2312194" y="4214835"/>
-            <a:ext cx="5879306" cy="1031057"/>
+            <a:off x="2312194" y="4214836"/>
+            <a:ext cx="9594558" cy="1004500"/>
           </a:xfrm>
           <a:prstGeom prst="rect">
             <a:avLst/>
@@ -24996,28 +26607,335 @@
           </a:p>
         </p:txBody>
       </p:sp>
-      <p:sp>
-        <p:nvSpPr>
-          <p:cNvPr id="75" name="TextBox 74">
-            <a:extLst>
-              <a:ext uri="{FF2B5EF4-FFF2-40B4-BE49-F238E27FC236}">
-                <a16:creationId xmlns:a16="http://schemas.microsoft.com/office/drawing/2014/main" id="{B3BCC7D0-B229-B1B8-6F4F-500C2527B55B}"/>
-              </a:ext>
-            </a:extLst>
-          </p:cNvPr>
-          <p:cNvSpPr txBox="1"/>
+      <p:pic>
+        <p:nvPicPr>
+          <p:cNvPr id="30" name="Picture 29">
+            <a:extLst>
+              <a:ext uri="{FF2B5EF4-FFF2-40B4-BE49-F238E27FC236}">
+                <a16:creationId xmlns:a16="http://schemas.microsoft.com/office/drawing/2014/main" id="{1F300AB5-73A6-EA9F-39D2-3F2FB395E262}"/>
+              </a:ext>
+            </a:extLst>
+          </p:cNvPr>
+          <p:cNvPicPr>
+            <a:picLocks noChangeAspect="1"/>
+          </p:cNvPicPr>
           <p:nvPr/>
-        </p:nvSpPr>
+        </p:nvPicPr>
+        <p:blipFill>
+          <a:blip r:embed="rId4">
+            <a:extLst>
+              <a:ext uri="{28A0092B-C50C-407E-A947-70E740481C1C}">
+                <a14:useLocalDpi xmlns:a14="http://schemas.microsoft.com/office/drawing/2010/main" val="0"/>
+              </a:ext>
+            </a:extLst>
+          </a:blip>
+          <a:stretch>
+            <a:fillRect/>
+          </a:stretch>
+        </p:blipFill>
         <p:spPr>
           <a:xfrm>
-            <a:off x="8629207" y="5105058"/>
-            <a:ext cx="2955318" cy="954107"/>
+            <a:off x="4183503" y="4317459"/>
+            <a:ext cx="1371581" cy="822948"/>
+          </a:xfrm>
+          <a:prstGeom prst="rect">
+            <a:avLst/>
+          </a:prstGeom>
+        </p:spPr>
+      </p:pic>
+      <p:pic>
+        <p:nvPicPr>
+          <p:cNvPr id="32" name="Picture 31">
+            <a:extLst>
+              <a:ext uri="{FF2B5EF4-FFF2-40B4-BE49-F238E27FC236}">
+                <a16:creationId xmlns:a16="http://schemas.microsoft.com/office/drawing/2014/main" id="{6033A919-20D8-9235-E6FA-5989F596B972}"/>
+              </a:ext>
+            </a:extLst>
+          </p:cNvPr>
+          <p:cNvPicPr>
+            <a:picLocks noChangeAspect="1"/>
+          </p:cNvPicPr>
+          <p:nvPr/>
+        </p:nvPicPr>
+        <p:blipFill>
+          <a:blip r:embed="rId2">
+            <a:extLst>
+              <a:ext uri="{28A0092B-C50C-407E-A947-70E740481C1C}">
+                <a14:useLocalDpi xmlns:a14="http://schemas.microsoft.com/office/drawing/2010/main" val="0"/>
+              </a:ext>
+            </a:extLst>
+          </a:blip>
+          <a:stretch>
+            <a:fillRect/>
+          </a:stretch>
+        </p:blipFill>
+        <p:spPr>
+          <a:xfrm>
+            <a:off x="6416656" y="5625218"/>
+            <a:ext cx="1380901" cy="552360"/>
+          </a:xfrm>
+          <a:prstGeom prst="rect">
+            <a:avLst/>
+          </a:prstGeom>
+        </p:spPr>
+      </p:pic>
+      <p:pic>
+        <p:nvPicPr>
+          <p:cNvPr id="34" name="Picture 33">
+            <a:extLst>
+              <a:ext uri="{FF2B5EF4-FFF2-40B4-BE49-F238E27FC236}">
+                <a16:creationId xmlns:a16="http://schemas.microsoft.com/office/drawing/2014/main" id="{34A7BD46-491C-A30A-6375-6E9A63F15A7E}"/>
+              </a:ext>
+            </a:extLst>
+          </p:cNvPr>
+          <p:cNvPicPr>
+            <a:picLocks noChangeAspect="1"/>
+          </p:cNvPicPr>
+          <p:nvPr/>
+        </p:nvPicPr>
+        <p:blipFill>
+          <a:blip r:embed="rId5">
+            <a:extLst>
+              <a:ext uri="{28A0092B-C50C-407E-A947-70E740481C1C}">
+                <a14:useLocalDpi xmlns:a14="http://schemas.microsoft.com/office/drawing/2010/main" val="0"/>
+              </a:ext>
+            </a:extLst>
+          </a:blip>
+          <a:stretch>
+            <a:fillRect/>
+          </a:stretch>
+        </p:blipFill>
+        <p:spPr>
+          <a:xfrm>
+            <a:off x="6416656" y="4588837"/>
+            <a:ext cx="1376674" cy="550669"/>
+          </a:xfrm>
+          <a:prstGeom prst="rect">
+            <a:avLst/>
+          </a:prstGeom>
+        </p:spPr>
+      </p:pic>
+      <p:pic>
+        <p:nvPicPr>
+          <p:cNvPr id="36" name="Picture 35">
+            <a:extLst>
+              <a:ext uri="{FF2B5EF4-FFF2-40B4-BE49-F238E27FC236}">
+                <a16:creationId xmlns:a16="http://schemas.microsoft.com/office/drawing/2014/main" id="{FD491319-3730-EAEB-7F7A-740B45F853B2}"/>
+              </a:ext>
+            </a:extLst>
+          </p:cNvPr>
+          <p:cNvPicPr>
+            <a:picLocks noChangeAspect="1"/>
+          </p:cNvPicPr>
+          <p:nvPr/>
+        </p:nvPicPr>
+        <p:blipFill>
+          <a:blip r:embed="rId6">
+            <a:extLst>
+              <a:ext uri="{28A0092B-C50C-407E-A947-70E740481C1C}">
+                <a14:useLocalDpi xmlns:a14="http://schemas.microsoft.com/office/drawing/2010/main" val="0"/>
+              </a:ext>
+            </a:extLst>
+          </a:blip>
+          <a:stretch>
+            <a:fillRect/>
+          </a:stretch>
+        </p:blipFill>
+        <p:spPr>
+          <a:xfrm>
+            <a:off x="4183505" y="5354631"/>
+            <a:ext cx="1371579" cy="822947"/>
+          </a:xfrm>
+          <a:prstGeom prst="rect">
+            <a:avLst/>
+          </a:prstGeom>
+        </p:spPr>
+      </p:pic>
+      <p:grpSp>
+        <p:nvGrpSpPr>
+          <p:cNvPr id="37" name="Group 36">
+            <a:extLst>
+              <a:ext uri="{FF2B5EF4-FFF2-40B4-BE49-F238E27FC236}">
+                <a16:creationId xmlns:a16="http://schemas.microsoft.com/office/drawing/2014/main" id="{BE777473-7ECB-9C8A-A93C-0693D4C15A0C}"/>
+              </a:ext>
+            </a:extLst>
+          </p:cNvPr>
+          <p:cNvGrpSpPr/>
+          <p:nvPr/>
+        </p:nvGrpSpPr>
+        <p:grpSpPr>
+          <a:xfrm>
+            <a:off x="7904392" y="2887555"/>
+            <a:ext cx="4559103" cy="946595"/>
+            <a:chOff x="775412" y="5230368"/>
+            <a:chExt cx="4559103" cy="946595"/>
+          </a:xfrm>
+        </p:grpSpPr>
+        <p:sp>
+          <p:nvSpPr>
+            <p:cNvPr id="46" name="Rectangle: Rounded Corners 45">
+              <a:extLst>
+                <a:ext uri="{FF2B5EF4-FFF2-40B4-BE49-F238E27FC236}">
+                  <a16:creationId xmlns:a16="http://schemas.microsoft.com/office/drawing/2014/main" id="{7CE16B59-BC59-3B38-54B2-9147B5EE2EA3}"/>
+                </a:ext>
+              </a:extLst>
+            </p:cNvPr>
+            <p:cNvSpPr/>
+            <p:nvPr/>
+          </p:nvSpPr>
+          <p:spPr>
+            <a:xfrm>
+              <a:off x="775412" y="5230368"/>
+              <a:ext cx="4559103" cy="946595"/>
+            </a:xfrm>
+            <a:prstGeom prst="roundRect">
+              <a:avLst/>
+            </a:prstGeom>
+            <a:effectLst>
+              <a:outerShdw blurRad="50800" dist="38100" dir="2700000" algn="tl" rotWithShape="0">
+                <a:prstClr val="black">
+                  <a:alpha val="40000"/>
+                </a:prstClr>
+              </a:outerShdw>
+            </a:effectLst>
+          </p:spPr>
+          <p:style>
+            <a:lnRef idx="2">
+              <a:schemeClr val="accent1">
+                <a:shade val="15000"/>
+              </a:schemeClr>
+            </a:lnRef>
+            <a:fillRef idx="1">
+              <a:schemeClr val="accent1"/>
+            </a:fillRef>
+            <a:effectRef idx="0">
+              <a:schemeClr val="accent1"/>
+            </a:effectRef>
+            <a:fontRef idx="minor">
+              <a:schemeClr val="lt1"/>
+            </a:fontRef>
+          </p:style>
+          <p:txBody>
+            <a:bodyPr lIns="612000" rtlCol="0" anchor="ctr"/>
+            <a:lstStyle/>
+            <a:p>
+              <a:r>
+                <a:rPr lang="en-US" sz="1400" dirty="0">
+                  <a:solidFill>
+                    <a:schemeClr val="bg1"/>
+                  </a:solidFill>
+                </a:rPr>
+                <a:t>Depending on the observed change in results, you can infer which assumed causal model describes the data creation process best </a:t>
+              </a:r>
+            </a:p>
+          </p:txBody>
+        </p:sp>
+        <p:pic>
+          <p:nvPicPr>
+            <p:cNvPr id="52" name="Graphic 51" descr="Open quotation mark with solid fill">
+              <a:extLst>
+                <a:ext uri="{FF2B5EF4-FFF2-40B4-BE49-F238E27FC236}">
+                  <a16:creationId xmlns:a16="http://schemas.microsoft.com/office/drawing/2014/main" id="{97CFE505-EFCF-2ABE-7320-8B2E3B14497A}"/>
+                </a:ext>
+              </a:extLst>
+            </p:cNvPr>
+            <p:cNvPicPr>
+              <a:picLocks noChangeAspect="1"/>
+            </p:cNvPicPr>
+            <p:nvPr/>
+          </p:nvPicPr>
+          <p:blipFill>
+            <a:blip r:embed="rId7">
+              <a:extLst>
+                <a:ext uri="{96DAC541-7B7A-43D3-8B79-37D633B846F1}">
+                  <asvg:svgBlip xmlns:asvg="http://schemas.microsoft.com/office/drawing/2016/SVG/main" r:embed="rId8"/>
+                </a:ext>
+              </a:extLst>
+            </a:blip>
+            <a:stretch>
+              <a:fillRect/>
+            </a:stretch>
+          </p:blipFill>
+          <p:spPr>
+            <a:xfrm rot="10800000">
+              <a:off x="775412" y="5343665"/>
+              <a:ext cx="720000" cy="720000"/>
+            </a:xfrm>
+            <a:prstGeom prst="rect">
+              <a:avLst/>
+            </a:prstGeom>
+          </p:spPr>
+        </p:pic>
+      </p:grpSp>
+      <p:sp>
+        <p:nvSpPr>
+          <p:cNvPr id="56" name="Rectangle 55">
+            <a:extLst>
+              <a:ext uri="{FF2B5EF4-FFF2-40B4-BE49-F238E27FC236}">
+                <a16:creationId xmlns:a16="http://schemas.microsoft.com/office/drawing/2014/main" id="{37B8BFFF-87AC-C706-FF62-DA93BDA4EF93}"/>
+              </a:ext>
+            </a:extLst>
+          </p:cNvPr>
+          <p:cNvSpPr/>
+          <p:nvPr/>
+        </p:nvSpPr>
+        <p:spPr>
+          <a:xfrm>
+            <a:off x="2312194" y="5265505"/>
+            <a:ext cx="9594558" cy="1011015"/>
           </a:xfrm>
           <a:prstGeom prst="rect">
             <a:avLst/>
           </a:prstGeom>
           <a:noFill/>
         </p:spPr>
+        <p:style>
+          <a:lnRef idx="2">
+            <a:schemeClr val="accent1">
+              <a:shade val="15000"/>
+            </a:schemeClr>
+          </a:lnRef>
+          <a:fillRef idx="1">
+            <a:schemeClr val="accent1"/>
+          </a:fillRef>
+          <a:effectRef idx="0">
+            <a:schemeClr val="accent1"/>
+          </a:effectRef>
+          <a:fontRef idx="minor">
+            <a:schemeClr val="lt1"/>
+          </a:fontRef>
+        </p:style>
+        <p:txBody>
+          <a:bodyPr rtlCol="0" anchor="ctr"/>
+          <a:lstStyle/>
+          <a:p>
+            <a:pPr algn="ctr"/>
+            <a:endParaRPr lang="en-SE"/>
+          </a:p>
+        </p:txBody>
+      </p:sp>
+      <p:sp>
+        <p:nvSpPr>
+          <p:cNvPr id="57" name="TextBox 56">
+            <a:extLst>
+              <a:ext uri="{FF2B5EF4-FFF2-40B4-BE49-F238E27FC236}">
+                <a16:creationId xmlns:a16="http://schemas.microsoft.com/office/drawing/2014/main" id="{9F1426DC-02B0-FFB4-2B8A-2BE467B50B73}"/>
+              </a:ext>
+            </a:extLst>
+          </p:cNvPr>
+          <p:cNvSpPr txBox="1"/>
+          <p:nvPr/>
+        </p:nvSpPr>
+        <p:spPr>
+          <a:xfrm>
+            <a:off x="8264392" y="4248491"/>
+            <a:ext cx="3642360" cy="923330"/>
+          </a:xfrm>
+          <a:prstGeom prst="rect">
+            <a:avLst/>
+          </a:prstGeom>
+          <a:noFill/>
+        </p:spPr>
         <p:txBody>
           <a:bodyPr wrap="square" rtlCol="0">
             <a:spAutoFit/>
@@ -25025,62 +26943,57 @@
           <a:lstStyle/>
           <a:p>
             <a:r>
-              <a:rPr lang="en-US" sz="1400" dirty="0">
-                <a:solidFill>
-                  <a:schemeClr val="tx2">
-                    <a:lumMod val="75000"/>
-                    <a:lumOff val="25000"/>
-                  </a:schemeClr>
-                </a:solidFill>
-              </a:rPr>
-              <a:t>Depending on the observed change in results, you can infer which assumed causal model describes the data creation process best </a:t>
-            </a:r>
-          </a:p>
-        </p:txBody>
-      </p:sp>
-      <p:cxnSp>
-        <p:nvCxnSpPr>
-          <p:cNvPr id="76" name="Connector: Curved 75">
-            <a:extLst>
-              <a:ext uri="{FF2B5EF4-FFF2-40B4-BE49-F238E27FC236}">
-                <a16:creationId xmlns:a16="http://schemas.microsoft.com/office/drawing/2014/main" id="{99108B8A-4A3C-11C4-FBE2-34C9168FA2B8}"/>
-              </a:ext>
-            </a:extLst>
-          </p:cNvPr>
-          <p:cNvCxnSpPr>
-            <a:cxnSpLocks/>
-            <a:stCxn id="75" idx="0"/>
-            <a:endCxn id="74" idx="3"/>
-          </p:cNvCxnSpPr>
+              <a:rPr lang="en-GB" dirty="0"/>
+              <a:t>If the effect of x on y changes when including z, then z has a causal effect on y.</a:t>
+            </a:r>
+            <a:endParaRPr lang="en-SE" dirty="0"/>
+          </a:p>
+        </p:txBody>
+      </p:sp>
+      <p:sp>
+        <p:nvSpPr>
+          <p:cNvPr id="58" name="TextBox 57">
+            <a:extLst>
+              <a:ext uri="{FF2B5EF4-FFF2-40B4-BE49-F238E27FC236}">
+                <a16:creationId xmlns:a16="http://schemas.microsoft.com/office/drawing/2014/main" id="{8C623247-307A-03F0-6E5F-E6F6D2E98CBE}"/>
+              </a:ext>
+            </a:extLst>
+          </p:cNvPr>
+          <p:cNvSpPr txBox="1"/>
           <p:nvPr/>
-        </p:nvCxnSpPr>
+        </p:nvSpPr>
         <p:spPr>
-          <a:xfrm rot="16200000" flipV="1">
-            <a:off x="8961836" y="3960028"/>
-            <a:ext cx="374694" cy="1915366"/>
+          <a:xfrm>
+            <a:off x="8264392" y="5317788"/>
+            <a:ext cx="3642360" cy="923330"/>
           </a:xfrm>
-          <a:prstGeom prst="curvedConnector2">
+          <a:prstGeom prst="rect">
             <a:avLst/>
           </a:prstGeom>
-          <a:ln>
-            <a:tailEnd type="triangle"/>
-          </a:ln>
+          <a:noFill/>
         </p:spPr>
-        <p:style>
-          <a:lnRef idx="2">
-            <a:schemeClr val="accent1"/>
-          </a:lnRef>
-          <a:fillRef idx="0">
-            <a:schemeClr val="accent1"/>
-          </a:fillRef>
-          <a:effectRef idx="1">
-            <a:schemeClr val="accent1"/>
-          </a:effectRef>
-          <a:fontRef idx="minor">
-            <a:schemeClr val="tx1"/>
-          </a:fontRef>
-        </p:style>
-      </p:cxnSp>
+        <p:txBody>
+          <a:bodyPr wrap="square" rtlCol="0">
+            <a:spAutoFit/>
+          </a:bodyPr>
+          <a:lstStyle/>
+          <a:p>
+            <a:r>
+              <a:rPr lang="en-GB" dirty="0"/>
+              <a:t>If the effect of x on y does not when including z, then z has </a:t>
+            </a:r>
+            <a:r>
+              <a:rPr lang="en-GB" b="1" dirty="0"/>
+              <a:t>no</a:t>
+            </a:r>
+            <a:r>
+              <a:rPr lang="en-GB" dirty="0"/>
+              <a:t> causal effect on y.</a:t>
+            </a:r>
+            <a:endParaRPr lang="en-SE" dirty="0"/>
+          </a:p>
+        </p:txBody>
+      </p:sp>
     </p:spTree>
     <p:extLst>
       <p:ext uri="{BB962C8B-B14F-4D97-AF65-F5344CB8AC3E}">
@@ -25267,7 +27180,7 @@
           <a:p>
             <a:fld id="{403A2FDA-9B6F-4F19-BB52-15CB2FEB03DD}" type="datetime1">
               <a:rPr lang="de-DE" smtClean="0"/>
-              <a:t>28.04.2025</a:t>
+              <a:t>29.04.2025</a:t>
             </a:fld>
             <a:endParaRPr lang="en-US"/>
           </a:p>
@@ -25469,7 +27382,7 @@
           <a:p>
             <a:fld id="{B1F82A23-AB26-4EA9-9EE4-DB6F9A4796C6}" type="datetime1">
               <a:rPr lang="de-DE" smtClean="0"/>
-              <a:t>28.04.2025</a:t>
+              <a:t>29.04.2025</a:t>
             </a:fld>
             <a:endParaRPr lang="en-US"/>
           </a:p>
@@ -25613,7 +27526,7 @@
           <a:p>
             <a:fld id="{B1F82A23-AB26-4EA9-9EE4-DB6F9A4796C6}" type="datetime1">
               <a:rPr lang="de-DE" smtClean="0"/>
-              <a:t>28.04.2025</a:t>
+              <a:t>29.04.2025</a:t>
             </a:fld>
             <a:endParaRPr lang="en-US"/>
           </a:p>
@@ -26638,8 +28551,8 @@
           </p:style>
         </p:cxnSp>
       </p:grpSp>
-      <mc:AlternateContent xmlns:mc="http://schemas.openxmlformats.org/markup-compatibility/2006">
-        <mc:Choice xmlns:a14="http://schemas.microsoft.com/office/drawing/2010/main" Requires="a14">
+      <mc:AlternateContent xmlns:mc="http://schemas.openxmlformats.org/markup-compatibility/2006" xmlns:a14="http://schemas.microsoft.com/office/drawing/2010/main">
+        <mc:Choice Requires="a14">
           <p:sp>
             <p:nvSpPr>
               <p:cNvPr id="31" name="TextBox 30">
@@ -26668,6 +28581,7 @@
               </a:bodyPr>
               <a:lstStyle/>
               <a:p>
+                <a:pPr/>
                 <a14:m>
                   <m:oMathPara xmlns:m="http://schemas.openxmlformats.org/officeDocument/2006/math">
                     <m:oMathParaPr>
@@ -26712,7 +28626,7 @@
             </p:txBody>
           </p:sp>
         </mc:Choice>
-        <mc:Fallback>
+        <mc:Fallback xmlns="">
           <p:sp>
             <p:nvSpPr>
               <p:cNvPr id="31" name="TextBox 30">
@@ -26945,7 +28859,7 @@
           <a:p>
             <a:fld id="{403A2FDA-9B6F-4F19-BB52-15CB2FEB03DD}" type="datetime1">
               <a:rPr lang="de-DE" smtClean="0"/>
-              <a:t>28.04.2025</a:t>
+              <a:t>29.04.2025</a:t>
             </a:fld>
             <a:endParaRPr lang="en-US"/>
           </a:p>
@@ -27118,7 +29032,7 @@
           <a:p>
             <a:fld id="{B1F82A23-AB26-4EA9-9EE4-DB6F9A4796C6}" type="datetime1">
               <a:rPr lang="de-DE" smtClean="0"/>
-              <a:t>28.04.2025</a:t>
+              <a:t>29.04.2025</a:t>
             </a:fld>
             <a:endParaRPr lang="en-US"/>
           </a:p>
@@ -27293,7 +29207,7 @@
           <a:p>
             <a:fld id="{B1F82A23-AB26-4EA9-9EE4-DB6F9A4796C6}" type="datetime1">
               <a:rPr lang="de-DE" smtClean="0"/>
-              <a:t>28.04.2025</a:t>
+              <a:t>29.04.2025</a:t>
             </a:fld>
             <a:endParaRPr lang="en-US"/>
           </a:p>
@@ -27527,7 +29441,7 @@
           <a:p>
             <a:fld id="{B1F82A23-AB26-4EA9-9EE4-DB6F9A4796C6}" type="datetime1">
               <a:rPr lang="de-DE" smtClean="0"/>
-              <a:t>28.04.2025</a:t>
+              <a:t>29.04.2025</a:t>
             </a:fld>
             <a:endParaRPr lang="en-US"/>
           </a:p>
@@ -27732,7 +29646,7 @@
           <a:p>
             <a:fld id="{B1F82A23-AB26-4EA9-9EE4-DB6F9A4796C6}" type="datetime1">
               <a:rPr lang="de-DE" smtClean="0"/>
-              <a:t>28.04.2025</a:t>
+              <a:t>29.04.2025</a:t>
             </a:fld>
             <a:endParaRPr lang="en-US" dirty="0"/>
           </a:p>
@@ -29019,7 +30933,7 @@
           <a:p>
             <a:fld id="{403A2FDA-9B6F-4F19-BB52-15CB2FEB03DD}" type="datetime1">
               <a:rPr lang="de-DE" smtClean="0"/>
-              <a:t>28.04.2025</a:t>
+              <a:t>29.04.2025</a:t>
             </a:fld>
             <a:endParaRPr lang="en-US"/>
           </a:p>
@@ -29334,7 +31248,7 @@
           <a:p>
             <a:fld id="{B1F82A23-AB26-4EA9-9EE4-DB6F9A4796C6}" type="datetime1">
               <a:rPr lang="de-DE" smtClean="0"/>
-              <a:t>28.04.2025</a:t>
+              <a:t>29.04.2025</a:t>
             </a:fld>
             <a:endParaRPr lang="en-US"/>
           </a:p>
@@ -29547,7 +31461,7 @@
           <a:p>
             <a:fld id="{403A2FDA-9B6F-4F19-BB52-15CB2FEB03DD}" type="datetime1">
               <a:rPr lang="de-DE" smtClean="0"/>
-              <a:t>28.04.2025</a:t>
+              <a:t>29.04.2025</a:t>
             </a:fld>
             <a:endParaRPr lang="en-US"/>
           </a:p>
@@ -29719,7 +31633,7 @@
           <a:p>
             <a:fld id="{B1F82A23-AB26-4EA9-9EE4-DB6F9A4796C6}" type="datetime1">
               <a:rPr lang="de-DE" smtClean="0"/>
-              <a:t>28.04.2025</a:t>
+              <a:t>29.04.2025</a:t>
             </a:fld>
             <a:endParaRPr lang="en-US"/>
           </a:p>
@@ -29889,7 +31803,7 @@
           <a:p>
             <a:fld id="{B1F82A23-AB26-4EA9-9EE4-DB6F9A4796C6}" type="datetime1">
               <a:rPr lang="de-DE" smtClean="0"/>
-              <a:t>28.04.2025</a:t>
+              <a:t>29.04.2025</a:t>
             </a:fld>
             <a:endParaRPr lang="en-US"/>
           </a:p>
@@ -30059,7 +31973,7 @@
           <a:p>
             <a:fld id="{403A2FDA-9B6F-4F19-BB52-15CB2FEB03DD}" type="datetime1">
               <a:rPr lang="de-DE" smtClean="0"/>
-              <a:t>28.04.2025</a:t>
+              <a:t>29.04.2025</a:t>
             </a:fld>
             <a:endParaRPr lang="en-US"/>
           </a:p>
@@ -30269,7 +32183,7 @@
           <a:p>
             <a:fld id="{403A2FDA-9B6F-4F19-BB52-15CB2FEB03DD}" type="datetime1">
               <a:rPr lang="de-DE" smtClean="0"/>
-              <a:t>28.04.2025</a:t>
+              <a:t>29.04.2025</a:t>
             </a:fld>
             <a:endParaRPr lang="en-US"/>
           </a:p>
@@ -30817,7 +32731,7 @@
           <a:p>
             <a:fld id="{403A2FDA-9B6F-4F19-BB52-15CB2FEB03DD}" type="datetime1">
               <a:rPr lang="de-DE" smtClean="0"/>
-              <a:t>28.04.2025</a:t>
+              <a:t>29.04.2025</a:t>
             </a:fld>
             <a:endParaRPr lang="en-US"/>
           </a:p>
@@ -31678,7 +33592,7 @@
           <a:p>
             <a:fld id="{B1F82A23-AB26-4EA9-9EE4-DB6F9A4796C6}" type="datetime1">
               <a:rPr lang="de-DE" smtClean="0"/>
-              <a:t>28.04.2025</a:t>
+              <a:t>29.04.2025</a:t>
             </a:fld>
             <a:endParaRPr lang="en-US"/>
           </a:p>
@@ -32205,7 +34119,7 @@
           <a:p>
             <a:fld id="{403A2FDA-9B6F-4F19-BB52-15CB2FEB03DD}" type="datetime1">
               <a:rPr lang="de-DE" smtClean="0"/>
-              <a:t>28.04.2025</a:t>
+              <a:t>29.04.2025</a:t>
             </a:fld>
             <a:endParaRPr lang="en-US"/>
           </a:p>
@@ -32638,7 +34552,7 @@
           <a:p>
             <a:fld id="{B1F82A23-AB26-4EA9-9EE4-DB6F9A4796C6}" type="datetime1">
               <a:rPr lang="de-DE" smtClean="0"/>
-              <a:t>28.04.2025</a:t>
+              <a:t>29.04.2025</a:t>
             </a:fld>
             <a:endParaRPr lang="en-US"/>
           </a:p>
